--- a/assets/bedrock-knowledge-base.pptx
+++ b/assets/bedrock-knowledge-base.pptx
@@ -2,20 +2,21 @@
 <file path=ppt/presentation.xml><?xml version="1.0" encoding="utf-8"?>
 <p:presentation xmlns:a="http://schemas.openxmlformats.org/drawingml/2006/main" xmlns:r="http://schemas.openxmlformats.org/officeDocument/2006/relationships" xmlns:p="http://schemas.openxmlformats.org/presentationml/2006/main" saveSubsetFonts="1">
   <p:sldMasterIdLst>
-    <p:sldMasterId id="2147483648" r:id="rId1"/>
+    <p:sldMasterId id="2147483660" r:id="rId1"/>
   </p:sldMasterIdLst>
   <p:sldIdLst>
-    <p:sldId id="256" r:id="rId2"/>
-    <p:sldId id="257" r:id="rId3"/>
+    <p:sldId id="258" r:id="rId2"/>
+    <p:sldId id="256" r:id="rId3"/>
+    <p:sldId id="257" r:id="rId4"/>
   </p:sldIdLst>
-  <p:sldSz cx="12192000" cy="6858000"/>
+  <p:sldSz cx="12192000" cy="17657763"/>
   <p:notesSz cx="6858000" cy="9144000"/>
   <p:defaultTextStyle>
     <a:defPPr>
-      <a:defRPr lang="ja-JP"/>
+      <a:defRPr lang="en-US"/>
     </a:defPPr>
-    <a:lvl1pPr marL="0" algn="l" defTabSz="914400" rtl="0" eaLnBrk="1" latinLnBrk="0" hangingPunct="1">
-      <a:defRPr kumimoji="1" sz="1800" kern="1200">
+    <a:lvl1pPr marL="0" algn="l" defTabSz="457200" rtl="0" eaLnBrk="1" latinLnBrk="0" hangingPunct="1">
+      <a:defRPr sz="1800" kern="1200">
         <a:solidFill>
           <a:schemeClr val="tx1"/>
         </a:solidFill>
@@ -24,8 +25,8 @@
         <a:cs typeface="+mn-cs"/>
       </a:defRPr>
     </a:lvl1pPr>
-    <a:lvl2pPr marL="457200" algn="l" defTabSz="914400" rtl="0" eaLnBrk="1" latinLnBrk="0" hangingPunct="1">
-      <a:defRPr kumimoji="1" sz="1800" kern="1200">
+    <a:lvl2pPr marL="457200" algn="l" defTabSz="457200" rtl="0" eaLnBrk="1" latinLnBrk="0" hangingPunct="1">
+      <a:defRPr sz="1800" kern="1200">
         <a:solidFill>
           <a:schemeClr val="tx1"/>
         </a:solidFill>
@@ -34,8 +35,8 @@
         <a:cs typeface="+mn-cs"/>
       </a:defRPr>
     </a:lvl2pPr>
-    <a:lvl3pPr marL="914400" algn="l" defTabSz="914400" rtl="0" eaLnBrk="1" latinLnBrk="0" hangingPunct="1">
-      <a:defRPr kumimoji="1" sz="1800" kern="1200">
+    <a:lvl3pPr marL="914400" algn="l" defTabSz="457200" rtl="0" eaLnBrk="1" latinLnBrk="0" hangingPunct="1">
+      <a:defRPr sz="1800" kern="1200">
         <a:solidFill>
           <a:schemeClr val="tx1"/>
         </a:solidFill>
@@ -44,8 +45,8 @@
         <a:cs typeface="+mn-cs"/>
       </a:defRPr>
     </a:lvl3pPr>
-    <a:lvl4pPr marL="1371600" algn="l" defTabSz="914400" rtl="0" eaLnBrk="1" latinLnBrk="0" hangingPunct="1">
-      <a:defRPr kumimoji="1" sz="1800" kern="1200">
+    <a:lvl4pPr marL="1371600" algn="l" defTabSz="457200" rtl="0" eaLnBrk="1" latinLnBrk="0" hangingPunct="1">
+      <a:defRPr sz="1800" kern="1200">
         <a:solidFill>
           <a:schemeClr val="tx1"/>
         </a:solidFill>
@@ -54,8 +55,8 @@
         <a:cs typeface="+mn-cs"/>
       </a:defRPr>
     </a:lvl4pPr>
-    <a:lvl5pPr marL="1828800" algn="l" defTabSz="914400" rtl="0" eaLnBrk="1" latinLnBrk="0" hangingPunct="1">
-      <a:defRPr kumimoji="1" sz="1800" kern="1200">
+    <a:lvl5pPr marL="1828800" algn="l" defTabSz="457200" rtl="0" eaLnBrk="1" latinLnBrk="0" hangingPunct="1">
+      <a:defRPr sz="1800" kern="1200">
         <a:solidFill>
           <a:schemeClr val="tx1"/>
         </a:solidFill>
@@ -64,8 +65,8 @@
         <a:cs typeface="+mn-cs"/>
       </a:defRPr>
     </a:lvl5pPr>
-    <a:lvl6pPr marL="2286000" algn="l" defTabSz="914400" rtl="0" eaLnBrk="1" latinLnBrk="0" hangingPunct="1">
-      <a:defRPr kumimoji="1" sz="1800" kern="1200">
+    <a:lvl6pPr marL="2286000" algn="l" defTabSz="457200" rtl="0" eaLnBrk="1" latinLnBrk="0" hangingPunct="1">
+      <a:defRPr sz="1800" kern="1200">
         <a:solidFill>
           <a:schemeClr val="tx1"/>
         </a:solidFill>
@@ -74,8 +75,8 @@
         <a:cs typeface="+mn-cs"/>
       </a:defRPr>
     </a:lvl6pPr>
-    <a:lvl7pPr marL="2743200" algn="l" defTabSz="914400" rtl="0" eaLnBrk="1" latinLnBrk="0" hangingPunct="1">
-      <a:defRPr kumimoji="1" sz="1800" kern="1200">
+    <a:lvl7pPr marL="2743200" algn="l" defTabSz="457200" rtl="0" eaLnBrk="1" latinLnBrk="0" hangingPunct="1">
+      <a:defRPr sz="1800" kern="1200">
         <a:solidFill>
           <a:schemeClr val="tx1"/>
         </a:solidFill>
@@ -84,8 +85,8 @@
         <a:cs typeface="+mn-cs"/>
       </a:defRPr>
     </a:lvl7pPr>
-    <a:lvl8pPr marL="3200400" algn="l" defTabSz="914400" rtl="0" eaLnBrk="1" latinLnBrk="0" hangingPunct="1">
-      <a:defRPr kumimoji="1" sz="1800" kern="1200">
+    <a:lvl8pPr marL="3200400" algn="l" defTabSz="457200" rtl="0" eaLnBrk="1" latinLnBrk="0" hangingPunct="1">
+      <a:defRPr sz="1800" kern="1200">
         <a:solidFill>
           <a:schemeClr val="tx1"/>
         </a:solidFill>
@@ -94,8 +95,8 @@
         <a:cs typeface="+mn-cs"/>
       </a:defRPr>
     </a:lvl8pPr>
-    <a:lvl9pPr marL="3657600" algn="l" defTabSz="914400" rtl="0" eaLnBrk="1" latinLnBrk="0" hangingPunct="1">
-      <a:defRPr kumimoji="1" sz="1800" kern="1200">
+    <a:lvl9pPr marL="3657600" algn="l" defTabSz="457200" rtl="0" eaLnBrk="1" latinLnBrk="0" hangingPunct="1">
+      <a:defRPr sz="1800" kern="1200">
         <a:solidFill>
           <a:schemeClr val="tx1"/>
         </a:solidFill>
@@ -108,7 +109,7 @@
   <p:extLst>
     <p:ext uri="{EFAFB233-063F-42B5-8137-9DF3F51BA10A}">
       <p15:sldGuideLst xmlns:p15="http://schemas.microsoft.com/office/powerpoint/2012/main">
-        <p15:guide id="1" orient="horz" pos="2160" userDrawn="1">
+        <p15:guide id="1" orient="horz" pos="5562" userDrawn="1">
           <p15:clr>
             <a:srgbClr val="A4A3A4"/>
           </p15:clr>
@@ -122,6 +123,538 @@
     </p:ext>
   </p:extLst>
 </p:presentation>
+</file>
+
+<file path=ppt/revisionInfo.xml><?xml version="1.0" encoding="utf-8"?>
+<p1510:revInfo xmlns:a="http://schemas.openxmlformats.org/drawingml/2006/main" xmlns:r="http://schemas.openxmlformats.org/officeDocument/2006/relationships" xmlns:p1510="http://schemas.microsoft.com/office/powerpoint/2015/10/main">
+  <p1510:revLst>
+    <p1510:client id="{7D6C2B64-90D2-4F61-BAA4-280D5F25E8B9}" v="93" dt="2024-05-06T08:45:25.483"/>
+  </p1510:revLst>
+</p1510:revInfo>
+</file>
+
+<file path=ppt/changesInfos/changesInfo1.xml><?xml version="1.0" encoding="utf-8"?>
+<pc:chgInfo xmlns:a="http://schemas.openxmlformats.org/drawingml/2006/main" xmlns:r="http://schemas.openxmlformats.org/officeDocument/2006/relationships" xmlns:ac="http://schemas.microsoft.com/office/drawing/2013/main/command" xmlns:pc="http://schemas.microsoft.com/office/powerpoint/2013/main/command">
+  <pc:docChgLst>
+    <pc:chgData name="Renya Kujirada" userId="e48068c41cbe41b3" providerId="LiveId" clId="{7D6C2B64-90D2-4F61-BAA4-280D5F25E8B9}"/>
+    <pc:docChg chg="undo custSel addSld modSld sldOrd">
+      <pc:chgData name="Renya Kujirada" userId="e48068c41cbe41b3" providerId="LiveId" clId="{7D6C2B64-90D2-4F61-BAA4-280D5F25E8B9}" dt="2024-05-06T08:46:36.907" v="573" actId="14100"/>
+      <pc:docMkLst>
+        <pc:docMk/>
+      </pc:docMkLst>
+      <pc:sldChg chg="modSp mod">
+        <pc:chgData name="Renya Kujirada" userId="e48068c41cbe41b3" providerId="LiveId" clId="{7D6C2B64-90D2-4F61-BAA4-280D5F25E8B9}" dt="2024-05-06T08:13:37.569" v="20" actId="1076"/>
+        <pc:sldMkLst>
+          <pc:docMk/>
+          <pc:sldMk cId="1063121498" sldId="257"/>
+        </pc:sldMkLst>
+        <pc:spChg chg="mod">
+          <ac:chgData name="Renya Kujirada" userId="e48068c41cbe41b3" providerId="LiveId" clId="{7D6C2B64-90D2-4F61-BAA4-280D5F25E8B9}" dt="2024-05-06T08:13:37.569" v="20" actId="1076"/>
+          <ac:spMkLst>
+            <pc:docMk/>
+            <pc:sldMk cId="1063121498" sldId="257"/>
+            <ac:spMk id="1055" creationId="{7078DCFD-AF49-8CCF-E012-40F97C7B14D6}"/>
+          </ac:spMkLst>
+        </pc:spChg>
+      </pc:sldChg>
+      <pc:sldChg chg="addSp delSp modSp add mod ord">
+        <pc:chgData name="Renya Kujirada" userId="e48068c41cbe41b3" providerId="LiveId" clId="{7D6C2B64-90D2-4F61-BAA4-280D5F25E8B9}" dt="2024-05-06T08:46:36.907" v="573" actId="14100"/>
+        <pc:sldMkLst>
+          <pc:docMk/>
+          <pc:sldMk cId="2762003500" sldId="258"/>
+        </pc:sldMkLst>
+        <pc:spChg chg="mod">
+          <ac:chgData name="Renya Kujirada" userId="e48068c41cbe41b3" providerId="LiveId" clId="{7D6C2B64-90D2-4F61-BAA4-280D5F25E8B9}" dt="2024-05-06T08:22:55.183" v="150" actId="404"/>
+          <ac:spMkLst>
+            <pc:docMk/>
+            <pc:sldMk cId="2762003500" sldId="258"/>
+            <ac:spMk id="8" creationId="{6BBE705A-1D02-715B-47B9-C4782D573369}"/>
+          </ac:spMkLst>
+        </pc:spChg>
+        <pc:spChg chg="mod">
+          <ac:chgData name="Renya Kujirada" userId="e48068c41cbe41b3" providerId="LiveId" clId="{7D6C2B64-90D2-4F61-BAA4-280D5F25E8B9}" dt="2024-05-06T08:38:29.513" v="484" actId="1076"/>
+          <ac:spMkLst>
+            <pc:docMk/>
+            <pc:sldMk cId="2762003500" sldId="258"/>
+            <ac:spMk id="9" creationId="{9EAFBEEC-C987-CF14-B216-21BB3D97AD8A}"/>
+          </ac:spMkLst>
+        </pc:spChg>
+        <pc:spChg chg="add mod">
+          <ac:chgData name="Renya Kujirada" userId="e48068c41cbe41b3" providerId="LiveId" clId="{7D6C2B64-90D2-4F61-BAA4-280D5F25E8B9}" dt="2024-05-06T08:18:20.996" v="26" actId="571"/>
+          <ac:spMkLst>
+            <pc:docMk/>
+            <pc:sldMk cId="2762003500" sldId="258"/>
+            <ac:spMk id="10" creationId="{1F5AEDB5-7433-69EF-1DF3-8B10B437F594}"/>
+          </ac:spMkLst>
+        </pc:spChg>
+        <pc:spChg chg="mod">
+          <ac:chgData name="Renya Kujirada" userId="e48068c41cbe41b3" providerId="LiveId" clId="{7D6C2B64-90D2-4F61-BAA4-280D5F25E8B9}" dt="2024-05-06T08:38:29.513" v="484" actId="1076"/>
+          <ac:spMkLst>
+            <pc:docMk/>
+            <pc:sldMk cId="2762003500" sldId="258"/>
+            <ac:spMk id="12" creationId="{DD5A4C32-7E04-D791-3775-C39224C05577}"/>
+          </ac:spMkLst>
+        </pc:spChg>
+        <pc:spChg chg="del mod">
+          <ac:chgData name="Renya Kujirada" userId="e48068c41cbe41b3" providerId="LiveId" clId="{7D6C2B64-90D2-4F61-BAA4-280D5F25E8B9}" dt="2024-05-06T08:29:42.399" v="284" actId="478"/>
+          <ac:spMkLst>
+            <pc:docMk/>
+            <pc:sldMk cId="2762003500" sldId="258"/>
+            <ac:spMk id="15" creationId="{0347884A-04A2-A40F-4EA8-E1054961E099}"/>
+          </ac:spMkLst>
+        </pc:spChg>
+        <pc:spChg chg="add mod">
+          <ac:chgData name="Renya Kujirada" userId="e48068c41cbe41b3" providerId="LiveId" clId="{7D6C2B64-90D2-4F61-BAA4-280D5F25E8B9}" dt="2024-05-06T08:38:29.513" v="484" actId="1076"/>
+          <ac:spMkLst>
+            <pc:docMk/>
+            <pc:sldMk cId="2762003500" sldId="258"/>
+            <ac:spMk id="17" creationId="{5B0C0872-ABF9-27FD-25E4-3EC3CF3787FF}"/>
+          </ac:spMkLst>
+        </pc:spChg>
+        <pc:spChg chg="add del mod">
+          <ac:chgData name="Renya Kujirada" userId="e48068c41cbe41b3" providerId="LiveId" clId="{7D6C2B64-90D2-4F61-BAA4-280D5F25E8B9}" dt="2024-05-06T08:19:18.330" v="30" actId="478"/>
+          <ac:spMkLst>
+            <pc:docMk/>
+            <pc:sldMk cId="2762003500" sldId="258"/>
+            <ac:spMk id="18" creationId="{46DD29CF-0B45-93D7-EC0B-0CB130487143}"/>
+          </ac:spMkLst>
+        </pc:spChg>
+        <pc:spChg chg="mod">
+          <ac:chgData name="Renya Kujirada" userId="e48068c41cbe41b3" providerId="LiveId" clId="{7D6C2B64-90D2-4F61-BAA4-280D5F25E8B9}" dt="2024-05-06T08:28:48.383" v="276" actId="14100"/>
+          <ac:spMkLst>
+            <pc:docMk/>
+            <pc:sldMk cId="2762003500" sldId="258"/>
+            <ac:spMk id="21" creationId="{A7D07F43-234D-10FA-868A-CBDEFDBC41B0}"/>
+          </ac:spMkLst>
+        </pc:spChg>
+        <pc:spChg chg="del">
+          <ac:chgData name="Renya Kujirada" userId="e48068c41cbe41b3" providerId="LiveId" clId="{7D6C2B64-90D2-4F61-BAA4-280D5F25E8B9}" dt="2024-05-06T08:18:23.921" v="27" actId="478"/>
+          <ac:spMkLst>
+            <pc:docMk/>
+            <pc:sldMk cId="2762003500" sldId="258"/>
+            <ac:spMk id="24" creationId="{5F829B28-B81E-C200-FDA7-00CEAF0C3FA3}"/>
+          </ac:spMkLst>
+        </pc:spChg>
+        <pc:spChg chg="add mod">
+          <ac:chgData name="Renya Kujirada" userId="e48068c41cbe41b3" providerId="LiveId" clId="{7D6C2B64-90D2-4F61-BAA4-280D5F25E8B9}" dt="2024-05-06T08:38:29.513" v="484" actId="1076"/>
+          <ac:spMkLst>
+            <pc:docMk/>
+            <pc:sldMk cId="2762003500" sldId="258"/>
+            <ac:spMk id="25" creationId="{6AD067A4-5376-AFA2-C232-D2A46738C5B7}"/>
+          </ac:spMkLst>
+        </pc:spChg>
+        <pc:spChg chg="add mod">
+          <ac:chgData name="Renya Kujirada" userId="e48068c41cbe41b3" providerId="LiveId" clId="{7D6C2B64-90D2-4F61-BAA4-280D5F25E8B9}" dt="2024-05-06T08:28:07.598" v="269" actId="14100"/>
+          <ac:spMkLst>
+            <pc:docMk/>
+            <pc:sldMk cId="2762003500" sldId="258"/>
+            <ac:spMk id="46" creationId="{DF8075F3-EA2D-872B-4A1F-94911BF0DCC3}"/>
+          </ac:spMkLst>
+        </pc:spChg>
+        <pc:spChg chg="mod">
+          <ac:chgData name="Renya Kujirada" userId="e48068c41cbe41b3" providerId="LiveId" clId="{7D6C2B64-90D2-4F61-BAA4-280D5F25E8B9}" dt="2024-05-06T08:43:28.774" v="569" actId="1076"/>
+          <ac:spMkLst>
+            <pc:docMk/>
+            <pc:sldMk cId="2762003500" sldId="258"/>
+            <ac:spMk id="47" creationId="{D2EF52F6-1F79-CEE1-0E90-45AD1D416223}"/>
+          </ac:spMkLst>
+        </pc:spChg>
+        <pc:spChg chg="del mod">
+          <ac:chgData name="Renya Kujirada" userId="e48068c41cbe41b3" providerId="LiveId" clId="{7D6C2B64-90D2-4F61-BAA4-280D5F25E8B9}" dt="2024-05-06T08:28:03.043" v="267" actId="478"/>
+          <ac:spMkLst>
+            <pc:docMk/>
+            <pc:sldMk cId="2762003500" sldId="258"/>
+            <ac:spMk id="51" creationId="{037D6BB2-A43A-197A-A3D3-C28915F0631A}"/>
+          </ac:spMkLst>
+        </pc:spChg>
+        <pc:spChg chg="add mod">
+          <ac:chgData name="Renya Kujirada" userId="e48068c41cbe41b3" providerId="LiveId" clId="{7D6C2B64-90D2-4F61-BAA4-280D5F25E8B9}" dt="2024-05-06T08:27:21.042" v="220" actId="1076"/>
+          <ac:spMkLst>
+            <pc:docMk/>
+            <pc:sldMk cId="2762003500" sldId="258"/>
+            <ac:spMk id="60" creationId="{AC31174C-2688-5531-77BD-A6EAF4BE8FCD}"/>
+          </ac:spMkLst>
+        </pc:spChg>
+        <pc:spChg chg="add mod">
+          <ac:chgData name="Renya Kujirada" userId="e48068c41cbe41b3" providerId="LiveId" clId="{7D6C2B64-90D2-4F61-BAA4-280D5F25E8B9}" dt="2024-05-06T08:27:54.397" v="266"/>
+          <ac:spMkLst>
+            <pc:docMk/>
+            <pc:sldMk cId="2762003500" sldId="258"/>
+            <ac:spMk id="61" creationId="{9176C8C8-F025-7815-8DAE-79DFB25481F1}"/>
+          </ac:spMkLst>
+        </pc:spChg>
+        <pc:spChg chg="mod">
+          <ac:chgData name="Renya Kujirada" userId="e48068c41cbe41b3" providerId="LiveId" clId="{7D6C2B64-90D2-4F61-BAA4-280D5F25E8B9}" dt="2024-05-06T08:35:53.699" v="425" actId="1076"/>
+          <ac:spMkLst>
+            <pc:docMk/>
+            <pc:sldMk cId="2762003500" sldId="258"/>
+            <ac:spMk id="1024" creationId="{9FC49214-C1C6-7B92-06F5-6CF436F58941}"/>
+          </ac:spMkLst>
+        </pc:spChg>
+        <pc:spChg chg="add del mod">
+          <ac:chgData name="Renya Kujirada" userId="e48068c41cbe41b3" providerId="LiveId" clId="{7D6C2B64-90D2-4F61-BAA4-280D5F25E8B9}" dt="2024-05-06T08:36:12.440" v="460" actId="478"/>
+          <ac:spMkLst>
+            <pc:docMk/>
+            <pc:sldMk cId="2762003500" sldId="258"/>
+            <ac:spMk id="1032" creationId="{6CF3C313-B844-9F0E-24F3-FABC0A49BCC9}"/>
+          </ac:spMkLst>
+        </pc:spChg>
+        <pc:spChg chg="add del mod">
+          <ac:chgData name="Renya Kujirada" userId="e48068c41cbe41b3" providerId="LiveId" clId="{7D6C2B64-90D2-4F61-BAA4-280D5F25E8B9}" dt="2024-05-06T08:29:57.555" v="289" actId="478"/>
+          <ac:spMkLst>
+            <pc:docMk/>
+            <pc:sldMk cId="2762003500" sldId="258"/>
+            <ac:spMk id="1035" creationId="{75A8A08D-4BFB-9268-2DF2-7D8778C1EAF6}"/>
+          </ac:spMkLst>
+        </pc:spChg>
+        <pc:spChg chg="add mod">
+          <ac:chgData name="Renya Kujirada" userId="e48068c41cbe41b3" providerId="LiveId" clId="{7D6C2B64-90D2-4F61-BAA4-280D5F25E8B9}" dt="2024-05-06T08:30:10.509" v="331"/>
+          <ac:spMkLst>
+            <pc:docMk/>
+            <pc:sldMk cId="2762003500" sldId="258"/>
+            <ac:spMk id="1036" creationId="{C14B6B82-FF78-89AD-02F7-7B0076CB7134}"/>
+          </ac:spMkLst>
+        </pc:spChg>
+        <pc:spChg chg="add mod">
+          <ac:chgData name="Renya Kujirada" userId="e48068c41cbe41b3" providerId="LiveId" clId="{7D6C2B64-90D2-4F61-BAA4-280D5F25E8B9}" dt="2024-05-06T08:32:45.468" v="340" actId="1076"/>
+          <ac:spMkLst>
+            <pc:docMk/>
+            <pc:sldMk cId="2762003500" sldId="258"/>
+            <ac:spMk id="1037" creationId="{01DC9FA7-895E-90AB-222E-E1BA2A5688B5}"/>
+          </ac:spMkLst>
+        </pc:spChg>
+        <pc:spChg chg="add mod">
+          <ac:chgData name="Renya Kujirada" userId="e48068c41cbe41b3" providerId="LiveId" clId="{7D6C2B64-90D2-4F61-BAA4-280D5F25E8B9}" dt="2024-05-06T08:36:45.927" v="463" actId="404"/>
+          <ac:spMkLst>
+            <pc:docMk/>
+            <pc:sldMk cId="2762003500" sldId="258"/>
+            <ac:spMk id="1039" creationId="{C3903BE4-BA20-7C69-8E1A-7C90BCD9D5C0}"/>
+          </ac:spMkLst>
+        </pc:spChg>
+        <pc:spChg chg="add mod">
+          <ac:chgData name="Renya Kujirada" userId="e48068c41cbe41b3" providerId="LiveId" clId="{7D6C2B64-90D2-4F61-BAA4-280D5F25E8B9}" dt="2024-05-06T08:34:34.737" v="372" actId="571"/>
+          <ac:spMkLst>
+            <pc:docMk/>
+            <pc:sldMk cId="2762003500" sldId="258"/>
+            <ac:spMk id="1045" creationId="{0EBA6705-BCD6-D779-A0C9-BE841A8544B8}"/>
+          </ac:spMkLst>
+        </pc:spChg>
+        <pc:spChg chg="add mod">
+          <ac:chgData name="Renya Kujirada" userId="e48068c41cbe41b3" providerId="LiveId" clId="{7D6C2B64-90D2-4F61-BAA4-280D5F25E8B9}" dt="2024-05-06T08:36:02.596" v="458"/>
+          <ac:spMkLst>
+            <pc:docMk/>
+            <pc:sldMk cId="2762003500" sldId="258"/>
+            <ac:spMk id="1048" creationId="{12D4DC80-6CEA-D5E8-E982-CCFE1E33B69C}"/>
+          </ac:spMkLst>
+        </pc:spChg>
+        <pc:spChg chg="add mod">
+          <ac:chgData name="Renya Kujirada" userId="e48068c41cbe41b3" providerId="LiveId" clId="{7D6C2B64-90D2-4F61-BAA4-280D5F25E8B9}" dt="2024-05-06T08:34:34.737" v="372" actId="571"/>
+          <ac:spMkLst>
+            <pc:docMk/>
+            <pc:sldMk cId="2762003500" sldId="258"/>
+            <ac:spMk id="1049" creationId="{7F40D47D-F3AF-9C5B-28BE-92356B1AFF44}"/>
+          </ac:spMkLst>
+        </pc:spChg>
+        <pc:spChg chg="mod">
+          <ac:chgData name="Renya Kujirada" userId="e48068c41cbe41b3" providerId="LiveId" clId="{7D6C2B64-90D2-4F61-BAA4-280D5F25E8B9}" dt="2024-05-06T08:45:11.508" v="571" actId="20577"/>
+          <ac:spMkLst>
+            <pc:docMk/>
+            <pc:sldMk cId="2762003500" sldId="258"/>
+            <ac:spMk id="1055" creationId="{7078DCFD-AF49-8CCF-E012-40F97C7B14D6}"/>
+          </ac:spMkLst>
+        </pc:spChg>
+        <pc:spChg chg="add del mod">
+          <ac:chgData name="Renya Kujirada" userId="e48068c41cbe41b3" providerId="LiveId" clId="{7D6C2B64-90D2-4F61-BAA4-280D5F25E8B9}" dt="2024-05-06T08:35:13.966" v="378" actId="478"/>
+          <ac:spMkLst>
+            <pc:docMk/>
+            <pc:sldMk cId="2762003500" sldId="258"/>
+            <ac:spMk id="1056" creationId="{FE4597CE-594A-5D80-042A-74C6077C0091}"/>
+          </ac:spMkLst>
+        </pc:spChg>
+        <pc:spChg chg="add mod">
+          <ac:chgData name="Renya Kujirada" userId="e48068c41cbe41b3" providerId="LiveId" clId="{7D6C2B64-90D2-4F61-BAA4-280D5F25E8B9}" dt="2024-05-06T08:35:28.520" v="380"/>
+          <ac:spMkLst>
+            <pc:docMk/>
+            <pc:sldMk cId="2762003500" sldId="258"/>
+            <ac:spMk id="1057" creationId="{2341A0E3-47EF-9D5B-AF78-0806E03729FE}"/>
+          </ac:spMkLst>
+        </pc:spChg>
+        <pc:spChg chg="add mod">
+          <ac:chgData name="Renya Kujirada" userId="e48068c41cbe41b3" providerId="LiveId" clId="{7D6C2B64-90D2-4F61-BAA4-280D5F25E8B9}" dt="2024-05-06T08:35:31.458" v="381"/>
+          <ac:spMkLst>
+            <pc:docMk/>
+            <pc:sldMk cId="2762003500" sldId="258"/>
+            <ac:spMk id="1058" creationId="{A2DBAE95-6701-8754-7A24-2D6ED35D392E}"/>
+          </ac:spMkLst>
+        </pc:spChg>
+        <pc:spChg chg="add mod">
+          <ac:chgData name="Renya Kujirada" userId="e48068c41cbe41b3" providerId="LiveId" clId="{7D6C2B64-90D2-4F61-BAA4-280D5F25E8B9}" dt="2024-05-06T08:46:31.391" v="572" actId="14100"/>
+          <ac:spMkLst>
+            <pc:docMk/>
+            <pc:sldMk cId="2762003500" sldId="258"/>
+            <ac:spMk id="1065" creationId="{73ECED0B-30BD-27CC-BCBC-67C28562696C}"/>
+          </ac:spMkLst>
+        </pc:spChg>
+        <pc:picChg chg="mod">
+          <ac:chgData name="Renya Kujirada" userId="e48068c41cbe41b3" providerId="LiveId" clId="{7D6C2B64-90D2-4F61-BAA4-280D5F25E8B9}" dt="2024-05-06T08:22:52.428" v="149" actId="404"/>
+          <ac:picMkLst>
+            <pc:docMk/>
+            <pc:sldMk cId="2762003500" sldId="258"/>
+            <ac:picMk id="3" creationId="{42BC77E2-5B37-B1E0-E201-09CAA1558575}"/>
+          </ac:picMkLst>
+        </pc:picChg>
+        <pc:picChg chg="mod">
+          <ac:chgData name="Renya Kujirada" userId="e48068c41cbe41b3" providerId="LiveId" clId="{7D6C2B64-90D2-4F61-BAA4-280D5F25E8B9}" dt="2024-05-06T08:22:52.428" v="149" actId="404"/>
+          <ac:picMkLst>
+            <pc:docMk/>
+            <pc:sldMk cId="2762003500" sldId="258"/>
+            <ac:picMk id="5" creationId="{9E5637BB-460C-DDFB-14B1-7F4B7792D0C3}"/>
+          </ac:picMkLst>
+        </pc:picChg>
+        <pc:picChg chg="add mod">
+          <ac:chgData name="Renya Kujirada" userId="e48068c41cbe41b3" providerId="LiveId" clId="{7D6C2B64-90D2-4F61-BAA4-280D5F25E8B9}" dt="2024-05-06T08:18:20.996" v="26" actId="571"/>
+          <ac:picMkLst>
+            <pc:docMk/>
+            <pc:sldMk cId="2762003500" sldId="258"/>
+            <ac:picMk id="7" creationId="{F8D1713F-972F-7E57-1CB3-7EBF4C8311D9}"/>
+          </ac:picMkLst>
+        </pc:picChg>
+        <pc:picChg chg="del mod">
+          <ac:chgData name="Renya Kujirada" userId="e48068c41cbe41b3" providerId="LiveId" clId="{7D6C2B64-90D2-4F61-BAA4-280D5F25E8B9}" dt="2024-05-06T08:29:42.399" v="284" actId="478"/>
+          <ac:picMkLst>
+            <pc:docMk/>
+            <pc:sldMk cId="2762003500" sldId="258"/>
+            <ac:picMk id="14" creationId="{4C0A08BC-11C8-B713-FE48-853A93E03F69}"/>
+          </ac:picMkLst>
+        </pc:picChg>
+        <pc:picChg chg="add mod ord">
+          <ac:chgData name="Renya Kujirada" userId="e48068c41cbe41b3" providerId="LiveId" clId="{7D6C2B64-90D2-4F61-BAA4-280D5F25E8B9}" dt="2024-05-06T08:38:29.513" v="484" actId="1076"/>
+          <ac:picMkLst>
+            <pc:docMk/>
+            <pc:sldMk cId="2762003500" sldId="258"/>
+            <ac:picMk id="16" creationId="{E75E9CE2-32FC-8A13-F044-3AC58C2C3FB9}"/>
+          </ac:picMkLst>
+        </pc:picChg>
+        <pc:picChg chg="mod">
+          <ac:chgData name="Renya Kujirada" userId="e48068c41cbe41b3" providerId="LiveId" clId="{7D6C2B64-90D2-4F61-BAA4-280D5F25E8B9}" dt="2024-05-06T08:25:24.755" v="179" actId="1076"/>
+          <ac:picMkLst>
+            <pc:docMk/>
+            <pc:sldMk cId="2762003500" sldId="258"/>
+            <ac:picMk id="44" creationId="{5B45E4FC-AC82-9D61-D9FA-7C9446A3EC01}"/>
+          </ac:picMkLst>
+        </pc:picChg>
+        <pc:picChg chg="add mod">
+          <ac:chgData name="Renya Kujirada" userId="e48068c41cbe41b3" providerId="LiveId" clId="{7D6C2B64-90D2-4F61-BAA4-280D5F25E8B9}" dt="2024-05-06T08:26:46.607" v="197" actId="1076"/>
+          <ac:picMkLst>
+            <pc:docMk/>
+            <pc:sldMk cId="2762003500" sldId="258"/>
+            <ac:picMk id="45" creationId="{6D15213F-C00B-80DC-3A4F-A3EBE877FD50}"/>
+          </ac:picMkLst>
+        </pc:picChg>
+        <pc:picChg chg="add mod ord">
+          <ac:chgData name="Renya Kujirada" userId="e48068c41cbe41b3" providerId="LiveId" clId="{7D6C2B64-90D2-4F61-BAA4-280D5F25E8B9}" dt="2024-05-06T08:28:42.405" v="274" actId="1076"/>
+          <ac:picMkLst>
+            <pc:docMk/>
+            <pc:sldMk cId="2762003500" sldId="258"/>
+            <ac:picMk id="48" creationId="{921BAF22-E81A-ED1D-9FB4-AD3076380781}"/>
+          </ac:picMkLst>
+        </pc:picChg>
+        <pc:picChg chg="add mod">
+          <ac:chgData name="Renya Kujirada" userId="e48068c41cbe41b3" providerId="LiveId" clId="{7D6C2B64-90D2-4F61-BAA4-280D5F25E8B9}" dt="2024-05-06T08:25:44.566" v="186" actId="1076"/>
+          <ac:picMkLst>
+            <pc:docMk/>
+            <pc:sldMk cId="2762003500" sldId="258"/>
+            <ac:picMk id="49" creationId="{1637F34C-D69B-CF1B-7EE9-DD1851AA0C6C}"/>
+          </ac:picMkLst>
+        </pc:picChg>
+        <pc:picChg chg="add mod">
+          <ac:chgData name="Renya Kujirada" userId="e48068c41cbe41b3" providerId="LiveId" clId="{7D6C2B64-90D2-4F61-BAA4-280D5F25E8B9}" dt="2024-05-06T08:28:37.758" v="273" actId="1076"/>
+          <ac:picMkLst>
+            <pc:docMk/>
+            <pc:sldMk cId="2762003500" sldId="258"/>
+            <ac:picMk id="62" creationId="{144AA3EF-F345-963D-1E8D-98A05BE0EC93}"/>
+          </ac:picMkLst>
+        </pc:picChg>
+        <pc:picChg chg="del">
+          <ac:chgData name="Renya Kujirada" userId="e48068c41cbe41b3" providerId="LiveId" clId="{7D6C2B64-90D2-4F61-BAA4-280D5F25E8B9}" dt="2024-05-06T08:18:23.921" v="27" actId="478"/>
+          <ac:picMkLst>
+            <pc:docMk/>
+            <pc:sldMk cId="2762003500" sldId="258"/>
+            <ac:picMk id="1026" creationId="{29BD7976-2EE8-430E-3FA4-761DE0C40633}"/>
+          </ac:picMkLst>
+        </pc:picChg>
+        <pc:picChg chg="add mod">
+          <ac:chgData name="Renya Kujirada" userId="e48068c41cbe41b3" providerId="LiveId" clId="{7D6C2B64-90D2-4F61-BAA4-280D5F25E8B9}" dt="2024-05-06T08:32:34.329" v="337" actId="1076"/>
+          <ac:picMkLst>
+            <pc:docMk/>
+            <pc:sldMk cId="2762003500" sldId="258"/>
+            <ac:picMk id="1033" creationId="{87161554-8D44-AD2E-D695-45AF765F4F9A}"/>
+          </ac:picMkLst>
+        </pc:picChg>
+        <pc:picChg chg="add mod">
+          <ac:chgData name="Renya Kujirada" userId="e48068c41cbe41b3" providerId="LiveId" clId="{7D6C2B64-90D2-4F61-BAA4-280D5F25E8B9}" dt="2024-05-06T08:29:50.403" v="286"/>
+          <ac:picMkLst>
+            <pc:docMk/>
+            <pc:sldMk cId="2762003500" sldId="258"/>
+            <ac:picMk id="1034" creationId="{F377A165-B1B5-5DFE-FAF7-7C2F5947FF60}"/>
+          </ac:picMkLst>
+        </pc:picChg>
+        <pc:picChg chg="add mod">
+          <ac:chgData name="Renya Kujirada" userId="e48068c41cbe41b3" providerId="LiveId" clId="{7D6C2B64-90D2-4F61-BAA4-280D5F25E8B9}" dt="2024-05-06T08:32:45.468" v="340" actId="1076"/>
+          <ac:picMkLst>
+            <pc:docMk/>
+            <pc:sldMk cId="2762003500" sldId="258"/>
+            <ac:picMk id="1038" creationId="{001FACA5-392D-6D3C-8D2B-AB21324D4215}"/>
+          </ac:picMkLst>
+        </pc:picChg>
+        <pc:picChg chg="add mod">
+          <ac:chgData name="Renya Kujirada" userId="e48068c41cbe41b3" providerId="LiveId" clId="{7D6C2B64-90D2-4F61-BAA4-280D5F25E8B9}" dt="2024-05-06T08:33:52.007" v="366" actId="1076"/>
+          <ac:picMkLst>
+            <pc:docMk/>
+            <pc:sldMk cId="2762003500" sldId="258"/>
+            <ac:picMk id="1040" creationId="{A20A575E-0790-A083-3CA0-0F3304FCD1D0}"/>
+          </ac:picMkLst>
+        </pc:picChg>
+        <pc:picChg chg="add mod">
+          <ac:chgData name="Renya Kujirada" userId="e48068c41cbe41b3" providerId="LiveId" clId="{7D6C2B64-90D2-4F61-BAA4-280D5F25E8B9}" dt="2024-05-06T08:34:07.838" v="370" actId="1076"/>
+          <ac:picMkLst>
+            <pc:docMk/>
+            <pc:sldMk cId="2762003500" sldId="258"/>
+            <ac:picMk id="1041" creationId="{255F9432-3218-1C9F-6A3B-F357C688C669}"/>
+          </ac:picMkLst>
+        </pc:picChg>
+        <pc:picChg chg="add mod">
+          <ac:chgData name="Renya Kujirada" userId="e48068c41cbe41b3" providerId="LiveId" clId="{7D6C2B64-90D2-4F61-BAA4-280D5F25E8B9}" dt="2024-05-06T08:34:34.737" v="372" actId="571"/>
+          <ac:picMkLst>
+            <pc:docMk/>
+            <pc:sldMk cId="2762003500" sldId="258"/>
+            <ac:picMk id="1050" creationId="{3DD19409-801A-ED97-0203-6C3A540E552B}"/>
+          </ac:picMkLst>
+        </pc:picChg>
+        <pc:cxnChg chg="add mod">
+          <ac:chgData name="Renya Kujirada" userId="e48068c41cbe41b3" providerId="LiveId" clId="{7D6C2B64-90D2-4F61-BAA4-280D5F25E8B9}" dt="2024-05-06T08:42:04.726" v="556" actId="14100"/>
+          <ac:cxnSpMkLst>
+            <pc:docMk/>
+            <pc:sldMk cId="2762003500" sldId="258"/>
+            <ac:cxnSpMk id="19" creationId="{0E1B6781-E5FA-62AA-ED0E-98F49725BCB6}"/>
+          </ac:cxnSpMkLst>
+        </pc:cxnChg>
+        <pc:cxnChg chg="del mod">
+          <ac:chgData name="Renya Kujirada" userId="e48068c41cbe41b3" providerId="LiveId" clId="{7D6C2B64-90D2-4F61-BAA4-280D5F25E8B9}" dt="2024-05-06T08:19:41.008" v="35" actId="478"/>
+          <ac:cxnSpMkLst>
+            <pc:docMk/>
+            <pc:sldMk cId="2762003500" sldId="258"/>
+            <ac:cxnSpMk id="26" creationId="{9935ADF5-4B99-8B53-B822-B64E37153DED}"/>
+          </ac:cxnSpMkLst>
+        </pc:cxnChg>
+        <pc:cxnChg chg="add del mod">
+          <ac:chgData name="Renya Kujirada" userId="e48068c41cbe41b3" providerId="LiveId" clId="{7D6C2B64-90D2-4F61-BAA4-280D5F25E8B9}" dt="2024-05-06T08:38:03.979" v="478" actId="478"/>
+          <ac:cxnSpMkLst>
+            <pc:docMk/>
+            <pc:sldMk cId="2762003500" sldId="258"/>
+            <ac:cxnSpMk id="27" creationId="{67BFFE55-69F1-82F5-2242-947D561D8B11}"/>
+          </ac:cxnSpMkLst>
+        </pc:cxnChg>
+        <pc:cxnChg chg="mod">
+          <ac:chgData name="Renya Kujirada" userId="e48068c41cbe41b3" providerId="LiveId" clId="{7D6C2B64-90D2-4F61-BAA4-280D5F25E8B9}" dt="2024-05-06T08:38:29.513" v="484" actId="1076"/>
+          <ac:cxnSpMkLst>
+            <pc:docMk/>
+            <pc:sldMk cId="2762003500" sldId="258"/>
+            <ac:cxnSpMk id="29" creationId="{B57E80D7-FDAC-73AB-B63A-6D3E54428937}"/>
+          </ac:cxnSpMkLst>
+        </pc:cxnChg>
+        <pc:cxnChg chg="mod">
+          <ac:chgData name="Renya Kujirada" userId="e48068c41cbe41b3" providerId="LiveId" clId="{7D6C2B64-90D2-4F61-BAA4-280D5F25E8B9}" dt="2024-05-06T08:34:43.616" v="374" actId="14100"/>
+          <ac:cxnSpMkLst>
+            <pc:docMk/>
+            <pc:sldMk cId="2762003500" sldId="258"/>
+            <ac:cxnSpMk id="33" creationId="{2715210A-0DD8-AA65-DF18-3DC84C2F7179}"/>
+          </ac:cxnSpMkLst>
+        </pc:cxnChg>
+        <pc:cxnChg chg="add del mod">
+          <ac:chgData name="Renya Kujirada" userId="e48068c41cbe41b3" providerId="LiveId" clId="{7D6C2B64-90D2-4F61-BAA4-280D5F25E8B9}" dt="2024-05-06T08:37:55.983" v="475" actId="478"/>
+          <ac:cxnSpMkLst>
+            <pc:docMk/>
+            <pc:sldMk cId="2762003500" sldId="258"/>
+            <ac:cxnSpMk id="34" creationId="{56CEB6D3-FE0E-F7FA-EFDB-D8671622FF8B}"/>
+          </ac:cxnSpMkLst>
+        </pc:cxnChg>
+        <pc:cxnChg chg="add mod">
+          <ac:chgData name="Renya Kujirada" userId="e48068c41cbe41b3" providerId="LiveId" clId="{7D6C2B64-90D2-4F61-BAA4-280D5F25E8B9}" dt="2024-05-06T08:46:36.907" v="573" actId="14100"/>
+          <ac:cxnSpMkLst>
+            <pc:docMk/>
+            <pc:sldMk cId="2762003500" sldId="258"/>
+            <ac:cxnSpMk id="50" creationId="{12ABD1CF-D9EA-B63B-8C49-8D036BCAB304}"/>
+          </ac:cxnSpMkLst>
+        </pc:cxnChg>
+        <pc:cxnChg chg="mod">
+          <ac:chgData name="Renya Kujirada" userId="e48068c41cbe41b3" providerId="LiveId" clId="{7D6C2B64-90D2-4F61-BAA4-280D5F25E8B9}" dt="2024-05-06T08:29:32.296" v="282" actId="14100"/>
+          <ac:cxnSpMkLst>
+            <pc:docMk/>
+            <pc:sldMk cId="2762003500" sldId="258"/>
+            <ac:cxnSpMk id="54" creationId="{9965ECF0-E10E-08F7-5BAA-658889374259}"/>
+          </ac:cxnSpMkLst>
+        </pc:cxnChg>
+        <pc:cxnChg chg="add mod">
+          <ac:chgData name="Renya Kujirada" userId="e48068c41cbe41b3" providerId="LiveId" clId="{7D6C2B64-90D2-4F61-BAA4-280D5F25E8B9}" dt="2024-05-06T08:26:43.583" v="196" actId="1076"/>
+          <ac:cxnSpMkLst>
+            <pc:docMk/>
+            <pc:sldMk cId="2762003500" sldId="258"/>
+            <ac:cxnSpMk id="55" creationId="{E7626022-0014-071B-D733-C31E2775B689}"/>
+          </ac:cxnSpMkLst>
+        </pc:cxnChg>
+        <pc:cxnChg chg="mod">
+          <ac:chgData name="Renya Kujirada" userId="e48068c41cbe41b3" providerId="LiveId" clId="{7D6C2B64-90D2-4F61-BAA4-280D5F25E8B9}" dt="2024-05-06T08:28:48.383" v="276" actId="14100"/>
+          <ac:cxnSpMkLst>
+            <pc:docMk/>
+            <pc:sldMk cId="2762003500" sldId="258"/>
+            <ac:cxnSpMk id="1027" creationId="{588580B4-7C80-8FFA-2BFE-82B56EAACBBD}"/>
+          </ac:cxnSpMkLst>
+        </pc:cxnChg>
+        <pc:cxnChg chg="mod">
+          <ac:chgData name="Renya Kujirada" userId="e48068c41cbe41b3" providerId="LiveId" clId="{7D6C2B64-90D2-4F61-BAA4-280D5F25E8B9}" dt="2024-05-06T08:36:16.725" v="461" actId="14100"/>
+          <ac:cxnSpMkLst>
+            <pc:docMk/>
+            <pc:sldMk cId="2762003500" sldId="258"/>
+            <ac:cxnSpMk id="1031" creationId="{F7652283-CD3F-3CBC-C872-14FCB6F6E106}"/>
+          </ac:cxnSpMkLst>
+        </pc:cxnChg>
+        <pc:cxnChg chg="add mod">
+          <ac:chgData name="Renya Kujirada" userId="e48068c41cbe41b3" providerId="LiveId" clId="{7D6C2B64-90D2-4F61-BAA4-280D5F25E8B9}" dt="2024-05-06T08:34:52.814" v="376" actId="14100"/>
+          <ac:cxnSpMkLst>
+            <pc:docMk/>
+            <pc:sldMk cId="2762003500" sldId="258"/>
+            <ac:cxnSpMk id="1042" creationId="{549C89BD-A427-63A1-9FEB-F21062B0A98C}"/>
+          </ac:cxnSpMkLst>
+        </pc:cxnChg>
+        <pc:cxnChg chg="add mod">
+          <ac:chgData name="Renya Kujirada" userId="e48068c41cbe41b3" providerId="LiveId" clId="{7D6C2B64-90D2-4F61-BAA4-280D5F25E8B9}" dt="2024-05-06T08:34:34.737" v="372" actId="571"/>
+          <ac:cxnSpMkLst>
+            <pc:docMk/>
+            <pc:sldMk cId="2762003500" sldId="258"/>
+            <ac:cxnSpMk id="1046" creationId="{D554169A-21A1-57D7-487D-3C41845673B8}"/>
+          </ac:cxnSpMkLst>
+        </pc:cxnChg>
+        <pc:cxnChg chg="add mod">
+          <ac:chgData name="Renya Kujirada" userId="e48068c41cbe41b3" providerId="LiveId" clId="{7D6C2B64-90D2-4F61-BAA4-280D5F25E8B9}" dt="2024-05-06T08:34:34.737" v="372" actId="571"/>
+          <ac:cxnSpMkLst>
+            <pc:docMk/>
+            <pc:sldMk cId="2762003500" sldId="258"/>
+            <ac:cxnSpMk id="1047" creationId="{4053D762-519F-B7F9-F954-85DA49748B1C}"/>
+          </ac:cxnSpMkLst>
+        </pc:cxnChg>
+        <pc:cxnChg chg="add mod">
+          <ac:chgData name="Renya Kujirada" userId="e48068c41cbe41b3" providerId="LiveId" clId="{7D6C2B64-90D2-4F61-BAA4-280D5F25E8B9}" dt="2024-05-06T08:46:31.391" v="572" actId="14100"/>
+          <ac:cxnSpMkLst>
+            <pc:docMk/>
+            <pc:sldMk cId="2762003500" sldId="258"/>
+            <ac:cxnSpMk id="1064" creationId="{57D623A7-1B54-214C-8179-AA0D5D5580D9}"/>
+          </ac:cxnSpMkLst>
+        </pc:cxnChg>
+      </pc:sldChg>
+    </pc:docChg>
+  </pc:docChgLst>
+</pc:chgInfo>
 </file>
 
 <file path=ppt/slideLayouts/slideLayout1.xml><?xml version="1.0" encoding="utf-8"?>
@@ -143,13 +676,7 @@
       </p:grpSpPr>
       <p:sp>
         <p:nvSpPr>
-          <p:cNvPr id="2" name="タイトル 1">
-            <a:extLst>
-              <a:ext uri="{FF2B5EF4-FFF2-40B4-BE49-F238E27FC236}">
-                <a16:creationId xmlns:a16="http://schemas.microsoft.com/office/drawing/2014/main" id="{DFA25348-FEFD-32C5-F928-308F2755C686}"/>
-              </a:ext>
-            </a:extLst>
-          </p:cNvPr>
+          <p:cNvPr id="2" name="Title 1"/>
           <p:cNvSpPr>
             <a:spLocks noGrp="1"/>
           </p:cNvSpPr>
@@ -159,34 +686,29 @@
         </p:nvSpPr>
         <p:spPr>
           <a:xfrm>
-            <a:off x="1524000" y="1122363"/>
-            <a:ext cx="9144000" cy="2387600"/>
+            <a:off x="914400" y="2889825"/>
+            <a:ext cx="10363200" cy="6147517"/>
           </a:xfrm>
         </p:spPr>
         <p:txBody>
           <a:bodyPr anchor="b"/>
           <a:lstStyle>
             <a:lvl1pPr algn="ctr">
-              <a:defRPr sz="6000"/>
+              <a:defRPr sz="8000"/>
             </a:lvl1pPr>
           </a:lstStyle>
           <a:p>
             <a:r>
-              <a:rPr kumimoji="1" lang="ja-JP" altLang="en-US"/>
+              <a:rPr lang="ja-JP" altLang="en-US"/>
               <a:t>マスター タイトルの書式設定</a:t>
             </a:r>
-          </a:p>
-        </p:txBody>
-      </p:sp>
-      <p:sp>
-        <p:nvSpPr>
-          <p:cNvPr id="3" name="字幕 2">
-            <a:extLst>
-              <a:ext uri="{FF2B5EF4-FFF2-40B4-BE49-F238E27FC236}">
-                <a16:creationId xmlns:a16="http://schemas.microsoft.com/office/drawing/2014/main" id="{E7CF9109-904F-77D1-50D3-5F5F96FAEB2C}"/>
-              </a:ext>
-            </a:extLst>
-          </p:cNvPr>
+            <a:endParaRPr lang="en-US" dirty="0"/>
+          </a:p>
+        </p:txBody>
+      </p:sp>
+      <p:sp>
+        <p:nvSpPr>
+          <p:cNvPr id="3" name="Subtitle 2"/>
           <p:cNvSpPr>
             <a:spLocks noGrp="1"/>
           </p:cNvSpPr>
@@ -196,8 +718,8 @@
         </p:nvSpPr>
         <p:spPr>
           <a:xfrm>
-            <a:off x="1524000" y="3602038"/>
-            <a:ext cx="9144000" cy="1655762"/>
+            <a:off x="1524000" y="9274414"/>
+            <a:ext cx="9144000" cy="4263204"/>
           </a:xfrm>
         </p:spPr>
         <p:txBody>
@@ -205,58 +727,53 @@
           <a:lstStyle>
             <a:lvl1pPr marL="0" indent="0" algn="ctr">
               <a:buNone/>
+              <a:defRPr sz="3200"/>
+            </a:lvl1pPr>
+            <a:lvl2pPr marL="609585" indent="0" algn="ctr">
+              <a:buNone/>
+              <a:defRPr sz="2667"/>
+            </a:lvl2pPr>
+            <a:lvl3pPr marL="1219170" indent="0" algn="ctr">
+              <a:buNone/>
               <a:defRPr sz="2400"/>
-            </a:lvl1pPr>
-            <a:lvl2pPr marL="457200" indent="0" algn="ctr">
+            </a:lvl3pPr>
+            <a:lvl4pPr marL="1828754" indent="0" algn="ctr">
               <a:buNone/>
-              <a:defRPr sz="2000"/>
-            </a:lvl2pPr>
-            <a:lvl3pPr marL="914400" indent="0" algn="ctr">
+              <a:defRPr sz="2133"/>
+            </a:lvl4pPr>
+            <a:lvl5pPr marL="2438339" indent="0" algn="ctr">
               <a:buNone/>
-              <a:defRPr sz="1800"/>
-            </a:lvl3pPr>
-            <a:lvl4pPr marL="1371600" indent="0" algn="ctr">
+              <a:defRPr sz="2133"/>
+            </a:lvl5pPr>
+            <a:lvl6pPr marL="3047924" indent="0" algn="ctr">
               <a:buNone/>
-              <a:defRPr sz="1600"/>
-            </a:lvl4pPr>
-            <a:lvl5pPr marL="1828800" indent="0" algn="ctr">
+              <a:defRPr sz="2133"/>
+            </a:lvl6pPr>
+            <a:lvl7pPr marL="3657509" indent="0" algn="ctr">
               <a:buNone/>
-              <a:defRPr sz="1600"/>
-            </a:lvl5pPr>
-            <a:lvl6pPr marL="2286000" indent="0" algn="ctr">
+              <a:defRPr sz="2133"/>
+            </a:lvl7pPr>
+            <a:lvl8pPr marL="4267093" indent="0" algn="ctr">
               <a:buNone/>
-              <a:defRPr sz="1600"/>
-            </a:lvl6pPr>
-            <a:lvl7pPr marL="2743200" indent="0" algn="ctr">
+              <a:defRPr sz="2133"/>
+            </a:lvl8pPr>
+            <a:lvl9pPr marL="4876678" indent="0" algn="ctr">
               <a:buNone/>
-              <a:defRPr sz="1600"/>
-            </a:lvl7pPr>
-            <a:lvl8pPr marL="3200400" indent="0" algn="ctr">
-              <a:buNone/>
-              <a:defRPr sz="1600"/>
-            </a:lvl8pPr>
-            <a:lvl9pPr marL="3657600" indent="0" algn="ctr">
-              <a:buNone/>
-              <a:defRPr sz="1600"/>
+              <a:defRPr sz="2133"/>
             </a:lvl9pPr>
           </a:lstStyle>
           <a:p>
             <a:r>
-              <a:rPr kumimoji="1" lang="ja-JP" altLang="en-US"/>
+              <a:rPr lang="ja-JP" altLang="en-US"/>
               <a:t>マスター サブタイトルの書式設定</a:t>
             </a:r>
-          </a:p>
-        </p:txBody>
-      </p:sp>
-      <p:sp>
-        <p:nvSpPr>
-          <p:cNvPr id="4" name="日付プレースホルダー 3">
-            <a:extLst>
-              <a:ext uri="{FF2B5EF4-FFF2-40B4-BE49-F238E27FC236}">
-                <a16:creationId xmlns:a16="http://schemas.microsoft.com/office/drawing/2014/main" id="{70BACF7B-E8FE-CED5-BCB4-C9006B6A647C}"/>
-              </a:ext>
-            </a:extLst>
-          </p:cNvPr>
+            <a:endParaRPr lang="en-US" dirty="0"/>
+          </a:p>
+        </p:txBody>
+      </p:sp>
+      <p:sp>
+        <p:nvSpPr>
+          <p:cNvPr id="4" name="Date Placeholder 3"/>
           <p:cNvSpPr>
             <a:spLocks noGrp="1"/>
           </p:cNvSpPr>
@@ -271,7 +788,7 @@
           <a:p>
             <a:fld id="{1C4B3AB8-4358-41C7-958F-814E3D70D72F}" type="datetimeFigureOut">
               <a:rPr kumimoji="1" lang="ja-JP" altLang="en-US" smtClean="0"/>
-              <a:t>2024/5/2</a:t>
+              <a:t>2024/5/6</a:t>
             </a:fld>
             <a:endParaRPr kumimoji="1" lang="ja-JP" altLang="en-US"/>
           </a:p>
@@ -279,13 +796,7 @@
       </p:sp>
       <p:sp>
         <p:nvSpPr>
-          <p:cNvPr id="5" name="フッター プレースホルダー 4">
-            <a:extLst>
-              <a:ext uri="{FF2B5EF4-FFF2-40B4-BE49-F238E27FC236}">
-                <a16:creationId xmlns:a16="http://schemas.microsoft.com/office/drawing/2014/main" id="{A11FEE0D-D2C8-09EF-C0E7-2909D4D0F1A8}"/>
-              </a:ext>
-            </a:extLst>
-          </p:cNvPr>
+          <p:cNvPr id="5" name="Footer Placeholder 4"/>
           <p:cNvSpPr>
             <a:spLocks noGrp="1"/>
           </p:cNvSpPr>
@@ -304,13 +815,7 @@
       </p:sp>
       <p:sp>
         <p:nvSpPr>
-          <p:cNvPr id="6" name="スライド番号プレースホルダー 5">
-            <a:extLst>
-              <a:ext uri="{FF2B5EF4-FFF2-40B4-BE49-F238E27FC236}">
-                <a16:creationId xmlns:a16="http://schemas.microsoft.com/office/drawing/2014/main" id="{13E08591-11BC-440E-CB3C-71045EF33215}"/>
-              </a:ext>
-            </a:extLst>
-          </p:cNvPr>
+          <p:cNvPr id="6" name="Slide Number Placeholder 5"/>
           <p:cNvSpPr>
             <a:spLocks noGrp="1"/>
           </p:cNvSpPr>
@@ -334,7 +839,7 @@
     </p:spTree>
     <p:extLst>
       <p:ext uri="{BB962C8B-B14F-4D97-AF65-F5344CB8AC3E}">
-        <p14:creationId xmlns:p14="http://schemas.microsoft.com/office/powerpoint/2010/main" val="3698062672"/>
+        <p14:creationId xmlns:p14="http://schemas.microsoft.com/office/powerpoint/2010/main" val="2697632664"/>
       </p:ext>
     </p:extLst>
   </p:cSld>
@@ -363,13 +868,7 @@
       </p:grpSpPr>
       <p:sp>
         <p:nvSpPr>
-          <p:cNvPr id="2" name="タイトル 1">
-            <a:extLst>
-              <a:ext uri="{FF2B5EF4-FFF2-40B4-BE49-F238E27FC236}">
-                <a16:creationId xmlns:a16="http://schemas.microsoft.com/office/drawing/2014/main" id="{27CD02F3-F30B-05F2-0CA4-A761B6073819}"/>
-              </a:ext>
-            </a:extLst>
-          </p:cNvPr>
+          <p:cNvPr id="2" name="Title 1"/>
           <p:cNvSpPr>
             <a:spLocks noGrp="1"/>
           </p:cNvSpPr>
@@ -383,21 +882,16 @@
           <a:lstStyle/>
           <a:p>
             <a:r>
-              <a:rPr kumimoji="1" lang="ja-JP" altLang="en-US"/>
+              <a:rPr lang="ja-JP" altLang="en-US"/>
               <a:t>マスター タイトルの書式設定</a:t>
             </a:r>
-          </a:p>
-        </p:txBody>
-      </p:sp>
-      <p:sp>
-        <p:nvSpPr>
-          <p:cNvPr id="3" name="縦書きテキスト プレースホルダー 2">
-            <a:extLst>
-              <a:ext uri="{FF2B5EF4-FFF2-40B4-BE49-F238E27FC236}">
-                <a16:creationId xmlns:a16="http://schemas.microsoft.com/office/drawing/2014/main" id="{24C17BAE-5A7A-445A-270E-ABAEFD32459C}"/>
-              </a:ext>
-            </a:extLst>
-          </p:cNvPr>
+            <a:endParaRPr lang="en-US" dirty="0"/>
+          </a:p>
+        </p:txBody>
+      </p:sp>
+      <p:sp>
+        <p:nvSpPr>
+          <p:cNvPr id="3" name="Vertical Text Placeholder 2"/>
           <p:cNvSpPr>
             <a:spLocks noGrp="1"/>
           </p:cNvSpPr>
@@ -412,81 +906,76 @@
           <a:p>
             <a:pPr lvl="0"/>
             <a:r>
-              <a:rPr kumimoji="1" lang="ja-JP" altLang="en-US"/>
+              <a:rPr lang="ja-JP" altLang="en-US"/>
               <a:t>マスター テキストの書式設定</a:t>
             </a:r>
           </a:p>
           <a:p>
             <a:pPr lvl="1"/>
             <a:r>
-              <a:rPr kumimoji="1" lang="ja-JP" altLang="en-US"/>
+              <a:rPr lang="ja-JP" altLang="en-US"/>
               <a:t>第 </a:t>
             </a:r>
             <a:r>
-              <a:rPr kumimoji="1" lang="en-US" altLang="ja-JP"/>
+              <a:rPr lang="en-US" altLang="ja-JP"/>
               <a:t>2 </a:t>
             </a:r>
             <a:r>
-              <a:rPr kumimoji="1" lang="ja-JP" altLang="en-US"/>
+              <a:rPr lang="ja-JP" altLang="en-US"/>
               <a:t>レベル</a:t>
             </a:r>
           </a:p>
           <a:p>
             <a:pPr lvl="2"/>
             <a:r>
-              <a:rPr kumimoji="1" lang="ja-JP" altLang="en-US"/>
+              <a:rPr lang="ja-JP" altLang="en-US"/>
               <a:t>第 </a:t>
             </a:r>
             <a:r>
-              <a:rPr kumimoji="1" lang="en-US" altLang="ja-JP"/>
+              <a:rPr lang="en-US" altLang="ja-JP"/>
               <a:t>3 </a:t>
             </a:r>
             <a:r>
-              <a:rPr kumimoji="1" lang="ja-JP" altLang="en-US"/>
+              <a:rPr lang="ja-JP" altLang="en-US"/>
               <a:t>レベル</a:t>
             </a:r>
           </a:p>
           <a:p>
             <a:pPr lvl="3"/>
             <a:r>
-              <a:rPr kumimoji="1" lang="ja-JP" altLang="en-US"/>
+              <a:rPr lang="ja-JP" altLang="en-US"/>
               <a:t>第 </a:t>
             </a:r>
             <a:r>
-              <a:rPr kumimoji="1" lang="en-US" altLang="ja-JP"/>
+              <a:rPr lang="en-US" altLang="ja-JP"/>
               <a:t>4 </a:t>
             </a:r>
             <a:r>
-              <a:rPr kumimoji="1" lang="ja-JP" altLang="en-US"/>
+              <a:rPr lang="ja-JP" altLang="en-US"/>
               <a:t>レベル</a:t>
             </a:r>
           </a:p>
           <a:p>
             <a:pPr lvl="4"/>
             <a:r>
-              <a:rPr kumimoji="1" lang="ja-JP" altLang="en-US"/>
+              <a:rPr lang="ja-JP" altLang="en-US"/>
               <a:t>第 </a:t>
             </a:r>
             <a:r>
-              <a:rPr kumimoji="1" lang="en-US" altLang="ja-JP"/>
+              <a:rPr lang="en-US" altLang="ja-JP"/>
               <a:t>5 </a:t>
             </a:r>
             <a:r>
-              <a:rPr kumimoji="1" lang="ja-JP" altLang="en-US"/>
+              <a:rPr lang="ja-JP" altLang="en-US"/>
               <a:t>レベル</a:t>
             </a:r>
-          </a:p>
-        </p:txBody>
-      </p:sp>
-      <p:sp>
-        <p:nvSpPr>
-          <p:cNvPr id="4" name="日付プレースホルダー 3">
-            <a:extLst>
-              <a:ext uri="{FF2B5EF4-FFF2-40B4-BE49-F238E27FC236}">
-                <a16:creationId xmlns:a16="http://schemas.microsoft.com/office/drawing/2014/main" id="{60CDF1BA-B93A-E434-8080-3909FDC66DC4}"/>
-              </a:ext>
-            </a:extLst>
-          </p:cNvPr>
+            <a:endParaRPr lang="en-US" dirty="0"/>
+          </a:p>
+        </p:txBody>
+      </p:sp>
+      <p:sp>
+        <p:nvSpPr>
+          <p:cNvPr id="4" name="Date Placeholder 3"/>
           <p:cNvSpPr>
             <a:spLocks noGrp="1"/>
           </p:cNvSpPr>
@@ -501,7 +990,7 @@
           <a:p>
             <a:fld id="{1C4B3AB8-4358-41C7-958F-814E3D70D72F}" type="datetimeFigureOut">
               <a:rPr kumimoji="1" lang="ja-JP" altLang="en-US" smtClean="0"/>
-              <a:t>2024/5/2</a:t>
+              <a:t>2024/5/6</a:t>
             </a:fld>
             <a:endParaRPr kumimoji="1" lang="ja-JP" altLang="en-US"/>
           </a:p>
@@ -509,13 +998,7 @@
       </p:sp>
       <p:sp>
         <p:nvSpPr>
-          <p:cNvPr id="5" name="フッター プレースホルダー 4">
-            <a:extLst>
-              <a:ext uri="{FF2B5EF4-FFF2-40B4-BE49-F238E27FC236}">
-                <a16:creationId xmlns:a16="http://schemas.microsoft.com/office/drawing/2014/main" id="{42E9C809-827D-E533-2AF2-BA3C55F6A854}"/>
-              </a:ext>
-            </a:extLst>
-          </p:cNvPr>
+          <p:cNvPr id="5" name="Footer Placeholder 4"/>
           <p:cNvSpPr>
             <a:spLocks noGrp="1"/>
           </p:cNvSpPr>
@@ -534,13 +1017,7 @@
       </p:sp>
       <p:sp>
         <p:nvSpPr>
-          <p:cNvPr id="6" name="スライド番号プレースホルダー 5">
-            <a:extLst>
-              <a:ext uri="{FF2B5EF4-FFF2-40B4-BE49-F238E27FC236}">
-                <a16:creationId xmlns:a16="http://schemas.microsoft.com/office/drawing/2014/main" id="{CB13349F-BA6E-698B-389E-5BEFFFE2A278}"/>
-              </a:ext>
-            </a:extLst>
-          </p:cNvPr>
+          <p:cNvPr id="6" name="Slide Number Placeholder 5"/>
           <p:cNvSpPr>
             <a:spLocks noGrp="1"/>
           </p:cNvSpPr>
@@ -564,7 +1041,7 @@
     </p:spTree>
     <p:extLst>
       <p:ext uri="{BB962C8B-B14F-4D97-AF65-F5344CB8AC3E}">
-        <p14:creationId xmlns:p14="http://schemas.microsoft.com/office/powerpoint/2010/main" val="1651376670"/>
+        <p14:creationId xmlns:p14="http://schemas.microsoft.com/office/powerpoint/2010/main" val="944857941"/>
       </p:ext>
     </p:extLst>
   </p:cSld>
@@ -593,13 +1070,7 @@
       </p:grpSpPr>
       <p:sp>
         <p:nvSpPr>
-          <p:cNvPr id="2" name="縦書きタイトル 1">
-            <a:extLst>
-              <a:ext uri="{FF2B5EF4-FFF2-40B4-BE49-F238E27FC236}">
-                <a16:creationId xmlns:a16="http://schemas.microsoft.com/office/drawing/2014/main" id="{34C61E4A-0709-69F5-C2D5-0BED77488770}"/>
-              </a:ext>
-            </a:extLst>
-          </p:cNvPr>
+          <p:cNvPr id="2" name="Vertical Title 1"/>
           <p:cNvSpPr>
             <a:spLocks noGrp="1"/>
           </p:cNvSpPr>
@@ -609,8 +1080,8 @@
         </p:nvSpPr>
         <p:spPr>
           <a:xfrm>
-            <a:off x="8724900" y="365125"/>
-            <a:ext cx="2628900" cy="5811838"/>
+            <a:off x="8724901" y="940112"/>
+            <a:ext cx="2628900" cy="14964138"/>
           </a:xfrm>
         </p:spPr>
         <p:txBody>
@@ -618,21 +1089,16 @@
           <a:lstStyle/>
           <a:p>
             <a:r>
-              <a:rPr kumimoji="1" lang="ja-JP" altLang="en-US"/>
+              <a:rPr lang="ja-JP" altLang="en-US"/>
               <a:t>マスター タイトルの書式設定</a:t>
             </a:r>
-          </a:p>
-        </p:txBody>
-      </p:sp>
-      <p:sp>
-        <p:nvSpPr>
-          <p:cNvPr id="3" name="縦書きテキスト プレースホルダー 2">
-            <a:extLst>
-              <a:ext uri="{FF2B5EF4-FFF2-40B4-BE49-F238E27FC236}">
-                <a16:creationId xmlns:a16="http://schemas.microsoft.com/office/drawing/2014/main" id="{AD17CC66-551D-A958-DE3D-A74EDAE41D29}"/>
-              </a:ext>
-            </a:extLst>
-          </p:cNvPr>
+            <a:endParaRPr lang="en-US" dirty="0"/>
+          </a:p>
+        </p:txBody>
+      </p:sp>
+      <p:sp>
+        <p:nvSpPr>
+          <p:cNvPr id="3" name="Vertical Text Placeholder 2"/>
           <p:cNvSpPr>
             <a:spLocks noGrp="1"/>
           </p:cNvSpPr>
@@ -642,8 +1108,8 @@
         </p:nvSpPr>
         <p:spPr>
           <a:xfrm>
-            <a:off x="838200" y="365125"/>
-            <a:ext cx="7734300" cy="5811838"/>
+            <a:off x="838201" y="940112"/>
+            <a:ext cx="7734300" cy="14964138"/>
           </a:xfrm>
         </p:spPr>
         <p:txBody>
@@ -652,81 +1118,76 @@
           <a:p>
             <a:pPr lvl="0"/>
             <a:r>
-              <a:rPr kumimoji="1" lang="ja-JP" altLang="en-US"/>
+              <a:rPr lang="ja-JP" altLang="en-US"/>
               <a:t>マスター テキストの書式設定</a:t>
             </a:r>
           </a:p>
           <a:p>
             <a:pPr lvl="1"/>
             <a:r>
-              <a:rPr kumimoji="1" lang="ja-JP" altLang="en-US"/>
+              <a:rPr lang="ja-JP" altLang="en-US"/>
               <a:t>第 </a:t>
             </a:r>
             <a:r>
-              <a:rPr kumimoji="1" lang="en-US" altLang="ja-JP"/>
+              <a:rPr lang="en-US" altLang="ja-JP"/>
               <a:t>2 </a:t>
             </a:r>
             <a:r>
-              <a:rPr kumimoji="1" lang="ja-JP" altLang="en-US"/>
+              <a:rPr lang="ja-JP" altLang="en-US"/>
               <a:t>レベル</a:t>
             </a:r>
           </a:p>
           <a:p>
             <a:pPr lvl="2"/>
             <a:r>
-              <a:rPr kumimoji="1" lang="ja-JP" altLang="en-US"/>
+              <a:rPr lang="ja-JP" altLang="en-US"/>
               <a:t>第 </a:t>
             </a:r>
             <a:r>
-              <a:rPr kumimoji="1" lang="en-US" altLang="ja-JP"/>
+              <a:rPr lang="en-US" altLang="ja-JP"/>
               <a:t>3 </a:t>
             </a:r>
             <a:r>
-              <a:rPr kumimoji="1" lang="ja-JP" altLang="en-US"/>
+              <a:rPr lang="ja-JP" altLang="en-US"/>
               <a:t>レベル</a:t>
             </a:r>
           </a:p>
           <a:p>
             <a:pPr lvl="3"/>
             <a:r>
-              <a:rPr kumimoji="1" lang="ja-JP" altLang="en-US"/>
+              <a:rPr lang="ja-JP" altLang="en-US"/>
               <a:t>第 </a:t>
             </a:r>
             <a:r>
-              <a:rPr kumimoji="1" lang="en-US" altLang="ja-JP"/>
+              <a:rPr lang="en-US" altLang="ja-JP"/>
               <a:t>4 </a:t>
             </a:r>
             <a:r>
-              <a:rPr kumimoji="1" lang="ja-JP" altLang="en-US"/>
+              <a:rPr lang="ja-JP" altLang="en-US"/>
               <a:t>レベル</a:t>
             </a:r>
           </a:p>
           <a:p>
             <a:pPr lvl="4"/>
             <a:r>
-              <a:rPr kumimoji="1" lang="ja-JP" altLang="en-US"/>
+              <a:rPr lang="ja-JP" altLang="en-US"/>
               <a:t>第 </a:t>
             </a:r>
             <a:r>
-              <a:rPr kumimoji="1" lang="en-US" altLang="ja-JP"/>
+              <a:rPr lang="en-US" altLang="ja-JP"/>
               <a:t>5 </a:t>
             </a:r>
             <a:r>
-              <a:rPr kumimoji="1" lang="ja-JP" altLang="en-US"/>
+              <a:rPr lang="ja-JP" altLang="en-US"/>
               <a:t>レベル</a:t>
             </a:r>
-          </a:p>
-        </p:txBody>
-      </p:sp>
-      <p:sp>
-        <p:nvSpPr>
-          <p:cNvPr id="4" name="日付プレースホルダー 3">
-            <a:extLst>
-              <a:ext uri="{FF2B5EF4-FFF2-40B4-BE49-F238E27FC236}">
-                <a16:creationId xmlns:a16="http://schemas.microsoft.com/office/drawing/2014/main" id="{F80AB0EA-A2D6-D199-0DEE-C4BCE852A31B}"/>
-              </a:ext>
-            </a:extLst>
-          </p:cNvPr>
+            <a:endParaRPr lang="en-US" dirty="0"/>
+          </a:p>
+        </p:txBody>
+      </p:sp>
+      <p:sp>
+        <p:nvSpPr>
+          <p:cNvPr id="4" name="Date Placeholder 3"/>
           <p:cNvSpPr>
             <a:spLocks noGrp="1"/>
           </p:cNvSpPr>
@@ -741,7 +1202,7 @@
           <a:p>
             <a:fld id="{1C4B3AB8-4358-41C7-958F-814E3D70D72F}" type="datetimeFigureOut">
               <a:rPr kumimoji="1" lang="ja-JP" altLang="en-US" smtClean="0"/>
-              <a:t>2024/5/2</a:t>
+              <a:t>2024/5/6</a:t>
             </a:fld>
             <a:endParaRPr kumimoji="1" lang="ja-JP" altLang="en-US"/>
           </a:p>
@@ -749,13 +1210,7 @@
       </p:sp>
       <p:sp>
         <p:nvSpPr>
-          <p:cNvPr id="5" name="フッター プレースホルダー 4">
-            <a:extLst>
-              <a:ext uri="{FF2B5EF4-FFF2-40B4-BE49-F238E27FC236}">
-                <a16:creationId xmlns:a16="http://schemas.microsoft.com/office/drawing/2014/main" id="{0518BB8B-307C-CB6B-5C76-0219FA6C1E2D}"/>
-              </a:ext>
-            </a:extLst>
-          </p:cNvPr>
+          <p:cNvPr id="5" name="Footer Placeholder 4"/>
           <p:cNvSpPr>
             <a:spLocks noGrp="1"/>
           </p:cNvSpPr>
@@ -774,13 +1229,7 @@
       </p:sp>
       <p:sp>
         <p:nvSpPr>
-          <p:cNvPr id="6" name="スライド番号プレースホルダー 5">
-            <a:extLst>
-              <a:ext uri="{FF2B5EF4-FFF2-40B4-BE49-F238E27FC236}">
-                <a16:creationId xmlns:a16="http://schemas.microsoft.com/office/drawing/2014/main" id="{E61F22AC-1EEE-8B3B-05E4-12960ACC3C64}"/>
-              </a:ext>
-            </a:extLst>
-          </p:cNvPr>
+          <p:cNvPr id="6" name="Slide Number Placeholder 5"/>
           <p:cNvSpPr>
             <a:spLocks noGrp="1"/>
           </p:cNvSpPr>
@@ -804,7 +1253,7 @@
     </p:spTree>
     <p:extLst>
       <p:ext uri="{BB962C8B-B14F-4D97-AF65-F5344CB8AC3E}">
-        <p14:creationId xmlns:p14="http://schemas.microsoft.com/office/powerpoint/2010/main" val="2801000481"/>
+        <p14:creationId xmlns:p14="http://schemas.microsoft.com/office/powerpoint/2010/main" val="2252695257"/>
       </p:ext>
     </p:extLst>
   </p:cSld>
@@ -833,13 +1282,7 @@
       </p:grpSpPr>
       <p:sp>
         <p:nvSpPr>
-          <p:cNvPr id="2" name="タイトル 1">
-            <a:extLst>
-              <a:ext uri="{FF2B5EF4-FFF2-40B4-BE49-F238E27FC236}">
-                <a16:creationId xmlns:a16="http://schemas.microsoft.com/office/drawing/2014/main" id="{1AFD1F9C-B8EA-5160-94A2-21319A0AB150}"/>
-              </a:ext>
-            </a:extLst>
-          </p:cNvPr>
+          <p:cNvPr id="2" name="Title 1"/>
           <p:cNvSpPr>
             <a:spLocks noGrp="1"/>
           </p:cNvSpPr>
@@ -853,21 +1296,16 @@
           <a:lstStyle/>
           <a:p>
             <a:r>
-              <a:rPr kumimoji="1" lang="ja-JP" altLang="en-US"/>
+              <a:rPr lang="ja-JP" altLang="en-US"/>
               <a:t>マスター タイトルの書式設定</a:t>
             </a:r>
-          </a:p>
-        </p:txBody>
-      </p:sp>
-      <p:sp>
-        <p:nvSpPr>
-          <p:cNvPr id="3" name="コンテンツ プレースホルダー 2">
-            <a:extLst>
-              <a:ext uri="{FF2B5EF4-FFF2-40B4-BE49-F238E27FC236}">
-                <a16:creationId xmlns:a16="http://schemas.microsoft.com/office/drawing/2014/main" id="{EE9273DC-0CCB-CE62-EC98-8121B0F5E440}"/>
-              </a:ext>
-            </a:extLst>
-          </p:cNvPr>
+            <a:endParaRPr lang="en-US" dirty="0"/>
+          </a:p>
+        </p:txBody>
+      </p:sp>
+      <p:sp>
+        <p:nvSpPr>
+          <p:cNvPr id="3" name="Content Placeholder 2"/>
           <p:cNvSpPr>
             <a:spLocks noGrp="1"/>
           </p:cNvSpPr>
@@ -882,81 +1320,76 @@
           <a:p>
             <a:pPr lvl="0"/>
             <a:r>
-              <a:rPr kumimoji="1" lang="ja-JP" altLang="en-US"/>
+              <a:rPr lang="ja-JP" altLang="en-US"/>
               <a:t>マスター テキストの書式設定</a:t>
             </a:r>
           </a:p>
           <a:p>
             <a:pPr lvl="1"/>
             <a:r>
-              <a:rPr kumimoji="1" lang="ja-JP" altLang="en-US"/>
+              <a:rPr lang="ja-JP" altLang="en-US"/>
               <a:t>第 </a:t>
             </a:r>
             <a:r>
-              <a:rPr kumimoji="1" lang="en-US" altLang="ja-JP"/>
+              <a:rPr lang="en-US" altLang="ja-JP"/>
               <a:t>2 </a:t>
             </a:r>
             <a:r>
-              <a:rPr kumimoji="1" lang="ja-JP" altLang="en-US"/>
+              <a:rPr lang="ja-JP" altLang="en-US"/>
               <a:t>レベル</a:t>
             </a:r>
           </a:p>
           <a:p>
             <a:pPr lvl="2"/>
             <a:r>
-              <a:rPr kumimoji="1" lang="ja-JP" altLang="en-US"/>
+              <a:rPr lang="ja-JP" altLang="en-US"/>
               <a:t>第 </a:t>
             </a:r>
             <a:r>
-              <a:rPr kumimoji="1" lang="en-US" altLang="ja-JP"/>
+              <a:rPr lang="en-US" altLang="ja-JP"/>
               <a:t>3 </a:t>
             </a:r>
             <a:r>
-              <a:rPr kumimoji="1" lang="ja-JP" altLang="en-US"/>
+              <a:rPr lang="ja-JP" altLang="en-US"/>
               <a:t>レベル</a:t>
             </a:r>
           </a:p>
           <a:p>
             <a:pPr lvl="3"/>
             <a:r>
-              <a:rPr kumimoji="1" lang="ja-JP" altLang="en-US"/>
+              <a:rPr lang="ja-JP" altLang="en-US"/>
               <a:t>第 </a:t>
             </a:r>
             <a:r>
-              <a:rPr kumimoji="1" lang="en-US" altLang="ja-JP"/>
+              <a:rPr lang="en-US" altLang="ja-JP"/>
               <a:t>4 </a:t>
             </a:r>
             <a:r>
-              <a:rPr kumimoji="1" lang="ja-JP" altLang="en-US"/>
+              <a:rPr lang="ja-JP" altLang="en-US"/>
               <a:t>レベル</a:t>
             </a:r>
           </a:p>
           <a:p>
             <a:pPr lvl="4"/>
             <a:r>
-              <a:rPr kumimoji="1" lang="ja-JP" altLang="en-US"/>
+              <a:rPr lang="ja-JP" altLang="en-US"/>
               <a:t>第 </a:t>
             </a:r>
             <a:r>
-              <a:rPr kumimoji="1" lang="en-US" altLang="ja-JP"/>
+              <a:rPr lang="en-US" altLang="ja-JP"/>
               <a:t>5 </a:t>
             </a:r>
             <a:r>
-              <a:rPr kumimoji="1" lang="ja-JP" altLang="en-US"/>
+              <a:rPr lang="ja-JP" altLang="en-US"/>
               <a:t>レベル</a:t>
             </a:r>
-          </a:p>
-        </p:txBody>
-      </p:sp>
-      <p:sp>
-        <p:nvSpPr>
-          <p:cNvPr id="4" name="日付プレースホルダー 3">
-            <a:extLst>
-              <a:ext uri="{FF2B5EF4-FFF2-40B4-BE49-F238E27FC236}">
-                <a16:creationId xmlns:a16="http://schemas.microsoft.com/office/drawing/2014/main" id="{4A6BA541-5D43-D0C3-1A91-B7F9E7A3AAC5}"/>
-              </a:ext>
-            </a:extLst>
-          </p:cNvPr>
+            <a:endParaRPr lang="en-US" dirty="0"/>
+          </a:p>
+        </p:txBody>
+      </p:sp>
+      <p:sp>
+        <p:nvSpPr>
+          <p:cNvPr id="4" name="Date Placeholder 3"/>
           <p:cNvSpPr>
             <a:spLocks noGrp="1"/>
           </p:cNvSpPr>
@@ -971,7 +1404,7 @@
           <a:p>
             <a:fld id="{1C4B3AB8-4358-41C7-958F-814E3D70D72F}" type="datetimeFigureOut">
               <a:rPr kumimoji="1" lang="ja-JP" altLang="en-US" smtClean="0"/>
-              <a:t>2024/5/2</a:t>
+              <a:t>2024/5/6</a:t>
             </a:fld>
             <a:endParaRPr kumimoji="1" lang="ja-JP" altLang="en-US"/>
           </a:p>
@@ -979,13 +1412,7 @@
       </p:sp>
       <p:sp>
         <p:nvSpPr>
-          <p:cNvPr id="5" name="フッター プレースホルダー 4">
-            <a:extLst>
-              <a:ext uri="{FF2B5EF4-FFF2-40B4-BE49-F238E27FC236}">
-                <a16:creationId xmlns:a16="http://schemas.microsoft.com/office/drawing/2014/main" id="{BF3BBB56-572C-9C3A-6633-86003CC803B7}"/>
-              </a:ext>
-            </a:extLst>
-          </p:cNvPr>
+          <p:cNvPr id="5" name="Footer Placeholder 4"/>
           <p:cNvSpPr>
             <a:spLocks noGrp="1"/>
           </p:cNvSpPr>
@@ -1004,13 +1431,7 @@
       </p:sp>
       <p:sp>
         <p:nvSpPr>
-          <p:cNvPr id="6" name="スライド番号プレースホルダー 5">
-            <a:extLst>
-              <a:ext uri="{FF2B5EF4-FFF2-40B4-BE49-F238E27FC236}">
-                <a16:creationId xmlns:a16="http://schemas.microsoft.com/office/drawing/2014/main" id="{581C27A2-CEA8-8C56-311C-2FDDBA5DEC47}"/>
-              </a:ext>
-            </a:extLst>
-          </p:cNvPr>
+          <p:cNvPr id="6" name="Slide Number Placeholder 5"/>
           <p:cNvSpPr>
             <a:spLocks noGrp="1"/>
           </p:cNvSpPr>
@@ -1034,7 +1455,7 @@
     </p:spTree>
     <p:extLst>
       <p:ext uri="{BB962C8B-B14F-4D97-AF65-F5344CB8AC3E}">
-        <p14:creationId xmlns:p14="http://schemas.microsoft.com/office/powerpoint/2010/main" val="2014780393"/>
+        <p14:creationId xmlns:p14="http://schemas.microsoft.com/office/powerpoint/2010/main" val="1340175773"/>
       </p:ext>
     </p:extLst>
   </p:cSld>
@@ -1063,13 +1484,7 @@
       </p:grpSpPr>
       <p:sp>
         <p:nvSpPr>
-          <p:cNvPr id="2" name="タイトル 1">
-            <a:extLst>
-              <a:ext uri="{FF2B5EF4-FFF2-40B4-BE49-F238E27FC236}">
-                <a16:creationId xmlns:a16="http://schemas.microsoft.com/office/drawing/2014/main" id="{8DE0BA02-D9D3-B0C8-6FAB-1170F6D33A00}"/>
-              </a:ext>
-            </a:extLst>
-          </p:cNvPr>
+          <p:cNvPr id="2" name="Title 1"/>
           <p:cNvSpPr>
             <a:spLocks noGrp="1"/>
           </p:cNvSpPr>
@@ -1079,34 +1494,29 @@
         </p:nvSpPr>
         <p:spPr>
           <a:xfrm>
-            <a:off x="831850" y="1709738"/>
-            <a:ext cx="10515600" cy="2852737"/>
+            <a:off x="831851" y="4402183"/>
+            <a:ext cx="10515600" cy="7345138"/>
           </a:xfrm>
         </p:spPr>
         <p:txBody>
           <a:bodyPr anchor="b"/>
           <a:lstStyle>
             <a:lvl1pPr>
-              <a:defRPr sz="6000"/>
+              <a:defRPr sz="8000"/>
             </a:lvl1pPr>
           </a:lstStyle>
           <a:p>
             <a:r>
-              <a:rPr kumimoji="1" lang="ja-JP" altLang="en-US"/>
+              <a:rPr lang="ja-JP" altLang="en-US"/>
               <a:t>マスター タイトルの書式設定</a:t>
             </a:r>
-          </a:p>
-        </p:txBody>
-      </p:sp>
-      <p:sp>
-        <p:nvSpPr>
-          <p:cNvPr id="3" name="テキスト プレースホルダー 2">
-            <a:extLst>
-              <a:ext uri="{FF2B5EF4-FFF2-40B4-BE49-F238E27FC236}">
-                <a16:creationId xmlns:a16="http://schemas.microsoft.com/office/drawing/2014/main" id="{4DE84277-225D-FA4E-7688-88E88FBE0EB5}"/>
-              </a:ext>
-            </a:extLst>
-          </p:cNvPr>
+            <a:endParaRPr lang="en-US" dirty="0"/>
+          </a:p>
+        </p:txBody>
+      </p:sp>
+      <p:sp>
+        <p:nvSpPr>
+          <p:cNvPr id="3" name="Text Placeholder 2"/>
           <p:cNvSpPr>
             <a:spLocks noGrp="1"/>
           </p:cNvSpPr>
@@ -1116,8 +1526,8 @@
         </p:nvSpPr>
         <p:spPr>
           <a:xfrm>
-            <a:off x="831850" y="4589463"/>
-            <a:ext cx="10515600" cy="1500187"/>
+            <a:off x="831851" y="11816809"/>
+            <a:ext cx="10515600" cy="3862634"/>
           </a:xfrm>
         </p:spPr>
         <p:txBody>
@@ -1125,7 +1535,7 @@
           <a:lstStyle>
             <a:lvl1pPr marL="0" indent="0">
               <a:buNone/>
-              <a:defRPr sz="2400">
+              <a:defRPr sz="3200">
                 <a:solidFill>
                   <a:schemeClr val="tx1">
                     <a:tint val="82000"/>
@@ -1133,9 +1543,9 @@
                 </a:solidFill>
               </a:defRPr>
             </a:lvl1pPr>
-            <a:lvl2pPr marL="457200" indent="0">
+            <a:lvl2pPr marL="609585" indent="0">
               <a:buNone/>
-              <a:defRPr sz="2000">
+              <a:defRPr sz="2667">
                 <a:solidFill>
                   <a:schemeClr val="tx1">
                     <a:tint val="82000"/>
@@ -1143,9 +1553,9 @@
                 </a:solidFill>
               </a:defRPr>
             </a:lvl2pPr>
-            <a:lvl3pPr marL="914400" indent="0">
+            <a:lvl3pPr marL="1219170" indent="0">
               <a:buNone/>
-              <a:defRPr sz="1800">
+              <a:defRPr sz="2400">
                 <a:solidFill>
                   <a:schemeClr val="tx1">
                     <a:tint val="82000"/>
@@ -1153,9 +1563,9 @@
                 </a:solidFill>
               </a:defRPr>
             </a:lvl3pPr>
-            <a:lvl4pPr marL="1371600" indent="0">
+            <a:lvl4pPr marL="1828754" indent="0">
               <a:buNone/>
-              <a:defRPr sz="1600">
+              <a:defRPr sz="2133">
                 <a:solidFill>
                   <a:schemeClr val="tx1">
                     <a:tint val="82000"/>
@@ -1163,9 +1573,9 @@
                 </a:solidFill>
               </a:defRPr>
             </a:lvl4pPr>
-            <a:lvl5pPr marL="1828800" indent="0">
+            <a:lvl5pPr marL="2438339" indent="0">
               <a:buNone/>
-              <a:defRPr sz="1600">
+              <a:defRPr sz="2133">
                 <a:solidFill>
                   <a:schemeClr val="tx1">
                     <a:tint val="82000"/>
@@ -1173,9 +1583,9 @@
                 </a:solidFill>
               </a:defRPr>
             </a:lvl5pPr>
-            <a:lvl6pPr marL="2286000" indent="0">
+            <a:lvl6pPr marL="3047924" indent="0">
               <a:buNone/>
-              <a:defRPr sz="1600">
+              <a:defRPr sz="2133">
                 <a:solidFill>
                   <a:schemeClr val="tx1">
                     <a:tint val="82000"/>
@@ -1183,9 +1593,9 @@
                 </a:solidFill>
               </a:defRPr>
             </a:lvl6pPr>
-            <a:lvl7pPr marL="2743200" indent="0">
+            <a:lvl7pPr marL="3657509" indent="0">
               <a:buNone/>
-              <a:defRPr sz="1600">
+              <a:defRPr sz="2133">
                 <a:solidFill>
                   <a:schemeClr val="tx1">
                     <a:tint val="82000"/>
@@ -1193,9 +1603,9 @@
                 </a:solidFill>
               </a:defRPr>
             </a:lvl7pPr>
-            <a:lvl8pPr marL="3200400" indent="0">
+            <a:lvl8pPr marL="4267093" indent="0">
               <a:buNone/>
-              <a:defRPr sz="1600">
+              <a:defRPr sz="2133">
                 <a:solidFill>
                   <a:schemeClr val="tx1">
                     <a:tint val="82000"/>
@@ -1203,9 +1613,9 @@
                 </a:solidFill>
               </a:defRPr>
             </a:lvl8pPr>
-            <a:lvl9pPr marL="3657600" indent="0">
+            <a:lvl9pPr marL="4876678" indent="0">
               <a:buNone/>
-              <a:defRPr sz="1600">
+              <a:defRPr sz="2133">
                 <a:solidFill>
                   <a:schemeClr val="tx1">
                     <a:tint val="82000"/>
@@ -1217,7 +1627,7 @@
           <a:p>
             <a:pPr lvl="0"/>
             <a:r>
-              <a:rPr kumimoji="1" lang="ja-JP" altLang="en-US"/>
+              <a:rPr lang="ja-JP" altLang="en-US"/>
               <a:t>マスター テキストの書式設定</a:t>
             </a:r>
           </a:p>
@@ -1225,13 +1635,7 @@
       </p:sp>
       <p:sp>
         <p:nvSpPr>
-          <p:cNvPr id="4" name="日付プレースホルダー 3">
-            <a:extLst>
-              <a:ext uri="{FF2B5EF4-FFF2-40B4-BE49-F238E27FC236}">
-                <a16:creationId xmlns:a16="http://schemas.microsoft.com/office/drawing/2014/main" id="{4F40EC11-45AA-4B92-6FE0-2785501D641A}"/>
-              </a:ext>
-            </a:extLst>
-          </p:cNvPr>
+          <p:cNvPr id="4" name="Date Placeholder 3"/>
           <p:cNvSpPr>
             <a:spLocks noGrp="1"/>
           </p:cNvSpPr>
@@ -1246,7 +1650,7 @@
           <a:p>
             <a:fld id="{1C4B3AB8-4358-41C7-958F-814E3D70D72F}" type="datetimeFigureOut">
               <a:rPr kumimoji="1" lang="ja-JP" altLang="en-US" smtClean="0"/>
-              <a:t>2024/5/2</a:t>
+              <a:t>2024/5/6</a:t>
             </a:fld>
             <a:endParaRPr kumimoji="1" lang="ja-JP" altLang="en-US"/>
           </a:p>
@@ -1254,13 +1658,7 @@
       </p:sp>
       <p:sp>
         <p:nvSpPr>
-          <p:cNvPr id="5" name="フッター プレースホルダー 4">
-            <a:extLst>
-              <a:ext uri="{FF2B5EF4-FFF2-40B4-BE49-F238E27FC236}">
-                <a16:creationId xmlns:a16="http://schemas.microsoft.com/office/drawing/2014/main" id="{A3987BF9-DC88-8053-E63B-8B81068F0C8B}"/>
-              </a:ext>
-            </a:extLst>
-          </p:cNvPr>
+          <p:cNvPr id="5" name="Footer Placeholder 4"/>
           <p:cNvSpPr>
             <a:spLocks noGrp="1"/>
           </p:cNvSpPr>
@@ -1279,13 +1677,7 @@
       </p:sp>
       <p:sp>
         <p:nvSpPr>
-          <p:cNvPr id="6" name="スライド番号プレースホルダー 5">
-            <a:extLst>
-              <a:ext uri="{FF2B5EF4-FFF2-40B4-BE49-F238E27FC236}">
-                <a16:creationId xmlns:a16="http://schemas.microsoft.com/office/drawing/2014/main" id="{42721871-B626-0423-D4F5-6EA696E46727}"/>
-              </a:ext>
-            </a:extLst>
-          </p:cNvPr>
+          <p:cNvPr id="6" name="Slide Number Placeholder 5"/>
           <p:cNvSpPr>
             <a:spLocks noGrp="1"/>
           </p:cNvSpPr>
@@ -1309,7 +1701,7 @@
     </p:spTree>
     <p:extLst>
       <p:ext uri="{BB962C8B-B14F-4D97-AF65-F5344CB8AC3E}">
-        <p14:creationId xmlns:p14="http://schemas.microsoft.com/office/powerpoint/2010/main" val="2914234983"/>
+        <p14:creationId xmlns:p14="http://schemas.microsoft.com/office/powerpoint/2010/main" val="2727641770"/>
       </p:ext>
     </p:extLst>
   </p:cSld>
@@ -1338,13 +1730,7 @@
       </p:grpSpPr>
       <p:sp>
         <p:nvSpPr>
-          <p:cNvPr id="2" name="タイトル 1">
-            <a:extLst>
-              <a:ext uri="{FF2B5EF4-FFF2-40B4-BE49-F238E27FC236}">
-                <a16:creationId xmlns:a16="http://schemas.microsoft.com/office/drawing/2014/main" id="{47C141FD-D04D-ED3E-38AD-1BB4845839BE}"/>
-              </a:ext>
-            </a:extLst>
-          </p:cNvPr>
+          <p:cNvPr id="2" name="Title 1"/>
           <p:cNvSpPr>
             <a:spLocks noGrp="1"/>
           </p:cNvSpPr>
@@ -1358,21 +1744,16 @@
           <a:lstStyle/>
           <a:p>
             <a:r>
-              <a:rPr kumimoji="1" lang="ja-JP" altLang="en-US"/>
+              <a:rPr lang="ja-JP" altLang="en-US"/>
               <a:t>マスター タイトルの書式設定</a:t>
             </a:r>
-          </a:p>
-        </p:txBody>
-      </p:sp>
-      <p:sp>
-        <p:nvSpPr>
-          <p:cNvPr id="3" name="コンテンツ プレースホルダー 2">
-            <a:extLst>
-              <a:ext uri="{FF2B5EF4-FFF2-40B4-BE49-F238E27FC236}">
-                <a16:creationId xmlns:a16="http://schemas.microsoft.com/office/drawing/2014/main" id="{A3959390-EC09-E039-30DA-FEA078B2BF38}"/>
-              </a:ext>
-            </a:extLst>
-          </p:cNvPr>
+            <a:endParaRPr lang="en-US" dirty="0"/>
+          </a:p>
+        </p:txBody>
+      </p:sp>
+      <p:sp>
+        <p:nvSpPr>
+          <p:cNvPr id="3" name="Content Placeholder 2"/>
           <p:cNvSpPr>
             <a:spLocks noGrp="1"/>
           </p:cNvSpPr>
@@ -1382,8 +1763,8 @@
         </p:nvSpPr>
         <p:spPr>
           <a:xfrm>
-            <a:off x="838200" y="1825625"/>
-            <a:ext cx="5181600" cy="4351338"/>
+            <a:off x="838200" y="4700562"/>
+            <a:ext cx="5181600" cy="11203688"/>
           </a:xfrm>
         </p:spPr>
         <p:txBody>
@@ -1392,81 +1773,76 @@
           <a:p>
             <a:pPr lvl="0"/>
             <a:r>
-              <a:rPr kumimoji="1" lang="ja-JP" altLang="en-US"/>
+              <a:rPr lang="ja-JP" altLang="en-US"/>
               <a:t>マスター テキストの書式設定</a:t>
             </a:r>
           </a:p>
           <a:p>
             <a:pPr lvl="1"/>
             <a:r>
-              <a:rPr kumimoji="1" lang="ja-JP" altLang="en-US"/>
+              <a:rPr lang="ja-JP" altLang="en-US"/>
               <a:t>第 </a:t>
             </a:r>
             <a:r>
-              <a:rPr kumimoji="1" lang="en-US" altLang="ja-JP"/>
+              <a:rPr lang="en-US" altLang="ja-JP"/>
               <a:t>2 </a:t>
             </a:r>
             <a:r>
-              <a:rPr kumimoji="1" lang="ja-JP" altLang="en-US"/>
+              <a:rPr lang="ja-JP" altLang="en-US"/>
               <a:t>レベル</a:t>
             </a:r>
           </a:p>
           <a:p>
             <a:pPr lvl="2"/>
             <a:r>
-              <a:rPr kumimoji="1" lang="ja-JP" altLang="en-US"/>
+              <a:rPr lang="ja-JP" altLang="en-US"/>
               <a:t>第 </a:t>
             </a:r>
             <a:r>
-              <a:rPr kumimoji="1" lang="en-US" altLang="ja-JP"/>
+              <a:rPr lang="en-US" altLang="ja-JP"/>
               <a:t>3 </a:t>
             </a:r>
             <a:r>
-              <a:rPr kumimoji="1" lang="ja-JP" altLang="en-US"/>
+              <a:rPr lang="ja-JP" altLang="en-US"/>
               <a:t>レベル</a:t>
             </a:r>
           </a:p>
           <a:p>
             <a:pPr lvl="3"/>
             <a:r>
-              <a:rPr kumimoji="1" lang="ja-JP" altLang="en-US"/>
+              <a:rPr lang="ja-JP" altLang="en-US"/>
               <a:t>第 </a:t>
             </a:r>
             <a:r>
-              <a:rPr kumimoji="1" lang="en-US" altLang="ja-JP"/>
+              <a:rPr lang="en-US" altLang="ja-JP"/>
               <a:t>4 </a:t>
             </a:r>
             <a:r>
-              <a:rPr kumimoji="1" lang="ja-JP" altLang="en-US"/>
+              <a:rPr lang="ja-JP" altLang="en-US"/>
               <a:t>レベル</a:t>
             </a:r>
           </a:p>
           <a:p>
             <a:pPr lvl="4"/>
             <a:r>
-              <a:rPr kumimoji="1" lang="ja-JP" altLang="en-US"/>
+              <a:rPr lang="ja-JP" altLang="en-US"/>
               <a:t>第 </a:t>
             </a:r>
             <a:r>
-              <a:rPr kumimoji="1" lang="en-US" altLang="ja-JP"/>
+              <a:rPr lang="en-US" altLang="ja-JP"/>
               <a:t>5 </a:t>
             </a:r>
             <a:r>
-              <a:rPr kumimoji="1" lang="ja-JP" altLang="en-US"/>
+              <a:rPr lang="ja-JP" altLang="en-US"/>
               <a:t>レベル</a:t>
             </a:r>
-          </a:p>
-        </p:txBody>
-      </p:sp>
-      <p:sp>
-        <p:nvSpPr>
-          <p:cNvPr id="4" name="コンテンツ プレースホルダー 3">
-            <a:extLst>
-              <a:ext uri="{FF2B5EF4-FFF2-40B4-BE49-F238E27FC236}">
-                <a16:creationId xmlns:a16="http://schemas.microsoft.com/office/drawing/2014/main" id="{DA8A5244-C9DA-8516-F141-54F79D040522}"/>
-              </a:ext>
-            </a:extLst>
-          </p:cNvPr>
+            <a:endParaRPr lang="en-US" dirty="0"/>
+          </a:p>
+        </p:txBody>
+      </p:sp>
+      <p:sp>
+        <p:nvSpPr>
+          <p:cNvPr id="4" name="Content Placeholder 3"/>
           <p:cNvSpPr>
             <a:spLocks noGrp="1"/>
           </p:cNvSpPr>
@@ -1476,8 +1852,8 @@
         </p:nvSpPr>
         <p:spPr>
           <a:xfrm>
-            <a:off x="6172200" y="1825625"/>
-            <a:ext cx="5181600" cy="4351338"/>
+            <a:off x="6172200" y="4700562"/>
+            <a:ext cx="5181600" cy="11203688"/>
           </a:xfrm>
         </p:spPr>
         <p:txBody>
@@ -1486,81 +1862,76 @@
           <a:p>
             <a:pPr lvl="0"/>
             <a:r>
-              <a:rPr kumimoji="1" lang="ja-JP" altLang="en-US"/>
+              <a:rPr lang="ja-JP" altLang="en-US"/>
               <a:t>マスター テキストの書式設定</a:t>
             </a:r>
           </a:p>
           <a:p>
             <a:pPr lvl="1"/>
             <a:r>
-              <a:rPr kumimoji="1" lang="ja-JP" altLang="en-US"/>
+              <a:rPr lang="ja-JP" altLang="en-US"/>
               <a:t>第 </a:t>
             </a:r>
             <a:r>
-              <a:rPr kumimoji="1" lang="en-US" altLang="ja-JP"/>
+              <a:rPr lang="en-US" altLang="ja-JP"/>
               <a:t>2 </a:t>
             </a:r>
             <a:r>
-              <a:rPr kumimoji="1" lang="ja-JP" altLang="en-US"/>
+              <a:rPr lang="ja-JP" altLang="en-US"/>
               <a:t>レベル</a:t>
             </a:r>
           </a:p>
           <a:p>
             <a:pPr lvl="2"/>
             <a:r>
-              <a:rPr kumimoji="1" lang="ja-JP" altLang="en-US"/>
+              <a:rPr lang="ja-JP" altLang="en-US"/>
               <a:t>第 </a:t>
             </a:r>
             <a:r>
-              <a:rPr kumimoji="1" lang="en-US" altLang="ja-JP"/>
+              <a:rPr lang="en-US" altLang="ja-JP"/>
               <a:t>3 </a:t>
             </a:r>
             <a:r>
-              <a:rPr kumimoji="1" lang="ja-JP" altLang="en-US"/>
+              <a:rPr lang="ja-JP" altLang="en-US"/>
               <a:t>レベル</a:t>
             </a:r>
           </a:p>
           <a:p>
             <a:pPr lvl="3"/>
             <a:r>
-              <a:rPr kumimoji="1" lang="ja-JP" altLang="en-US"/>
+              <a:rPr lang="ja-JP" altLang="en-US"/>
               <a:t>第 </a:t>
             </a:r>
             <a:r>
-              <a:rPr kumimoji="1" lang="en-US" altLang="ja-JP"/>
+              <a:rPr lang="en-US" altLang="ja-JP"/>
               <a:t>4 </a:t>
             </a:r>
             <a:r>
-              <a:rPr kumimoji="1" lang="ja-JP" altLang="en-US"/>
+              <a:rPr lang="ja-JP" altLang="en-US"/>
               <a:t>レベル</a:t>
             </a:r>
           </a:p>
           <a:p>
             <a:pPr lvl="4"/>
             <a:r>
-              <a:rPr kumimoji="1" lang="ja-JP" altLang="en-US"/>
+              <a:rPr lang="ja-JP" altLang="en-US"/>
               <a:t>第 </a:t>
             </a:r>
             <a:r>
-              <a:rPr kumimoji="1" lang="en-US" altLang="ja-JP"/>
+              <a:rPr lang="en-US" altLang="ja-JP"/>
               <a:t>5 </a:t>
             </a:r>
             <a:r>
-              <a:rPr kumimoji="1" lang="ja-JP" altLang="en-US"/>
+              <a:rPr lang="ja-JP" altLang="en-US"/>
               <a:t>レベル</a:t>
             </a:r>
-          </a:p>
-        </p:txBody>
-      </p:sp>
-      <p:sp>
-        <p:nvSpPr>
-          <p:cNvPr id="5" name="日付プレースホルダー 4">
-            <a:extLst>
-              <a:ext uri="{FF2B5EF4-FFF2-40B4-BE49-F238E27FC236}">
-                <a16:creationId xmlns:a16="http://schemas.microsoft.com/office/drawing/2014/main" id="{25FB660B-A9F8-BF29-00B8-5B027C15D17A}"/>
-              </a:ext>
-            </a:extLst>
-          </p:cNvPr>
+            <a:endParaRPr lang="en-US" dirty="0"/>
+          </a:p>
+        </p:txBody>
+      </p:sp>
+      <p:sp>
+        <p:nvSpPr>
+          <p:cNvPr id="5" name="Date Placeholder 4"/>
           <p:cNvSpPr>
             <a:spLocks noGrp="1"/>
           </p:cNvSpPr>
@@ -1575,7 +1946,7 @@
           <a:p>
             <a:fld id="{1C4B3AB8-4358-41C7-958F-814E3D70D72F}" type="datetimeFigureOut">
               <a:rPr kumimoji="1" lang="ja-JP" altLang="en-US" smtClean="0"/>
-              <a:t>2024/5/2</a:t>
+              <a:t>2024/5/6</a:t>
             </a:fld>
             <a:endParaRPr kumimoji="1" lang="ja-JP" altLang="en-US"/>
           </a:p>
@@ -1583,13 +1954,7 @@
       </p:sp>
       <p:sp>
         <p:nvSpPr>
-          <p:cNvPr id="6" name="フッター プレースホルダー 5">
-            <a:extLst>
-              <a:ext uri="{FF2B5EF4-FFF2-40B4-BE49-F238E27FC236}">
-                <a16:creationId xmlns:a16="http://schemas.microsoft.com/office/drawing/2014/main" id="{09E84F1B-16CB-E980-CE01-885C1AE53AEB}"/>
-              </a:ext>
-            </a:extLst>
-          </p:cNvPr>
+          <p:cNvPr id="6" name="Footer Placeholder 5"/>
           <p:cNvSpPr>
             <a:spLocks noGrp="1"/>
           </p:cNvSpPr>
@@ -1608,13 +1973,7 @@
       </p:sp>
       <p:sp>
         <p:nvSpPr>
-          <p:cNvPr id="7" name="スライド番号プレースホルダー 6">
-            <a:extLst>
-              <a:ext uri="{FF2B5EF4-FFF2-40B4-BE49-F238E27FC236}">
-                <a16:creationId xmlns:a16="http://schemas.microsoft.com/office/drawing/2014/main" id="{8EE65218-223B-E5B6-52A0-2F71DF0AFBAB}"/>
-              </a:ext>
-            </a:extLst>
-          </p:cNvPr>
+          <p:cNvPr id="7" name="Slide Number Placeholder 6"/>
           <p:cNvSpPr>
             <a:spLocks noGrp="1"/>
           </p:cNvSpPr>
@@ -1638,7 +1997,7 @@
     </p:spTree>
     <p:extLst>
       <p:ext uri="{BB962C8B-B14F-4D97-AF65-F5344CB8AC3E}">
-        <p14:creationId xmlns:p14="http://schemas.microsoft.com/office/powerpoint/2010/main" val="337531566"/>
+        <p14:creationId xmlns:p14="http://schemas.microsoft.com/office/powerpoint/2010/main" val="3856088869"/>
       </p:ext>
     </p:extLst>
   </p:cSld>
@@ -1667,13 +2026,7 @@
       </p:grpSpPr>
       <p:sp>
         <p:nvSpPr>
-          <p:cNvPr id="2" name="タイトル 1">
-            <a:extLst>
-              <a:ext uri="{FF2B5EF4-FFF2-40B4-BE49-F238E27FC236}">
-                <a16:creationId xmlns:a16="http://schemas.microsoft.com/office/drawing/2014/main" id="{9C875484-93B0-D8D7-A857-6304871A4695}"/>
-              </a:ext>
-            </a:extLst>
-          </p:cNvPr>
+          <p:cNvPr id="2" name="Title 1"/>
           <p:cNvSpPr>
             <a:spLocks noGrp="1"/>
           </p:cNvSpPr>
@@ -1683,8 +2036,8 @@
         </p:nvSpPr>
         <p:spPr>
           <a:xfrm>
-            <a:off x="839788" y="365125"/>
-            <a:ext cx="10515600" cy="1325563"/>
+            <a:off x="839788" y="940116"/>
+            <a:ext cx="10515600" cy="3413018"/>
           </a:xfrm>
         </p:spPr>
         <p:txBody>
@@ -1692,21 +2045,16 @@
           <a:lstStyle/>
           <a:p>
             <a:r>
-              <a:rPr kumimoji="1" lang="ja-JP" altLang="en-US"/>
+              <a:rPr lang="ja-JP" altLang="en-US"/>
               <a:t>マスター タイトルの書式設定</a:t>
             </a:r>
-          </a:p>
-        </p:txBody>
-      </p:sp>
-      <p:sp>
-        <p:nvSpPr>
-          <p:cNvPr id="3" name="テキスト プレースホルダー 2">
-            <a:extLst>
-              <a:ext uri="{FF2B5EF4-FFF2-40B4-BE49-F238E27FC236}">
-                <a16:creationId xmlns:a16="http://schemas.microsoft.com/office/drawing/2014/main" id="{CF21021A-A130-9249-81AB-2E9FDF7E71B2}"/>
-              </a:ext>
-            </a:extLst>
-          </p:cNvPr>
+            <a:endParaRPr lang="en-US" dirty="0"/>
+          </a:p>
+        </p:txBody>
+      </p:sp>
+      <p:sp>
+        <p:nvSpPr>
+          <p:cNvPr id="3" name="Text Placeholder 2"/>
           <p:cNvSpPr>
             <a:spLocks noGrp="1"/>
           </p:cNvSpPr>
@@ -1716,8 +2064,8 @@
         </p:nvSpPr>
         <p:spPr>
           <a:xfrm>
-            <a:off x="839788" y="1681163"/>
-            <a:ext cx="5157787" cy="823912"/>
+            <a:off x="839789" y="4328606"/>
+            <a:ext cx="5157787" cy="2121383"/>
           </a:xfrm>
         </p:spPr>
         <p:txBody>
@@ -1725,45 +2073,45 @@
           <a:lstStyle>
             <a:lvl1pPr marL="0" indent="0">
               <a:buNone/>
+              <a:defRPr sz="3200" b="1"/>
+            </a:lvl1pPr>
+            <a:lvl2pPr marL="609585" indent="0">
+              <a:buNone/>
+              <a:defRPr sz="2667" b="1"/>
+            </a:lvl2pPr>
+            <a:lvl3pPr marL="1219170" indent="0">
+              <a:buNone/>
               <a:defRPr sz="2400" b="1"/>
-            </a:lvl1pPr>
-            <a:lvl2pPr marL="457200" indent="0">
+            </a:lvl3pPr>
+            <a:lvl4pPr marL="1828754" indent="0">
               <a:buNone/>
-              <a:defRPr sz="2000" b="1"/>
-            </a:lvl2pPr>
-            <a:lvl3pPr marL="914400" indent="0">
+              <a:defRPr sz="2133" b="1"/>
+            </a:lvl4pPr>
+            <a:lvl5pPr marL="2438339" indent="0">
               <a:buNone/>
-              <a:defRPr sz="1800" b="1"/>
-            </a:lvl3pPr>
-            <a:lvl4pPr marL="1371600" indent="0">
+              <a:defRPr sz="2133" b="1"/>
+            </a:lvl5pPr>
+            <a:lvl6pPr marL="3047924" indent="0">
               <a:buNone/>
-              <a:defRPr sz="1600" b="1"/>
-            </a:lvl4pPr>
-            <a:lvl5pPr marL="1828800" indent="0">
+              <a:defRPr sz="2133" b="1"/>
+            </a:lvl6pPr>
+            <a:lvl7pPr marL="3657509" indent="0">
               <a:buNone/>
-              <a:defRPr sz="1600" b="1"/>
-            </a:lvl5pPr>
-            <a:lvl6pPr marL="2286000" indent="0">
+              <a:defRPr sz="2133" b="1"/>
+            </a:lvl7pPr>
+            <a:lvl8pPr marL="4267093" indent="0">
               <a:buNone/>
-              <a:defRPr sz="1600" b="1"/>
-            </a:lvl6pPr>
-            <a:lvl7pPr marL="2743200" indent="0">
+              <a:defRPr sz="2133" b="1"/>
+            </a:lvl8pPr>
+            <a:lvl9pPr marL="4876678" indent="0">
               <a:buNone/>
-              <a:defRPr sz="1600" b="1"/>
-            </a:lvl7pPr>
-            <a:lvl8pPr marL="3200400" indent="0">
-              <a:buNone/>
-              <a:defRPr sz="1600" b="1"/>
-            </a:lvl8pPr>
-            <a:lvl9pPr marL="3657600" indent="0">
-              <a:buNone/>
-              <a:defRPr sz="1600" b="1"/>
+              <a:defRPr sz="2133" b="1"/>
             </a:lvl9pPr>
           </a:lstStyle>
           <a:p>
             <a:pPr lvl="0"/>
             <a:r>
-              <a:rPr kumimoji="1" lang="ja-JP" altLang="en-US"/>
+              <a:rPr lang="ja-JP" altLang="en-US"/>
               <a:t>マスター テキストの書式設定</a:t>
             </a:r>
           </a:p>
@@ -1771,13 +2119,7 @@
       </p:sp>
       <p:sp>
         <p:nvSpPr>
-          <p:cNvPr id="4" name="コンテンツ プレースホルダー 3">
-            <a:extLst>
-              <a:ext uri="{FF2B5EF4-FFF2-40B4-BE49-F238E27FC236}">
-                <a16:creationId xmlns:a16="http://schemas.microsoft.com/office/drawing/2014/main" id="{ED026AE4-F92E-806A-6FBC-6251CC90B790}"/>
-              </a:ext>
-            </a:extLst>
-          </p:cNvPr>
+          <p:cNvPr id="4" name="Content Placeholder 3"/>
           <p:cNvSpPr>
             <a:spLocks noGrp="1"/>
           </p:cNvSpPr>
@@ -1787,8 +2129,8 @@
         </p:nvSpPr>
         <p:spPr>
           <a:xfrm>
-            <a:off x="839788" y="2505075"/>
-            <a:ext cx="5157787" cy="3684588"/>
+            <a:off x="839789" y="6449989"/>
+            <a:ext cx="5157787" cy="9486961"/>
           </a:xfrm>
         </p:spPr>
         <p:txBody>
@@ -1797,81 +2139,76 @@
           <a:p>
             <a:pPr lvl="0"/>
             <a:r>
-              <a:rPr kumimoji="1" lang="ja-JP" altLang="en-US"/>
+              <a:rPr lang="ja-JP" altLang="en-US"/>
               <a:t>マスター テキストの書式設定</a:t>
             </a:r>
           </a:p>
           <a:p>
             <a:pPr lvl="1"/>
             <a:r>
-              <a:rPr kumimoji="1" lang="ja-JP" altLang="en-US"/>
+              <a:rPr lang="ja-JP" altLang="en-US"/>
               <a:t>第 </a:t>
             </a:r>
             <a:r>
-              <a:rPr kumimoji="1" lang="en-US" altLang="ja-JP"/>
+              <a:rPr lang="en-US" altLang="ja-JP"/>
               <a:t>2 </a:t>
             </a:r>
             <a:r>
-              <a:rPr kumimoji="1" lang="ja-JP" altLang="en-US"/>
+              <a:rPr lang="ja-JP" altLang="en-US"/>
               <a:t>レベル</a:t>
             </a:r>
           </a:p>
           <a:p>
             <a:pPr lvl="2"/>
             <a:r>
-              <a:rPr kumimoji="1" lang="ja-JP" altLang="en-US"/>
+              <a:rPr lang="ja-JP" altLang="en-US"/>
               <a:t>第 </a:t>
             </a:r>
             <a:r>
-              <a:rPr kumimoji="1" lang="en-US" altLang="ja-JP"/>
+              <a:rPr lang="en-US" altLang="ja-JP"/>
               <a:t>3 </a:t>
             </a:r>
             <a:r>
-              <a:rPr kumimoji="1" lang="ja-JP" altLang="en-US"/>
+              <a:rPr lang="ja-JP" altLang="en-US"/>
               <a:t>レベル</a:t>
             </a:r>
           </a:p>
           <a:p>
             <a:pPr lvl="3"/>
             <a:r>
-              <a:rPr kumimoji="1" lang="ja-JP" altLang="en-US"/>
+              <a:rPr lang="ja-JP" altLang="en-US"/>
               <a:t>第 </a:t>
             </a:r>
             <a:r>
-              <a:rPr kumimoji="1" lang="en-US" altLang="ja-JP"/>
+              <a:rPr lang="en-US" altLang="ja-JP"/>
               <a:t>4 </a:t>
             </a:r>
             <a:r>
-              <a:rPr kumimoji="1" lang="ja-JP" altLang="en-US"/>
+              <a:rPr lang="ja-JP" altLang="en-US"/>
               <a:t>レベル</a:t>
             </a:r>
           </a:p>
           <a:p>
             <a:pPr lvl="4"/>
             <a:r>
-              <a:rPr kumimoji="1" lang="ja-JP" altLang="en-US"/>
+              <a:rPr lang="ja-JP" altLang="en-US"/>
               <a:t>第 </a:t>
             </a:r>
             <a:r>
-              <a:rPr kumimoji="1" lang="en-US" altLang="ja-JP"/>
+              <a:rPr lang="en-US" altLang="ja-JP"/>
               <a:t>5 </a:t>
             </a:r>
             <a:r>
-              <a:rPr kumimoji="1" lang="ja-JP" altLang="en-US"/>
+              <a:rPr lang="ja-JP" altLang="en-US"/>
               <a:t>レベル</a:t>
             </a:r>
-          </a:p>
-        </p:txBody>
-      </p:sp>
-      <p:sp>
-        <p:nvSpPr>
-          <p:cNvPr id="5" name="テキスト プレースホルダー 4">
-            <a:extLst>
-              <a:ext uri="{FF2B5EF4-FFF2-40B4-BE49-F238E27FC236}">
-                <a16:creationId xmlns:a16="http://schemas.microsoft.com/office/drawing/2014/main" id="{CD659431-FB7D-6FFF-A46C-48DAE9C452EB}"/>
-              </a:ext>
-            </a:extLst>
-          </p:cNvPr>
+            <a:endParaRPr lang="en-US" dirty="0"/>
+          </a:p>
+        </p:txBody>
+      </p:sp>
+      <p:sp>
+        <p:nvSpPr>
+          <p:cNvPr id="5" name="Text Placeholder 4"/>
           <p:cNvSpPr>
             <a:spLocks noGrp="1"/>
           </p:cNvSpPr>
@@ -1881,8 +2218,8 @@
         </p:nvSpPr>
         <p:spPr>
           <a:xfrm>
-            <a:off x="6172200" y="1681163"/>
-            <a:ext cx="5183188" cy="823912"/>
+            <a:off x="6172201" y="4328606"/>
+            <a:ext cx="5183188" cy="2121383"/>
           </a:xfrm>
         </p:spPr>
         <p:txBody>
@@ -1890,45 +2227,45 @@
           <a:lstStyle>
             <a:lvl1pPr marL="0" indent="0">
               <a:buNone/>
+              <a:defRPr sz="3200" b="1"/>
+            </a:lvl1pPr>
+            <a:lvl2pPr marL="609585" indent="0">
+              <a:buNone/>
+              <a:defRPr sz="2667" b="1"/>
+            </a:lvl2pPr>
+            <a:lvl3pPr marL="1219170" indent="0">
+              <a:buNone/>
               <a:defRPr sz="2400" b="1"/>
-            </a:lvl1pPr>
-            <a:lvl2pPr marL="457200" indent="0">
+            </a:lvl3pPr>
+            <a:lvl4pPr marL="1828754" indent="0">
               <a:buNone/>
-              <a:defRPr sz="2000" b="1"/>
-            </a:lvl2pPr>
-            <a:lvl3pPr marL="914400" indent="0">
+              <a:defRPr sz="2133" b="1"/>
+            </a:lvl4pPr>
+            <a:lvl5pPr marL="2438339" indent="0">
               <a:buNone/>
-              <a:defRPr sz="1800" b="1"/>
-            </a:lvl3pPr>
-            <a:lvl4pPr marL="1371600" indent="0">
+              <a:defRPr sz="2133" b="1"/>
+            </a:lvl5pPr>
+            <a:lvl6pPr marL="3047924" indent="0">
               <a:buNone/>
-              <a:defRPr sz="1600" b="1"/>
-            </a:lvl4pPr>
-            <a:lvl5pPr marL="1828800" indent="0">
+              <a:defRPr sz="2133" b="1"/>
+            </a:lvl6pPr>
+            <a:lvl7pPr marL="3657509" indent="0">
               <a:buNone/>
-              <a:defRPr sz="1600" b="1"/>
-            </a:lvl5pPr>
-            <a:lvl6pPr marL="2286000" indent="0">
+              <a:defRPr sz="2133" b="1"/>
+            </a:lvl7pPr>
+            <a:lvl8pPr marL="4267093" indent="0">
               <a:buNone/>
-              <a:defRPr sz="1600" b="1"/>
-            </a:lvl6pPr>
-            <a:lvl7pPr marL="2743200" indent="0">
+              <a:defRPr sz="2133" b="1"/>
+            </a:lvl8pPr>
+            <a:lvl9pPr marL="4876678" indent="0">
               <a:buNone/>
-              <a:defRPr sz="1600" b="1"/>
-            </a:lvl7pPr>
-            <a:lvl8pPr marL="3200400" indent="0">
-              <a:buNone/>
-              <a:defRPr sz="1600" b="1"/>
-            </a:lvl8pPr>
-            <a:lvl9pPr marL="3657600" indent="0">
-              <a:buNone/>
-              <a:defRPr sz="1600" b="1"/>
+              <a:defRPr sz="2133" b="1"/>
             </a:lvl9pPr>
           </a:lstStyle>
           <a:p>
             <a:pPr lvl="0"/>
             <a:r>
-              <a:rPr kumimoji="1" lang="ja-JP" altLang="en-US"/>
+              <a:rPr lang="ja-JP" altLang="en-US"/>
               <a:t>マスター テキストの書式設定</a:t>
             </a:r>
           </a:p>
@@ -1936,13 +2273,7 @@
       </p:sp>
       <p:sp>
         <p:nvSpPr>
-          <p:cNvPr id="6" name="コンテンツ プレースホルダー 5">
-            <a:extLst>
-              <a:ext uri="{FF2B5EF4-FFF2-40B4-BE49-F238E27FC236}">
-                <a16:creationId xmlns:a16="http://schemas.microsoft.com/office/drawing/2014/main" id="{E4245B1E-F29F-23E3-567F-2B88572162D4}"/>
-              </a:ext>
-            </a:extLst>
-          </p:cNvPr>
+          <p:cNvPr id="6" name="Content Placeholder 5"/>
           <p:cNvSpPr>
             <a:spLocks noGrp="1"/>
           </p:cNvSpPr>
@@ -1952,8 +2283,8 @@
         </p:nvSpPr>
         <p:spPr>
           <a:xfrm>
-            <a:off x="6172200" y="2505075"/>
-            <a:ext cx="5183188" cy="3684588"/>
+            <a:off x="6172201" y="6449989"/>
+            <a:ext cx="5183188" cy="9486961"/>
           </a:xfrm>
         </p:spPr>
         <p:txBody>
@@ -1962,81 +2293,76 @@
           <a:p>
             <a:pPr lvl="0"/>
             <a:r>
-              <a:rPr kumimoji="1" lang="ja-JP" altLang="en-US"/>
+              <a:rPr lang="ja-JP" altLang="en-US"/>
               <a:t>マスター テキストの書式設定</a:t>
             </a:r>
           </a:p>
           <a:p>
             <a:pPr lvl="1"/>
             <a:r>
-              <a:rPr kumimoji="1" lang="ja-JP" altLang="en-US"/>
+              <a:rPr lang="ja-JP" altLang="en-US"/>
               <a:t>第 </a:t>
             </a:r>
             <a:r>
-              <a:rPr kumimoji="1" lang="en-US" altLang="ja-JP"/>
+              <a:rPr lang="en-US" altLang="ja-JP"/>
               <a:t>2 </a:t>
             </a:r>
             <a:r>
-              <a:rPr kumimoji="1" lang="ja-JP" altLang="en-US"/>
+              <a:rPr lang="ja-JP" altLang="en-US"/>
               <a:t>レベル</a:t>
             </a:r>
           </a:p>
           <a:p>
             <a:pPr lvl="2"/>
             <a:r>
-              <a:rPr kumimoji="1" lang="ja-JP" altLang="en-US"/>
+              <a:rPr lang="ja-JP" altLang="en-US"/>
               <a:t>第 </a:t>
             </a:r>
             <a:r>
-              <a:rPr kumimoji="1" lang="en-US" altLang="ja-JP"/>
+              <a:rPr lang="en-US" altLang="ja-JP"/>
               <a:t>3 </a:t>
             </a:r>
             <a:r>
-              <a:rPr kumimoji="1" lang="ja-JP" altLang="en-US"/>
+              <a:rPr lang="ja-JP" altLang="en-US"/>
               <a:t>レベル</a:t>
             </a:r>
           </a:p>
           <a:p>
             <a:pPr lvl="3"/>
             <a:r>
-              <a:rPr kumimoji="1" lang="ja-JP" altLang="en-US"/>
+              <a:rPr lang="ja-JP" altLang="en-US"/>
               <a:t>第 </a:t>
             </a:r>
             <a:r>
-              <a:rPr kumimoji="1" lang="en-US" altLang="ja-JP"/>
+              <a:rPr lang="en-US" altLang="ja-JP"/>
               <a:t>4 </a:t>
             </a:r>
             <a:r>
-              <a:rPr kumimoji="1" lang="ja-JP" altLang="en-US"/>
+              <a:rPr lang="ja-JP" altLang="en-US"/>
               <a:t>レベル</a:t>
             </a:r>
           </a:p>
           <a:p>
             <a:pPr lvl="4"/>
             <a:r>
-              <a:rPr kumimoji="1" lang="ja-JP" altLang="en-US"/>
+              <a:rPr lang="ja-JP" altLang="en-US"/>
               <a:t>第 </a:t>
             </a:r>
             <a:r>
-              <a:rPr kumimoji="1" lang="en-US" altLang="ja-JP"/>
+              <a:rPr lang="en-US" altLang="ja-JP"/>
               <a:t>5 </a:t>
             </a:r>
             <a:r>
-              <a:rPr kumimoji="1" lang="ja-JP" altLang="en-US"/>
+              <a:rPr lang="ja-JP" altLang="en-US"/>
               <a:t>レベル</a:t>
             </a:r>
-          </a:p>
-        </p:txBody>
-      </p:sp>
-      <p:sp>
-        <p:nvSpPr>
-          <p:cNvPr id="7" name="日付プレースホルダー 6">
-            <a:extLst>
-              <a:ext uri="{FF2B5EF4-FFF2-40B4-BE49-F238E27FC236}">
-                <a16:creationId xmlns:a16="http://schemas.microsoft.com/office/drawing/2014/main" id="{E3355635-7A45-BBD3-BBA7-5F89F249844C}"/>
-              </a:ext>
-            </a:extLst>
-          </p:cNvPr>
+            <a:endParaRPr lang="en-US" dirty="0"/>
+          </a:p>
+        </p:txBody>
+      </p:sp>
+      <p:sp>
+        <p:nvSpPr>
+          <p:cNvPr id="7" name="Date Placeholder 6"/>
           <p:cNvSpPr>
             <a:spLocks noGrp="1"/>
           </p:cNvSpPr>
@@ -2051,7 +2377,7 @@
           <a:p>
             <a:fld id="{1C4B3AB8-4358-41C7-958F-814E3D70D72F}" type="datetimeFigureOut">
               <a:rPr kumimoji="1" lang="ja-JP" altLang="en-US" smtClean="0"/>
-              <a:t>2024/5/2</a:t>
+              <a:t>2024/5/6</a:t>
             </a:fld>
             <a:endParaRPr kumimoji="1" lang="ja-JP" altLang="en-US"/>
           </a:p>
@@ -2059,13 +2385,7 @@
       </p:sp>
       <p:sp>
         <p:nvSpPr>
-          <p:cNvPr id="8" name="フッター プレースホルダー 7">
-            <a:extLst>
-              <a:ext uri="{FF2B5EF4-FFF2-40B4-BE49-F238E27FC236}">
-                <a16:creationId xmlns:a16="http://schemas.microsoft.com/office/drawing/2014/main" id="{7EF7964C-94A0-C782-0A64-909071EEF096}"/>
-              </a:ext>
-            </a:extLst>
-          </p:cNvPr>
+          <p:cNvPr id="8" name="Footer Placeholder 7"/>
           <p:cNvSpPr>
             <a:spLocks noGrp="1"/>
           </p:cNvSpPr>
@@ -2084,13 +2404,7 @@
       </p:sp>
       <p:sp>
         <p:nvSpPr>
-          <p:cNvPr id="9" name="スライド番号プレースホルダー 8">
-            <a:extLst>
-              <a:ext uri="{FF2B5EF4-FFF2-40B4-BE49-F238E27FC236}">
-                <a16:creationId xmlns:a16="http://schemas.microsoft.com/office/drawing/2014/main" id="{68F1FE9D-B988-5E06-B835-C295119A8EB2}"/>
-              </a:ext>
-            </a:extLst>
-          </p:cNvPr>
+          <p:cNvPr id="9" name="Slide Number Placeholder 8"/>
           <p:cNvSpPr>
             <a:spLocks noGrp="1"/>
           </p:cNvSpPr>
@@ -2114,7 +2428,7 @@
     </p:spTree>
     <p:extLst>
       <p:ext uri="{BB962C8B-B14F-4D97-AF65-F5344CB8AC3E}">
-        <p14:creationId xmlns:p14="http://schemas.microsoft.com/office/powerpoint/2010/main" val="2376587028"/>
+        <p14:creationId xmlns:p14="http://schemas.microsoft.com/office/powerpoint/2010/main" val="2224397485"/>
       </p:ext>
     </p:extLst>
   </p:cSld>
@@ -2143,13 +2457,7 @@
       </p:grpSpPr>
       <p:sp>
         <p:nvSpPr>
-          <p:cNvPr id="2" name="タイトル 1">
-            <a:extLst>
-              <a:ext uri="{FF2B5EF4-FFF2-40B4-BE49-F238E27FC236}">
-                <a16:creationId xmlns:a16="http://schemas.microsoft.com/office/drawing/2014/main" id="{B2C9D068-7F84-AE49-6018-5D8862CF3E6C}"/>
-              </a:ext>
-            </a:extLst>
-          </p:cNvPr>
+          <p:cNvPr id="2" name="Title 1"/>
           <p:cNvSpPr>
             <a:spLocks noGrp="1"/>
           </p:cNvSpPr>
@@ -2163,21 +2471,16 @@
           <a:lstStyle/>
           <a:p>
             <a:r>
-              <a:rPr kumimoji="1" lang="ja-JP" altLang="en-US"/>
+              <a:rPr lang="ja-JP" altLang="en-US"/>
               <a:t>マスター タイトルの書式設定</a:t>
             </a:r>
-          </a:p>
-        </p:txBody>
-      </p:sp>
-      <p:sp>
-        <p:nvSpPr>
-          <p:cNvPr id="3" name="日付プレースホルダー 2">
-            <a:extLst>
-              <a:ext uri="{FF2B5EF4-FFF2-40B4-BE49-F238E27FC236}">
-                <a16:creationId xmlns:a16="http://schemas.microsoft.com/office/drawing/2014/main" id="{16CE5CE3-931B-8C36-E9DC-2ADBC50B0F8A}"/>
-              </a:ext>
-            </a:extLst>
-          </p:cNvPr>
+            <a:endParaRPr lang="en-US" dirty="0"/>
+          </a:p>
+        </p:txBody>
+      </p:sp>
+      <p:sp>
+        <p:nvSpPr>
+          <p:cNvPr id="3" name="Date Placeholder 2"/>
           <p:cNvSpPr>
             <a:spLocks noGrp="1"/>
           </p:cNvSpPr>
@@ -2192,7 +2495,7 @@
           <a:p>
             <a:fld id="{1C4B3AB8-4358-41C7-958F-814E3D70D72F}" type="datetimeFigureOut">
               <a:rPr kumimoji="1" lang="ja-JP" altLang="en-US" smtClean="0"/>
-              <a:t>2024/5/2</a:t>
+              <a:t>2024/5/6</a:t>
             </a:fld>
             <a:endParaRPr kumimoji="1" lang="ja-JP" altLang="en-US"/>
           </a:p>
@@ -2200,13 +2503,7 @@
       </p:sp>
       <p:sp>
         <p:nvSpPr>
-          <p:cNvPr id="4" name="フッター プレースホルダー 3">
-            <a:extLst>
-              <a:ext uri="{FF2B5EF4-FFF2-40B4-BE49-F238E27FC236}">
-                <a16:creationId xmlns:a16="http://schemas.microsoft.com/office/drawing/2014/main" id="{89455C53-955E-7660-FE6C-81482F1DEEAB}"/>
-              </a:ext>
-            </a:extLst>
-          </p:cNvPr>
+          <p:cNvPr id="4" name="Footer Placeholder 3"/>
           <p:cNvSpPr>
             <a:spLocks noGrp="1"/>
           </p:cNvSpPr>
@@ -2225,13 +2522,7 @@
       </p:sp>
       <p:sp>
         <p:nvSpPr>
-          <p:cNvPr id="5" name="スライド番号プレースホルダー 4">
-            <a:extLst>
-              <a:ext uri="{FF2B5EF4-FFF2-40B4-BE49-F238E27FC236}">
-                <a16:creationId xmlns:a16="http://schemas.microsoft.com/office/drawing/2014/main" id="{2164457C-FF5B-D3C7-82BE-C8D708D4FE9A}"/>
-              </a:ext>
-            </a:extLst>
-          </p:cNvPr>
+          <p:cNvPr id="5" name="Slide Number Placeholder 4"/>
           <p:cNvSpPr>
             <a:spLocks noGrp="1"/>
           </p:cNvSpPr>
@@ -2255,7 +2546,7 @@
     </p:spTree>
     <p:extLst>
       <p:ext uri="{BB962C8B-B14F-4D97-AF65-F5344CB8AC3E}">
-        <p14:creationId xmlns:p14="http://schemas.microsoft.com/office/powerpoint/2010/main" val="2607007581"/>
+        <p14:creationId xmlns:p14="http://schemas.microsoft.com/office/powerpoint/2010/main" val="3660194656"/>
       </p:ext>
     </p:extLst>
   </p:cSld>
@@ -2284,13 +2575,7 @@
       </p:grpSpPr>
       <p:sp>
         <p:nvSpPr>
-          <p:cNvPr id="2" name="日付プレースホルダー 1">
-            <a:extLst>
-              <a:ext uri="{FF2B5EF4-FFF2-40B4-BE49-F238E27FC236}">
-                <a16:creationId xmlns:a16="http://schemas.microsoft.com/office/drawing/2014/main" id="{73C2DAB1-D4E5-5365-2699-041D5E174690}"/>
-              </a:ext>
-            </a:extLst>
-          </p:cNvPr>
+          <p:cNvPr id="2" name="Date Placeholder 1"/>
           <p:cNvSpPr>
             <a:spLocks noGrp="1"/>
           </p:cNvSpPr>
@@ -2305,7 +2590,7 @@
           <a:p>
             <a:fld id="{1C4B3AB8-4358-41C7-958F-814E3D70D72F}" type="datetimeFigureOut">
               <a:rPr kumimoji="1" lang="ja-JP" altLang="en-US" smtClean="0"/>
-              <a:t>2024/5/2</a:t>
+              <a:t>2024/5/6</a:t>
             </a:fld>
             <a:endParaRPr kumimoji="1" lang="ja-JP" altLang="en-US"/>
           </a:p>
@@ -2313,13 +2598,7 @@
       </p:sp>
       <p:sp>
         <p:nvSpPr>
-          <p:cNvPr id="3" name="フッター プレースホルダー 2">
-            <a:extLst>
-              <a:ext uri="{FF2B5EF4-FFF2-40B4-BE49-F238E27FC236}">
-                <a16:creationId xmlns:a16="http://schemas.microsoft.com/office/drawing/2014/main" id="{1003647A-20EA-C692-056A-B0811A3068DA}"/>
-              </a:ext>
-            </a:extLst>
-          </p:cNvPr>
+          <p:cNvPr id="3" name="Footer Placeholder 2"/>
           <p:cNvSpPr>
             <a:spLocks noGrp="1"/>
           </p:cNvSpPr>
@@ -2338,13 +2617,7 @@
       </p:sp>
       <p:sp>
         <p:nvSpPr>
-          <p:cNvPr id="4" name="スライド番号プレースホルダー 3">
-            <a:extLst>
-              <a:ext uri="{FF2B5EF4-FFF2-40B4-BE49-F238E27FC236}">
-                <a16:creationId xmlns:a16="http://schemas.microsoft.com/office/drawing/2014/main" id="{CB75B75F-34F7-37ED-C848-ED35B02985CB}"/>
-              </a:ext>
-            </a:extLst>
-          </p:cNvPr>
+          <p:cNvPr id="4" name="Slide Number Placeholder 3"/>
           <p:cNvSpPr>
             <a:spLocks noGrp="1"/>
           </p:cNvSpPr>
@@ -2368,7 +2641,7 @@
     </p:spTree>
     <p:extLst>
       <p:ext uri="{BB962C8B-B14F-4D97-AF65-F5344CB8AC3E}">
-        <p14:creationId xmlns:p14="http://schemas.microsoft.com/office/powerpoint/2010/main" val="3642625"/>
+        <p14:creationId xmlns:p14="http://schemas.microsoft.com/office/powerpoint/2010/main" val="1978901092"/>
       </p:ext>
     </p:extLst>
   </p:cSld>
@@ -2397,13 +2670,7 @@
       </p:grpSpPr>
       <p:sp>
         <p:nvSpPr>
-          <p:cNvPr id="2" name="タイトル 1">
-            <a:extLst>
-              <a:ext uri="{FF2B5EF4-FFF2-40B4-BE49-F238E27FC236}">
-                <a16:creationId xmlns:a16="http://schemas.microsoft.com/office/drawing/2014/main" id="{A62695D6-7F25-7025-3664-F8D6B1541190}"/>
-              </a:ext>
-            </a:extLst>
-          </p:cNvPr>
+          <p:cNvPr id="2" name="Title 1"/>
           <p:cNvSpPr>
             <a:spLocks noGrp="1"/>
           </p:cNvSpPr>
@@ -2413,34 +2680,29 @@
         </p:nvSpPr>
         <p:spPr>
           <a:xfrm>
-            <a:off x="839788" y="457200"/>
-            <a:ext cx="3932237" cy="1600200"/>
+            <a:off x="839788" y="1177184"/>
+            <a:ext cx="3932237" cy="4120145"/>
           </a:xfrm>
         </p:spPr>
         <p:txBody>
           <a:bodyPr anchor="b"/>
           <a:lstStyle>
             <a:lvl1pPr>
-              <a:defRPr sz="3200"/>
+              <a:defRPr sz="4267"/>
             </a:lvl1pPr>
           </a:lstStyle>
           <a:p>
             <a:r>
-              <a:rPr kumimoji="1" lang="ja-JP" altLang="en-US"/>
+              <a:rPr lang="ja-JP" altLang="en-US"/>
               <a:t>マスター タイトルの書式設定</a:t>
             </a:r>
-          </a:p>
-        </p:txBody>
-      </p:sp>
-      <p:sp>
-        <p:nvSpPr>
-          <p:cNvPr id="3" name="コンテンツ プレースホルダー 2">
-            <a:extLst>
-              <a:ext uri="{FF2B5EF4-FFF2-40B4-BE49-F238E27FC236}">
-                <a16:creationId xmlns:a16="http://schemas.microsoft.com/office/drawing/2014/main" id="{E72EE033-EEE4-F33B-EC37-6A901B916767}"/>
-              </a:ext>
-            </a:extLst>
-          </p:cNvPr>
+            <a:endParaRPr lang="en-US" dirty="0"/>
+          </a:p>
+        </p:txBody>
+      </p:sp>
+      <p:sp>
+        <p:nvSpPr>
+          <p:cNvPr id="3" name="Content Placeholder 2"/>
           <p:cNvSpPr>
             <a:spLocks noGrp="1"/>
           </p:cNvSpPr>
@@ -2450,119 +2712,114 @@
         </p:nvSpPr>
         <p:spPr>
           <a:xfrm>
-            <a:off x="5183188" y="987425"/>
-            <a:ext cx="6172200" cy="4873625"/>
+            <a:off x="5183188" y="2542395"/>
+            <a:ext cx="6172200" cy="12548457"/>
           </a:xfrm>
         </p:spPr>
         <p:txBody>
           <a:bodyPr/>
           <a:lstStyle>
             <a:lvl1pPr>
-              <a:defRPr sz="3200"/>
+              <a:defRPr sz="4267"/>
             </a:lvl1pPr>
             <a:lvl2pPr>
-              <a:defRPr sz="2800"/>
+              <a:defRPr sz="3733"/>
             </a:lvl2pPr>
             <a:lvl3pPr>
-              <a:defRPr sz="2400"/>
+              <a:defRPr sz="3200"/>
             </a:lvl3pPr>
             <a:lvl4pPr>
-              <a:defRPr sz="2000"/>
+              <a:defRPr sz="2667"/>
             </a:lvl4pPr>
             <a:lvl5pPr>
-              <a:defRPr sz="2000"/>
+              <a:defRPr sz="2667"/>
             </a:lvl5pPr>
             <a:lvl6pPr>
-              <a:defRPr sz="2000"/>
+              <a:defRPr sz="2667"/>
             </a:lvl6pPr>
             <a:lvl7pPr>
-              <a:defRPr sz="2000"/>
+              <a:defRPr sz="2667"/>
             </a:lvl7pPr>
             <a:lvl8pPr>
-              <a:defRPr sz="2000"/>
+              <a:defRPr sz="2667"/>
             </a:lvl8pPr>
             <a:lvl9pPr>
-              <a:defRPr sz="2000"/>
+              <a:defRPr sz="2667"/>
             </a:lvl9pPr>
           </a:lstStyle>
           <a:p>
             <a:pPr lvl="0"/>
             <a:r>
-              <a:rPr kumimoji="1" lang="ja-JP" altLang="en-US"/>
+              <a:rPr lang="ja-JP" altLang="en-US"/>
               <a:t>マスター テキストの書式設定</a:t>
             </a:r>
           </a:p>
           <a:p>
             <a:pPr lvl="1"/>
             <a:r>
-              <a:rPr kumimoji="1" lang="ja-JP" altLang="en-US"/>
+              <a:rPr lang="ja-JP" altLang="en-US"/>
               <a:t>第 </a:t>
             </a:r>
             <a:r>
-              <a:rPr kumimoji="1" lang="en-US" altLang="ja-JP"/>
+              <a:rPr lang="en-US" altLang="ja-JP"/>
               <a:t>2 </a:t>
             </a:r>
             <a:r>
-              <a:rPr kumimoji="1" lang="ja-JP" altLang="en-US"/>
+              <a:rPr lang="ja-JP" altLang="en-US"/>
               <a:t>レベル</a:t>
             </a:r>
           </a:p>
           <a:p>
             <a:pPr lvl="2"/>
             <a:r>
-              <a:rPr kumimoji="1" lang="ja-JP" altLang="en-US"/>
+              <a:rPr lang="ja-JP" altLang="en-US"/>
               <a:t>第 </a:t>
             </a:r>
             <a:r>
-              <a:rPr kumimoji="1" lang="en-US" altLang="ja-JP"/>
+              <a:rPr lang="en-US" altLang="ja-JP"/>
               <a:t>3 </a:t>
             </a:r>
             <a:r>
-              <a:rPr kumimoji="1" lang="ja-JP" altLang="en-US"/>
+              <a:rPr lang="ja-JP" altLang="en-US"/>
               <a:t>レベル</a:t>
             </a:r>
           </a:p>
           <a:p>
             <a:pPr lvl="3"/>
             <a:r>
-              <a:rPr kumimoji="1" lang="ja-JP" altLang="en-US"/>
+              <a:rPr lang="ja-JP" altLang="en-US"/>
               <a:t>第 </a:t>
             </a:r>
             <a:r>
-              <a:rPr kumimoji="1" lang="en-US" altLang="ja-JP"/>
+              <a:rPr lang="en-US" altLang="ja-JP"/>
               <a:t>4 </a:t>
             </a:r>
             <a:r>
-              <a:rPr kumimoji="1" lang="ja-JP" altLang="en-US"/>
+              <a:rPr lang="ja-JP" altLang="en-US"/>
               <a:t>レベル</a:t>
             </a:r>
           </a:p>
           <a:p>
             <a:pPr lvl="4"/>
             <a:r>
-              <a:rPr kumimoji="1" lang="ja-JP" altLang="en-US"/>
+              <a:rPr lang="ja-JP" altLang="en-US"/>
               <a:t>第 </a:t>
             </a:r>
             <a:r>
-              <a:rPr kumimoji="1" lang="en-US" altLang="ja-JP"/>
+              <a:rPr lang="en-US" altLang="ja-JP"/>
               <a:t>5 </a:t>
             </a:r>
             <a:r>
-              <a:rPr kumimoji="1" lang="ja-JP" altLang="en-US"/>
+              <a:rPr lang="ja-JP" altLang="en-US"/>
               <a:t>レベル</a:t>
             </a:r>
-          </a:p>
-        </p:txBody>
-      </p:sp>
-      <p:sp>
-        <p:nvSpPr>
-          <p:cNvPr id="4" name="テキスト プレースホルダー 3">
-            <a:extLst>
-              <a:ext uri="{FF2B5EF4-FFF2-40B4-BE49-F238E27FC236}">
-                <a16:creationId xmlns:a16="http://schemas.microsoft.com/office/drawing/2014/main" id="{1A7406E0-8D91-25C5-2248-88E269125554}"/>
-              </a:ext>
-            </a:extLst>
-          </p:cNvPr>
+            <a:endParaRPr lang="en-US" dirty="0"/>
+          </a:p>
+        </p:txBody>
+      </p:sp>
+      <p:sp>
+        <p:nvSpPr>
+          <p:cNvPr id="4" name="Text Placeholder 3"/>
           <p:cNvSpPr>
             <a:spLocks noGrp="1"/>
           </p:cNvSpPr>
@@ -2572,8 +2829,8 @@
         </p:nvSpPr>
         <p:spPr>
           <a:xfrm>
-            <a:off x="839788" y="2057400"/>
-            <a:ext cx="3932237" cy="3811588"/>
+            <a:off x="839788" y="5297329"/>
+            <a:ext cx="3932237" cy="9813957"/>
           </a:xfrm>
         </p:spPr>
         <p:txBody>
@@ -2581,45 +2838,45 @@
           <a:lstStyle>
             <a:lvl1pPr marL="0" indent="0">
               <a:buNone/>
+              <a:defRPr sz="2133"/>
+            </a:lvl1pPr>
+            <a:lvl2pPr marL="609585" indent="0">
+              <a:buNone/>
+              <a:defRPr sz="1867"/>
+            </a:lvl2pPr>
+            <a:lvl3pPr marL="1219170" indent="0">
+              <a:buNone/>
               <a:defRPr sz="1600"/>
-            </a:lvl1pPr>
-            <a:lvl2pPr marL="457200" indent="0">
+            </a:lvl3pPr>
+            <a:lvl4pPr marL="1828754" indent="0">
               <a:buNone/>
-              <a:defRPr sz="1400"/>
-            </a:lvl2pPr>
-            <a:lvl3pPr marL="914400" indent="0">
+              <a:defRPr sz="1333"/>
+            </a:lvl4pPr>
+            <a:lvl5pPr marL="2438339" indent="0">
               <a:buNone/>
-              <a:defRPr sz="1200"/>
-            </a:lvl3pPr>
-            <a:lvl4pPr marL="1371600" indent="0">
+              <a:defRPr sz="1333"/>
+            </a:lvl5pPr>
+            <a:lvl6pPr marL="3047924" indent="0">
               <a:buNone/>
-              <a:defRPr sz="1000"/>
-            </a:lvl4pPr>
-            <a:lvl5pPr marL="1828800" indent="0">
+              <a:defRPr sz="1333"/>
+            </a:lvl6pPr>
+            <a:lvl7pPr marL="3657509" indent="0">
               <a:buNone/>
-              <a:defRPr sz="1000"/>
-            </a:lvl5pPr>
-            <a:lvl6pPr marL="2286000" indent="0">
+              <a:defRPr sz="1333"/>
+            </a:lvl7pPr>
+            <a:lvl8pPr marL="4267093" indent="0">
               <a:buNone/>
-              <a:defRPr sz="1000"/>
-            </a:lvl6pPr>
-            <a:lvl7pPr marL="2743200" indent="0">
+              <a:defRPr sz="1333"/>
+            </a:lvl8pPr>
+            <a:lvl9pPr marL="4876678" indent="0">
               <a:buNone/>
-              <a:defRPr sz="1000"/>
-            </a:lvl7pPr>
-            <a:lvl8pPr marL="3200400" indent="0">
-              <a:buNone/>
-              <a:defRPr sz="1000"/>
-            </a:lvl8pPr>
-            <a:lvl9pPr marL="3657600" indent="0">
-              <a:buNone/>
-              <a:defRPr sz="1000"/>
+              <a:defRPr sz="1333"/>
             </a:lvl9pPr>
           </a:lstStyle>
           <a:p>
             <a:pPr lvl="0"/>
             <a:r>
-              <a:rPr kumimoji="1" lang="ja-JP" altLang="en-US"/>
+              <a:rPr lang="ja-JP" altLang="en-US"/>
               <a:t>マスター テキストの書式設定</a:t>
             </a:r>
           </a:p>
@@ -2627,13 +2884,7 @@
       </p:sp>
       <p:sp>
         <p:nvSpPr>
-          <p:cNvPr id="5" name="日付プレースホルダー 4">
-            <a:extLst>
-              <a:ext uri="{FF2B5EF4-FFF2-40B4-BE49-F238E27FC236}">
-                <a16:creationId xmlns:a16="http://schemas.microsoft.com/office/drawing/2014/main" id="{23C1C365-94D5-251A-8FA7-F7E997B9CAE5}"/>
-              </a:ext>
-            </a:extLst>
-          </p:cNvPr>
+          <p:cNvPr id="5" name="Date Placeholder 4"/>
           <p:cNvSpPr>
             <a:spLocks noGrp="1"/>
           </p:cNvSpPr>
@@ -2648,7 +2899,7 @@
           <a:p>
             <a:fld id="{1C4B3AB8-4358-41C7-958F-814E3D70D72F}" type="datetimeFigureOut">
               <a:rPr kumimoji="1" lang="ja-JP" altLang="en-US" smtClean="0"/>
-              <a:t>2024/5/2</a:t>
+              <a:t>2024/5/6</a:t>
             </a:fld>
             <a:endParaRPr kumimoji="1" lang="ja-JP" altLang="en-US"/>
           </a:p>
@@ -2656,13 +2907,7 @@
       </p:sp>
       <p:sp>
         <p:nvSpPr>
-          <p:cNvPr id="6" name="フッター プレースホルダー 5">
-            <a:extLst>
-              <a:ext uri="{FF2B5EF4-FFF2-40B4-BE49-F238E27FC236}">
-                <a16:creationId xmlns:a16="http://schemas.microsoft.com/office/drawing/2014/main" id="{A5D144E1-14D0-054D-5F7C-BBD5DE04CE40}"/>
-              </a:ext>
-            </a:extLst>
-          </p:cNvPr>
+          <p:cNvPr id="6" name="Footer Placeholder 5"/>
           <p:cNvSpPr>
             <a:spLocks noGrp="1"/>
           </p:cNvSpPr>
@@ -2681,13 +2926,7 @@
       </p:sp>
       <p:sp>
         <p:nvSpPr>
-          <p:cNvPr id="7" name="スライド番号プレースホルダー 6">
-            <a:extLst>
-              <a:ext uri="{FF2B5EF4-FFF2-40B4-BE49-F238E27FC236}">
-                <a16:creationId xmlns:a16="http://schemas.microsoft.com/office/drawing/2014/main" id="{E9B04C3B-6CC0-1029-96CC-773109CEDA13}"/>
-              </a:ext>
-            </a:extLst>
-          </p:cNvPr>
+          <p:cNvPr id="7" name="Slide Number Placeholder 6"/>
           <p:cNvSpPr>
             <a:spLocks noGrp="1"/>
           </p:cNvSpPr>
@@ -2711,7 +2950,7 @@
     </p:spTree>
     <p:extLst>
       <p:ext uri="{BB962C8B-B14F-4D97-AF65-F5344CB8AC3E}">
-        <p14:creationId xmlns:p14="http://schemas.microsoft.com/office/powerpoint/2010/main" val="1904835211"/>
+        <p14:creationId xmlns:p14="http://schemas.microsoft.com/office/powerpoint/2010/main" val="2453423003"/>
       </p:ext>
     </p:extLst>
   </p:cSld>
@@ -2740,13 +2979,7 @@
       </p:grpSpPr>
       <p:sp>
         <p:nvSpPr>
-          <p:cNvPr id="2" name="タイトル 1">
-            <a:extLst>
-              <a:ext uri="{FF2B5EF4-FFF2-40B4-BE49-F238E27FC236}">
-                <a16:creationId xmlns:a16="http://schemas.microsoft.com/office/drawing/2014/main" id="{F774852E-107A-415F-7227-24FB3D52F061}"/>
-              </a:ext>
-            </a:extLst>
-          </p:cNvPr>
+          <p:cNvPr id="2" name="Title 1"/>
           <p:cNvSpPr>
             <a:spLocks noGrp="1"/>
           </p:cNvSpPr>
@@ -2756,36 +2989,31 @@
         </p:nvSpPr>
         <p:spPr>
           <a:xfrm>
-            <a:off x="839788" y="457200"/>
-            <a:ext cx="3932237" cy="1600200"/>
+            <a:off x="839788" y="1177184"/>
+            <a:ext cx="3932237" cy="4120145"/>
           </a:xfrm>
         </p:spPr>
         <p:txBody>
           <a:bodyPr anchor="b"/>
           <a:lstStyle>
             <a:lvl1pPr>
-              <a:defRPr sz="3200"/>
+              <a:defRPr sz="4267"/>
             </a:lvl1pPr>
           </a:lstStyle>
           <a:p>
             <a:r>
-              <a:rPr kumimoji="1" lang="ja-JP" altLang="en-US"/>
+              <a:rPr lang="ja-JP" altLang="en-US"/>
               <a:t>マスター タイトルの書式設定</a:t>
             </a:r>
-          </a:p>
-        </p:txBody>
-      </p:sp>
-      <p:sp>
-        <p:nvSpPr>
-          <p:cNvPr id="3" name="図プレースホルダー 2">
-            <a:extLst>
-              <a:ext uri="{FF2B5EF4-FFF2-40B4-BE49-F238E27FC236}">
-                <a16:creationId xmlns:a16="http://schemas.microsoft.com/office/drawing/2014/main" id="{9DD8C872-C7D7-8A70-CE75-C2D09D126800}"/>
-              </a:ext>
-            </a:extLst>
-          </p:cNvPr>
+            <a:endParaRPr lang="en-US" dirty="0"/>
+          </a:p>
+        </p:txBody>
+      </p:sp>
+      <p:sp>
+        <p:nvSpPr>
+          <p:cNvPr id="3" name="Picture Placeholder 2"/>
           <p:cNvSpPr>
-            <a:spLocks noGrp="1"/>
+            <a:spLocks noGrp="1" noChangeAspect="1"/>
           </p:cNvSpPr>
           <p:nvPr>
             <p:ph type="pic" idx="1"/>
@@ -2793,64 +3021,62 @@
         </p:nvSpPr>
         <p:spPr>
           <a:xfrm>
-            <a:off x="5183188" y="987425"/>
-            <a:ext cx="6172200" cy="4873625"/>
-          </a:xfrm>
-        </p:spPr>
-        <p:txBody>
-          <a:bodyPr/>
+            <a:off x="5183188" y="2542395"/>
+            <a:ext cx="6172200" cy="12548457"/>
+          </a:xfrm>
+        </p:spPr>
+        <p:txBody>
+          <a:bodyPr anchor="t"/>
           <a:lstStyle>
             <a:lvl1pPr marL="0" indent="0">
               <a:buNone/>
+              <a:defRPr sz="4267"/>
+            </a:lvl1pPr>
+            <a:lvl2pPr marL="609585" indent="0">
+              <a:buNone/>
+              <a:defRPr sz="3733"/>
+            </a:lvl2pPr>
+            <a:lvl3pPr marL="1219170" indent="0">
+              <a:buNone/>
               <a:defRPr sz="3200"/>
-            </a:lvl1pPr>
-            <a:lvl2pPr marL="457200" indent="0">
+            </a:lvl3pPr>
+            <a:lvl4pPr marL="1828754" indent="0">
               <a:buNone/>
-              <a:defRPr sz="2800"/>
-            </a:lvl2pPr>
-            <a:lvl3pPr marL="914400" indent="0">
+              <a:defRPr sz="2667"/>
+            </a:lvl4pPr>
+            <a:lvl5pPr marL="2438339" indent="0">
               <a:buNone/>
-              <a:defRPr sz="2400"/>
-            </a:lvl3pPr>
-            <a:lvl4pPr marL="1371600" indent="0">
+              <a:defRPr sz="2667"/>
+            </a:lvl5pPr>
+            <a:lvl6pPr marL="3047924" indent="0">
               <a:buNone/>
-              <a:defRPr sz="2000"/>
-            </a:lvl4pPr>
-            <a:lvl5pPr marL="1828800" indent="0">
+              <a:defRPr sz="2667"/>
+            </a:lvl6pPr>
+            <a:lvl7pPr marL="3657509" indent="0">
               <a:buNone/>
-              <a:defRPr sz="2000"/>
-            </a:lvl5pPr>
-            <a:lvl6pPr marL="2286000" indent="0">
+              <a:defRPr sz="2667"/>
+            </a:lvl7pPr>
+            <a:lvl8pPr marL="4267093" indent="0">
               <a:buNone/>
-              <a:defRPr sz="2000"/>
-            </a:lvl6pPr>
-            <a:lvl7pPr marL="2743200" indent="0">
+              <a:defRPr sz="2667"/>
+            </a:lvl8pPr>
+            <a:lvl9pPr marL="4876678" indent="0">
               <a:buNone/>
-              <a:defRPr sz="2000"/>
-            </a:lvl7pPr>
-            <a:lvl8pPr marL="3200400" indent="0">
-              <a:buNone/>
-              <a:defRPr sz="2000"/>
-            </a:lvl8pPr>
-            <a:lvl9pPr marL="3657600" indent="0">
-              <a:buNone/>
-              <a:defRPr sz="2000"/>
+              <a:defRPr sz="2667"/>
             </a:lvl9pPr>
           </a:lstStyle>
           <a:p>
-            <a:endParaRPr kumimoji="1" lang="ja-JP" altLang="en-US"/>
-          </a:p>
-        </p:txBody>
-      </p:sp>
-      <p:sp>
-        <p:nvSpPr>
-          <p:cNvPr id="4" name="テキスト プレースホルダー 3">
-            <a:extLst>
-              <a:ext uri="{FF2B5EF4-FFF2-40B4-BE49-F238E27FC236}">
-                <a16:creationId xmlns:a16="http://schemas.microsoft.com/office/drawing/2014/main" id="{5B10B4F9-BD8B-D5B0-8543-0148D9E52AB0}"/>
-              </a:ext>
-            </a:extLst>
-          </p:cNvPr>
+            <a:r>
+              <a:rPr lang="ja-JP" altLang="en-US"/>
+              <a:t>アイコンをクリックして図を追加</a:t>
+            </a:r>
+            <a:endParaRPr lang="en-US" dirty="0"/>
+          </a:p>
+        </p:txBody>
+      </p:sp>
+      <p:sp>
+        <p:nvSpPr>
+          <p:cNvPr id="4" name="Text Placeholder 3"/>
           <p:cNvSpPr>
             <a:spLocks noGrp="1"/>
           </p:cNvSpPr>
@@ -2860,8 +3086,8 @@
         </p:nvSpPr>
         <p:spPr>
           <a:xfrm>
-            <a:off x="839788" y="2057400"/>
-            <a:ext cx="3932237" cy="3811588"/>
+            <a:off x="839788" y="5297329"/>
+            <a:ext cx="3932237" cy="9813957"/>
           </a:xfrm>
         </p:spPr>
         <p:txBody>
@@ -2869,45 +3095,45 @@
           <a:lstStyle>
             <a:lvl1pPr marL="0" indent="0">
               <a:buNone/>
+              <a:defRPr sz="2133"/>
+            </a:lvl1pPr>
+            <a:lvl2pPr marL="609585" indent="0">
+              <a:buNone/>
+              <a:defRPr sz="1867"/>
+            </a:lvl2pPr>
+            <a:lvl3pPr marL="1219170" indent="0">
+              <a:buNone/>
               <a:defRPr sz="1600"/>
-            </a:lvl1pPr>
-            <a:lvl2pPr marL="457200" indent="0">
+            </a:lvl3pPr>
+            <a:lvl4pPr marL="1828754" indent="0">
               <a:buNone/>
-              <a:defRPr sz="1400"/>
-            </a:lvl2pPr>
-            <a:lvl3pPr marL="914400" indent="0">
+              <a:defRPr sz="1333"/>
+            </a:lvl4pPr>
+            <a:lvl5pPr marL="2438339" indent="0">
               <a:buNone/>
-              <a:defRPr sz="1200"/>
-            </a:lvl3pPr>
-            <a:lvl4pPr marL="1371600" indent="0">
+              <a:defRPr sz="1333"/>
+            </a:lvl5pPr>
+            <a:lvl6pPr marL="3047924" indent="0">
               <a:buNone/>
-              <a:defRPr sz="1000"/>
-            </a:lvl4pPr>
-            <a:lvl5pPr marL="1828800" indent="0">
+              <a:defRPr sz="1333"/>
+            </a:lvl6pPr>
+            <a:lvl7pPr marL="3657509" indent="0">
               <a:buNone/>
-              <a:defRPr sz="1000"/>
-            </a:lvl5pPr>
-            <a:lvl6pPr marL="2286000" indent="0">
+              <a:defRPr sz="1333"/>
+            </a:lvl7pPr>
+            <a:lvl8pPr marL="4267093" indent="0">
               <a:buNone/>
-              <a:defRPr sz="1000"/>
-            </a:lvl6pPr>
-            <a:lvl7pPr marL="2743200" indent="0">
+              <a:defRPr sz="1333"/>
+            </a:lvl8pPr>
+            <a:lvl9pPr marL="4876678" indent="0">
               <a:buNone/>
-              <a:defRPr sz="1000"/>
-            </a:lvl7pPr>
-            <a:lvl8pPr marL="3200400" indent="0">
-              <a:buNone/>
-              <a:defRPr sz="1000"/>
-            </a:lvl8pPr>
-            <a:lvl9pPr marL="3657600" indent="0">
-              <a:buNone/>
-              <a:defRPr sz="1000"/>
+              <a:defRPr sz="1333"/>
             </a:lvl9pPr>
           </a:lstStyle>
           <a:p>
             <a:pPr lvl="0"/>
             <a:r>
-              <a:rPr kumimoji="1" lang="ja-JP" altLang="en-US"/>
+              <a:rPr lang="ja-JP" altLang="en-US"/>
               <a:t>マスター テキストの書式設定</a:t>
             </a:r>
           </a:p>
@@ -2915,13 +3141,7 @@
       </p:sp>
       <p:sp>
         <p:nvSpPr>
-          <p:cNvPr id="5" name="日付プレースホルダー 4">
-            <a:extLst>
-              <a:ext uri="{FF2B5EF4-FFF2-40B4-BE49-F238E27FC236}">
-                <a16:creationId xmlns:a16="http://schemas.microsoft.com/office/drawing/2014/main" id="{0A587095-C330-7019-BEFA-098073AC013A}"/>
-              </a:ext>
-            </a:extLst>
-          </p:cNvPr>
+          <p:cNvPr id="5" name="Date Placeholder 4"/>
           <p:cNvSpPr>
             <a:spLocks noGrp="1"/>
           </p:cNvSpPr>
@@ -2936,7 +3156,7 @@
           <a:p>
             <a:fld id="{1C4B3AB8-4358-41C7-958F-814E3D70D72F}" type="datetimeFigureOut">
               <a:rPr kumimoji="1" lang="ja-JP" altLang="en-US" smtClean="0"/>
-              <a:t>2024/5/2</a:t>
+              <a:t>2024/5/6</a:t>
             </a:fld>
             <a:endParaRPr kumimoji="1" lang="ja-JP" altLang="en-US"/>
           </a:p>
@@ -2944,13 +3164,7 @@
       </p:sp>
       <p:sp>
         <p:nvSpPr>
-          <p:cNvPr id="6" name="フッター プレースホルダー 5">
-            <a:extLst>
-              <a:ext uri="{FF2B5EF4-FFF2-40B4-BE49-F238E27FC236}">
-                <a16:creationId xmlns:a16="http://schemas.microsoft.com/office/drawing/2014/main" id="{E94E2AF2-96D9-21E5-E87C-D7692E603754}"/>
-              </a:ext>
-            </a:extLst>
-          </p:cNvPr>
+          <p:cNvPr id="6" name="Footer Placeholder 5"/>
           <p:cNvSpPr>
             <a:spLocks noGrp="1"/>
           </p:cNvSpPr>
@@ -2969,13 +3183,7 @@
       </p:sp>
       <p:sp>
         <p:nvSpPr>
-          <p:cNvPr id="7" name="スライド番号プレースホルダー 6">
-            <a:extLst>
-              <a:ext uri="{FF2B5EF4-FFF2-40B4-BE49-F238E27FC236}">
-                <a16:creationId xmlns:a16="http://schemas.microsoft.com/office/drawing/2014/main" id="{B9323D62-42BE-C5A5-2A08-8BB37C18C444}"/>
-              </a:ext>
-            </a:extLst>
-          </p:cNvPr>
+          <p:cNvPr id="7" name="Slide Number Placeholder 6"/>
           <p:cNvSpPr>
             <a:spLocks noGrp="1"/>
           </p:cNvSpPr>
@@ -2999,7 +3207,7 @@
     </p:spTree>
     <p:extLst>
       <p:ext uri="{BB962C8B-B14F-4D97-AF65-F5344CB8AC3E}">
-        <p14:creationId xmlns:p14="http://schemas.microsoft.com/office/powerpoint/2010/main" val="2302532644"/>
+        <p14:creationId xmlns:p14="http://schemas.microsoft.com/office/powerpoint/2010/main" val="1865870082"/>
       </p:ext>
     </p:extLst>
   </p:cSld>
@@ -3033,13 +3241,7 @@
       </p:grpSpPr>
       <p:sp>
         <p:nvSpPr>
-          <p:cNvPr id="2" name="タイトル プレースホルダー 1">
-            <a:extLst>
-              <a:ext uri="{FF2B5EF4-FFF2-40B4-BE49-F238E27FC236}">
-                <a16:creationId xmlns:a16="http://schemas.microsoft.com/office/drawing/2014/main" id="{E1C36B46-9133-2768-40EE-D485D44A342A}"/>
-              </a:ext>
-            </a:extLst>
-          </p:cNvPr>
+          <p:cNvPr id="2" name="Title Placeholder 1"/>
           <p:cNvSpPr>
             <a:spLocks noGrp="1"/>
           </p:cNvSpPr>
@@ -3049,8 +3251,8 @@
         </p:nvSpPr>
         <p:spPr>
           <a:xfrm>
-            <a:off x="838200" y="365125"/>
-            <a:ext cx="10515600" cy="1325563"/>
+            <a:off x="838200" y="940116"/>
+            <a:ext cx="10515600" cy="3413018"/>
           </a:xfrm>
           <a:prstGeom prst="rect">
             <a:avLst/>
@@ -3063,21 +3265,16 @@
           <a:lstStyle/>
           <a:p>
             <a:r>
-              <a:rPr kumimoji="1" lang="ja-JP" altLang="en-US"/>
+              <a:rPr lang="ja-JP" altLang="en-US"/>
               <a:t>マスター タイトルの書式設定</a:t>
             </a:r>
-          </a:p>
-        </p:txBody>
-      </p:sp>
-      <p:sp>
-        <p:nvSpPr>
-          <p:cNvPr id="3" name="テキスト プレースホルダー 2">
-            <a:extLst>
-              <a:ext uri="{FF2B5EF4-FFF2-40B4-BE49-F238E27FC236}">
-                <a16:creationId xmlns:a16="http://schemas.microsoft.com/office/drawing/2014/main" id="{5741CC4C-B69B-C1A5-6F8F-FBA452ABC09C}"/>
-              </a:ext>
-            </a:extLst>
-          </p:cNvPr>
+            <a:endParaRPr lang="en-US" dirty="0"/>
+          </a:p>
+        </p:txBody>
+      </p:sp>
+      <p:sp>
+        <p:nvSpPr>
+          <p:cNvPr id="3" name="Text Placeholder 2"/>
           <p:cNvSpPr>
             <a:spLocks noGrp="1"/>
           </p:cNvSpPr>
@@ -3087,8 +3284,8 @@
         </p:nvSpPr>
         <p:spPr>
           <a:xfrm>
-            <a:off x="838200" y="1825625"/>
-            <a:ext cx="10515600" cy="4351338"/>
+            <a:off x="838200" y="4700562"/>
+            <a:ext cx="10515600" cy="11203688"/>
           </a:xfrm>
           <a:prstGeom prst="rect">
             <a:avLst/>
@@ -3102,81 +3299,76 @@
           <a:p>
             <a:pPr lvl="0"/>
             <a:r>
-              <a:rPr kumimoji="1" lang="ja-JP" altLang="en-US"/>
+              <a:rPr lang="ja-JP" altLang="en-US"/>
               <a:t>マスター テキストの書式設定</a:t>
             </a:r>
           </a:p>
           <a:p>
             <a:pPr lvl="1"/>
             <a:r>
-              <a:rPr kumimoji="1" lang="ja-JP" altLang="en-US"/>
+              <a:rPr lang="ja-JP" altLang="en-US"/>
               <a:t>第 </a:t>
             </a:r>
             <a:r>
-              <a:rPr kumimoji="1" lang="en-US" altLang="ja-JP"/>
+              <a:rPr lang="en-US" altLang="ja-JP"/>
               <a:t>2 </a:t>
             </a:r>
             <a:r>
-              <a:rPr kumimoji="1" lang="ja-JP" altLang="en-US"/>
+              <a:rPr lang="ja-JP" altLang="en-US"/>
               <a:t>レベル</a:t>
             </a:r>
           </a:p>
           <a:p>
             <a:pPr lvl="2"/>
             <a:r>
-              <a:rPr kumimoji="1" lang="ja-JP" altLang="en-US"/>
+              <a:rPr lang="ja-JP" altLang="en-US"/>
               <a:t>第 </a:t>
             </a:r>
             <a:r>
-              <a:rPr kumimoji="1" lang="en-US" altLang="ja-JP"/>
+              <a:rPr lang="en-US" altLang="ja-JP"/>
               <a:t>3 </a:t>
             </a:r>
             <a:r>
-              <a:rPr kumimoji="1" lang="ja-JP" altLang="en-US"/>
+              <a:rPr lang="ja-JP" altLang="en-US"/>
               <a:t>レベル</a:t>
             </a:r>
           </a:p>
           <a:p>
             <a:pPr lvl="3"/>
             <a:r>
-              <a:rPr kumimoji="1" lang="ja-JP" altLang="en-US"/>
+              <a:rPr lang="ja-JP" altLang="en-US"/>
               <a:t>第 </a:t>
             </a:r>
             <a:r>
-              <a:rPr kumimoji="1" lang="en-US" altLang="ja-JP"/>
+              <a:rPr lang="en-US" altLang="ja-JP"/>
               <a:t>4 </a:t>
             </a:r>
             <a:r>
-              <a:rPr kumimoji="1" lang="ja-JP" altLang="en-US"/>
+              <a:rPr lang="ja-JP" altLang="en-US"/>
               <a:t>レベル</a:t>
             </a:r>
           </a:p>
           <a:p>
             <a:pPr lvl="4"/>
             <a:r>
-              <a:rPr kumimoji="1" lang="ja-JP" altLang="en-US"/>
+              <a:rPr lang="ja-JP" altLang="en-US"/>
               <a:t>第 </a:t>
             </a:r>
             <a:r>
-              <a:rPr kumimoji="1" lang="en-US" altLang="ja-JP"/>
+              <a:rPr lang="en-US" altLang="ja-JP"/>
               <a:t>5 </a:t>
             </a:r>
             <a:r>
-              <a:rPr kumimoji="1" lang="ja-JP" altLang="en-US"/>
+              <a:rPr lang="ja-JP" altLang="en-US"/>
               <a:t>レベル</a:t>
             </a:r>
-          </a:p>
-        </p:txBody>
-      </p:sp>
-      <p:sp>
-        <p:nvSpPr>
-          <p:cNvPr id="4" name="日付プレースホルダー 3">
-            <a:extLst>
-              <a:ext uri="{FF2B5EF4-FFF2-40B4-BE49-F238E27FC236}">
-                <a16:creationId xmlns:a16="http://schemas.microsoft.com/office/drawing/2014/main" id="{085764FA-42E5-2D00-03CD-025E41D39634}"/>
-              </a:ext>
-            </a:extLst>
-          </p:cNvPr>
+            <a:endParaRPr lang="en-US" dirty="0"/>
+          </a:p>
+        </p:txBody>
+      </p:sp>
+      <p:sp>
+        <p:nvSpPr>
+          <p:cNvPr id="4" name="Date Placeholder 3"/>
           <p:cNvSpPr>
             <a:spLocks noGrp="1"/>
           </p:cNvSpPr>
@@ -3186,8 +3378,8 @@
         </p:nvSpPr>
         <p:spPr>
           <a:xfrm>
-            <a:off x="838200" y="6356350"/>
-            <a:ext cx="2743200" cy="365125"/>
+            <a:off x="838200" y="16366134"/>
+            <a:ext cx="2743200" cy="940112"/>
           </a:xfrm>
           <a:prstGeom prst="rect">
             <a:avLst/>
@@ -3197,7 +3389,7 @@
           <a:bodyPr vert="horz" lIns="91440" tIns="45720" rIns="91440" bIns="45720" rtlCol="0" anchor="ctr"/>
           <a:lstStyle>
             <a:lvl1pPr algn="l">
-              <a:defRPr sz="1200">
+              <a:defRPr sz="1600">
                 <a:solidFill>
                   <a:schemeClr val="tx1">
                     <a:tint val="82000"/>
@@ -3209,7 +3401,7 @@
           <a:p>
             <a:fld id="{1C4B3AB8-4358-41C7-958F-814E3D70D72F}" type="datetimeFigureOut">
               <a:rPr kumimoji="1" lang="ja-JP" altLang="en-US" smtClean="0"/>
-              <a:t>2024/5/2</a:t>
+              <a:t>2024/5/6</a:t>
             </a:fld>
             <a:endParaRPr kumimoji="1" lang="ja-JP" altLang="en-US"/>
           </a:p>
@@ -3217,13 +3409,7 @@
       </p:sp>
       <p:sp>
         <p:nvSpPr>
-          <p:cNvPr id="5" name="フッター プレースホルダー 4">
-            <a:extLst>
-              <a:ext uri="{FF2B5EF4-FFF2-40B4-BE49-F238E27FC236}">
-                <a16:creationId xmlns:a16="http://schemas.microsoft.com/office/drawing/2014/main" id="{0AEA25AF-8CB4-3231-EBE4-118AA769B778}"/>
-              </a:ext>
-            </a:extLst>
-          </p:cNvPr>
+          <p:cNvPr id="5" name="Footer Placeholder 4"/>
           <p:cNvSpPr>
             <a:spLocks noGrp="1"/>
           </p:cNvSpPr>
@@ -3233,8 +3419,8 @@
         </p:nvSpPr>
         <p:spPr>
           <a:xfrm>
-            <a:off x="4038600" y="6356350"/>
-            <a:ext cx="4114800" cy="365125"/>
+            <a:off x="4038600" y="16366134"/>
+            <a:ext cx="4114800" cy="940112"/>
           </a:xfrm>
           <a:prstGeom prst="rect">
             <a:avLst/>
@@ -3244,7 +3430,7 @@
           <a:bodyPr vert="horz" lIns="91440" tIns="45720" rIns="91440" bIns="45720" rtlCol="0" anchor="ctr"/>
           <a:lstStyle>
             <a:lvl1pPr algn="ctr">
-              <a:defRPr sz="1200">
+              <a:defRPr sz="1600">
                 <a:solidFill>
                   <a:schemeClr val="tx1">
                     <a:tint val="82000"/>
@@ -3260,13 +3446,7 @@
       </p:sp>
       <p:sp>
         <p:nvSpPr>
-          <p:cNvPr id="6" name="スライド番号プレースホルダー 5">
-            <a:extLst>
-              <a:ext uri="{FF2B5EF4-FFF2-40B4-BE49-F238E27FC236}">
-                <a16:creationId xmlns:a16="http://schemas.microsoft.com/office/drawing/2014/main" id="{0559491B-E1B8-9E12-A434-03C3243DB257}"/>
-              </a:ext>
-            </a:extLst>
-          </p:cNvPr>
+          <p:cNvPr id="6" name="Slide Number Placeholder 5"/>
           <p:cNvSpPr>
             <a:spLocks noGrp="1"/>
           </p:cNvSpPr>
@@ -3276,8 +3456,8 @@
         </p:nvSpPr>
         <p:spPr>
           <a:xfrm>
-            <a:off x="8610600" y="6356350"/>
-            <a:ext cx="2743200" cy="365125"/>
+            <a:off x="8610600" y="16366134"/>
+            <a:ext cx="2743200" cy="940112"/>
           </a:xfrm>
           <a:prstGeom prst="rect">
             <a:avLst/>
@@ -3287,7 +3467,7 @@
           <a:bodyPr vert="horz" lIns="91440" tIns="45720" rIns="91440" bIns="45720" rtlCol="0" anchor="ctr"/>
           <a:lstStyle>
             <a:lvl1pPr algn="r">
-              <a:defRPr sz="1200">
+              <a:defRPr sz="1600">
                 <a:solidFill>
                   <a:schemeClr val="tx1">
                     <a:tint val="82000"/>
@@ -3308,27 +3488,27 @@
     </p:spTree>
     <p:extLst>
       <p:ext uri="{BB962C8B-B14F-4D97-AF65-F5344CB8AC3E}">
-        <p14:creationId xmlns:p14="http://schemas.microsoft.com/office/powerpoint/2010/main" val="3434397439"/>
+        <p14:creationId xmlns:p14="http://schemas.microsoft.com/office/powerpoint/2010/main" val="2958933419"/>
       </p:ext>
     </p:extLst>
   </p:cSld>
   <p:clrMap bg1="lt1" tx1="dk1" bg2="lt2" tx2="dk2" accent1="accent1" accent2="accent2" accent3="accent3" accent4="accent4" accent5="accent5" accent6="accent6" hlink="hlink" folHlink="folHlink"/>
   <p:sldLayoutIdLst>
-    <p:sldLayoutId id="2147483649" r:id="rId1"/>
-    <p:sldLayoutId id="2147483650" r:id="rId2"/>
-    <p:sldLayoutId id="2147483651" r:id="rId3"/>
-    <p:sldLayoutId id="2147483652" r:id="rId4"/>
-    <p:sldLayoutId id="2147483653" r:id="rId5"/>
-    <p:sldLayoutId id="2147483654" r:id="rId6"/>
-    <p:sldLayoutId id="2147483655" r:id="rId7"/>
-    <p:sldLayoutId id="2147483656" r:id="rId8"/>
-    <p:sldLayoutId id="2147483657" r:id="rId9"/>
-    <p:sldLayoutId id="2147483658" r:id="rId10"/>
-    <p:sldLayoutId id="2147483659" r:id="rId11"/>
+    <p:sldLayoutId id="2147483661" r:id="rId1"/>
+    <p:sldLayoutId id="2147483662" r:id="rId2"/>
+    <p:sldLayoutId id="2147483663" r:id="rId3"/>
+    <p:sldLayoutId id="2147483664" r:id="rId4"/>
+    <p:sldLayoutId id="2147483665" r:id="rId5"/>
+    <p:sldLayoutId id="2147483666" r:id="rId6"/>
+    <p:sldLayoutId id="2147483667" r:id="rId7"/>
+    <p:sldLayoutId id="2147483668" r:id="rId8"/>
+    <p:sldLayoutId id="2147483669" r:id="rId9"/>
+    <p:sldLayoutId id="2147483670" r:id="rId10"/>
+    <p:sldLayoutId id="2147483671" r:id="rId11"/>
   </p:sldLayoutIdLst>
   <p:txStyles>
     <p:titleStyle>
-      <a:lvl1pPr algn="l" defTabSz="914400" rtl="0" eaLnBrk="1" latinLnBrk="0" hangingPunct="1">
+      <a:lvl1pPr algn="l" defTabSz="1219170" rtl="0" eaLnBrk="1" latinLnBrk="0" hangingPunct="1">
         <a:lnSpc>
           <a:spcPct val="90000"/>
         </a:lnSpc>
@@ -3336,7 +3516,7 @@
           <a:spcPct val="0"/>
         </a:spcBef>
         <a:buNone/>
-        <a:defRPr kumimoji="1" sz="4400" kern="1200">
+        <a:defRPr kumimoji="1" sz="5867" kern="1200">
           <a:solidFill>
             <a:schemeClr val="tx1"/>
           </a:solidFill>
@@ -3347,16 +3527,16 @@
       </a:lvl1pPr>
     </p:titleStyle>
     <p:bodyStyle>
-      <a:lvl1pPr marL="228600" indent="-228600" algn="l" defTabSz="914400" rtl="0" eaLnBrk="1" latinLnBrk="0" hangingPunct="1">
+      <a:lvl1pPr marL="304792" indent="-304792" algn="l" defTabSz="1219170" rtl="0" eaLnBrk="1" latinLnBrk="0" hangingPunct="1">
         <a:lnSpc>
           <a:spcPct val="90000"/>
         </a:lnSpc>
         <a:spcBef>
-          <a:spcPts val="1000"/>
+          <a:spcPts val="1333"/>
         </a:spcBef>
         <a:buFont typeface="Arial" panose="020B0604020202020204" pitchFamily="34" charset="0"/>
         <a:buChar char="•"/>
-        <a:defRPr kumimoji="1" sz="2800" kern="1200">
+        <a:defRPr kumimoji="1" sz="3733" kern="1200">
           <a:solidFill>
             <a:schemeClr val="tx1"/>
           </a:solidFill>
@@ -3365,12 +3545,48 @@
           <a:cs typeface="+mn-cs"/>
         </a:defRPr>
       </a:lvl1pPr>
-      <a:lvl2pPr marL="685800" indent="-228600" algn="l" defTabSz="914400" rtl="0" eaLnBrk="1" latinLnBrk="0" hangingPunct="1">
+      <a:lvl2pPr marL="914377" indent="-304792" algn="l" defTabSz="1219170" rtl="0" eaLnBrk="1" latinLnBrk="0" hangingPunct="1">
         <a:lnSpc>
           <a:spcPct val="90000"/>
         </a:lnSpc>
         <a:spcBef>
-          <a:spcPts val="500"/>
+          <a:spcPts val="667"/>
+        </a:spcBef>
+        <a:buFont typeface="Arial" panose="020B0604020202020204" pitchFamily="34" charset="0"/>
+        <a:buChar char="•"/>
+        <a:defRPr kumimoji="1" sz="3200" kern="1200">
+          <a:solidFill>
+            <a:schemeClr val="tx1"/>
+          </a:solidFill>
+          <a:latin typeface="+mn-lt"/>
+          <a:ea typeface="+mn-ea"/>
+          <a:cs typeface="+mn-cs"/>
+        </a:defRPr>
+      </a:lvl2pPr>
+      <a:lvl3pPr marL="1523962" indent="-304792" algn="l" defTabSz="1219170" rtl="0" eaLnBrk="1" latinLnBrk="0" hangingPunct="1">
+        <a:lnSpc>
+          <a:spcPct val="90000"/>
+        </a:lnSpc>
+        <a:spcBef>
+          <a:spcPts val="667"/>
+        </a:spcBef>
+        <a:buFont typeface="Arial" panose="020B0604020202020204" pitchFamily="34" charset="0"/>
+        <a:buChar char="•"/>
+        <a:defRPr kumimoji="1" sz="2667" kern="1200">
+          <a:solidFill>
+            <a:schemeClr val="tx1"/>
+          </a:solidFill>
+          <a:latin typeface="+mn-lt"/>
+          <a:ea typeface="+mn-ea"/>
+          <a:cs typeface="+mn-cs"/>
+        </a:defRPr>
+      </a:lvl3pPr>
+      <a:lvl4pPr marL="2133547" indent="-304792" algn="l" defTabSz="1219170" rtl="0" eaLnBrk="1" latinLnBrk="0" hangingPunct="1">
+        <a:lnSpc>
+          <a:spcPct val="90000"/>
+        </a:lnSpc>
+        <a:spcBef>
+          <a:spcPts val="667"/>
         </a:spcBef>
         <a:buFont typeface="Arial" panose="020B0604020202020204" pitchFamily="34" charset="0"/>
         <a:buChar char="•"/>
@@ -3382,53 +3598,17 @@
           <a:ea typeface="+mn-ea"/>
           <a:cs typeface="+mn-cs"/>
         </a:defRPr>
-      </a:lvl2pPr>
-      <a:lvl3pPr marL="1143000" indent="-228600" algn="l" defTabSz="914400" rtl="0" eaLnBrk="1" latinLnBrk="0" hangingPunct="1">
+      </a:lvl4pPr>
+      <a:lvl5pPr marL="2743131" indent="-304792" algn="l" defTabSz="1219170" rtl="0" eaLnBrk="1" latinLnBrk="0" hangingPunct="1">
         <a:lnSpc>
           <a:spcPct val="90000"/>
         </a:lnSpc>
         <a:spcBef>
-          <a:spcPts val="500"/>
+          <a:spcPts val="667"/>
         </a:spcBef>
         <a:buFont typeface="Arial" panose="020B0604020202020204" pitchFamily="34" charset="0"/>
         <a:buChar char="•"/>
-        <a:defRPr kumimoji="1" sz="2000" kern="1200">
-          <a:solidFill>
-            <a:schemeClr val="tx1"/>
-          </a:solidFill>
-          <a:latin typeface="+mn-lt"/>
-          <a:ea typeface="+mn-ea"/>
-          <a:cs typeface="+mn-cs"/>
-        </a:defRPr>
-      </a:lvl3pPr>
-      <a:lvl4pPr marL="1600200" indent="-228600" algn="l" defTabSz="914400" rtl="0" eaLnBrk="1" latinLnBrk="0" hangingPunct="1">
-        <a:lnSpc>
-          <a:spcPct val="90000"/>
-        </a:lnSpc>
-        <a:spcBef>
-          <a:spcPts val="500"/>
-        </a:spcBef>
-        <a:buFont typeface="Arial" panose="020B0604020202020204" pitchFamily="34" charset="0"/>
-        <a:buChar char="•"/>
-        <a:defRPr kumimoji="1" sz="1800" kern="1200">
-          <a:solidFill>
-            <a:schemeClr val="tx1"/>
-          </a:solidFill>
-          <a:latin typeface="+mn-lt"/>
-          <a:ea typeface="+mn-ea"/>
-          <a:cs typeface="+mn-cs"/>
-        </a:defRPr>
-      </a:lvl4pPr>
-      <a:lvl5pPr marL="2057400" indent="-228600" algn="l" defTabSz="914400" rtl="0" eaLnBrk="1" latinLnBrk="0" hangingPunct="1">
-        <a:lnSpc>
-          <a:spcPct val="90000"/>
-        </a:lnSpc>
-        <a:spcBef>
-          <a:spcPts val="500"/>
-        </a:spcBef>
-        <a:buFont typeface="Arial" panose="020B0604020202020204" pitchFamily="34" charset="0"/>
-        <a:buChar char="•"/>
-        <a:defRPr kumimoji="1" sz="1800" kern="1200">
+        <a:defRPr kumimoji="1" sz="2400" kern="1200">
           <a:solidFill>
             <a:schemeClr val="tx1"/>
           </a:solidFill>
@@ -3437,16 +3617,16 @@
           <a:cs typeface="+mn-cs"/>
         </a:defRPr>
       </a:lvl5pPr>
-      <a:lvl6pPr marL="2514600" indent="-228600" algn="l" defTabSz="914400" rtl="0" eaLnBrk="1" latinLnBrk="0" hangingPunct="1">
+      <a:lvl6pPr marL="3352716" indent="-304792" algn="l" defTabSz="1219170" rtl="0" eaLnBrk="1" latinLnBrk="0" hangingPunct="1">
         <a:lnSpc>
           <a:spcPct val="90000"/>
         </a:lnSpc>
         <a:spcBef>
-          <a:spcPts val="500"/>
+          <a:spcPts val="667"/>
         </a:spcBef>
         <a:buFont typeface="Arial" panose="020B0604020202020204" pitchFamily="34" charset="0"/>
         <a:buChar char="•"/>
-        <a:defRPr kumimoji="1" sz="1800" kern="1200">
+        <a:defRPr kumimoji="1" sz="2400" kern="1200">
           <a:solidFill>
             <a:schemeClr val="tx1"/>
           </a:solidFill>
@@ -3455,16 +3635,16 @@
           <a:cs typeface="+mn-cs"/>
         </a:defRPr>
       </a:lvl6pPr>
-      <a:lvl7pPr marL="2971800" indent="-228600" algn="l" defTabSz="914400" rtl="0" eaLnBrk="1" latinLnBrk="0" hangingPunct="1">
+      <a:lvl7pPr marL="3962301" indent="-304792" algn="l" defTabSz="1219170" rtl="0" eaLnBrk="1" latinLnBrk="0" hangingPunct="1">
         <a:lnSpc>
           <a:spcPct val="90000"/>
         </a:lnSpc>
         <a:spcBef>
-          <a:spcPts val="500"/>
+          <a:spcPts val="667"/>
         </a:spcBef>
         <a:buFont typeface="Arial" panose="020B0604020202020204" pitchFamily="34" charset="0"/>
         <a:buChar char="•"/>
-        <a:defRPr kumimoji="1" sz="1800" kern="1200">
+        <a:defRPr kumimoji="1" sz="2400" kern="1200">
           <a:solidFill>
             <a:schemeClr val="tx1"/>
           </a:solidFill>
@@ -3473,16 +3653,16 @@
           <a:cs typeface="+mn-cs"/>
         </a:defRPr>
       </a:lvl7pPr>
-      <a:lvl8pPr marL="3429000" indent="-228600" algn="l" defTabSz="914400" rtl="0" eaLnBrk="1" latinLnBrk="0" hangingPunct="1">
+      <a:lvl8pPr marL="4571886" indent="-304792" algn="l" defTabSz="1219170" rtl="0" eaLnBrk="1" latinLnBrk="0" hangingPunct="1">
         <a:lnSpc>
           <a:spcPct val="90000"/>
         </a:lnSpc>
         <a:spcBef>
-          <a:spcPts val="500"/>
+          <a:spcPts val="667"/>
         </a:spcBef>
         <a:buFont typeface="Arial" panose="020B0604020202020204" pitchFamily="34" charset="0"/>
         <a:buChar char="•"/>
-        <a:defRPr kumimoji="1" sz="1800" kern="1200">
+        <a:defRPr kumimoji="1" sz="2400" kern="1200">
           <a:solidFill>
             <a:schemeClr val="tx1"/>
           </a:solidFill>
@@ -3491,16 +3671,16 @@
           <a:cs typeface="+mn-cs"/>
         </a:defRPr>
       </a:lvl8pPr>
-      <a:lvl9pPr marL="3886200" indent="-228600" algn="l" defTabSz="914400" rtl="0" eaLnBrk="1" latinLnBrk="0" hangingPunct="1">
+      <a:lvl9pPr marL="5181470" indent="-304792" algn="l" defTabSz="1219170" rtl="0" eaLnBrk="1" latinLnBrk="0" hangingPunct="1">
         <a:lnSpc>
           <a:spcPct val="90000"/>
         </a:lnSpc>
         <a:spcBef>
-          <a:spcPts val="500"/>
+          <a:spcPts val="667"/>
         </a:spcBef>
         <a:buFont typeface="Arial" panose="020B0604020202020204" pitchFamily="34" charset="0"/>
         <a:buChar char="•"/>
-        <a:defRPr kumimoji="1" sz="1800" kern="1200">
+        <a:defRPr kumimoji="1" sz="2400" kern="1200">
           <a:solidFill>
             <a:schemeClr val="tx1"/>
           </a:solidFill>
@@ -3512,10 +3692,10 @@
     </p:bodyStyle>
     <p:otherStyle>
       <a:defPPr>
-        <a:defRPr lang="ja-JP"/>
+        <a:defRPr lang="en-US"/>
       </a:defPPr>
-      <a:lvl1pPr marL="0" algn="l" defTabSz="914400" rtl="0" eaLnBrk="1" latinLnBrk="0" hangingPunct="1">
-        <a:defRPr kumimoji="1" sz="1800" kern="1200">
+      <a:lvl1pPr marL="0" algn="l" defTabSz="1219170" rtl="0" eaLnBrk="1" latinLnBrk="0" hangingPunct="1">
+        <a:defRPr kumimoji="1" sz="2400" kern="1200">
           <a:solidFill>
             <a:schemeClr val="tx1"/>
           </a:solidFill>
@@ -3524,8 +3704,8 @@
           <a:cs typeface="+mn-cs"/>
         </a:defRPr>
       </a:lvl1pPr>
-      <a:lvl2pPr marL="457200" algn="l" defTabSz="914400" rtl="0" eaLnBrk="1" latinLnBrk="0" hangingPunct="1">
-        <a:defRPr kumimoji="1" sz="1800" kern="1200">
+      <a:lvl2pPr marL="609585" algn="l" defTabSz="1219170" rtl="0" eaLnBrk="1" latinLnBrk="0" hangingPunct="1">
+        <a:defRPr kumimoji="1" sz="2400" kern="1200">
           <a:solidFill>
             <a:schemeClr val="tx1"/>
           </a:solidFill>
@@ -3534,8 +3714,8 @@
           <a:cs typeface="+mn-cs"/>
         </a:defRPr>
       </a:lvl2pPr>
-      <a:lvl3pPr marL="914400" algn="l" defTabSz="914400" rtl="0" eaLnBrk="1" latinLnBrk="0" hangingPunct="1">
-        <a:defRPr kumimoji="1" sz="1800" kern="1200">
+      <a:lvl3pPr marL="1219170" algn="l" defTabSz="1219170" rtl="0" eaLnBrk="1" latinLnBrk="0" hangingPunct="1">
+        <a:defRPr kumimoji="1" sz="2400" kern="1200">
           <a:solidFill>
             <a:schemeClr val="tx1"/>
           </a:solidFill>
@@ -3544,8 +3724,8 @@
           <a:cs typeface="+mn-cs"/>
         </a:defRPr>
       </a:lvl3pPr>
-      <a:lvl4pPr marL="1371600" algn="l" defTabSz="914400" rtl="0" eaLnBrk="1" latinLnBrk="0" hangingPunct="1">
-        <a:defRPr kumimoji="1" sz="1800" kern="1200">
+      <a:lvl4pPr marL="1828754" algn="l" defTabSz="1219170" rtl="0" eaLnBrk="1" latinLnBrk="0" hangingPunct="1">
+        <a:defRPr kumimoji="1" sz="2400" kern="1200">
           <a:solidFill>
             <a:schemeClr val="tx1"/>
           </a:solidFill>
@@ -3554,8 +3734,8 @@
           <a:cs typeface="+mn-cs"/>
         </a:defRPr>
       </a:lvl4pPr>
-      <a:lvl5pPr marL="1828800" algn="l" defTabSz="914400" rtl="0" eaLnBrk="1" latinLnBrk="0" hangingPunct="1">
-        <a:defRPr kumimoji="1" sz="1800" kern="1200">
+      <a:lvl5pPr marL="2438339" algn="l" defTabSz="1219170" rtl="0" eaLnBrk="1" latinLnBrk="0" hangingPunct="1">
+        <a:defRPr kumimoji="1" sz="2400" kern="1200">
           <a:solidFill>
             <a:schemeClr val="tx1"/>
           </a:solidFill>
@@ -3564,8 +3744,8 @@
           <a:cs typeface="+mn-cs"/>
         </a:defRPr>
       </a:lvl5pPr>
-      <a:lvl6pPr marL="2286000" algn="l" defTabSz="914400" rtl="0" eaLnBrk="1" latinLnBrk="0" hangingPunct="1">
-        <a:defRPr kumimoji="1" sz="1800" kern="1200">
+      <a:lvl6pPr marL="3047924" algn="l" defTabSz="1219170" rtl="0" eaLnBrk="1" latinLnBrk="0" hangingPunct="1">
+        <a:defRPr kumimoji="1" sz="2400" kern="1200">
           <a:solidFill>
             <a:schemeClr val="tx1"/>
           </a:solidFill>
@@ -3574,8 +3754,8 @@
           <a:cs typeface="+mn-cs"/>
         </a:defRPr>
       </a:lvl6pPr>
-      <a:lvl7pPr marL="2743200" algn="l" defTabSz="914400" rtl="0" eaLnBrk="1" latinLnBrk="0" hangingPunct="1">
-        <a:defRPr kumimoji="1" sz="1800" kern="1200">
+      <a:lvl7pPr marL="3657509" algn="l" defTabSz="1219170" rtl="0" eaLnBrk="1" latinLnBrk="0" hangingPunct="1">
+        <a:defRPr kumimoji="1" sz="2400" kern="1200">
           <a:solidFill>
             <a:schemeClr val="tx1"/>
           </a:solidFill>
@@ -3584,8 +3764,8 @@
           <a:cs typeface="+mn-cs"/>
         </a:defRPr>
       </a:lvl7pPr>
-      <a:lvl8pPr marL="3200400" algn="l" defTabSz="914400" rtl="0" eaLnBrk="1" latinLnBrk="0" hangingPunct="1">
-        <a:defRPr kumimoji="1" sz="1800" kern="1200">
+      <a:lvl8pPr marL="4267093" algn="l" defTabSz="1219170" rtl="0" eaLnBrk="1" latinLnBrk="0" hangingPunct="1">
+        <a:defRPr kumimoji="1" sz="2400" kern="1200">
           <a:solidFill>
             <a:schemeClr val="tx1"/>
           </a:solidFill>
@@ -3594,8 +3774,8 @@
           <a:cs typeface="+mn-cs"/>
         </a:defRPr>
       </a:lvl8pPr>
-      <a:lvl9pPr marL="3657600" algn="l" defTabSz="914400" rtl="0" eaLnBrk="1" latinLnBrk="0" hangingPunct="1">
-        <a:defRPr kumimoji="1" sz="1800" kern="1200">
+      <a:lvl9pPr marL="4876678" algn="l" defTabSz="1219170" rtl="0" eaLnBrk="1" latinLnBrk="0" hangingPunct="1">
+        <a:defRPr kumimoji="1" sz="2400" kern="1200">
           <a:solidFill>
             <a:schemeClr val="tx1"/>
           </a:solidFill>
@@ -3626,62 +3806,12 @@
           <a:chExt cx="0" cy="0"/>
         </a:xfrm>
       </p:grpSpPr>
-      <p:sp>
-        <p:nvSpPr>
-          <p:cNvPr id="2" name="タイトル 1">
-            <a:extLst>
-              <a:ext uri="{FF2B5EF4-FFF2-40B4-BE49-F238E27FC236}">
-                <a16:creationId xmlns:a16="http://schemas.microsoft.com/office/drawing/2014/main" id="{0731FFBA-C0E1-119B-C426-A7D6DC9D2F61}"/>
-              </a:ext>
-            </a:extLst>
-          </p:cNvPr>
-          <p:cNvSpPr>
-            <a:spLocks noGrp="1"/>
-          </p:cNvSpPr>
-          <p:nvPr>
-            <p:ph type="ctrTitle"/>
-          </p:nvPr>
-        </p:nvSpPr>
-        <p:spPr/>
-        <p:txBody>
-          <a:bodyPr/>
-          <a:lstStyle/>
-          <a:p>
-            <a:endParaRPr kumimoji="1" lang="ja-JP" altLang="en-US"/>
-          </a:p>
-        </p:txBody>
-      </p:sp>
-      <p:sp>
-        <p:nvSpPr>
-          <p:cNvPr id="3" name="字幕 2">
-            <a:extLst>
-              <a:ext uri="{FF2B5EF4-FFF2-40B4-BE49-F238E27FC236}">
-                <a16:creationId xmlns:a16="http://schemas.microsoft.com/office/drawing/2014/main" id="{49EA05AA-253B-F19B-8F7F-840B7300CE7F}"/>
-              </a:ext>
-            </a:extLst>
-          </p:cNvPr>
-          <p:cNvSpPr>
-            <a:spLocks noGrp="1"/>
-          </p:cNvSpPr>
-          <p:nvPr>
-            <p:ph type="subTitle" idx="1"/>
-          </p:nvPr>
-        </p:nvSpPr>
-        <p:spPr/>
-        <p:txBody>
-          <a:bodyPr/>
-          <a:lstStyle/>
-          <a:p>
-            <a:endParaRPr kumimoji="1" lang="ja-JP" altLang="en-US"/>
-          </a:p>
-        </p:txBody>
-      </p:sp>
       <p:pic>
         <p:nvPicPr>
-          <p:cNvPr id="4" name="図 3" descr="ダイアグラム&#10;&#10;自動的に生成された説明">
+          <p:cNvPr id="3" name="グラフィックス 2" descr="ユーザー 枠線">
             <a:extLst>
               <a:ext uri="{FF2B5EF4-FFF2-40B4-BE49-F238E27FC236}">
-                <a16:creationId xmlns:a16="http://schemas.microsoft.com/office/drawing/2014/main" id="{308679F0-D7CC-D17D-376E-9D885E821072}"/>
+                <a16:creationId xmlns:a16="http://schemas.microsoft.com/office/drawing/2014/main" id="{42BC77E2-5B37-B1E0-E201-09CAA1558575}"/>
               </a:ext>
             </a:extLst>
           </p:cNvPr>
@@ -3696,6 +3826,9 @@
               <a:ext uri="{28A0092B-C50C-407E-A947-70E740481C1C}">
                 <a14:useLocalDpi xmlns:a14="http://schemas.microsoft.com/office/drawing/2010/main" val="0"/>
               </a:ext>
+              <a:ext uri="{96DAC541-7B7A-43D3-8B79-37D633B846F1}">
+                <asvg:svgBlip xmlns:asvg="http://schemas.microsoft.com/office/drawing/2016/SVG/main" r:embed="rId3"/>
+              </a:ext>
             </a:extLst>
           </a:blip>
           <a:stretch>
@@ -3704,18 +3837,2819 @@
         </p:blipFill>
         <p:spPr>
           <a:xfrm>
-            <a:off x="113992" y="888869"/>
-            <a:ext cx="11964015" cy="5080261"/>
+            <a:off x="888101" y="6229840"/>
+            <a:ext cx="914400" cy="914400"/>
           </a:xfrm>
           <a:prstGeom prst="rect">
             <a:avLst/>
           </a:prstGeom>
         </p:spPr>
       </p:pic>
+      <p:pic>
+        <p:nvPicPr>
+          <p:cNvPr id="5" name="グラフィックス 4" descr="ノート PC 枠線">
+            <a:extLst>
+              <a:ext uri="{FF2B5EF4-FFF2-40B4-BE49-F238E27FC236}">
+                <a16:creationId xmlns:a16="http://schemas.microsoft.com/office/drawing/2014/main" id="{9E5637BB-460C-DDFB-14B1-7F4B7792D0C3}"/>
+              </a:ext>
+            </a:extLst>
+          </p:cNvPr>
+          <p:cNvPicPr>
+            <a:picLocks noChangeAspect="1"/>
+          </p:cNvPicPr>
+          <p:nvPr/>
+        </p:nvPicPr>
+        <p:blipFill>
+          <a:blip r:embed="rId4">
+            <a:extLst>
+              <a:ext uri="{28A0092B-C50C-407E-A947-70E740481C1C}">
+                <a14:useLocalDpi xmlns:a14="http://schemas.microsoft.com/office/drawing/2010/main" val="0"/>
+              </a:ext>
+              <a:ext uri="{96DAC541-7B7A-43D3-8B79-37D633B846F1}">
+                <asvg:svgBlip xmlns:asvg="http://schemas.microsoft.com/office/drawing/2016/SVG/main" r:embed="rId5"/>
+              </a:ext>
+            </a:extLst>
+          </a:blip>
+          <a:stretch>
+            <a:fillRect/>
+          </a:stretch>
+        </p:blipFill>
+        <p:spPr>
+          <a:xfrm>
+            <a:off x="1561058" y="6531323"/>
+            <a:ext cx="914400" cy="914400"/>
+          </a:xfrm>
+          <a:prstGeom prst="rect">
+            <a:avLst/>
+          </a:prstGeom>
+        </p:spPr>
+      </p:pic>
+      <p:sp>
+        <p:nvSpPr>
+          <p:cNvPr id="8" name="テキスト ボックス 7">
+            <a:extLst>
+              <a:ext uri="{FF2B5EF4-FFF2-40B4-BE49-F238E27FC236}">
+                <a16:creationId xmlns:a16="http://schemas.microsoft.com/office/drawing/2014/main" id="{6BBE705A-1D02-715B-47B9-C4782D573369}"/>
+              </a:ext>
+            </a:extLst>
+          </p:cNvPr>
+          <p:cNvSpPr txBox="1"/>
+          <p:nvPr/>
+        </p:nvSpPr>
+        <p:spPr>
+          <a:xfrm>
+            <a:off x="1617566" y="7320401"/>
+            <a:ext cx="801384" cy="338554"/>
+          </a:xfrm>
+          <a:prstGeom prst="rect">
+            <a:avLst/>
+          </a:prstGeom>
+          <a:noFill/>
+        </p:spPr>
+        <p:txBody>
+          <a:bodyPr wrap="square" rtlCol="0">
+            <a:spAutoFit/>
+          </a:bodyPr>
+          <a:lstStyle/>
+          <a:p>
+            <a:r>
+              <a:rPr lang="en-US" altLang="ja-JP" sz="1600" dirty="0">
+                <a:latin typeface="メイリオ" panose="020B0604030504040204" pitchFamily="50" charset="-128"/>
+                <a:ea typeface="メイリオ" panose="020B0604030504040204" pitchFamily="50" charset="-128"/>
+                <a:cs typeface="Arial" panose="020B0604020202020204" pitchFamily="34" charset="0"/>
+              </a:rPr>
+              <a:t>User</a:t>
+            </a:r>
+            <a:endParaRPr lang="ja-JP" altLang="en-US" sz="1600" dirty="0">
+              <a:latin typeface="メイリオ" panose="020B0604030504040204" pitchFamily="50" charset="-128"/>
+              <a:ea typeface="メイリオ" panose="020B0604030504040204" pitchFamily="50" charset="-128"/>
+              <a:cs typeface="Arial" panose="020B0604020202020204" pitchFamily="34" charset="0"/>
+            </a:endParaRPr>
+          </a:p>
+        </p:txBody>
+      </p:sp>
+      <p:sp>
+        <p:nvSpPr>
+          <p:cNvPr id="9" name="テキスト ボックス 8">
+            <a:extLst>
+              <a:ext uri="{FF2B5EF4-FFF2-40B4-BE49-F238E27FC236}">
+                <a16:creationId xmlns:a16="http://schemas.microsoft.com/office/drawing/2014/main" id="{9EAFBEEC-C987-CF14-B216-21BB3D97AD8A}"/>
+              </a:ext>
+            </a:extLst>
+          </p:cNvPr>
+          <p:cNvSpPr txBox="1"/>
+          <p:nvPr/>
+        </p:nvSpPr>
+        <p:spPr>
+          <a:xfrm>
+            <a:off x="3904427" y="4619860"/>
+            <a:ext cx="1465780" cy="307777"/>
+          </a:xfrm>
+          <a:prstGeom prst="rect">
+            <a:avLst/>
+          </a:prstGeom>
+          <a:noFill/>
+        </p:spPr>
+        <p:txBody>
+          <a:bodyPr wrap="square" rtlCol="0">
+            <a:spAutoFit/>
+          </a:bodyPr>
+          <a:lstStyle/>
+          <a:p>
+            <a:r>
+              <a:rPr lang="en-US" altLang="ja-JP" sz="1400" dirty="0">
+                <a:latin typeface="メイリオ" panose="020B0604030504040204" pitchFamily="50" charset="-128"/>
+                <a:ea typeface="メイリオ" panose="020B0604030504040204" pitchFamily="50" charset="-128"/>
+                <a:cs typeface="Arial" panose="020B0604020202020204" pitchFamily="34" charset="0"/>
+              </a:rPr>
+              <a:t>User query</a:t>
+            </a:r>
+            <a:endParaRPr lang="ja-JP" altLang="en-US" sz="1400" dirty="0">
+              <a:latin typeface="メイリオ" panose="020B0604030504040204" pitchFamily="50" charset="-128"/>
+              <a:ea typeface="メイリオ" panose="020B0604030504040204" pitchFamily="50" charset="-128"/>
+              <a:cs typeface="Arial" panose="020B0604020202020204" pitchFamily="34" charset="0"/>
+            </a:endParaRPr>
+          </a:p>
+        </p:txBody>
+      </p:sp>
+      <p:sp>
+        <p:nvSpPr>
+          <p:cNvPr id="12" name="正方形/長方形 11">
+            <a:extLst>
+              <a:ext uri="{FF2B5EF4-FFF2-40B4-BE49-F238E27FC236}">
+                <a16:creationId xmlns:a16="http://schemas.microsoft.com/office/drawing/2014/main" id="{DD5A4C32-7E04-D791-3775-C39224C05577}"/>
+              </a:ext>
+            </a:extLst>
+          </p:cNvPr>
+          <p:cNvSpPr/>
+          <p:nvPr/>
+        </p:nvSpPr>
+        <p:spPr>
+          <a:xfrm>
+            <a:off x="5160442" y="4619860"/>
+            <a:ext cx="1885309" cy="619663"/>
+          </a:xfrm>
+          <a:prstGeom prst="rect">
+            <a:avLst/>
+          </a:prstGeom>
+        </p:spPr>
+        <p:style>
+          <a:lnRef idx="2">
+            <a:schemeClr val="accent1">
+              <a:shade val="15000"/>
+            </a:schemeClr>
+          </a:lnRef>
+          <a:fillRef idx="1">
+            <a:schemeClr val="accent1"/>
+          </a:fillRef>
+          <a:effectRef idx="0">
+            <a:schemeClr val="accent1"/>
+          </a:effectRef>
+          <a:fontRef idx="minor">
+            <a:schemeClr val="lt1"/>
+          </a:fontRef>
+        </p:style>
+        <p:txBody>
+          <a:bodyPr rtlCol="0" anchor="ctr"/>
+          <a:lstStyle/>
+          <a:p>
+            <a:pPr algn="ctr"/>
+            <a:r>
+              <a:rPr lang="en-US" altLang="ja-JP" sz="1400" dirty="0">
+                <a:latin typeface="メイリオ" panose="020B0604030504040204" pitchFamily="50" charset="-128"/>
+                <a:ea typeface="メイリオ" panose="020B0604030504040204" pitchFamily="50" charset="-128"/>
+                <a:cs typeface="Arial" panose="020B0604020202020204" pitchFamily="34" charset="0"/>
+              </a:rPr>
+              <a:t>Invoke_model API</a:t>
+            </a:r>
+            <a:endParaRPr lang="ja-JP" altLang="en-US" sz="1400" dirty="0">
+              <a:latin typeface="メイリオ" panose="020B0604030504040204" pitchFamily="50" charset="-128"/>
+              <a:ea typeface="メイリオ" panose="020B0604030504040204" pitchFamily="50" charset="-128"/>
+              <a:cs typeface="Arial" panose="020B0604020202020204" pitchFamily="34" charset="0"/>
+            </a:endParaRPr>
+          </a:p>
+        </p:txBody>
+      </p:sp>
+      <p:sp>
+        <p:nvSpPr>
+          <p:cNvPr id="21" name="正方形/長方形 20">
+            <a:extLst>
+              <a:ext uri="{FF2B5EF4-FFF2-40B4-BE49-F238E27FC236}">
+                <a16:creationId xmlns:a16="http://schemas.microsoft.com/office/drawing/2014/main" id="{A7D07F43-234D-10FA-868A-CBDEFDBC41B0}"/>
+              </a:ext>
+            </a:extLst>
+          </p:cNvPr>
+          <p:cNvSpPr/>
+          <p:nvPr/>
+        </p:nvSpPr>
+        <p:spPr>
+          <a:xfrm>
+            <a:off x="5160442" y="9642811"/>
+            <a:ext cx="1885309" cy="619663"/>
+          </a:xfrm>
+          <a:prstGeom prst="rect">
+            <a:avLst/>
+          </a:prstGeom>
+        </p:spPr>
+        <p:style>
+          <a:lnRef idx="2">
+            <a:schemeClr val="accent1">
+              <a:shade val="15000"/>
+            </a:schemeClr>
+          </a:lnRef>
+          <a:fillRef idx="1">
+            <a:schemeClr val="accent1"/>
+          </a:fillRef>
+          <a:effectRef idx="0">
+            <a:schemeClr val="accent1"/>
+          </a:effectRef>
+          <a:fontRef idx="minor">
+            <a:schemeClr val="lt1"/>
+          </a:fontRef>
+        </p:style>
+        <p:txBody>
+          <a:bodyPr rtlCol="0" anchor="ctr"/>
+          <a:lstStyle/>
+          <a:p>
+            <a:pPr algn="ctr"/>
+            <a:r>
+              <a:rPr lang="en-US" altLang="ja-JP" sz="1400" dirty="0">
+                <a:latin typeface="メイリオ" panose="020B0604030504040204" pitchFamily="50" charset="-128"/>
+                <a:ea typeface="メイリオ" panose="020B0604030504040204" pitchFamily="50" charset="-128"/>
+                <a:cs typeface="Arial" panose="020B0604020202020204" pitchFamily="34" charset="0"/>
+              </a:rPr>
+              <a:t>Invoke_model API</a:t>
+            </a:r>
+            <a:endParaRPr lang="ja-JP" altLang="en-US" sz="1400" dirty="0">
+              <a:latin typeface="メイリオ" panose="020B0604030504040204" pitchFamily="50" charset="-128"/>
+              <a:ea typeface="メイリオ" panose="020B0604030504040204" pitchFamily="50" charset="-128"/>
+              <a:cs typeface="Arial" panose="020B0604020202020204" pitchFamily="34" charset="0"/>
+            </a:endParaRPr>
+          </a:p>
+        </p:txBody>
+      </p:sp>
+      <p:cxnSp>
+        <p:nvCxnSpPr>
+          <p:cNvPr id="29" name="直線矢印コネクタ 28">
+            <a:extLst>
+              <a:ext uri="{FF2B5EF4-FFF2-40B4-BE49-F238E27FC236}">
+                <a16:creationId xmlns:a16="http://schemas.microsoft.com/office/drawing/2014/main" id="{B57E80D7-FDAC-73AB-B63A-6D3E54428937}"/>
+              </a:ext>
+            </a:extLst>
+          </p:cNvPr>
+          <p:cNvCxnSpPr>
+            <a:cxnSpLocks/>
+            <a:stCxn id="12" idx="3"/>
+            <a:endCxn id="16" idx="1"/>
+          </p:cNvCxnSpPr>
+          <p:nvPr/>
+        </p:nvCxnSpPr>
+        <p:spPr>
+          <a:xfrm flipV="1">
+            <a:off x="7045751" y="4929690"/>
+            <a:ext cx="2639470" cy="2"/>
+          </a:xfrm>
+          <a:prstGeom prst="straightConnector1">
+            <a:avLst/>
+          </a:prstGeom>
+          <a:ln>
+            <a:tailEnd type="triangle"/>
+          </a:ln>
+        </p:spPr>
+        <p:style>
+          <a:lnRef idx="2">
+            <a:schemeClr val="dk1"/>
+          </a:lnRef>
+          <a:fillRef idx="0">
+            <a:schemeClr val="dk1"/>
+          </a:fillRef>
+          <a:effectRef idx="1">
+            <a:schemeClr val="dk1"/>
+          </a:effectRef>
+          <a:fontRef idx="minor">
+            <a:schemeClr val="tx1"/>
+          </a:fontRef>
+        </p:style>
+      </p:cxnSp>
+      <p:cxnSp>
+        <p:nvCxnSpPr>
+          <p:cNvPr id="33" name="コネクタ: カギ線 32">
+            <a:extLst>
+              <a:ext uri="{FF2B5EF4-FFF2-40B4-BE49-F238E27FC236}">
+                <a16:creationId xmlns:a16="http://schemas.microsoft.com/office/drawing/2014/main" id="{2715210A-0DD8-AA65-DF18-3DC84C2F7179}"/>
+              </a:ext>
+            </a:extLst>
+          </p:cNvPr>
+          <p:cNvCxnSpPr>
+            <a:cxnSpLocks/>
+            <a:stCxn id="60" idx="2"/>
+          </p:cNvCxnSpPr>
+          <p:nvPr/>
+        </p:nvCxnSpPr>
+        <p:spPr>
+          <a:xfrm rot="5400000">
+            <a:off x="8205254" y="6828423"/>
+            <a:ext cx="569933" cy="3201029"/>
+          </a:xfrm>
+          <a:prstGeom prst="bentConnector2">
+            <a:avLst/>
+          </a:prstGeom>
+          <a:ln>
+            <a:solidFill>
+              <a:schemeClr val="tx1"/>
+            </a:solidFill>
+            <a:tailEnd type="triangle"/>
+          </a:ln>
+        </p:spPr>
+        <p:style>
+          <a:lnRef idx="2">
+            <a:schemeClr val="accent1"/>
+          </a:lnRef>
+          <a:fillRef idx="0">
+            <a:schemeClr val="accent1"/>
+          </a:fillRef>
+          <a:effectRef idx="1">
+            <a:schemeClr val="accent1"/>
+          </a:effectRef>
+          <a:fontRef idx="minor">
+            <a:schemeClr val="tx1"/>
+          </a:fontRef>
+        </p:style>
+      </p:cxnSp>
+      <p:pic>
+        <p:nvPicPr>
+          <p:cNvPr id="44" name="グラフィックス 43" descr="ドキュメント 枠線">
+            <a:extLst>
+              <a:ext uri="{FF2B5EF4-FFF2-40B4-BE49-F238E27FC236}">
+                <a16:creationId xmlns:a16="http://schemas.microsoft.com/office/drawing/2014/main" id="{5B45E4FC-AC82-9D61-D9FA-7C9446A3EC01}"/>
+              </a:ext>
+            </a:extLst>
+          </p:cNvPr>
+          <p:cNvPicPr>
+            <a:picLocks noChangeAspect="1"/>
+          </p:cNvPicPr>
+          <p:nvPr/>
+        </p:nvPicPr>
+        <p:blipFill>
+          <a:blip r:embed="rId6">
+            <a:extLst>
+              <a:ext uri="{28A0092B-C50C-407E-A947-70E740481C1C}">
+                <a14:useLocalDpi xmlns:a14="http://schemas.microsoft.com/office/drawing/2010/main" val="0"/>
+              </a:ext>
+              <a:ext uri="{96DAC541-7B7A-43D3-8B79-37D633B846F1}">
+                <asvg:svgBlip xmlns:asvg="http://schemas.microsoft.com/office/drawing/2016/SVG/main" r:embed="rId7"/>
+              </a:ext>
+            </a:extLst>
+          </a:blip>
+          <a:stretch>
+            <a:fillRect/>
+          </a:stretch>
+        </p:blipFill>
+        <p:spPr>
+          <a:xfrm>
+            <a:off x="5528505" y="7979586"/>
+            <a:ext cx="713591" cy="713591"/>
+          </a:xfrm>
+          <a:prstGeom prst="rect">
+            <a:avLst/>
+          </a:prstGeom>
+        </p:spPr>
+      </p:pic>
+      <p:sp>
+        <p:nvSpPr>
+          <p:cNvPr id="47" name="TextBox 12">
+            <a:extLst>
+              <a:ext uri="{FF2B5EF4-FFF2-40B4-BE49-F238E27FC236}">
+                <a16:creationId xmlns:a16="http://schemas.microsoft.com/office/drawing/2014/main" id="{D2EF52F6-1F79-CEE1-0E90-45AD1D416223}"/>
+              </a:ext>
+            </a:extLst>
+          </p:cNvPr>
+          <p:cNvSpPr txBox="1">
+            <a:spLocks noChangeArrowheads="1"/>
+          </p:cNvSpPr>
+          <p:nvPr/>
+        </p:nvSpPr>
+        <p:spPr bwMode="auto">
+          <a:xfrm>
+            <a:off x="5251007" y="9106544"/>
+            <a:ext cx="1851099" cy="307777"/>
+          </a:xfrm>
+          <a:prstGeom prst="rect">
+            <a:avLst/>
+          </a:prstGeom>
+          <a:noFill/>
+          <a:ln>
+            <a:noFill/>
+          </a:ln>
+          <a:extLst>
+            <a:ext uri="{909E8E84-426E-40DD-AFC4-6F175D3DCCD1}">
+              <a14:hiddenFill xmlns:a14="http://schemas.microsoft.com/office/drawing/2010/main">
+                <a:solidFill>
+                  <a:srgbClr val="FFFFFF"/>
+                </a:solidFill>
+              </a14:hiddenFill>
+            </a:ext>
+            <a:ext uri="{91240B29-F687-4F45-9708-019B960494DF}">
+              <a14:hiddenLine xmlns:a14="http://schemas.microsoft.com/office/drawing/2010/main" w="9525">
+                <a:solidFill>
+                  <a:srgbClr val="000000"/>
+                </a:solidFill>
+                <a:miter lim="800000"/>
+                <a:headEnd/>
+                <a:tailEnd/>
+              </a14:hiddenLine>
+            </a:ext>
+          </a:extLst>
+        </p:spPr>
+        <p:txBody>
+          <a:bodyPr wrap="square">
+            <a:spAutoFit/>
+          </a:bodyPr>
+          <a:lstStyle>
+            <a:defPPr>
+              <a:defRPr lang="en-US"/>
+            </a:defPPr>
+            <a:lvl1pPr algn="l" rtl="0" eaLnBrk="0" fontAlgn="base" hangingPunct="0">
+              <a:spcBef>
+                <a:spcPct val="0"/>
+              </a:spcBef>
+              <a:spcAft>
+                <a:spcPct val="0"/>
+              </a:spcAft>
+              <a:defRPr kern="1200">
+                <a:solidFill>
+                  <a:schemeClr val="tx1"/>
+                </a:solidFill>
+                <a:latin typeface="Calibri" panose="020F0502020204030204" pitchFamily="34" charset="0"/>
+                <a:ea typeface="+mn-ea"/>
+                <a:cs typeface="+mn-cs"/>
+              </a:defRPr>
+            </a:lvl1pPr>
+            <a:lvl2pPr marL="457200" algn="l" rtl="0" eaLnBrk="0" fontAlgn="base" hangingPunct="0">
+              <a:spcBef>
+                <a:spcPct val="0"/>
+              </a:spcBef>
+              <a:spcAft>
+                <a:spcPct val="0"/>
+              </a:spcAft>
+              <a:defRPr kern="1200">
+                <a:solidFill>
+                  <a:schemeClr val="tx1"/>
+                </a:solidFill>
+                <a:latin typeface="Calibri" panose="020F0502020204030204" pitchFamily="34" charset="0"/>
+                <a:ea typeface="+mn-ea"/>
+                <a:cs typeface="+mn-cs"/>
+              </a:defRPr>
+            </a:lvl2pPr>
+            <a:lvl3pPr marL="914400" algn="l" rtl="0" eaLnBrk="0" fontAlgn="base" hangingPunct="0">
+              <a:spcBef>
+                <a:spcPct val="0"/>
+              </a:spcBef>
+              <a:spcAft>
+                <a:spcPct val="0"/>
+              </a:spcAft>
+              <a:defRPr kern="1200">
+                <a:solidFill>
+                  <a:schemeClr val="tx1"/>
+                </a:solidFill>
+                <a:latin typeface="Calibri" panose="020F0502020204030204" pitchFamily="34" charset="0"/>
+                <a:ea typeface="+mn-ea"/>
+                <a:cs typeface="+mn-cs"/>
+              </a:defRPr>
+            </a:lvl3pPr>
+            <a:lvl4pPr marL="1371600" algn="l" rtl="0" eaLnBrk="0" fontAlgn="base" hangingPunct="0">
+              <a:spcBef>
+                <a:spcPct val="0"/>
+              </a:spcBef>
+              <a:spcAft>
+                <a:spcPct val="0"/>
+              </a:spcAft>
+              <a:defRPr kern="1200">
+                <a:solidFill>
+                  <a:schemeClr val="tx1"/>
+                </a:solidFill>
+                <a:latin typeface="Calibri" panose="020F0502020204030204" pitchFamily="34" charset="0"/>
+                <a:ea typeface="+mn-ea"/>
+                <a:cs typeface="+mn-cs"/>
+              </a:defRPr>
+            </a:lvl4pPr>
+            <a:lvl5pPr marL="1828800" algn="l" rtl="0" eaLnBrk="0" fontAlgn="base" hangingPunct="0">
+              <a:spcBef>
+                <a:spcPct val="0"/>
+              </a:spcBef>
+              <a:spcAft>
+                <a:spcPct val="0"/>
+              </a:spcAft>
+              <a:defRPr kern="1200">
+                <a:solidFill>
+                  <a:schemeClr val="tx1"/>
+                </a:solidFill>
+                <a:latin typeface="Calibri" panose="020F0502020204030204" pitchFamily="34" charset="0"/>
+                <a:ea typeface="+mn-ea"/>
+                <a:cs typeface="+mn-cs"/>
+              </a:defRPr>
+            </a:lvl5pPr>
+            <a:lvl6pPr marL="2286000" algn="l" defTabSz="914400" rtl="0" eaLnBrk="1" latinLnBrk="0" hangingPunct="1">
+              <a:defRPr kern="1200">
+                <a:solidFill>
+                  <a:schemeClr val="tx1"/>
+                </a:solidFill>
+                <a:latin typeface="Calibri" panose="020F0502020204030204" pitchFamily="34" charset="0"/>
+                <a:ea typeface="+mn-ea"/>
+                <a:cs typeface="+mn-cs"/>
+              </a:defRPr>
+            </a:lvl6pPr>
+            <a:lvl7pPr marL="2743200" algn="l" defTabSz="914400" rtl="0" eaLnBrk="1" latinLnBrk="0" hangingPunct="1">
+              <a:defRPr kern="1200">
+                <a:solidFill>
+                  <a:schemeClr val="tx1"/>
+                </a:solidFill>
+                <a:latin typeface="Calibri" panose="020F0502020204030204" pitchFamily="34" charset="0"/>
+                <a:ea typeface="+mn-ea"/>
+                <a:cs typeface="+mn-cs"/>
+              </a:defRPr>
+            </a:lvl7pPr>
+            <a:lvl8pPr marL="3200400" algn="l" defTabSz="914400" rtl="0" eaLnBrk="1" latinLnBrk="0" hangingPunct="1">
+              <a:defRPr kern="1200">
+                <a:solidFill>
+                  <a:schemeClr val="tx1"/>
+                </a:solidFill>
+                <a:latin typeface="Calibri" panose="020F0502020204030204" pitchFamily="34" charset="0"/>
+                <a:ea typeface="+mn-ea"/>
+                <a:cs typeface="+mn-cs"/>
+              </a:defRPr>
+            </a:lvl8pPr>
+            <a:lvl9pPr marL="3657600" algn="l" defTabSz="914400" rtl="0" eaLnBrk="1" latinLnBrk="0" hangingPunct="1">
+              <a:defRPr kern="1200">
+                <a:solidFill>
+                  <a:schemeClr val="tx1"/>
+                </a:solidFill>
+                <a:latin typeface="Calibri" panose="020F0502020204030204" pitchFamily="34" charset="0"/>
+                <a:ea typeface="+mn-ea"/>
+                <a:cs typeface="+mn-cs"/>
+              </a:defRPr>
+            </a:lvl9pPr>
+          </a:lstStyle>
+          <a:p>
+            <a:pPr algn="ctr" eaLnBrk="1" hangingPunct="1"/>
+            <a:r>
+              <a:rPr lang="en-US" altLang="en-US" sz="1400" dirty="0">
+                <a:latin typeface="メイリオ" panose="020B0604030504040204" pitchFamily="50" charset="-128"/>
+                <a:ea typeface="メイリオ" panose="020B0604030504040204" pitchFamily="50" charset="-128"/>
+                <a:cs typeface="Arial" panose="020B0604020202020204" pitchFamily="34" charset="0"/>
+              </a:rPr>
+              <a:t>Multi Contexts</a:t>
+            </a:r>
+          </a:p>
+        </p:txBody>
+      </p:sp>
+      <p:cxnSp>
+        <p:nvCxnSpPr>
+          <p:cNvPr id="54" name="コネクタ: カギ線 53">
+            <a:extLst>
+              <a:ext uri="{FF2B5EF4-FFF2-40B4-BE49-F238E27FC236}">
+                <a16:creationId xmlns:a16="http://schemas.microsoft.com/office/drawing/2014/main" id="{9965ECF0-E10E-08F7-5BAA-658889374259}"/>
+              </a:ext>
+            </a:extLst>
+          </p:cNvPr>
+          <p:cNvCxnSpPr>
+            <a:cxnSpLocks/>
+            <a:stCxn id="48" idx="1"/>
+            <a:endCxn id="21" idx="1"/>
+          </p:cNvCxnSpPr>
+          <p:nvPr/>
+        </p:nvCxnSpPr>
+        <p:spPr>
+          <a:xfrm rot="10800000" flipV="1">
+            <a:off x="5160441" y="8729232"/>
+            <a:ext cx="484980" cy="1223410"/>
+          </a:xfrm>
+          <a:prstGeom prst="bentConnector3">
+            <a:avLst>
+              <a:gd name="adj1" fmla="val 321932"/>
+            </a:avLst>
+          </a:prstGeom>
+          <a:ln>
+            <a:solidFill>
+              <a:schemeClr val="tx1"/>
+            </a:solidFill>
+            <a:tailEnd type="triangle"/>
+          </a:ln>
+        </p:spPr>
+        <p:style>
+          <a:lnRef idx="2">
+            <a:schemeClr val="accent1"/>
+          </a:lnRef>
+          <a:fillRef idx="0">
+            <a:schemeClr val="accent1"/>
+          </a:fillRef>
+          <a:effectRef idx="1">
+            <a:schemeClr val="accent1"/>
+          </a:effectRef>
+          <a:fontRef idx="minor">
+            <a:schemeClr val="tx1"/>
+          </a:fontRef>
+        </p:style>
+      </p:cxnSp>
+      <p:sp>
+        <p:nvSpPr>
+          <p:cNvPr id="1024" name="テキスト ボックス 1023">
+            <a:extLst>
+              <a:ext uri="{FF2B5EF4-FFF2-40B4-BE49-F238E27FC236}">
+                <a16:creationId xmlns:a16="http://schemas.microsoft.com/office/drawing/2014/main" id="{9FC49214-C1C6-7B92-06F5-6CF436F58941}"/>
+              </a:ext>
+            </a:extLst>
+          </p:cNvPr>
+          <p:cNvSpPr txBox="1"/>
+          <p:nvPr/>
+        </p:nvSpPr>
+        <p:spPr>
+          <a:xfrm>
+            <a:off x="3510477" y="10899052"/>
+            <a:ext cx="2648168" cy="307777"/>
+          </a:xfrm>
+          <a:prstGeom prst="rect">
+            <a:avLst/>
+          </a:prstGeom>
+          <a:noFill/>
+        </p:spPr>
+        <p:txBody>
+          <a:bodyPr wrap="square" rtlCol="0">
+            <a:spAutoFit/>
+          </a:bodyPr>
+          <a:lstStyle/>
+          <a:p>
+            <a:r>
+              <a:rPr lang="en-US" altLang="ja-JP" sz="1400" dirty="0">
+                <a:latin typeface="メイリオ" panose="020B0604030504040204" pitchFamily="50" charset="-128"/>
+                <a:ea typeface="メイリオ" panose="020B0604030504040204" pitchFamily="50" charset="-128"/>
+                <a:cs typeface="Arial" panose="020B0604020202020204" pitchFamily="34" charset="0"/>
+              </a:rPr>
+              <a:t>Step4. </a:t>
+            </a:r>
+            <a:r>
+              <a:rPr lang="ja-JP" altLang="en-US" sz="1400" dirty="0">
+                <a:latin typeface="メイリオ" panose="020B0604030504040204" pitchFamily="50" charset="-128"/>
+                <a:ea typeface="メイリオ" panose="020B0604030504040204" pitchFamily="50" charset="-128"/>
+                <a:cs typeface="Arial" panose="020B0604020202020204" pitchFamily="34" charset="0"/>
+              </a:rPr>
+              <a:t>プロンプト拡張</a:t>
+            </a:r>
+          </a:p>
+        </p:txBody>
+      </p:sp>
+      <p:cxnSp>
+        <p:nvCxnSpPr>
+          <p:cNvPr id="1027" name="直線矢印コネクタ 1026">
+            <a:extLst>
+              <a:ext uri="{FF2B5EF4-FFF2-40B4-BE49-F238E27FC236}">
+                <a16:creationId xmlns:a16="http://schemas.microsoft.com/office/drawing/2014/main" id="{588580B4-7C80-8FFA-2BFE-82B56EAACBBD}"/>
+              </a:ext>
+            </a:extLst>
+          </p:cNvPr>
+          <p:cNvCxnSpPr>
+            <a:cxnSpLocks/>
+            <a:stCxn id="21" idx="3"/>
+          </p:cNvCxnSpPr>
+          <p:nvPr/>
+        </p:nvCxnSpPr>
+        <p:spPr>
+          <a:xfrm flipV="1">
+            <a:off x="7045751" y="9952642"/>
+            <a:ext cx="2639471" cy="1"/>
+          </a:xfrm>
+          <a:prstGeom prst="straightConnector1">
+            <a:avLst/>
+          </a:prstGeom>
+          <a:ln>
+            <a:tailEnd type="triangle"/>
+          </a:ln>
+        </p:spPr>
+        <p:style>
+          <a:lnRef idx="2">
+            <a:schemeClr val="dk1"/>
+          </a:lnRef>
+          <a:fillRef idx="0">
+            <a:schemeClr val="dk1"/>
+          </a:fillRef>
+          <a:effectRef idx="1">
+            <a:schemeClr val="dk1"/>
+          </a:effectRef>
+          <a:fontRef idx="minor">
+            <a:schemeClr val="tx1"/>
+          </a:fontRef>
+        </p:style>
+      </p:cxnSp>
+      <p:cxnSp>
+        <p:nvCxnSpPr>
+          <p:cNvPr id="1031" name="コネクタ: カギ線 1030">
+            <a:extLst>
+              <a:ext uri="{FF2B5EF4-FFF2-40B4-BE49-F238E27FC236}">
+                <a16:creationId xmlns:a16="http://schemas.microsoft.com/office/drawing/2014/main" id="{F7652283-CD3F-3CBC-C872-14FCB6F6E106}"/>
+              </a:ext>
+            </a:extLst>
+          </p:cNvPr>
+          <p:cNvCxnSpPr>
+            <a:cxnSpLocks/>
+            <a:stCxn id="1049" idx="2"/>
+            <a:endCxn id="8" idx="2"/>
+          </p:cNvCxnSpPr>
+          <p:nvPr/>
+        </p:nvCxnSpPr>
+        <p:spPr>
+          <a:xfrm rot="5400000" flipH="1">
+            <a:off x="3284681" y="6392532"/>
+            <a:ext cx="5518535" cy="8051382"/>
+          </a:xfrm>
+          <a:prstGeom prst="bentConnector3">
+            <a:avLst>
+              <a:gd name="adj1" fmla="val -4142"/>
+            </a:avLst>
+          </a:prstGeom>
+          <a:ln>
+            <a:solidFill>
+              <a:schemeClr val="tx1"/>
+            </a:solidFill>
+            <a:tailEnd type="triangle"/>
+          </a:ln>
+        </p:spPr>
+        <p:style>
+          <a:lnRef idx="2">
+            <a:schemeClr val="accent1"/>
+          </a:lnRef>
+          <a:fillRef idx="0">
+            <a:schemeClr val="accent1"/>
+          </a:fillRef>
+          <a:effectRef idx="1">
+            <a:schemeClr val="accent1"/>
+          </a:effectRef>
+          <a:fontRef idx="minor">
+            <a:schemeClr val="tx1"/>
+          </a:fontRef>
+        </p:style>
+      </p:cxnSp>
+      <p:sp>
+        <p:nvSpPr>
+          <p:cNvPr id="1055" name="テキスト ボックス 1054">
+            <a:extLst>
+              <a:ext uri="{FF2B5EF4-FFF2-40B4-BE49-F238E27FC236}">
+                <a16:creationId xmlns:a16="http://schemas.microsoft.com/office/drawing/2014/main" id="{7078DCFD-AF49-8CCF-E012-40F97C7B14D6}"/>
+              </a:ext>
+            </a:extLst>
+          </p:cNvPr>
+          <p:cNvSpPr txBox="1"/>
+          <p:nvPr/>
+        </p:nvSpPr>
+        <p:spPr>
+          <a:xfrm>
+            <a:off x="2122360" y="13061186"/>
+            <a:ext cx="2265510" cy="338554"/>
+          </a:xfrm>
+          <a:prstGeom prst="rect">
+            <a:avLst/>
+          </a:prstGeom>
+          <a:noFill/>
+        </p:spPr>
+        <p:txBody>
+          <a:bodyPr wrap="square" rtlCol="0">
+            <a:spAutoFit/>
+          </a:bodyPr>
+          <a:lstStyle/>
+          <a:p>
+            <a:r>
+              <a:rPr lang="en-US" altLang="ja-JP" sz="1600" dirty="0">
+                <a:latin typeface="メイリオ" panose="020B0604030504040204" pitchFamily="50" charset="-128"/>
+                <a:ea typeface="メイリオ" panose="020B0604030504040204" pitchFamily="50" charset="-128"/>
+                <a:cs typeface="Arial" panose="020B0604020202020204" pitchFamily="34" charset="0"/>
+              </a:rPr>
+              <a:t>Generate Response</a:t>
+            </a:r>
+            <a:endParaRPr lang="ja-JP" altLang="en-US" sz="1600" dirty="0">
+              <a:latin typeface="メイリオ" panose="020B0604030504040204" pitchFamily="50" charset="-128"/>
+              <a:ea typeface="メイリオ" panose="020B0604030504040204" pitchFamily="50" charset="-128"/>
+              <a:cs typeface="Arial" panose="020B0604020202020204" pitchFamily="34" charset="0"/>
+            </a:endParaRPr>
+          </a:p>
+        </p:txBody>
+      </p:sp>
+      <p:sp>
+        <p:nvSpPr>
+          <p:cNvPr id="17" name="TextBox 12">
+            <a:extLst>
+              <a:ext uri="{FF2B5EF4-FFF2-40B4-BE49-F238E27FC236}">
+                <a16:creationId xmlns:a16="http://schemas.microsoft.com/office/drawing/2014/main" id="{5B0C0872-ABF9-27FD-25E4-3EC3CF3787FF}"/>
+              </a:ext>
+            </a:extLst>
+          </p:cNvPr>
+          <p:cNvSpPr txBox="1">
+            <a:spLocks noChangeArrowheads="1"/>
+          </p:cNvSpPr>
+          <p:nvPr/>
+        </p:nvSpPr>
+        <p:spPr bwMode="auto">
+          <a:xfrm>
+            <a:off x="9369588" y="5323805"/>
+            <a:ext cx="1400104" cy="307777"/>
+          </a:xfrm>
+          <a:prstGeom prst="rect">
+            <a:avLst/>
+          </a:prstGeom>
+          <a:noFill/>
+          <a:ln>
+            <a:noFill/>
+          </a:ln>
+          <a:extLst>
+            <a:ext uri="{909E8E84-426E-40DD-AFC4-6F175D3DCCD1}">
+              <a14:hiddenFill xmlns:a14="http://schemas.microsoft.com/office/drawing/2010/main">
+                <a:solidFill>
+                  <a:srgbClr val="FFFFFF"/>
+                </a:solidFill>
+              </a14:hiddenFill>
+            </a:ext>
+            <a:ext uri="{91240B29-F687-4F45-9708-019B960494DF}">
+              <a14:hiddenLine xmlns:a14="http://schemas.microsoft.com/office/drawing/2010/main" w="9525">
+                <a:solidFill>
+                  <a:srgbClr val="000000"/>
+                </a:solidFill>
+                <a:miter lim="800000"/>
+                <a:headEnd/>
+                <a:tailEnd/>
+              </a14:hiddenLine>
+            </a:ext>
+          </a:extLst>
+        </p:spPr>
+        <p:txBody>
+          <a:bodyPr wrap="square">
+            <a:spAutoFit/>
+          </a:bodyPr>
+          <a:lstStyle>
+            <a:defPPr>
+              <a:defRPr lang="en-US"/>
+            </a:defPPr>
+            <a:lvl1pPr algn="l" rtl="0" eaLnBrk="0" fontAlgn="base" hangingPunct="0">
+              <a:spcBef>
+                <a:spcPct val="0"/>
+              </a:spcBef>
+              <a:spcAft>
+                <a:spcPct val="0"/>
+              </a:spcAft>
+              <a:defRPr kern="1200">
+                <a:solidFill>
+                  <a:schemeClr val="tx1"/>
+                </a:solidFill>
+                <a:latin typeface="Calibri" panose="020F0502020204030204" pitchFamily="34" charset="0"/>
+                <a:ea typeface="+mn-ea"/>
+                <a:cs typeface="+mn-cs"/>
+              </a:defRPr>
+            </a:lvl1pPr>
+            <a:lvl2pPr marL="457200" algn="l" rtl="0" eaLnBrk="0" fontAlgn="base" hangingPunct="0">
+              <a:spcBef>
+                <a:spcPct val="0"/>
+              </a:spcBef>
+              <a:spcAft>
+                <a:spcPct val="0"/>
+              </a:spcAft>
+              <a:defRPr kern="1200">
+                <a:solidFill>
+                  <a:schemeClr val="tx1"/>
+                </a:solidFill>
+                <a:latin typeface="Calibri" panose="020F0502020204030204" pitchFamily="34" charset="0"/>
+                <a:ea typeface="+mn-ea"/>
+                <a:cs typeface="+mn-cs"/>
+              </a:defRPr>
+            </a:lvl2pPr>
+            <a:lvl3pPr marL="914400" algn="l" rtl="0" eaLnBrk="0" fontAlgn="base" hangingPunct="0">
+              <a:spcBef>
+                <a:spcPct val="0"/>
+              </a:spcBef>
+              <a:spcAft>
+                <a:spcPct val="0"/>
+              </a:spcAft>
+              <a:defRPr kern="1200">
+                <a:solidFill>
+                  <a:schemeClr val="tx1"/>
+                </a:solidFill>
+                <a:latin typeface="Calibri" panose="020F0502020204030204" pitchFamily="34" charset="0"/>
+                <a:ea typeface="+mn-ea"/>
+                <a:cs typeface="+mn-cs"/>
+              </a:defRPr>
+            </a:lvl3pPr>
+            <a:lvl4pPr marL="1371600" algn="l" rtl="0" eaLnBrk="0" fontAlgn="base" hangingPunct="0">
+              <a:spcBef>
+                <a:spcPct val="0"/>
+              </a:spcBef>
+              <a:spcAft>
+                <a:spcPct val="0"/>
+              </a:spcAft>
+              <a:defRPr kern="1200">
+                <a:solidFill>
+                  <a:schemeClr val="tx1"/>
+                </a:solidFill>
+                <a:latin typeface="Calibri" panose="020F0502020204030204" pitchFamily="34" charset="0"/>
+                <a:ea typeface="+mn-ea"/>
+                <a:cs typeface="+mn-cs"/>
+              </a:defRPr>
+            </a:lvl4pPr>
+            <a:lvl5pPr marL="1828800" algn="l" rtl="0" eaLnBrk="0" fontAlgn="base" hangingPunct="0">
+              <a:spcBef>
+                <a:spcPct val="0"/>
+              </a:spcBef>
+              <a:spcAft>
+                <a:spcPct val="0"/>
+              </a:spcAft>
+              <a:defRPr kern="1200">
+                <a:solidFill>
+                  <a:schemeClr val="tx1"/>
+                </a:solidFill>
+                <a:latin typeface="Calibri" panose="020F0502020204030204" pitchFamily="34" charset="0"/>
+                <a:ea typeface="+mn-ea"/>
+                <a:cs typeface="+mn-cs"/>
+              </a:defRPr>
+            </a:lvl5pPr>
+            <a:lvl6pPr marL="2286000" algn="l" defTabSz="914400" rtl="0" eaLnBrk="1" latinLnBrk="0" hangingPunct="1">
+              <a:defRPr kern="1200">
+                <a:solidFill>
+                  <a:schemeClr val="tx1"/>
+                </a:solidFill>
+                <a:latin typeface="Calibri" panose="020F0502020204030204" pitchFamily="34" charset="0"/>
+                <a:ea typeface="+mn-ea"/>
+                <a:cs typeface="+mn-cs"/>
+              </a:defRPr>
+            </a:lvl6pPr>
+            <a:lvl7pPr marL="2743200" algn="l" defTabSz="914400" rtl="0" eaLnBrk="1" latinLnBrk="0" hangingPunct="1">
+              <a:defRPr kern="1200">
+                <a:solidFill>
+                  <a:schemeClr val="tx1"/>
+                </a:solidFill>
+                <a:latin typeface="Calibri" panose="020F0502020204030204" pitchFamily="34" charset="0"/>
+                <a:ea typeface="+mn-ea"/>
+                <a:cs typeface="+mn-cs"/>
+              </a:defRPr>
+            </a:lvl7pPr>
+            <a:lvl8pPr marL="3200400" algn="l" defTabSz="914400" rtl="0" eaLnBrk="1" latinLnBrk="0" hangingPunct="1">
+              <a:defRPr kern="1200">
+                <a:solidFill>
+                  <a:schemeClr val="tx1"/>
+                </a:solidFill>
+                <a:latin typeface="Calibri" panose="020F0502020204030204" pitchFamily="34" charset="0"/>
+                <a:ea typeface="+mn-ea"/>
+                <a:cs typeface="+mn-cs"/>
+              </a:defRPr>
+            </a:lvl8pPr>
+            <a:lvl9pPr marL="3657600" algn="l" defTabSz="914400" rtl="0" eaLnBrk="1" latinLnBrk="0" hangingPunct="1">
+              <a:defRPr kern="1200">
+                <a:solidFill>
+                  <a:schemeClr val="tx1"/>
+                </a:solidFill>
+                <a:latin typeface="Calibri" panose="020F0502020204030204" pitchFamily="34" charset="0"/>
+                <a:ea typeface="+mn-ea"/>
+                <a:cs typeface="+mn-cs"/>
+              </a:defRPr>
+            </a:lvl9pPr>
+          </a:lstStyle>
+          <a:p>
+            <a:pPr algn="ctr" eaLnBrk="1" hangingPunct="1"/>
+            <a:r>
+              <a:rPr lang="en-US" altLang="en-US" sz="1400" dirty="0">
+                <a:latin typeface="メイリオ" panose="020B0604030504040204" pitchFamily="50" charset="-128"/>
+                <a:ea typeface="メイリオ" panose="020B0604030504040204" pitchFamily="50" charset="-128"/>
+                <a:cs typeface="Arial" panose="020B0604020202020204" pitchFamily="34" charset="0"/>
+              </a:rPr>
+              <a:t>Bedrock</a:t>
+            </a:r>
+          </a:p>
+        </p:txBody>
+      </p:sp>
+      <p:cxnSp>
+        <p:nvCxnSpPr>
+          <p:cNvPr id="19" name="コネクタ: カギ線 18">
+            <a:extLst>
+              <a:ext uri="{FF2B5EF4-FFF2-40B4-BE49-F238E27FC236}">
+                <a16:creationId xmlns:a16="http://schemas.microsoft.com/office/drawing/2014/main" id="{0E1B6781-E5FA-62AA-ED0E-98F49725BCB6}"/>
+              </a:ext>
+            </a:extLst>
+          </p:cNvPr>
+          <p:cNvCxnSpPr>
+            <a:cxnSpLocks/>
+            <a:endCxn id="12" idx="1"/>
+          </p:cNvCxnSpPr>
+          <p:nvPr/>
+        </p:nvCxnSpPr>
+        <p:spPr>
+          <a:xfrm flipV="1">
+            <a:off x="2033287" y="4929692"/>
+            <a:ext cx="3127155" cy="1598018"/>
+          </a:xfrm>
+          <a:prstGeom prst="bentConnector3">
+            <a:avLst>
+              <a:gd name="adj1" fmla="val 337"/>
+            </a:avLst>
+          </a:prstGeom>
+          <a:ln>
+            <a:solidFill>
+              <a:schemeClr val="tx1"/>
+            </a:solidFill>
+            <a:tailEnd type="triangle"/>
+          </a:ln>
+        </p:spPr>
+        <p:style>
+          <a:lnRef idx="2">
+            <a:schemeClr val="accent1"/>
+          </a:lnRef>
+          <a:fillRef idx="0">
+            <a:schemeClr val="accent1"/>
+          </a:fillRef>
+          <a:effectRef idx="1">
+            <a:schemeClr val="accent1"/>
+          </a:effectRef>
+          <a:fontRef idx="minor">
+            <a:schemeClr val="tx1"/>
+          </a:fontRef>
+        </p:style>
+      </p:cxnSp>
+      <p:sp>
+        <p:nvSpPr>
+          <p:cNvPr id="25" name="テキスト ボックス 24">
+            <a:extLst>
+              <a:ext uri="{FF2B5EF4-FFF2-40B4-BE49-F238E27FC236}">
+                <a16:creationId xmlns:a16="http://schemas.microsoft.com/office/drawing/2014/main" id="{6AD067A4-5376-AFA2-C232-D2A46738C5B7}"/>
+              </a:ext>
+            </a:extLst>
+          </p:cNvPr>
+          <p:cNvSpPr txBox="1"/>
+          <p:nvPr/>
+        </p:nvSpPr>
+        <p:spPr>
+          <a:xfrm>
+            <a:off x="7426447" y="4639252"/>
+            <a:ext cx="2117019" cy="307777"/>
+          </a:xfrm>
+          <a:prstGeom prst="rect">
+            <a:avLst/>
+          </a:prstGeom>
+          <a:noFill/>
+        </p:spPr>
+        <p:txBody>
+          <a:bodyPr wrap="square" rtlCol="0">
+            <a:spAutoFit/>
+          </a:bodyPr>
+          <a:lstStyle/>
+          <a:p>
+            <a:r>
+              <a:rPr lang="en-US" altLang="ja-JP" sz="1400" dirty="0">
+                <a:latin typeface="メイリオ" panose="020B0604030504040204" pitchFamily="50" charset="-128"/>
+                <a:ea typeface="メイリオ" panose="020B0604030504040204" pitchFamily="50" charset="-128"/>
+                <a:cs typeface="Arial" panose="020B0604020202020204" pitchFamily="34" charset="0"/>
+              </a:rPr>
+              <a:t>Step1. </a:t>
+            </a:r>
+            <a:r>
+              <a:rPr lang="ja-JP" altLang="en-US" sz="1400" dirty="0">
+                <a:latin typeface="メイリオ" panose="020B0604030504040204" pitchFamily="50" charset="-128"/>
+                <a:ea typeface="メイリオ" panose="020B0604030504040204" pitchFamily="50" charset="-128"/>
+                <a:cs typeface="Arial" panose="020B0604020202020204" pitchFamily="34" charset="0"/>
+              </a:rPr>
+              <a:t>クエリ拡張</a:t>
+            </a:r>
+          </a:p>
+        </p:txBody>
+      </p:sp>
+      <p:pic>
+        <p:nvPicPr>
+          <p:cNvPr id="16" name="Graphic 6" descr="Amazon Bedrock service icon.">
+            <a:extLst>
+              <a:ext uri="{FF2B5EF4-FFF2-40B4-BE49-F238E27FC236}">
+                <a16:creationId xmlns:a16="http://schemas.microsoft.com/office/drawing/2014/main" id="{E75E9CE2-32FC-8A13-F044-3AC58C2C3FB9}"/>
+              </a:ext>
+            </a:extLst>
+          </p:cNvPr>
+          <p:cNvPicPr>
+            <a:picLocks noChangeAspect="1"/>
+          </p:cNvPicPr>
+          <p:nvPr/>
+        </p:nvPicPr>
+        <p:blipFill>
+          <a:blip r:embed="rId8">
+            <a:extLst>
+              <a:ext uri="{96DAC541-7B7A-43D3-8B79-37D633B846F1}">
+                <asvg:svgBlip xmlns:asvg="http://schemas.microsoft.com/office/drawing/2016/SVG/main" r:embed="rId9"/>
+              </a:ext>
+            </a:extLst>
+          </a:blip>
+          <a:srcRect/>
+          <a:stretch/>
+        </p:blipFill>
+        <p:spPr>
+          <a:xfrm>
+            <a:off x="9685221" y="4545271"/>
+            <a:ext cx="768838" cy="768838"/>
+          </a:xfrm>
+          <a:prstGeom prst="rect">
+            <a:avLst/>
+          </a:prstGeom>
+        </p:spPr>
+      </p:pic>
+      <p:pic>
+        <p:nvPicPr>
+          <p:cNvPr id="45" name="Picture 2" descr="ナレッジベースは、Amazon Bedrock でフルマネージド型の RAG エクスペリエンスを提供するようになりました | Amazon Web  Services ブログ">
+            <a:extLst>
+              <a:ext uri="{FF2B5EF4-FFF2-40B4-BE49-F238E27FC236}">
+                <a16:creationId xmlns:a16="http://schemas.microsoft.com/office/drawing/2014/main" id="{6D15213F-C00B-80DC-3A4F-A3EBE877FD50}"/>
+              </a:ext>
+            </a:extLst>
+          </p:cNvPr>
+          <p:cNvPicPr>
+            <a:picLocks noChangeAspect="1" noChangeArrowheads="1"/>
+          </p:cNvPicPr>
+          <p:nvPr/>
+        </p:nvPicPr>
+        <p:blipFill rotWithShape="1">
+          <a:blip r:embed="rId10">
+            <a:extLst>
+              <a:ext uri="{28A0092B-C50C-407E-A947-70E740481C1C}">
+                <a14:useLocalDpi xmlns:a14="http://schemas.microsoft.com/office/drawing/2010/main" val="0"/>
+              </a:ext>
+            </a:extLst>
+          </a:blip>
+          <a:srcRect l="57371" t="13407" r="14584" b="26868"/>
+          <a:stretch/>
+        </p:blipFill>
+        <p:spPr bwMode="auto">
+          <a:xfrm>
+            <a:off x="9706314" y="7030475"/>
+            <a:ext cx="768838" cy="818663"/>
+          </a:xfrm>
+          <a:prstGeom prst="rect">
+            <a:avLst/>
+          </a:prstGeom>
+          <a:noFill/>
+          <a:extLst>
+            <a:ext uri="{909E8E84-426E-40DD-AFC4-6F175D3DCCD1}">
+              <a14:hiddenFill xmlns:a14="http://schemas.microsoft.com/office/drawing/2010/main">
+                <a:solidFill>
+                  <a:srgbClr val="FFFFFF"/>
+                </a:solidFill>
+              </a14:hiddenFill>
+            </a:ext>
+          </a:extLst>
+        </p:spPr>
+      </p:pic>
+      <p:sp>
+        <p:nvSpPr>
+          <p:cNvPr id="46" name="正方形/長方形 45">
+            <a:extLst>
+              <a:ext uri="{FF2B5EF4-FFF2-40B4-BE49-F238E27FC236}">
+                <a16:creationId xmlns:a16="http://schemas.microsoft.com/office/drawing/2014/main" id="{DF8075F3-EA2D-872B-4A1F-94911BF0DCC3}"/>
+              </a:ext>
+            </a:extLst>
+          </p:cNvPr>
+          <p:cNvSpPr/>
+          <p:nvPr/>
+        </p:nvSpPr>
+        <p:spPr>
+          <a:xfrm>
+            <a:off x="5160442" y="7138517"/>
+            <a:ext cx="1885309" cy="619663"/>
+          </a:xfrm>
+          <a:prstGeom prst="rect">
+            <a:avLst/>
+          </a:prstGeom>
+        </p:spPr>
+        <p:style>
+          <a:lnRef idx="2">
+            <a:schemeClr val="accent1">
+              <a:shade val="15000"/>
+            </a:schemeClr>
+          </a:lnRef>
+          <a:fillRef idx="1">
+            <a:schemeClr val="accent1"/>
+          </a:fillRef>
+          <a:effectRef idx="0">
+            <a:schemeClr val="accent1"/>
+          </a:effectRef>
+          <a:fontRef idx="minor">
+            <a:schemeClr val="lt1"/>
+          </a:fontRef>
+        </p:style>
+        <p:txBody>
+          <a:bodyPr rtlCol="0" anchor="ctr"/>
+          <a:lstStyle/>
+          <a:p>
+            <a:pPr algn="ctr"/>
+            <a:r>
+              <a:rPr lang="en-US" altLang="ja-JP" sz="1600" dirty="0">
+                <a:latin typeface="Arial" panose="020B0604020202020204" pitchFamily="34" charset="0"/>
+                <a:cs typeface="Arial" panose="020B0604020202020204" pitchFamily="34" charset="0"/>
+              </a:rPr>
+              <a:t>Retrieve API</a:t>
+            </a:r>
+            <a:endParaRPr lang="ja-JP" altLang="en-US" sz="1600" dirty="0">
+              <a:latin typeface="Arial" panose="020B0604020202020204" pitchFamily="34" charset="0"/>
+              <a:cs typeface="Arial" panose="020B0604020202020204" pitchFamily="34" charset="0"/>
+            </a:endParaRPr>
+          </a:p>
+        </p:txBody>
+      </p:sp>
+      <p:pic>
+        <p:nvPicPr>
+          <p:cNvPr id="49" name="グラフィックス 48" descr="ドキュメント 枠線">
+            <a:extLst>
+              <a:ext uri="{FF2B5EF4-FFF2-40B4-BE49-F238E27FC236}">
+                <a16:creationId xmlns:a16="http://schemas.microsoft.com/office/drawing/2014/main" id="{1637F34C-D69B-CF1B-7EE9-DD1851AA0C6C}"/>
+              </a:ext>
+            </a:extLst>
+          </p:cNvPr>
+          <p:cNvPicPr>
+            <a:picLocks noChangeAspect="1"/>
+          </p:cNvPicPr>
+          <p:nvPr/>
+        </p:nvPicPr>
+        <p:blipFill>
+          <a:blip r:embed="rId6">
+            <a:extLst>
+              <a:ext uri="{28A0092B-C50C-407E-A947-70E740481C1C}">
+                <a14:useLocalDpi xmlns:a14="http://schemas.microsoft.com/office/drawing/2010/main" val="0"/>
+              </a:ext>
+              <a:ext uri="{96DAC541-7B7A-43D3-8B79-37D633B846F1}">
+                <asvg:svgBlip xmlns:asvg="http://schemas.microsoft.com/office/drawing/2016/SVG/main" r:embed="rId7"/>
+              </a:ext>
+            </a:extLst>
+          </a:blip>
+          <a:stretch>
+            <a:fillRect/>
+          </a:stretch>
+        </p:blipFill>
+        <p:spPr>
+          <a:xfrm>
+            <a:off x="6059195" y="8021928"/>
+            <a:ext cx="713591" cy="713591"/>
+          </a:xfrm>
+          <a:prstGeom prst="rect">
+            <a:avLst/>
+          </a:prstGeom>
+        </p:spPr>
+      </p:pic>
+      <p:pic>
+        <p:nvPicPr>
+          <p:cNvPr id="48" name="グラフィックス 47" descr="ドキュメント 枠線">
+            <a:extLst>
+              <a:ext uri="{FF2B5EF4-FFF2-40B4-BE49-F238E27FC236}">
+                <a16:creationId xmlns:a16="http://schemas.microsoft.com/office/drawing/2014/main" id="{921BAF22-E81A-ED1D-9FB4-AD3076380781}"/>
+              </a:ext>
+            </a:extLst>
+          </p:cNvPr>
+          <p:cNvPicPr>
+            <a:picLocks noChangeAspect="1"/>
+          </p:cNvPicPr>
+          <p:nvPr/>
+        </p:nvPicPr>
+        <p:blipFill>
+          <a:blip r:embed="rId6">
+            <a:extLst>
+              <a:ext uri="{28A0092B-C50C-407E-A947-70E740481C1C}">
+                <a14:useLocalDpi xmlns:a14="http://schemas.microsoft.com/office/drawing/2010/main" val="0"/>
+              </a:ext>
+              <a:ext uri="{96DAC541-7B7A-43D3-8B79-37D633B846F1}">
+                <asvg:svgBlip xmlns:asvg="http://schemas.microsoft.com/office/drawing/2016/SVG/main" r:embed="rId7"/>
+              </a:ext>
+            </a:extLst>
+          </a:blip>
+          <a:stretch>
+            <a:fillRect/>
+          </a:stretch>
+        </p:blipFill>
+        <p:spPr>
+          <a:xfrm>
+            <a:off x="5645422" y="8372437"/>
+            <a:ext cx="713591" cy="713591"/>
+          </a:xfrm>
+          <a:prstGeom prst="rect">
+            <a:avLst/>
+          </a:prstGeom>
+        </p:spPr>
+      </p:pic>
+      <p:cxnSp>
+        <p:nvCxnSpPr>
+          <p:cNvPr id="50" name="コネクタ: カギ線 49">
+            <a:extLst>
+              <a:ext uri="{FF2B5EF4-FFF2-40B4-BE49-F238E27FC236}">
+                <a16:creationId xmlns:a16="http://schemas.microsoft.com/office/drawing/2014/main" id="{12ABD1CF-D9EA-B63B-8C49-8D036BCAB304}"/>
+              </a:ext>
+            </a:extLst>
+          </p:cNvPr>
+          <p:cNvCxnSpPr>
+            <a:cxnSpLocks/>
+            <a:stCxn id="1065" idx="1"/>
+            <a:endCxn id="46" idx="1"/>
+          </p:cNvCxnSpPr>
+          <p:nvPr/>
+        </p:nvCxnSpPr>
+        <p:spPr>
+          <a:xfrm rot="10800000" flipV="1">
+            <a:off x="5160442" y="6158377"/>
+            <a:ext cx="230786" cy="1289971"/>
+          </a:xfrm>
+          <a:prstGeom prst="bentConnector3">
+            <a:avLst>
+              <a:gd name="adj1" fmla="val 574628"/>
+            </a:avLst>
+          </a:prstGeom>
+          <a:ln>
+            <a:solidFill>
+              <a:schemeClr val="tx1"/>
+            </a:solidFill>
+            <a:tailEnd type="triangle"/>
+          </a:ln>
+        </p:spPr>
+        <p:style>
+          <a:lnRef idx="2">
+            <a:schemeClr val="accent1"/>
+          </a:lnRef>
+          <a:fillRef idx="0">
+            <a:schemeClr val="accent1"/>
+          </a:fillRef>
+          <a:effectRef idx="1">
+            <a:schemeClr val="accent1"/>
+          </a:effectRef>
+          <a:fontRef idx="minor">
+            <a:schemeClr val="tx1"/>
+          </a:fontRef>
+        </p:style>
+      </p:cxnSp>
+      <p:cxnSp>
+        <p:nvCxnSpPr>
+          <p:cNvPr id="55" name="直線矢印コネクタ 54">
+            <a:extLst>
+              <a:ext uri="{FF2B5EF4-FFF2-40B4-BE49-F238E27FC236}">
+                <a16:creationId xmlns:a16="http://schemas.microsoft.com/office/drawing/2014/main" id="{E7626022-0014-071B-D733-C31E2775B689}"/>
+              </a:ext>
+            </a:extLst>
+          </p:cNvPr>
+          <p:cNvCxnSpPr>
+            <a:cxnSpLocks/>
+          </p:cNvCxnSpPr>
+          <p:nvPr/>
+        </p:nvCxnSpPr>
+        <p:spPr>
+          <a:xfrm>
+            <a:off x="7045750" y="7439806"/>
+            <a:ext cx="2639471" cy="0"/>
+          </a:xfrm>
+          <a:prstGeom prst="straightConnector1">
+            <a:avLst/>
+          </a:prstGeom>
+          <a:ln>
+            <a:tailEnd type="triangle"/>
+          </a:ln>
+        </p:spPr>
+        <p:style>
+          <a:lnRef idx="2">
+            <a:schemeClr val="dk1"/>
+          </a:lnRef>
+          <a:fillRef idx="0">
+            <a:schemeClr val="dk1"/>
+          </a:fillRef>
+          <a:effectRef idx="1">
+            <a:schemeClr val="dk1"/>
+          </a:effectRef>
+          <a:fontRef idx="minor">
+            <a:schemeClr val="tx1"/>
+          </a:fontRef>
+        </p:style>
+      </p:cxnSp>
+      <p:sp>
+        <p:nvSpPr>
+          <p:cNvPr id="60" name="TextBox 12">
+            <a:extLst>
+              <a:ext uri="{FF2B5EF4-FFF2-40B4-BE49-F238E27FC236}">
+                <a16:creationId xmlns:a16="http://schemas.microsoft.com/office/drawing/2014/main" id="{AC31174C-2688-5531-77BD-A6EAF4BE8FCD}"/>
+              </a:ext>
+            </a:extLst>
+          </p:cNvPr>
+          <p:cNvSpPr txBox="1">
+            <a:spLocks noChangeArrowheads="1"/>
+          </p:cNvSpPr>
+          <p:nvPr/>
+        </p:nvSpPr>
+        <p:spPr bwMode="auto">
+          <a:xfrm>
+            <a:off x="9151015" y="7836194"/>
+            <a:ext cx="1879437" cy="307777"/>
+          </a:xfrm>
+          <a:prstGeom prst="rect">
+            <a:avLst/>
+          </a:prstGeom>
+          <a:noFill/>
+          <a:ln>
+            <a:noFill/>
+          </a:ln>
+          <a:extLst>
+            <a:ext uri="{909E8E84-426E-40DD-AFC4-6F175D3DCCD1}">
+              <a14:hiddenFill xmlns:a14="http://schemas.microsoft.com/office/drawing/2010/main">
+                <a:solidFill>
+                  <a:srgbClr val="FFFFFF"/>
+                </a:solidFill>
+              </a14:hiddenFill>
+            </a:ext>
+            <a:ext uri="{91240B29-F687-4F45-9708-019B960494DF}">
+              <a14:hiddenLine xmlns:a14="http://schemas.microsoft.com/office/drawing/2010/main" w="9525">
+                <a:solidFill>
+                  <a:srgbClr val="000000"/>
+                </a:solidFill>
+                <a:miter lim="800000"/>
+                <a:headEnd/>
+                <a:tailEnd/>
+              </a14:hiddenLine>
+            </a:ext>
+          </a:extLst>
+        </p:spPr>
+        <p:txBody>
+          <a:bodyPr wrap="square">
+            <a:spAutoFit/>
+          </a:bodyPr>
+          <a:lstStyle>
+            <a:defPPr>
+              <a:defRPr lang="en-US"/>
+            </a:defPPr>
+            <a:lvl1pPr algn="l" rtl="0" eaLnBrk="0" fontAlgn="base" hangingPunct="0">
+              <a:spcBef>
+                <a:spcPct val="0"/>
+              </a:spcBef>
+              <a:spcAft>
+                <a:spcPct val="0"/>
+              </a:spcAft>
+              <a:defRPr kern="1200">
+                <a:solidFill>
+                  <a:schemeClr val="tx1"/>
+                </a:solidFill>
+                <a:latin typeface="Calibri" panose="020F0502020204030204" pitchFamily="34" charset="0"/>
+                <a:ea typeface="+mn-ea"/>
+                <a:cs typeface="+mn-cs"/>
+              </a:defRPr>
+            </a:lvl1pPr>
+            <a:lvl2pPr marL="457200" algn="l" rtl="0" eaLnBrk="0" fontAlgn="base" hangingPunct="0">
+              <a:spcBef>
+                <a:spcPct val="0"/>
+              </a:spcBef>
+              <a:spcAft>
+                <a:spcPct val="0"/>
+              </a:spcAft>
+              <a:defRPr kern="1200">
+                <a:solidFill>
+                  <a:schemeClr val="tx1"/>
+                </a:solidFill>
+                <a:latin typeface="Calibri" panose="020F0502020204030204" pitchFamily="34" charset="0"/>
+                <a:ea typeface="+mn-ea"/>
+                <a:cs typeface="+mn-cs"/>
+              </a:defRPr>
+            </a:lvl2pPr>
+            <a:lvl3pPr marL="914400" algn="l" rtl="0" eaLnBrk="0" fontAlgn="base" hangingPunct="0">
+              <a:spcBef>
+                <a:spcPct val="0"/>
+              </a:spcBef>
+              <a:spcAft>
+                <a:spcPct val="0"/>
+              </a:spcAft>
+              <a:defRPr kern="1200">
+                <a:solidFill>
+                  <a:schemeClr val="tx1"/>
+                </a:solidFill>
+                <a:latin typeface="Calibri" panose="020F0502020204030204" pitchFamily="34" charset="0"/>
+                <a:ea typeface="+mn-ea"/>
+                <a:cs typeface="+mn-cs"/>
+              </a:defRPr>
+            </a:lvl3pPr>
+            <a:lvl4pPr marL="1371600" algn="l" rtl="0" eaLnBrk="0" fontAlgn="base" hangingPunct="0">
+              <a:spcBef>
+                <a:spcPct val="0"/>
+              </a:spcBef>
+              <a:spcAft>
+                <a:spcPct val="0"/>
+              </a:spcAft>
+              <a:defRPr kern="1200">
+                <a:solidFill>
+                  <a:schemeClr val="tx1"/>
+                </a:solidFill>
+                <a:latin typeface="Calibri" panose="020F0502020204030204" pitchFamily="34" charset="0"/>
+                <a:ea typeface="+mn-ea"/>
+                <a:cs typeface="+mn-cs"/>
+              </a:defRPr>
+            </a:lvl4pPr>
+            <a:lvl5pPr marL="1828800" algn="l" rtl="0" eaLnBrk="0" fontAlgn="base" hangingPunct="0">
+              <a:spcBef>
+                <a:spcPct val="0"/>
+              </a:spcBef>
+              <a:spcAft>
+                <a:spcPct val="0"/>
+              </a:spcAft>
+              <a:defRPr kern="1200">
+                <a:solidFill>
+                  <a:schemeClr val="tx1"/>
+                </a:solidFill>
+                <a:latin typeface="Calibri" panose="020F0502020204030204" pitchFamily="34" charset="0"/>
+                <a:ea typeface="+mn-ea"/>
+                <a:cs typeface="+mn-cs"/>
+              </a:defRPr>
+            </a:lvl5pPr>
+            <a:lvl6pPr marL="2286000" algn="l" defTabSz="914400" rtl="0" eaLnBrk="1" latinLnBrk="0" hangingPunct="1">
+              <a:defRPr kern="1200">
+                <a:solidFill>
+                  <a:schemeClr val="tx1"/>
+                </a:solidFill>
+                <a:latin typeface="Calibri" panose="020F0502020204030204" pitchFamily="34" charset="0"/>
+                <a:ea typeface="+mn-ea"/>
+                <a:cs typeface="+mn-cs"/>
+              </a:defRPr>
+            </a:lvl6pPr>
+            <a:lvl7pPr marL="2743200" algn="l" defTabSz="914400" rtl="0" eaLnBrk="1" latinLnBrk="0" hangingPunct="1">
+              <a:defRPr kern="1200">
+                <a:solidFill>
+                  <a:schemeClr val="tx1"/>
+                </a:solidFill>
+                <a:latin typeface="Calibri" panose="020F0502020204030204" pitchFamily="34" charset="0"/>
+                <a:ea typeface="+mn-ea"/>
+                <a:cs typeface="+mn-cs"/>
+              </a:defRPr>
+            </a:lvl7pPr>
+            <a:lvl8pPr marL="3200400" algn="l" defTabSz="914400" rtl="0" eaLnBrk="1" latinLnBrk="0" hangingPunct="1">
+              <a:defRPr kern="1200">
+                <a:solidFill>
+                  <a:schemeClr val="tx1"/>
+                </a:solidFill>
+                <a:latin typeface="Calibri" panose="020F0502020204030204" pitchFamily="34" charset="0"/>
+                <a:ea typeface="+mn-ea"/>
+                <a:cs typeface="+mn-cs"/>
+              </a:defRPr>
+            </a:lvl8pPr>
+            <a:lvl9pPr marL="3657600" algn="l" defTabSz="914400" rtl="0" eaLnBrk="1" latinLnBrk="0" hangingPunct="1">
+              <a:defRPr kern="1200">
+                <a:solidFill>
+                  <a:schemeClr val="tx1"/>
+                </a:solidFill>
+                <a:latin typeface="Calibri" panose="020F0502020204030204" pitchFamily="34" charset="0"/>
+                <a:ea typeface="+mn-ea"/>
+                <a:cs typeface="+mn-cs"/>
+              </a:defRPr>
+            </a:lvl9pPr>
+          </a:lstStyle>
+          <a:p>
+            <a:pPr algn="ctr" eaLnBrk="1" hangingPunct="1"/>
+            <a:r>
+              <a:rPr lang="en-US" altLang="ja-JP" sz="1400" dirty="0">
+                <a:latin typeface="メイリオ" panose="020B0604030504040204" pitchFamily="50" charset="-128"/>
+                <a:ea typeface="メイリオ" panose="020B0604030504040204" pitchFamily="50" charset="-128"/>
+                <a:cs typeface="Arial" panose="020B0604020202020204" pitchFamily="34" charset="0"/>
+              </a:rPr>
+              <a:t>Knowledge Base</a:t>
+            </a:r>
+            <a:endParaRPr lang="en-US" altLang="en-US" sz="1400" dirty="0">
+              <a:latin typeface="メイリオ" panose="020B0604030504040204" pitchFamily="50" charset="-128"/>
+              <a:ea typeface="メイリオ" panose="020B0604030504040204" pitchFamily="50" charset="-128"/>
+              <a:cs typeface="Arial" panose="020B0604020202020204" pitchFamily="34" charset="0"/>
+            </a:endParaRPr>
+          </a:p>
+        </p:txBody>
+      </p:sp>
+      <p:sp>
+        <p:nvSpPr>
+          <p:cNvPr id="61" name="テキスト ボックス 60">
+            <a:extLst>
+              <a:ext uri="{FF2B5EF4-FFF2-40B4-BE49-F238E27FC236}">
+                <a16:creationId xmlns:a16="http://schemas.microsoft.com/office/drawing/2014/main" id="{9176C8C8-F025-7815-8DAE-79DFB25481F1}"/>
+              </a:ext>
+            </a:extLst>
+          </p:cNvPr>
+          <p:cNvSpPr txBox="1"/>
+          <p:nvPr/>
+        </p:nvSpPr>
+        <p:spPr>
+          <a:xfrm>
+            <a:off x="7426447" y="7132337"/>
+            <a:ext cx="2117019" cy="307777"/>
+          </a:xfrm>
+          <a:prstGeom prst="rect">
+            <a:avLst/>
+          </a:prstGeom>
+          <a:noFill/>
+        </p:spPr>
+        <p:txBody>
+          <a:bodyPr wrap="square" rtlCol="0">
+            <a:spAutoFit/>
+          </a:bodyPr>
+          <a:lstStyle/>
+          <a:p>
+            <a:r>
+              <a:rPr lang="en-US" altLang="ja-JP" sz="1400" dirty="0">
+                <a:latin typeface="メイリオ" panose="020B0604030504040204" pitchFamily="50" charset="-128"/>
+                <a:ea typeface="メイリオ" panose="020B0604030504040204" pitchFamily="50" charset="-128"/>
+                <a:cs typeface="Arial" panose="020B0604020202020204" pitchFamily="34" charset="0"/>
+              </a:rPr>
+              <a:t>Step2. </a:t>
+            </a:r>
+            <a:r>
+              <a:rPr lang="ja-JP" altLang="en-US" sz="1400" dirty="0">
+                <a:latin typeface="メイリオ" panose="020B0604030504040204" pitchFamily="50" charset="-128"/>
+                <a:ea typeface="メイリオ" panose="020B0604030504040204" pitchFamily="50" charset="-128"/>
+                <a:cs typeface="Arial" panose="020B0604020202020204" pitchFamily="34" charset="0"/>
+              </a:rPr>
+              <a:t>ベクトル検索</a:t>
+            </a:r>
+          </a:p>
+        </p:txBody>
+      </p:sp>
+      <p:pic>
+        <p:nvPicPr>
+          <p:cNvPr id="62" name="グラフィックス 61" descr="ドキュメント 枠線">
+            <a:extLst>
+              <a:ext uri="{FF2B5EF4-FFF2-40B4-BE49-F238E27FC236}">
+                <a16:creationId xmlns:a16="http://schemas.microsoft.com/office/drawing/2014/main" id="{144AA3EF-F345-963D-1E8D-98A05BE0EC93}"/>
+              </a:ext>
+            </a:extLst>
+          </p:cNvPr>
+          <p:cNvPicPr>
+            <a:picLocks noChangeAspect="1"/>
+          </p:cNvPicPr>
+          <p:nvPr/>
+        </p:nvPicPr>
+        <p:blipFill>
+          <a:blip r:embed="rId6">
+            <a:extLst>
+              <a:ext uri="{28A0092B-C50C-407E-A947-70E740481C1C}">
+                <a14:useLocalDpi xmlns:a14="http://schemas.microsoft.com/office/drawing/2010/main" val="0"/>
+              </a:ext>
+              <a:ext uri="{96DAC541-7B7A-43D3-8B79-37D633B846F1}">
+                <asvg:svgBlip xmlns:asvg="http://schemas.microsoft.com/office/drawing/2016/SVG/main" r:embed="rId7"/>
+              </a:ext>
+            </a:extLst>
+          </a:blip>
+          <a:stretch>
+            <a:fillRect/>
+          </a:stretch>
+        </p:blipFill>
+        <p:spPr>
+          <a:xfrm>
+            <a:off x="6176557" y="8382067"/>
+            <a:ext cx="713591" cy="713591"/>
+          </a:xfrm>
+          <a:prstGeom prst="rect">
+            <a:avLst/>
+          </a:prstGeom>
+        </p:spPr>
+      </p:pic>
+      <p:pic>
+        <p:nvPicPr>
+          <p:cNvPr id="1033" name="Graphic 6" descr="Amazon Bedrock service icon.">
+            <a:extLst>
+              <a:ext uri="{FF2B5EF4-FFF2-40B4-BE49-F238E27FC236}">
+                <a16:creationId xmlns:a16="http://schemas.microsoft.com/office/drawing/2014/main" id="{87161554-8D44-AD2E-D695-45AF765F4F9A}"/>
+              </a:ext>
+            </a:extLst>
+          </p:cNvPr>
+          <p:cNvPicPr>
+            <a:picLocks noChangeAspect="1"/>
+          </p:cNvPicPr>
+          <p:nvPr/>
+        </p:nvPicPr>
+        <p:blipFill>
+          <a:blip r:embed="rId8">
+            <a:extLst>
+              <a:ext uri="{96DAC541-7B7A-43D3-8B79-37D633B846F1}">
+                <asvg:svgBlip xmlns:asvg="http://schemas.microsoft.com/office/drawing/2016/SVG/main" r:embed="rId9"/>
+              </a:ext>
+            </a:extLst>
+          </a:blip>
+          <a:srcRect/>
+          <a:stretch/>
+        </p:blipFill>
+        <p:spPr>
+          <a:xfrm>
+            <a:off x="9685221" y="11948731"/>
+            <a:ext cx="768838" cy="768838"/>
+          </a:xfrm>
+          <a:prstGeom prst="rect">
+            <a:avLst/>
+          </a:prstGeom>
+        </p:spPr>
+      </p:pic>
+      <p:sp>
+        <p:nvSpPr>
+          <p:cNvPr id="1036" name="テキスト ボックス 1035">
+            <a:extLst>
+              <a:ext uri="{FF2B5EF4-FFF2-40B4-BE49-F238E27FC236}">
+                <a16:creationId xmlns:a16="http://schemas.microsoft.com/office/drawing/2014/main" id="{C14B6B82-FF78-89AD-02F7-7B0076CB7134}"/>
+              </a:ext>
+            </a:extLst>
+          </p:cNvPr>
+          <p:cNvSpPr txBox="1"/>
+          <p:nvPr/>
+        </p:nvSpPr>
+        <p:spPr>
+          <a:xfrm>
+            <a:off x="7426447" y="9639936"/>
+            <a:ext cx="2117019" cy="307777"/>
+          </a:xfrm>
+          <a:prstGeom prst="rect">
+            <a:avLst/>
+          </a:prstGeom>
+          <a:noFill/>
+        </p:spPr>
+        <p:txBody>
+          <a:bodyPr wrap="square" rtlCol="0">
+            <a:spAutoFit/>
+          </a:bodyPr>
+          <a:lstStyle/>
+          <a:p>
+            <a:r>
+              <a:rPr lang="en-US" altLang="ja-JP" sz="1400" dirty="0">
+                <a:latin typeface="メイリオ" panose="020B0604030504040204" pitchFamily="50" charset="-128"/>
+                <a:ea typeface="メイリオ" panose="020B0604030504040204" pitchFamily="50" charset="-128"/>
+                <a:cs typeface="Arial" panose="020B0604020202020204" pitchFamily="34" charset="0"/>
+              </a:rPr>
+              <a:t>Step3. </a:t>
+            </a:r>
+            <a:r>
+              <a:rPr lang="ja-JP" altLang="en-US" sz="1400" dirty="0">
+                <a:latin typeface="メイリオ" panose="020B0604030504040204" pitchFamily="50" charset="-128"/>
+                <a:ea typeface="メイリオ" panose="020B0604030504040204" pitchFamily="50" charset="-128"/>
+                <a:cs typeface="Arial" panose="020B0604020202020204" pitchFamily="34" charset="0"/>
+              </a:rPr>
+              <a:t>関連度評価</a:t>
+            </a:r>
+          </a:p>
+        </p:txBody>
+      </p:sp>
+      <p:sp>
+        <p:nvSpPr>
+          <p:cNvPr id="1037" name="TextBox 12">
+            <a:extLst>
+              <a:ext uri="{FF2B5EF4-FFF2-40B4-BE49-F238E27FC236}">
+                <a16:creationId xmlns:a16="http://schemas.microsoft.com/office/drawing/2014/main" id="{01DC9FA7-895E-90AB-222E-E1BA2A5688B5}"/>
+              </a:ext>
+            </a:extLst>
+          </p:cNvPr>
+          <p:cNvSpPr txBox="1">
+            <a:spLocks noChangeArrowheads="1"/>
+          </p:cNvSpPr>
+          <p:nvPr/>
+        </p:nvSpPr>
+        <p:spPr bwMode="auto">
+          <a:xfrm>
+            <a:off x="9369588" y="10339115"/>
+            <a:ext cx="1400104" cy="307777"/>
+          </a:xfrm>
+          <a:prstGeom prst="rect">
+            <a:avLst/>
+          </a:prstGeom>
+          <a:noFill/>
+          <a:ln>
+            <a:noFill/>
+          </a:ln>
+          <a:extLst>
+            <a:ext uri="{909E8E84-426E-40DD-AFC4-6F175D3DCCD1}">
+              <a14:hiddenFill xmlns:a14="http://schemas.microsoft.com/office/drawing/2010/main">
+                <a:solidFill>
+                  <a:srgbClr val="FFFFFF"/>
+                </a:solidFill>
+              </a14:hiddenFill>
+            </a:ext>
+            <a:ext uri="{91240B29-F687-4F45-9708-019B960494DF}">
+              <a14:hiddenLine xmlns:a14="http://schemas.microsoft.com/office/drawing/2010/main" w="9525">
+                <a:solidFill>
+                  <a:srgbClr val="000000"/>
+                </a:solidFill>
+                <a:miter lim="800000"/>
+                <a:headEnd/>
+                <a:tailEnd/>
+              </a14:hiddenLine>
+            </a:ext>
+          </a:extLst>
+        </p:spPr>
+        <p:txBody>
+          <a:bodyPr wrap="square">
+            <a:spAutoFit/>
+          </a:bodyPr>
+          <a:lstStyle>
+            <a:defPPr>
+              <a:defRPr lang="en-US"/>
+            </a:defPPr>
+            <a:lvl1pPr algn="l" rtl="0" eaLnBrk="0" fontAlgn="base" hangingPunct="0">
+              <a:spcBef>
+                <a:spcPct val="0"/>
+              </a:spcBef>
+              <a:spcAft>
+                <a:spcPct val="0"/>
+              </a:spcAft>
+              <a:defRPr kern="1200">
+                <a:solidFill>
+                  <a:schemeClr val="tx1"/>
+                </a:solidFill>
+                <a:latin typeface="Calibri" panose="020F0502020204030204" pitchFamily="34" charset="0"/>
+                <a:ea typeface="+mn-ea"/>
+                <a:cs typeface="+mn-cs"/>
+              </a:defRPr>
+            </a:lvl1pPr>
+            <a:lvl2pPr marL="457200" algn="l" rtl="0" eaLnBrk="0" fontAlgn="base" hangingPunct="0">
+              <a:spcBef>
+                <a:spcPct val="0"/>
+              </a:spcBef>
+              <a:spcAft>
+                <a:spcPct val="0"/>
+              </a:spcAft>
+              <a:defRPr kern="1200">
+                <a:solidFill>
+                  <a:schemeClr val="tx1"/>
+                </a:solidFill>
+                <a:latin typeface="Calibri" panose="020F0502020204030204" pitchFamily="34" charset="0"/>
+                <a:ea typeface="+mn-ea"/>
+                <a:cs typeface="+mn-cs"/>
+              </a:defRPr>
+            </a:lvl2pPr>
+            <a:lvl3pPr marL="914400" algn="l" rtl="0" eaLnBrk="0" fontAlgn="base" hangingPunct="0">
+              <a:spcBef>
+                <a:spcPct val="0"/>
+              </a:spcBef>
+              <a:spcAft>
+                <a:spcPct val="0"/>
+              </a:spcAft>
+              <a:defRPr kern="1200">
+                <a:solidFill>
+                  <a:schemeClr val="tx1"/>
+                </a:solidFill>
+                <a:latin typeface="Calibri" panose="020F0502020204030204" pitchFamily="34" charset="0"/>
+                <a:ea typeface="+mn-ea"/>
+                <a:cs typeface="+mn-cs"/>
+              </a:defRPr>
+            </a:lvl3pPr>
+            <a:lvl4pPr marL="1371600" algn="l" rtl="0" eaLnBrk="0" fontAlgn="base" hangingPunct="0">
+              <a:spcBef>
+                <a:spcPct val="0"/>
+              </a:spcBef>
+              <a:spcAft>
+                <a:spcPct val="0"/>
+              </a:spcAft>
+              <a:defRPr kern="1200">
+                <a:solidFill>
+                  <a:schemeClr val="tx1"/>
+                </a:solidFill>
+                <a:latin typeface="Calibri" panose="020F0502020204030204" pitchFamily="34" charset="0"/>
+                <a:ea typeface="+mn-ea"/>
+                <a:cs typeface="+mn-cs"/>
+              </a:defRPr>
+            </a:lvl4pPr>
+            <a:lvl5pPr marL="1828800" algn="l" rtl="0" eaLnBrk="0" fontAlgn="base" hangingPunct="0">
+              <a:spcBef>
+                <a:spcPct val="0"/>
+              </a:spcBef>
+              <a:spcAft>
+                <a:spcPct val="0"/>
+              </a:spcAft>
+              <a:defRPr kern="1200">
+                <a:solidFill>
+                  <a:schemeClr val="tx1"/>
+                </a:solidFill>
+                <a:latin typeface="Calibri" panose="020F0502020204030204" pitchFamily="34" charset="0"/>
+                <a:ea typeface="+mn-ea"/>
+                <a:cs typeface="+mn-cs"/>
+              </a:defRPr>
+            </a:lvl5pPr>
+            <a:lvl6pPr marL="2286000" algn="l" defTabSz="914400" rtl="0" eaLnBrk="1" latinLnBrk="0" hangingPunct="1">
+              <a:defRPr kern="1200">
+                <a:solidFill>
+                  <a:schemeClr val="tx1"/>
+                </a:solidFill>
+                <a:latin typeface="Calibri" panose="020F0502020204030204" pitchFamily="34" charset="0"/>
+                <a:ea typeface="+mn-ea"/>
+                <a:cs typeface="+mn-cs"/>
+              </a:defRPr>
+            </a:lvl6pPr>
+            <a:lvl7pPr marL="2743200" algn="l" defTabSz="914400" rtl="0" eaLnBrk="1" latinLnBrk="0" hangingPunct="1">
+              <a:defRPr kern="1200">
+                <a:solidFill>
+                  <a:schemeClr val="tx1"/>
+                </a:solidFill>
+                <a:latin typeface="Calibri" panose="020F0502020204030204" pitchFamily="34" charset="0"/>
+                <a:ea typeface="+mn-ea"/>
+                <a:cs typeface="+mn-cs"/>
+              </a:defRPr>
+            </a:lvl7pPr>
+            <a:lvl8pPr marL="3200400" algn="l" defTabSz="914400" rtl="0" eaLnBrk="1" latinLnBrk="0" hangingPunct="1">
+              <a:defRPr kern="1200">
+                <a:solidFill>
+                  <a:schemeClr val="tx1"/>
+                </a:solidFill>
+                <a:latin typeface="Calibri" panose="020F0502020204030204" pitchFamily="34" charset="0"/>
+                <a:ea typeface="+mn-ea"/>
+                <a:cs typeface="+mn-cs"/>
+              </a:defRPr>
+            </a:lvl8pPr>
+            <a:lvl9pPr marL="3657600" algn="l" defTabSz="914400" rtl="0" eaLnBrk="1" latinLnBrk="0" hangingPunct="1">
+              <a:defRPr kern="1200">
+                <a:solidFill>
+                  <a:schemeClr val="tx1"/>
+                </a:solidFill>
+                <a:latin typeface="Calibri" panose="020F0502020204030204" pitchFamily="34" charset="0"/>
+                <a:ea typeface="+mn-ea"/>
+                <a:cs typeface="+mn-cs"/>
+              </a:defRPr>
+            </a:lvl9pPr>
+          </a:lstStyle>
+          <a:p>
+            <a:pPr algn="ctr" eaLnBrk="1" hangingPunct="1"/>
+            <a:r>
+              <a:rPr lang="en-US" altLang="en-US" sz="1400" dirty="0">
+                <a:latin typeface="メイリオ" panose="020B0604030504040204" pitchFamily="50" charset="-128"/>
+                <a:ea typeface="メイリオ" panose="020B0604030504040204" pitchFamily="50" charset="-128"/>
+                <a:cs typeface="Arial" panose="020B0604020202020204" pitchFamily="34" charset="0"/>
+              </a:rPr>
+              <a:t>Bedrock</a:t>
+            </a:r>
+          </a:p>
+        </p:txBody>
+      </p:sp>
+      <p:pic>
+        <p:nvPicPr>
+          <p:cNvPr id="1038" name="Graphic 6" descr="Amazon Bedrock service icon.">
+            <a:extLst>
+              <a:ext uri="{FF2B5EF4-FFF2-40B4-BE49-F238E27FC236}">
+                <a16:creationId xmlns:a16="http://schemas.microsoft.com/office/drawing/2014/main" id="{001FACA5-392D-6D3C-8D2B-AB21324D4215}"/>
+              </a:ext>
+            </a:extLst>
+          </p:cNvPr>
+          <p:cNvPicPr>
+            <a:picLocks noChangeAspect="1"/>
+          </p:cNvPicPr>
+          <p:nvPr/>
+        </p:nvPicPr>
+        <p:blipFill>
+          <a:blip r:embed="rId8">
+            <a:extLst>
+              <a:ext uri="{96DAC541-7B7A-43D3-8B79-37D633B846F1}">
+                <asvg:svgBlip xmlns:asvg="http://schemas.microsoft.com/office/drawing/2016/SVG/main" r:embed="rId9"/>
+              </a:ext>
+            </a:extLst>
+          </a:blip>
+          <a:srcRect/>
+          <a:stretch/>
+        </p:blipFill>
+        <p:spPr>
+          <a:xfrm>
+            <a:off x="9685221" y="9560581"/>
+            <a:ext cx="768838" cy="768838"/>
+          </a:xfrm>
+          <a:prstGeom prst="rect">
+            <a:avLst/>
+          </a:prstGeom>
+        </p:spPr>
+      </p:pic>
+      <p:sp>
+        <p:nvSpPr>
+          <p:cNvPr id="1039" name="TextBox 12">
+            <a:extLst>
+              <a:ext uri="{FF2B5EF4-FFF2-40B4-BE49-F238E27FC236}">
+                <a16:creationId xmlns:a16="http://schemas.microsoft.com/office/drawing/2014/main" id="{C3903BE4-BA20-7C69-8E1A-7C90BCD9D5C0}"/>
+              </a:ext>
+            </a:extLst>
+          </p:cNvPr>
+          <p:cNvSpPr txBox="1">
+            <a:spLocks noChangeArrowheads="1"/>
+          </p:cNvSpPr>
+          <p:nvPr/>
+        </p:nvSpPr>
+        <p:spPr bwMode="auto">
+          <a:xfrm>
+            <a:off x="5292557" y="11600945"/>
+            <a:ext cx="2011640" cy="307777"/>
+          </a:xfrm>
+          <a:prstGeom prst="rect">
+            <a:avLst/>
+          </a:prstGeom>
+          <a:noFill/>
+          <a:ln>
+            <a:noFill/>
+          </a:ln>
+          <a:extLst>
+            <a:ext uri="{909E8E84-426E-40DD-AFC4-6F175D3DCCD1}">
+              <a14:hiddenFill xmlns:a14="http://schemas.microsoft.com/office/drawing/2010/main">
+                <a:solidFill>
+                  <a:srgbClr val="FFFFFF"/>
+                </a:solidFill>
+              </a14:hiddenFill>
+            </a:ext>
+            <a:ext uri="{91240B29-F687-4F45-9708-019B960494DF}">
+              <a14:hiddenLine xmlns:a14="http://schemas.microsoft.com/office/drawing/2010/main" w="9525">
+                <a:solidFill>
+                  <a:srgbClr val="000000"/>
+                </a:solidFill>
+                <a:miter lim="800000"/>
+                <a:headEnd/>
+                <a:tailEnd/>
+              </a14:hiddenLine>
+            </a:ext>
+          </a:extLst>
+        </p:spPr>
+        <p:txBody>
+          <a:bodyPr wrap="square">
+            <a:spAutoFit/>
+          </a:bodyPr>
+          <a:lstStyle>
+            <a:defPPr>
+              <a:defRPr lang="en-US"/>
+            </a:defPPr>
+            <a:lvl1pPr algn="l" rtl="0" eaLnBrk="0" fontAlgn="base" hangingPunct="0">
+              <a:spcBef>
+                <a:spcPct val="0"/>
+              </a:spcBef>
+              <a:spcAft>
+                <a:spcPct val="0"/>
+              </a:spcAft>
+              <a:defRPr kern="1200">
+                <a:solidFill>
+                  <a:schemeClr val="tx1"/>
+                </a:solidFill>
+                <a:latin typeface="Calibri" panose="020F0502020204030204" pitchFamily="34" charset="0"/>
+                <a:ea typeface="+mn-ea"/>
+                <a:cs typeface="+mn-cs"/>
+              </a:defRPr>
+            </a:lvl1pPr>
+            <a:lvl2pPr marL="457200" algn="l" rtl="0" eaLnBrk="0" fontAlgn="base" hangingPunct="0">
+              <a:spcBef>
+                <a:spcPct val="0"/>
+              </a:spcBef>
+              <a:spcAft>
+                <a:spcPct val="0"/>
+              </a:spcAft>
+              <a:defRPr kern="1200">
+                <a:solidFill>
+                  <a:schemeClr val="tx1"/>
+                </a:solidFill>
+                <a:latin typeface="Calibri" panose="020F0502020204030204" pitchFamily="34" charset="0"/>
+                <a:ea typeface="+mn-ea"/>
+                <a:cs typeface="+mn-cs"/>
+              </a:defRPr>
+            </a:lvl2pPr>
+            <a:lvl3pPr marL="914400" algn="l" rtl="0" eaLnBrk="0" fontAlgn="base" hangingPunct="0">
+              <a:spcBef>
+                <a:spcPct val="0"/>
+              </a:spcBef>
+              <a:spcAft>
+                <a:spcPct val="0"/>
+              </a:spcAft>
+              <a:defRPr kern="1200">
+                <a:solidFill>
+                  <a:schemeClr val="tx1"/>
+                </a:solidFill>
+                <a:latin typeface="Calibri" panose="020F0502020204030204" pitchFamily="34" charset="0"/>
+                <a:ea typeface="+mn-ea"/>
+                <a:cs typeface="+mn-cs"/>
+              </a:defRPr>
+            </a:lvl3pPr>
+            <a:lvl4pPr marL="1371600" algn="l" rtl="0" eaLnBrk="0" fontAlgn="base" hangingPunct="0">
+              <a:spcBef>
+                <a:spcPct val="0"/>
+              </a:spcBef>
+              <a:spcAft>
+                <a:spcPct val="0"/>
+              </a:spcAft>
+              <a:defRPr kern="1200">
+                <a:solidFill>
+                  <a:schemeClr val="tx1"/>
+                </a:solidFill>
+                <a:latin typeface="Calibri" panose="020F0502020204030204" pitchFamily="34" charset="0"/>
+                <a:ea typeface="+mn-ea"/>
+                <a:cs typeface="+mn-cs"/>
+              </a:defRPr>
+            </a:lvl4pPr>
+            <a:lvl5pPr marL="1828800" algn="l" rtl="0" eaLnBrk="0" fontAlgn="base" hangingPunct="0">
+              <a:spcBef>
+                <a:spcPct val="0"/>
+              </a:spcBef>
+              <a:spcAft>
+                <a:spcPct val="0"/>
+              </a:spcAft>
+              <a:defRPr kern="1200">
+                <a:solidFill>
+                  <a:schemeClr val="tx1"/>
+                </a:solidFill>
+                <a:latin typeface="Calibri" panose="020F0502020204030204" pitchFamily="34" charset="0"/>
+                <a:ea typeface="+mn-ea"/>
+                <a:cs typeface="+mn-cs"/>
+              </a:defRPr>
+            </a:lvl5pPr>
+            <a:lvl6pPr marL="2286000" algn="l" defTabSz="914400" rtl="0" eaLnBrk="1" latinLnBrk="0" hangingPunct="1">
+              <a:defRPr kern="1200">
+                <a:solidFill>
+                  <a:schemeClr val="tx1"/>
+                </a:solidFill>
+                <a:latin typeface="Calibri" panose="020F0502020204030204" pitchFamily="34" charset="0"/>
+                <a:ea typeface="+mn-ea"/>
+                <a:cs typeface="+mn-cs"/>
+              </a:defRPr>
+            </a:lvl6pPr>
+            <a:lvl7pPr marL="2743200" algn="l" defTabSz="914400" rtl="0" eaLnBrk="1" latinLnBrk="0" hangingPunct="1">
+              <a:defRPr kern="1200">
+                <a:solidFill>
+                  <a:schemeClr val="tx1"/>
+                </a:solidFill>
+                <a:latin typeface="Calibri" panose="020F0502020204030204" pitchFamily="34" charset="0"/>
+                <a:ea typeface="+mn-ea"/>
+                <a:cs typeface="+mn-cs"/>
+              </a:defRPr>
+            </a:lvl7pPr>
+            <a:lvl8pPr marL="3200400" algn="l" defTabSz="914400" rtl="0" eaLnBrk="1" latinLnBrk="0" hangingPunct="1">
+              <a:defRPr kern="1200">
+                <a:solidFill>
+                  <a:schemeClr val="tx1"/>
+                </a:solidFill>
+                <a:latin typeface="Calibri" panose="020F0502020204030204" pitchFamily="34" charset="0"/>
+                <a:ea typeface="+mn-ea"/>
+                <a:cs typeface="+mn-cs"/>
+              </a:defRPr>
+            </a:lvl8pPr>
+            <a:lvl9pPr marL="3657600" algn="l" defTabSz="914400" rtl="0" eaLnBrk="1" latinLnBrk="0" hangingPunct="1">
+              <a:defRPr kern="1200">
+                <a:solidFill>
+                  <a:schemeClr val="tx1"/>
+                </a:solidFill>
+                <a:latin typeface="Calibri" panose="020F0502020204030204" pitchFamily="34" charset="0"/>
+                <a:ea typeface="+mn-ea"/>
+                <a:cs typeface="+mn-cs"/>
+              </a:defRPr>
+            </a:lvl9pPr>
+          </a:lstStyle>
+          <a:p>
+            <a:pPr algn="ctr" eaLnBrk="1" hangingPunct="1"/>
+            <a:r>
+              <a:rPr lang="en-US" altLang="ja-JP" sz="1400" dirty="0">
+                <a:latin typeface="メイリオ" panose="020B0604030504040204" pitchFamily="50" charset="-128"/>
+                <a:ea typeface="メイリオ" panose="020B0604030504040204" pitchFamily="50" charset="-128"/>
+                <a:cs typeface="Arial" panose="020B0604020202020204" pitchFamily="34" charset="0"/>
+              </a:rPr>
+              <a:t>Evaled </a:t>
+            </a:r>
+            <a:r>
+              <a:rPr lang="en-US" altLang="en-US" sz="1400" dirty="0">
+                <a:latin typeface="メイリオ" panose="020B0604030504040204" pitchFamily="50" charset="-128"/>
+                <a:ea typeface="メイリオ" panose="020B0604030504040204" pitchFamily="50" charset="-128"/>
+                <a:cs typeface="Arial" panose="020B0604020202020204" pitchFamily="34" charset="0"/>
+              </a:rPr>
+              <a:t>Contexts</a:t>
+            </a:r>
+          </a:p>
+        </p:txBody>
+      </p:sp>
+      <p:pic>
+        <p:nvPicPr>
+          <p:cNvPr id="1040" name="グラフィックス 1039" descr="ドキュメント 枠線">
+            <a:extLst>
+              <a:ext uri="{FF2B5EF4-FFF2-40B4-BE49-F238E27FC236}">
+                <a16:creationId xmlns:a16="http://schemas.microsoft.com/office/drawing/2014/main" id="{A20A575E-0790-A083-3CA0-0F3304FCD1D0}"/>
+              </a:ext>
+            </a:extLst>
+          </p:cNvPr>
+          <p:cNvPicPr>
+            <a:picLocks noChangeAspect="1"/>
+          </p:cNvPicPr>
+          <p:nvPr/>
+        </p:nvPicPr>
+        <p:blipFill>
+          <a:blip r:embed="rId6">
+            <a:extLst>
+              <a:ext uri="{28A0092B-C50C-407E-A947-70E740481C1C}">
+                <a14:useLocalDpi xmlns:a14="http://schemas.microsoft.com/office/drawing/2010/main" val="0"/>
+              </a:ext>
+              <a:ext uri="{96DAC541-7B7A-43D3-8B79-37D633B846F1}">
+                <asvg:svgBlip xmlns:asvg="http://schemas.microsoft.com/office/drawing/2016/SVG/main" r:embed="rId7"/>
+              </a:ext>
+            </a:extLst>
+          </a:blip>
+          <a:stretch>
+            <a:fillRect/>
+          </a:stretch>
+        </p:blipFill>
+        <p:spPr>
+          <a:xfrm>
+            <a:off x="5605303" y="10681755"/>
+            <a:ext cx="713591" cy="713591"/>
+          </a:xfrm>
+          <a:prstGeom prst="rect">
+            <a:avLst/>
+          </a:prstGeom>
+        </p:spPr>
+      </p:pic>
+      <p:pic>
+        <p:nvPicPr>
+          <p:cNvPr id="1041" name="グラフィックス 1040" descr="ドキュメント 枠線">
+            <a:extLst>
+              <a:ext uri="{FF2B5EF4-FFF2-40B4-BE49-F238E27FC236}">
+                <a16:creationId xmlns:a16="http://schemas.microsoft.com/office/drawing/2014/main" id="{255F9432-3218-1C9F-6A3B-F357C688C669}"/>
+              </a:ext>
+            </a:extLst>
+          </p:cNvPr>
+          <p:cNvPicPr>
+            <a:picLocks noChangeAspect="1"/>
+          </p:cNvPicPr>
+          <p:nvPr/>
+        </p:nvPicPr>
+        <p:blipFill>
+          <a:blip r:embed="rId6">
+            <a:extLst>
+              <a:ext uri="{28A0092B-C50C-407E-A947-70E740481C1C}">
+                <a14:useLocalDpi xmlns:a14="http://schemas.microsoft.com/office/drawing/2010/main" val="0"/>
+              </a:ext>
+              <a:ext uri="{96DAC541-7B7A-43D3-8B79-37D633B846F1}">
+                <asvg:svgBlip xmlns:asvg="http://schemas.microsoft.com/office/drawing/2016/SVG/main" r:embed="rId7"/>
+              </a:ext>
+            </a:extLst>
+          </a:blip>
+          <a:stretch>
+            <a:fillRect/>
+          </a:stretch>
+        </p:blipFill>
+        <p:spPr>
+          <a:xfrm>
+            <a:off x="6096000" y="10861146"/>
+            <a:ext cx="713591" cy="713591"/>
+          </a:xfrm>
+          <a:prstGeom prst="rect">
+            <a:avLst/>
+          </a:prstGeom>
+        </p:spPr>
+      </p:pic>
+      <p:cxnSp>
+        <p:nvCxnSpPr>
+          <p:cNvPr id="1042" name="コネクタ: カギ線 1041">
+            <a:extLst>
+              <a:ext uri="{FF2B5EF4-FFF2-40B4-BE49-F238E27FC236}">
+                <a16:creationId xmlns:a16="http://schemas.microsoft.com/office/drawing/2014/main" id="{549C89BD-A427-63A1-9FEB-F21062B0A98C}"/>
+              </a:ext>
+            </a:extLst>
+          </p:cNvPr>
+          <p:cNvCxnSpPr>
+            <a:cxnSpLocks/>
+            <a:stCxn id="1037" idx="2"/>
+            <a:endCxn id="1041" idx="3"/>
+          </p:cNvCxnSpPr>
+          <p:nvPr/>
+        </p:nvCxnSpPr>
+        <p:spPr>
+          <a:xfrm rot="5400000">
+            <a:off x="8154091" y="9302393"/>
+            <a:ext cx="571050" cy="3260049"/>
+          </a:xfrm>
+          <a:prstGeom prst="bentConnector2">
+            <a:avLst/>
+          </a:prstGeom>
+          <a:ln>
+            <a:solidFill>
+              <a:schemeClr val="tx1"/>
+            </a:solidFill>
+            <a:tailEnd type="triangle"/>
+          </a:ln>
+        </p:spPr>
+        <p:style>
+          <a:lnRef idx="2">
+            <a:schemeClr val="accent1"/>
+          </a:lnRef>
+          <a:fillRef idx="0">
+            <a:schemeClr val="accent1"/>
+          </a:fillRef>
+          <a:effectRef idx="1">
+            <a:schemeClr val="accent1"/>
+          </a:effectRef>
+          <a:fontRef idx="minor">
+            <a:schemeClr val="tx1"/>
+          </a:fontRef>
+        </p:style>
+      </p:cxnSp>
+      <p:sp>
+        <p:nvSpPr>
+          <p:cNvPr id="1045" name="正方形/長方形 1044">
+            <a:extLst>
+              <a:ext uri="{FF2B5EF4-FFF2-40B4-BE49-F238E27FC236}">
+                <a16:creationId xmlns:a16="http://schemas.microsoft.com/office/drawing/2014/main" id="{0EBA6705-BCD6-D779-A0C9-BE841A8544B8}"/>
+              </a:ext>
+            </a:extLst>
+          </p:cNvPr>
+          <p:cNvSpPr/>
+          <p:nvPr/>
+        </p:nvSpPr>
+        <p:spPr>
+          <a:xfrm>
+            <a:off x="5160442" y="12173409"/>
+            <a:ext cx="1885309" cy="619663"/>
+          </a:xfrm>
+          <a:prstGeom prst="rect">
+            <a:avLst/>
+          </a:prstGeom>
+        </p:spPr>
+        <p:style>
+          <a:lnRef idx="2">
+            <a:schemeClr val="accent1">
+              <a:shade val="15000"/>
+            </a:schemeClr>
+          </a:lnRef>
+          <a:fillRef idx="1">
+            <a:schemeClr val="accent1"/>
+          </a:fillRef>
+          <a:effectRef idx="0">
+            <a:schemeClr val="accent1"/>
+          </a:effectRef>
+          <a:fontRef idx="minor">
+            <a:schemeClr val="lt1"/>
+          </a:fontRef>
+        </p:style>
+        <p:txBody>
+          <a:bodyPr rtlCol="0" anchor="ctr"/>
+          <a:lstStyle/>
+          <a:p>
+            <a:pPr algn="ctr"/>
+            <a:r>
+              <a:rPr lang="en-US" altLang="ja-JP" sz="1400" dirty="0">
+                <a:latin typeface="メイリオ" panose="020B0604030504040204" pitchFamily="50" charset="-128"/>
+                <a:ea typeface="メイリオ" panose="020B0604030504040204" pitchFamily="50" charset="-128"/>
+                <a:cs typeface="Arial" panose="020B0604020202020204" pitchFamily="34" charset="0"/>
+              </a:rPr>
+              <a:t>Invoke_model API</a:t>
+            </a:r>
+            <a:endParaRPr lang="ja-JP" altLang="en-US" sz="1400" dirty="0">
+              <a:latin typeface="メイリオ" panose="020B0604030504040204" pitchFamily="50" charset="-128"/>
+              <a:ea typeface="メイリオ" panose="020B0604030504040204" pitchFamily="50" charset="-128"/>
+              <a:cs typeface="Arial" panose="020B0604020202020204" pitchFamily="34" charset="0"/>
+            </a:endParaRPr>
+          </a:p>
+        </p:txBody>
+      </p:sp>
+      <p:cxnSp>
+        <p:nvCxnSpPr>
+          <p:cNvPr id="1046" name="コネクタ: カギ線 1045">
+            <a:extLst>
+              <a:ext uri="{FF2B5EF4-FFF2-40B4-BE49-F238E27FC236}">
+                <a16:creationId xmlns:a16="http://schemas.microsoft.com/office/drawing/2014/main" id="{D554169A-21A1-57D7-487D-3C41845673B8}"/>
+              </a:ext>
+            </a:extLst>
+          </p:cNvPr>
+          <p:cNvCxnSpPr>
+            <a:cxnSpLocks/>
+            <a:endCxn id="1045" idx="1"/>
+          </p:cNvCxnSpPr>
+          <p:nvPr/>
+        </p:nvCxnSpPr>
+        <p:spPr>
+          <a:xfrm rot="10800000" flipV="1">
+            <a:off x="5160441" y="11259830"/>
+            <a:ext cx="484980" cy="1223410"/>
+          </a:xfrm>
+          <a:prstGeom prst="bentConnector3">
+            <a:avLst>
+              <a:gd name="adj1" fmla="val 321932"/>
+            </a:avLst>
+          </a:prstGeom>
+          <a:ln>
+            <a:solidFill>
+              <a:schemeClr val="tx1"/>
+            </a:solidFill>
+            <a:tailEnd type="triangle"/>
+          </a:ln>
+        </p:spPr>
+        <p:style>
+          <a:lnRef idx="2">
+            <a:schemeClr val="accent1"/>
+          </a:lnRef>
+          <a:fillRef idx="0">
+            <a:schemeClr val="accent1"/>
+          </a:fillRef>
+          <a:effectRef idx="1">
+            <a:schemeClr val="accent1"/>
+          </a:effectRef>
+          <a:fontRef idx="minor">
+            <a:schemeClr val="tx1"/>
+          </a:fontRef>
+        </p:style>
+      </p:cxnSp>
+      <p:cxnSp>
+        <p:nvCxnSpPr>
+          <p:cNvPr id="1047" name="直線矢印コネクタ 1046">
+            <a:extLst>
+              <a:ext uri="{FF2B5EF4-FFF2-40B4-BE49-F238E27FC236}">
+                <a16:creationId xmlns:a16="http://schemas.microsoft.com/office/drawing/2014/main" id="{4053D762-519F-B7F9-F954-85DA49748B1C}"/>
+              </a:ext>
+            </a:extLst>
+          </p:cNvPr>
+          <p:cNvCxnSpPr>
+            <a:cxnSpLocks/>
+            <a:stCxn id="1045" idx="3"/>
+          </p:cNvCxnSpPr>
+          <p:nvPr/>
+        </p:nvCxnSpPr>
+        <p:spPr>
+          <a:xfrm flipV="1">
+            <a:off x="7045751" y="12483240"/>
+            <a:ext cx="2639471" cy="1"/>
+          </a:xfrm>
+          <a:prstGeom prst="straightConnector1">
+            <a:avLst/>
+          </a:prstGeom>
+          <a:ln>
+            <a:tailEnd type="triangle"/>
+          </a:ln>
+        </p:spPr>
+        <p:style>
+          <a:lnRef idx="2">
+            <a:schemeClr val="dk1"/>
+          </a:lnRef>
+          <a:fillRef idx="0">
+            <a:schemeClr val="dk1"/>
+          </a:fillRef>
+          <a:effectRef idx="1">
+            <a:schemeClr val="dk1"/>
+          </a:effectRef>
+          <a:fontRef idx="minor">
+            <a:schemeClr val="tx1"/>
+          </a:fontRef>
+        </p:style>
+      </p:cxnSp>
+      <p:sp>
+        <p:nvSpPr>
+          <p:cNvPr id="1048" name="テキスト ボックス 1047">
+            <a:extLst>
+              <a:ext uri="{FF2B5EF4-FFF2-40B4-BE49-F238E27FC236}">
+                <a16:creationId xmlns:a16="http://schemas.microsoft.com/office/drawing/2014/main" id="{12D4DC80-6CEA-D5E8-E982-CCFE1E33B69C}"/>
+              </a:ext>
+            </a:extLst>
+          </p:cNvPr>
+          <p:cNvSpPr txBox="1"/>
+          <p:nvPr/>
+        </p:nvSpPr>
+        <p:spPr>
+          <a:xfrm>
+            <a:off x="7426447" y="12170534"/>
+            <a:ext cx="2117019" cy="307777"/>
+          </a:xfrm>
+          <a:prstGeom prst="rect">
+            <a:avLst/>
+          </a:prstGeom>
+          <a:noFill/>
+        </p:spPr>
+        <p:txBody>
+          <a:bodyPr wrap="square" rtlCol="0">
+            <a:spAutoFit/>
+          </a:bodyPr>
+          <a:lstStyle/>
+          <a:p>
+            <a:r>
+              <a:rPr lang="en-US" altLang="ja-JP" sz="1400" dirty="0">
+                <a:latin typeface="メイリオ" panose="020B0604030504040204" pitchFamily="50" charset="-128"/>
+                <a:ea typeface="メイリオ" panose="020B0604030504040204" pitchFamily="50" charset="-128"/>
+                <a:cs typeface="Arial" panose="020B0604020202020204" pitchFamily="34" charset="0"/>
+              </a:rPr>
+              <a:t>Step5. </a:t>
+            </a:r>
+            <a:r>
+              <a:rPr lang="ja-JP" altLang="en-US" sz="1400" dirty="0">
+                <a:latin typeface="メイリオ" panose="020B0604030504040204" pitchFamily="50" charset="-128"/>
+                <a:ea typeface="メイリオ" panose="020B0604030504040204" pitchFamily="50" charset="-128"/>
+                <a:cs typeface="Arial" panose="020B0604020202020204" pitchFamily="34" charset="0"/>
+              </a:rPr>
+              <a:t>テキスト生成</a:t>
+            </a:r>
+          </a:p>
+        </p:txBody>
+      </p:sp>
+      <p:sp>
+        <p:nvSpPr>
+          <p:cNvPr id="1049" name="TextBox 12">
+            <a:extLst>
+              <a:ext uri="{FF2B5EF4-FFF2-40B4-BE49-F238E27FC236}">
+                <a16:creationId xmlns:a16="http://schemas.microsoft.com/office/drawing/2014/main" id="{7F40D47D-F3AF-9C5B-28BE-92356B1AFF44}"/>
+              </a:ext>
+            </a:extLst>
+          </p:cNvPr>
+          <p:cNvSpPr txBox="1">
+            <a:spLocks noChangeArrowheads="1"/>
+          </p:cNvSpPr>
+          <p:nvPr/>
+        </p:nvSpPr>
+        <p:spPr bwMode="auto">
+          <a:xfrm>
+            <a:off x="9369588" y="12869713"/>
+            <a:ext cx="1400104" cy="307777"/>
+          </a:xfrm>
+          <a:prstGeom prst="rect">
+            <a:avLst/>
+          </a:prstGeom>
+          <a:noFill/>
+          <a:ln>
+            <a:noFill/>
+          </a:ln>
+          <a:extLst>
+            <a:ext uri="{909E8E84-426E-40DD-AFC4-6F175D3DCCD1}">
+              <a14:hiddenFill xmlns:a14="http://schemas.microsoft.com/office/drawing/2010/main">
+                <a:solidFill>
+                  <a:srgbClr val="FFFFFF"/>
+                </a:solidFill>
+              </a14:hiddenFill>
+            </a:ext>
+            <a:ext uri="{91240B29-F687-4F45-9708-019B960494DF}">
+              <a14:hiddenLine xmlns:a14="http://schemas.microsoft.com/office/drawing/2010/main" w="9525">
+                <a:solidFill>
+                  <a:srgbClr val="000000"/>
+                </a:solidFill>
+                <a:miter lim="800000"/>
+                <a:headEnd/>
+                <a:tailEnd/>
+              </a14:hiddenLine>
+            </a:ext>
+          </a:extLst>
+        </p:spPr>
+        <p:txBody>
+          <a:bodyPr wrap="square">
+            <a:spAutoFit/>
+          </a:bodyPr>
+          <a:lstStyle>
+            <a:defPPr>
+              <a:defRPr lang="en-US"/>
+            </a:defPPr>
+            <a:lvl1pPr algn="l" rtl="0" eaLnBrk="0" fontAlgn="base" hangingPunct="0">
+              <a:spcBef>
+                <a:spcPct val="0"/>
+              </a:spcBef>
+              <a:spcAft>
+                <a:spcPct val="0"/>
+              </a:spcAft>
+              <a:defRPr kern="1200">
+                <a:solidFill>
+                  <a:schemeClr val="tx1"/>
+                </a:solidFill>
+                <a:latin typeface="Calibri" panose="020F0502020204030204" pitchFamily="34" charset="0"/>
+                <a:ea typeface="+mn-ea"/>
+                <a:cs typeface="+mn-cs"/>
+              </a:defRPr>
+            </a:lvl1pPr>
+            <a:lvl2pPr marL="457200" algn="l" rtl="0" eaLnBrk="0" fontAlgn="base" hangingPunct="0">
+              <a:spcBef>
+                <a:spcPct val="0"/>
+              </a:spcBef>
+              <a:spcAft>
+                <a:spcPct val="0"/>
+              </a:spcAft>
+              <a:defRPr kern="1200">
+                <a:solidFill>
+                  <a:schemeClr val="tx1"/>
+                </a:solidFill>
+                <a:latin typeface="Calibri" panose="020F0502020204030204" pitchFamily="34" charset="0"/>
+                <a:ea typeface="+mn-ea"/>
+                <a:cs typeface="+mn-cs"/>
+              </a:defRPr>
+            </a:lvl2pPr>
+            <a:lvl3pPr marL="914400" algn="l" rtl="0" eaLnBrk="0" fontAlgn="base" hangingPunct="0">
+              <a:spcBef>
+                <a:spcPct val="0"/>
+              </a:spcBef>
+              <a:spcAft>
+                <a:spcPct val="0"/>
+              </a:spcAft>
+              <a:defRPr kern="1200">
+                <a:solidFill>
+                  <a:schemeClr val="tx1"/>
+                </a:solidFill>
+                <a:latin typeface="Calibri" panose="020F0502020204030204" pitchFamily="34" charset="0"/>
+                <a:ea typeface="+mn-ea"/>
+                <a:cs typeface="+mn-cs"/>
+              </a:defRPr>
+            </a:lvl3pPr>
+            <a:lvl4pPr marL="1371600" algn="l" rtl="0" eaLnBrk="0" fontAlgn="base" hangingPunct="0">
+              <a:spcBef>
+                <a:spcPct val="0"/>
+              </a:spcBef>
+              <a:spcAft>
+                <a:spcPct val="0"/>
+              </a:spcAft>
+              <a:defRPr kern="1200">
+                <a:solidFill>
+                  <a:schemeClr val="tx1"/>
+                </a:solidFill>
+                <a:latin typeface="Calibri" panose="020F0502020204030204" pitchFamily="34" charset="0"/>
+                <a:ea typeface="+mn-ea"/>
+                <a:cs typeface="+mn-cs"/>
+              </a:defRPr>
+            </a:lvl4pPr>
+            <a:lvl5pPr marL="1828800" algn="l" rtl="0" eaLnBrk="0" fontAlgn="base" hangingPunct="0">
+              <a:spcBef>
+                <a:spcPct val="0"/>
+              </a:spcBef>
+              <a:spcAft>
+                <a:spcPct val="0"/>
+              </a:spcAft>
+              <a:defRPr kern="1200">
+                <a:solidFill>
+                  <a:schemeClr val="tx1"/>
+                </a:solidFill>
+                <a:latin typeface="Calibri" panose="020F0502020204030204" pitchFamily="34" charset="0"/>
+                <a:ea typeface="+mn-ea"/>
+                <a:cs typeface="+mn-cs"/>
+              </a:defRPr>
+            </a:lvl5pPr>
+            <a:lvl6pPr marL="2286000" algn="l" defTabSz="914400" rtl="0" eaLnBrk="1" latinLnBrk="0" hangingPunct="1">
+              <a:defRPr kern="1200">
+                <a:solidFill>
+                  <a:schemeClr val="tx1"/>
+                </a:solidFill>
+                <a:latin typeface="Calibri" panose="020F0502020204030204" pitchFamily="34" charset="0"/>
+                <a:ea typeface="+mn-ea"/>
+                <a:cs typeface="+mn-cs"/>
+              </a:defRPr>
+            </a:lvl6pPr>
+            <a:lvl7pPr marL="2743200" algn="l" defTabSz="914400" rtl="0" eaLnBrk="1" latinLnBrk="0" hangingPunct="1">
+              <a:defRPr kern="1200">
+                <a:solidFill>
+                  <a:schemeClr val="tx1"/>
+                </a:solidFill>
+                <a:latin typeface="Calibri" panose="020F0502020204030204" pitchFamily="34" charset="0"/>
+                <a:ea typeface="+mn-ea"/>
+                <a:cs typeface="+mn-cs"/>
+              </a:defRPr>
+            </a:lvl7pPr>
+            <a:lvl8pPr marL="3200400" algn="l" defTabSz="914400" rtl="0" eaLnBrk="1" latinLnBrk="0" hangingPunct="1">
+              <a:defRPr kern="1200">
+                <a:solidFill>
+                  <a:schemeClr val="tx1"/>
+                </a:solidFill>
+                <a:latin typeface="Calibri" panose="020F0502020204030204" pitchFamily="34" charset="0"/>
+                <a:ea typeface="+mn-ea"/>
+                <a:cs typeface="+mn-cs"/>
+              </a:defRPr>
+            </a:lvl8pPr>
+            <a:lvl9pPr marL="3657600" algn="l" defTabSz="914400" rtl="0" eaLnBrk="1" latinLnBrk="0" hangingPunct="1">
+              <a:defRPr kern="1200">
+                <a:solidFill>
+                  <a:schemeClr val="tx1"/>
+                </a:solidFill>
+                <a:latin typeface="Calibri" panose="020F0502020204030204" pitchFamily="34" charset="0"/>
+                <a:ea typeface="+mn-ea"/>
+                <a:cs typeface="+mn-cs"/>
+              </a:defRPr>
+            </a:lvl9pPr>
+          </a:lstStyle>
+          <a:p>
+            <a:pPr algn="ctr" eaLnBrk="1" hangingPunct="1"/>
+            <a:r>
+              <a:rPr lang="en-US" altLang="en-US" sz="1400" dirty="0">
+                <a:latin typeface="メイリオ" panose="020B0604030504040204" pitchFamily="50" charset="-128"/>
+                <a:ea typeface="メイリオ" panose="020B0604030504040204" pitchFamily="50" charset="-128"/>
+                <a:cs typeface="Arial" panose="020B0604020202020204" pitchFamily="34" charset="0"/>
+              </a:rPr>
+              <a:t>Bedrock</a:t>
+            </a:r>
+          </a:p>
+        </p:txBody>
+      </p:sp>
+      <p:pic>
+        <p:nvPicPr>
+          <p:cNvPr id="1050" name="Graphic 6" descr="Amazon Bedrock service icon.">
+            <a:extLst>
+              <a:ext uri="{FF2B5EF4-FFF2-40B4-BE49-F238E27FC236}">
+                <a16:creationId xmlns:a16="http://schemas.microsoft.com/office/drawing/2014/main" id="{3DD19409-801A-ED97-0203-6C3A540E552B}"/>
+              </a:ext>
+            </a:extLst>
+          </p:cNvPr>
+          <p:cNvPicPr>
+            <a:picLocks noChangeAspect="1"/>
+          </p:cNvPicPr>
+          <p:nvPr/>
+        </p:nvPicPr>
+        <p:blipFill>
+          <a:blip r:embed="rId8">
+            <a:extLst>
+              <a:ext uri="{96DAC541-7B7A-43D3-8B79-37D633B846F1}">
+                <asvg:svgBlip xmlns:asvg="http://schemas.microsoft.com/office/drawing/2016/SVG/main" r:embed="rId9"/>
+              </a:ext>
+            </a:extLst>
+          </a:blip>
+          <a:srcRect/>
+          <a:stretch/>
+        </p:blipFill>
+        <p:spPr>
+          <a:xfrm>
+            <a:off x="9685221" y="12091179"/>
+            <a:ext cx="768838" cy="768838"/>
+          </a:xfrm>
+          <a:prstGeom prst="rect">
+            <a:avLst/>
+          </a:prstGeom>
+        </p:spPr>
+      </p:pic>
+      <p:cxnSp>
+        <p:nvCxnSpPr>
+          <p:cNvPr id="1064" name="コネクタ: カギ線 1063">
+            <a:extLst>
+              <a:ext uri="{FF2B5EF4-FFF2-40B4-BE49-F238E27FC236}">
+                <a16:creationId xmlns:a16="http://schemas.microsoft.com/office/drawing/2014/main" id="{57D623A7-1B54-214C-8179-AA0D5D5580D9}"/>
+              </a:ext>
+            </a:extLst>
+          </p:cNvPr>
+          <p:cNvCxnSpPr>
+            <a:cxnSpLocks/>
+            <a:stCxn id="17" idx="2"/>
+            <a:endCxn id="1065" idx="3"/>
+          </p:cNvCxnSpPr>
+          <p:nvPr/>
+        </p:nvCxnSpPr>
+        <p:spPr>
+          <a:xfrm rot="5400000">
+            <a:off x="8295337" y="4384075"/>
+            <a:ext cx="526796" cy="3021810"/>
+          </a:xfrm>
+          <a:prstGeom prst="bentConnector2">
+            <a:avLst/>
+          </a:prstGeom>
+          <a:ln>
+            <a:solidFill>
+              <a:schemeClr val="tx1"/>
+            </a:solidFill>
+            <a:tailEnd type="triangle"/>
+          </a:ln>
+        </p:spPr>
+        <p:style>
+          <a:lnRef idx="2">
+            <a:schemeClr val="accent1"/>
+          </a:lnRef>
+          <a:fillRef idx="0">
+            <a:schemeClr val="accent1"/>
+          </a:fillRef>
+          <a:effectRef idx="1">
+            <a:schemeClr val="accent1"/>
+          </a:effectRef>
+          <a:fontRef idx="minor">
+            <a:schemeClr val="tx1"/>
+          </a:fontRef>
+        </p:style>
+      </p:cxnSp>
+      <p:sp>
+        <p:nvSpPr>
+          <p:cNvPr id="1065" name="テキスト ボックス 1064">
+            <a:extLst>
+              <a:ext uri="{FF2B5EF4-FFF2-40B4-BE49-F238E27FC236}">
+                <a16:creationId xmlns:a16="http://schemas.microsoft.com/office/drawing/2014/main" id="{73ECED0B-30BD-27CC-BCBC-67C28562696C}"/>
+              </a:ext>
+            </a:extLst>
+          </p:cNvPr>
+          <p:cNvSpPr txBox="1"/>
+          <p:nvPr/>
+        </p:nvSpPr>
+        <p:spPr>
+          <a:xfrm>
+            <a:off x="5391228" y="5789046"/>
+            <a:ext cx="1656602" cy="738664"/>
+          </a:xfrm>
+          <a:prstGeom prst="rect">
+            <a:avLst/>
+          </a:prstGeom>
+          <a:noFill/>
+        </p:spPr>
+        <p:txBody>
+          <a:bodyPr wrap="square" rtlCol="0">
+            <a:spAutoFit/>
+          </a:bodyPr>
+          <a:lstStyle/>
+          <a:p>
+            <a:pPr algn="ctr"/>
+            <a:r>
+              <a:rPr lang="en-US" altLang="ja-JP" sz="1400" dirty="0">
+                <a:latin typeface="メイリオ" panose="020B0604030504040204" pitchFamily="50" charset="-128"/>
+                <a:ea typeface="メイリオ" panose="020B0604030504040204" pitchFamily="50" charset="-128"/>
+                <a:cs typeface="Arial" panose="020B0604020202020204" pitchFamily="34" charset="0"/>
+              </a:rPr>
+              <a:t>User query</a:t>
+            </a:r>
+          </a:p>
+          <a:p>
+            <a:pPr algn="ctr"/>
+            <a:r>
+              <a:rPr lang="en-US" altLang="ja-JP" sz="1400" dirty="0">
+                <a:latin typeface="メイリオ" panose="020B0604030504040204" pitchFamily="50" charset="-128"/>
+                <a:ea typeface="メイリオ" panose="020B0604030504040204" pitchFamily="50" charset="-128"/>
+                <a:cs typeface="Arial" panose="020B0604020202020204" pitchFamily="34" charset="0"/>
+              </a:rPr>
+              <a:t>+</a:t>
+            </a:r>
+          </a:p>
+          <a:p>
+            <a:pPr algn="ctr"/>
+            <a:r>
+              <a:rPr lang="en-US" altLang="ja-JP" sz="1400" dirty="0">
+                <a:latin typeface="メイリオ" panose="020B0604030504040204" pitchFamily="50" charset="-128"/>
+                <a:ea typeface="メイリオ" panose="020B0604030504040204" pitchFamily="50" charset="-128"/>
+                <a:cs typeface="Arial" panose="020B0604020202020204" pitchFamily="34" charset="0"/>
+              </a:rPr>
+              <a:t>Expanded query</a:t>
+            </a:r>
+          </a:p>
+        </p:txBody>
+      </p:sp>
     </p:spTree>
     <p:extLst>
       <p:ext uri="{BB962C8B-B14F-4D97-AF65-F5344CB8AC3E}">
-        <p14:creationId xmlns:p14="http://schemas.microsoft.com/office/powerpoint/2010/main" val="3041682073"/>
+        <p14:creationId xmlns:p14="http://schemas.microsoft.com/office/powerpoint/2010/main" val="2762003500"/>
       </p:ext>
     </p:extLst>
   </p:cSld>
@@ -3742,12 +6676,62 @@
           <a:chExt cx="0" cy="0"/>
         </a:xfrm>
       </p:grpSpPr>
+      <p:sp>
+        <p:nvSpPr>
+          <p:cNvPr id="2" name="タイトル 1">
+            <a:extLst>
+              <a:ext uri="{FF2B5EF4-FFF2-40B4-BE49-F238E27FC236}">
+                <a16:creationId xmlns:a16="http://schemas.microsoft.com/office/drawing/2014/main" id="{0731FFBA-C0E1-119B-C426-A7D6DC9D2F61}"/>
+              </a:ext>
+            </a:extLst>
+          </p:cNvPr>
+          <p:cNvSpPr>
+            <a:spLocks noGrp="1"/>
+          </p:cNvSpPr>
+          <p:nvPr>
+            <p:ph type="ctrTitle"/>
+          </p:nvPr>
+        </p:nvSpPr>
+        <p:spPr/>
+        <p:txBody>
+          <a:bodyPr/>
+          <a:lstStyle/>
+          <a:p>
+            <a:endParaRPr kumimoji="1" lang="ja-JP" altLang="en-US"/>
+          </a:p>
+        </p:txBody>
+      </p:sp>
+      <p:sp>
+        <p:nvSpPr>
+          <p:cNvPr id="3" name="字幕 2">
+            <a:extLst>
+              <a:ext uri="{FF2B5EF4-FFF2-40B4-BE49-F238E27FC236}">
+                <a16:creationId xmlns:a16="http://schemas.microsoft.com/office/drawing/2014/main" id="{49EA05AA-253B-F19B-8F7F-840B7300CE7F}"/>
+              </a:ext>
+            </a:extLst>
+          </p:cNvPr>
+          <p:cNvSpPr>
+            <a:spLocks noGrp="1"/>
+          </p:cNvSpPr>
+          <p:nvPr>
+            <p:ph type="subTitle" idx="1"/>
+          </p:nvPr>
+        </p:nvSpPr>
+        <p:spPr/>
+        <p:txBody>
+          <a:bodyPr/>
+          <a:lstStyle/>
+          <a:p>
+            <a:endParaRPr kumimoji="1" lang="ja-JP" altLang="en-US"/>
+          </a:p>
+        </p:txBody>
+      </p:sp>
       <p:pic>
         <p:nvPicPr>
-          <p:cNvPr id="3" name="グラフィックス 2" descr="ユーザー 枠線">
+          <p:cNvPr id="4" name="図 3" descr="ダイアグラム&#10;&#10;自動的に生成された説明">
             <a:extLst>
               <a:ext uri="{FF2B5EF4-FFF2-40B4-BE49-F238E27FC236}">
-                <a16:creationId xmlns:a16="http://schemas.microsoft.com/office/drawing/2014/main" id="{42BC77E2-5B37-B1E0-E201-09CAA1558575}"/>
+                <a16:creationId xmlns:a16="http://schemas.microsoft.com/office/drawing/2014/main" id="{308679F0-D7CC-D17D-376E-9D885E821072}"/>
               </a:ext>
             </a:extLst>
           </p:cNvPr>
@@ -3762,9 +6746,6 @@
               <a:ext uri="{28A0092B-C50C-407E-A947-70E740481C1C}">
                 <a14:useLocalDpi xmlns:a14="http://schemas.microsoft.com/office/drawing/2010/main" val="0"/>
               </a:ext>
-              <a:ext uri="{96DAC541-7B7A-43D3-8B79-37D633B846F1}">
-                <asvg:svgBlip xmlns:asvg="http://schemas.microsoft.com/office/drawing/2016/SVG/main" r:embed="rId3"/>
-              </a:ext>
             </a:extLst>
           </a:blip>
           <a:stretch>
@@ -3773,7 +6754,76 @@
         </p:blipFill>
         <p:spPr>
           <a:xfrm>
-            <a:off x="888101" y="829959"/>
+            <a:off x="113993" y="6288751"/>
+            <a:ext cx="11964015" cy="5080261"/>
+          </a:xfrm>
+          <a:prstGeom prst="rect">
+            <a:avLst/>
+          </a:prstGeom>
+        </p:spPr>
+      </p:pic>
+    </p:spTree>
+    <p:extLst>
+      <p:ext uri="{BB962C8B-B14F-4D97-AF65-F5344CB8AC3E}">
+        <p14:creationId xmlns:p14="http://schemas.microsoft.com/office/powerpoint/2010/main" val="3041682073"/>
+      </p:ext>
+    </p:extLst>
+  </p:cSld>
+  <p:clrMapOvr>
+    <a:masterClrMapping/>
+  </p:clrMapOvr>
+</p:sld>
+</file>
+
+<file path=ppt/slides/slide3.xml><?xml version="1.0" encoding="utf-8"?>
+<p:sld xmlns:a="http://schemas.openxmlformats.org/drawingml/2006/main" xmlns:r="http://schemas.openxmlformats.org/officeDocument/2006/relationships" xmlns:p="http://schemas.openxmlformats.org/presentationml/2006/main">
+  <p:cSld>
+    <p:spTree>
+      <p:nvGrpSpPr>
+        <p:cNvPr id="1" name=""/>
+        <p:cNvGrpSpPr/>
+        <p:nvPr/>
+      </p:nvGrpSpPr>
+      <p:grpSpPr>
+        <a:xfrm>
+          <a:off x="0" y="0"/>
+          <a:ext cx="0" cy="0"/>
+          <a:chOff x="0" y="0"/>
+          <a:chExt cx="0" cy="0"/>
+        </a:xfrm>
+      </p:grpSpPr>
+      <p:pic>
+        <p:nvPicPr>
+          <p:cNvPr id="3" name="グラフィックス 2" descr="ユーザー 枠線">
+            <a:extLst>
+              <a:ext uri="{FF2B5EF4-FFF2-40B4-BE49-F238E27FC236}">
+                <a16:creationId xmlns:a16="http://schemas.microsoft.com/office/drawing/2014/main" id="{42BC77E2-5B37-B1E0-E201-09CAA1558575}"/>
+              </a:ext>
+            </a:extLst>
+          </p:cNvPr>
+          <p:cNvPicPr>
+            <a:picLocks noChangeAspect="1"/>
+          </p:cNvPicPr>
+          <p:nvPr/>
+        </p:nvPicPr>
+        <p:blipFill>
+          <a:blip r:embed="rId2">
+            <a:extLst>
+              <a:ext uri="{28A0092B-C50C-407E-A947-70E740481C1C}">
+                <a14:useLocalDpi xmlns:a14="http://schemas.microsoft.com/office/drawing/2010/main" val="0"/>
+              </a:ext>
+              <a:ext uri="{96DAC541-7B7A-43D3-8B79-37D633B846F1}">
+                <asvg:svgBlip xmlns:asvg="http://schemas.microsoft.com/office/drawing/2016/SVG/main" r:embed="rId3"/>
+              </a:ext>
+            </a:extLst>
+          </a:blip>
+          <a:stretch>
+            <a:fillRect/>
+          </a:stretch>
+        </p:blipFill>
+        <p:spPr>
+          <a:xfrm>
+            <a:off x="888101" y="6229840"/>
             <a:ext cx="914400" cy="914400"/>
           </a:xfrm>
           <a:prstGeom prst="rect">
@@ -3812,7 +6862,7 @@
         </p:blipFill>
         <p:spPr>
           <a:xfrm>
-            <a:off x="1561058" y="1131442"/>
+            <a:off x="1561058" y="6531323"/>
             <a:ext cx="914400" cy="914400"/>
           </a:xfrm>
           <a:prstGeom prst="rect">
@@ -3834,7 +6884,7 @@
         </p:nvSpPr>
         <p:spPr>
           <a:xfrm>
-            <a:off x="1617566" y="1920520"/>
+            <a:off x="1617566" y="7320401"/>
             <a:ext cx="801384" cy="369332"/>
           </a:xfrm>
           <a:prstGeom prst="rect">
@@ -3849,13 +6899,13 @@
           <a:lstStyle/>
           <a:p>
             <a:r>
-              <a:rPr kumimoji="1" lang="en-US" altLang="ja-JP" dirty="0">
+              <a:rPr lang="en-US" altLang="ja-JP" dirty="0">
                 <a:latin typeface="Arial" panose="020B0604020202020204" pitchFamily="34" charset="0"/>
                 <a:cs typeface="Arial" panose="020B0604020202020204" pitchFamily="34" charset="0"/>
               </a:rPr>
               <a:t>User</a:t>
             </a:r>
-            <a:endParaRPr kumimoji="1" lang="ja-JP" altLang="en-US" dirty="0">
+            <a:endParaRPr lang="ja-JP" altLang="en-US" dirty="0">
               <a:latin typeface="Arial" panose="020B0604020202020204" pitchFamily="34" charset="0"/>
               <a:cs typeface="Arial" panose="020B0604020202020204" pitchFamily="34" charset="0"/>
             </a:endParaRPr>
@@ -3876,7 +6926,7 @@
         </p:nvSpPr>
         <p:spPr>
           <a:xfrm>
-            <a:off x="3103468" y="1061986"/>
+            <a:off x="3103468" y="6461867"/>
             <a:ext cx="1465780" cy="369332"/>
           </a:xfrm>
           <a:prstGeom prst="rect">
@@ -3895,16 +6945,9 @@
                 <a:latin typeface="Arial" panose="020B0604020202020204" pitchFamily="34" charset="0"/>
                 <a:cs typeface="Arial" panose="020B0604020202020204" pitchFamily="34" charset="0"/>
               </a:rPr>
-              <a:t>User q</a:t>
-            </a:r>
-            <a:r>
-              <a:rPr kumimoji="1" lang="en-US" altLang="ja-JP" dirty="0">
-                <a:latin typeface="Arial" panose="020B0604020202020204" pitchFamily="34" charset="0"/>
-                <a:cs typeface="Arial" panose="020B0604020202020204" pitchFamily="34" charset="0"/>
-              </a:rPr>
-              <a:t>uery</a:t>
-            </a:r>
-            <a:endParaRPr kumimoji="1" lang="ja-JP" altLang="en-US" dirty="0">
+              <a:t>User query</a:t>
+            </a:r>
+            <a:endParaRPr lang="ja-JP" altLang="en-US" dirty="0">
               <a:latin typeface="Arial" panose="020B0604020202020204" pitchFamily="34" charset="0"/>
               <a:cs typeface="Arial" panose="020B0604020202020204" pitchFamily="34" charset="0"/>
             </a:endParaRPr>
@@ -3925,7 +6968,7 @@
         </p:nvSpPr>
         <p:spPr>
           <a:xfrm>
-            <a:off x="5160441" y="1133238"/>
+            <a:off x="5160442" y="6533119"/>
             <a:ext cx="1885309" cy="749792"/>
           </a:xfrm>
           <a:prstGeom prst="rect">
@@ -3954,13 +6997,13 @@
           <a:p>
             <a:pPr algn="ctr"/>
             <a:r>
-              <a:rPr kumimoji="1" lang="en-US" altLang="ja-JP" sz="1600" dirty="0">
+              <a:rPr lang="en-US" altLang="ja-JP" sz="1600" dirty="0">
                 <a:latin typeface="Arial" panose="020B0604020202020204" pitchFamily="34" charset="0"/>
                 <a:cs typeface="Arial" panose="020B0604020202020204" pitchFamily="34" charset="0"/>
               </a:rPr>
               <a:t>Retrieve API</a:t>
             </a:r>
-            <a:endParaRPr kumimoji="1" lang="ja-JP" altLang="en-US" sz="1600" dirty="0">
+            <a:endParaRPr lang="ja-JP" altLang="en-US" sz="1600" dirty="0">
               <a:latin typeface="Arial" panose="020B0604020202020204" pitchFamily="34" charset="0"/>
               <a:cs typeface="Arial" panose="020B0604020202020204" pitchFamily="34" charset="0"/>
             </a:endParaRPr>
@@ -3994,7 +7037,7 @@
         </p:blipFill>
         <p:spPr>
           <a:xfrm>
-            <a:off x="9685221" y="4026140"/>
+            <a:off x="9685221" y="9426021"/>
             <a:ext cx="1053240" cy="1053240"/>
           </a:xfrm>
           <a:prstGeom prst="rect">
@@ -4018,7 +7061,7 @@
         </p:nvSpPr>
         <p:spPr bwMode="auto">
           <a:xfrm>
-            <a:off x="9511789" y="5079380"/>
+            <a:off x="9511789" y="10479261"/>
             <a:ext cx="1400104" cy="369332"/>
           </a:xfrm>
           <a:prstGeom prst="rect">
@@ -4204,7 +7247,7 @@
         </p:nvSpPr>
         <p:spPr>
           <a:xfrm>
-            <a:off x="5160441" y="4177864"/>
+            <a:off x="5160442" y="9577745"/>
             <a:ext cx="1885309" cy="749792"/>
           </a:xfrm>
           <a:prstGeom prst="rect">
@@ -4233,20 +7276,20 @@
           <a:p>
             <a:pPr algn="ctr"/>
             <a:r>
-              <a:rPr kumimoji="1" lang="en-US" altLang="ja-JP" sz="1600" dirty="0" err="1">
+              <a:rPr lang="en-US" altLang="ja-JP" sz="1600" dirty="0" err="1">
                 <a:latin typeface="Arial" panose="020B0604020202020204" pitchFamily="34" charset="0"/>
                 <a:cs typeface="Arial" panose="020B0604020202020204" pitchFamily="34" charset="0"/>
               </a:rPr>
               <a:t>Invoke_model</a:t>
             </a:r>
             <a:r>
-              <a:rPr kumimoji="1" lang="en-US" altLang="ja-JP" sz="1600" dirty="0">
+              <a:rPr lang="en-US" altLang="ja-JP" sz="1600" dirty="0">
                 <a:latin typeface="Arial" panose="020B0604020202020204" pitchFamily="34" charset="0"/>
                 <a:cs typeface="Arial" panose="020B0604020202020204" pitchFamily="34" charset="0"/>
               </a:rPr>
               <a:t> API</a:t>
             </a:r>
-            <a:endParaRPr kumimoji="1" lang="ja-JP" altLang="en-US" sz="1600" dirty="0">
+            <a:endParaRPr lang="ja-JP" altLang="en-US" sz="1600" dirty="0">
               <a:latin typeface="Arial" panose="020B0604020202020204" pitchFamily="34" charset="0"/>
               <a:cs typeface="Arial" panose="020B0604020202020204" pitchFamily="34" charset="0"/>
             </a:endParaRPr>
@@ -4280,7 +7323,7 @@
         </p:blipFill>
         <p:spPr bwMode="auto">
           <a:xfrm>
-            <a:off x="9685221" y="981514"/>
+            <a:off x="9685221" y="6381395"/>
             <a:ext cx="989138" cy="1053240"/>
           </a:xfrm>
           <a:prstGeom prst="rect">
@@ -4314,7 +7357,7 @@
         </p:nvSpPr>
         <p:spPr bwMode="auto">
           <a:xfrm>
-            <a:off x="9064921" y="2034754"/>
+            <a:off x="9064921" y="7434635"/>
             <a:ext cx="2229738" cy="369332"/>
           </a:xfrm>
           <a:prstGeom prst="rect">
@@ -4503,7 +7546,7 @@
         </p:nvCxnSpPr>
         <p:spPr>
           <a:xfrm>
-            <a:off x="2512274" y="1508134"/>
+            <a:off x="2512275" y="6908015"/>
             <a:ext cx="2648167" cy="0"/>
           </a:xfrm>
           <a:prstGeom prst="straightConnector1">
@@ -4545,7 +7588,7 @@
         </p:nvCxnSpPr>
         <p:spPr>
           <a:xfrm>
-            <a:off x="7045750" y="1508134"/>
+            <a:off x="7045751" y="6908015"/>
             <a:ext cx="2639471" cy="0"/>
           </a:xfrm>
           <a:prstGeom prst="straightConnector1">
@@ -4587,7 +7630,7 @@
         </p:nvCxnSpPr>
         <p:spPr>
           <a:xfrm rot="5400000">
-            <a:off x="8085998" y="959718"/>
+            <a:off x="8085999" y="6359600"/>
             <a:ext cx="649425" cy="3538161"/>
           </a:xfrm>
           <a:prstGeom prst="bentConnector2">
@@ -4646,7 +7689,7 @@
         </p:blipFill>
         <p:spPr>
           <a:xfrm>
-            <a:off x="5707452" y="2473505"/>
+            <a:off x="5707452" y="7873386"/>
             <a:ext cx="914400" cy="914400"/>
           </a:xfrm>
           <a:prstGeom prst="rect">
@@ -4670,7 +7713,7 @@
         </p:nvSpPr>
         <p:spPr bwMode="auto">
           <a:xfrm>
-            <a:off x="5464600" y="3387905"/>
+            <a:off x="5464600" y="8787786"/>
             <a:ext cx="1400104" cy="369332"/>
           </a:xfrm>
           <a:prstGeom prst="rect">
@@ -4856,7 +7899,7 @@
         </p:nvSpPr>
         <p:spPr>
           <a:xfrm>
-            <a:off x="7499927" y="2666710"/>
+            <a:off x="7499927" y="8066591"/>
             <a:ext cx="1053240" cy="369332"/>
           </a:xfrm>
           <a:prstGeom prst="rect">
@@ -4877,7 +7920,7 @@
               </a:rPr>
               <a:t>Retrieve</a:t>
             </a:r>
-            <a:endParaRPr kumimoji="1" lang="ja-JP" altLang="en-US" dirty="0">
+            <a:endParaRPr lang="ja-JP" altLang="en-US" dirty="0">
               <a:latin typeface="Arial" panose="020B0604020202020204" pitchFamily="34" charset="0"/>
               <a:cs typeface="Arial" panose="020B0604020202020204" pitchFamily="34" charset="0"/>
             </a:endParaRPr>
@@ -4901,7 +7944,7 @@
         </p:nvCxnSpPr>
         <p:spPr>
           <a:xfrm rot="5400000">
-            <a:off x="4631936" y="3582018"/>
+            <a:off x="4631937" y="8981899"/>
             <a:ext cx="1499247" cy="442236"/>
           </a:xfrm>
           <a:prstGeom prst="bentConnector4">
@@ -4946,7 +7989,7 @@
         </p:nvSpPr>
         <p:spPr>
           <a:xfrm>
-            <a:off x="2887106" y="2652738"/>
+            <a:off x="2887106" y="8052619"/>
             <a:ext cx="2648168" cy="369332"/>
           </a:xfrm>
           <a:prstGeom prst="rect">
@@ -4967,7 +8010,7 @@
               </a:rPr>
               <a:t>Prompt Augmentation</a:t>
             </a:r>
-            <a:endParaRPr kumimoji="1" lang="ja-JP" altLang="en-US" dirty="0">
+            <a:endParaRPr lang="ja-JP" altLang="en-US" dirty="0">
               <a:latin typeface="Arial" panose="020B0604020202020204" pitchFamily="34" charset="0"/>
               <a:cs typeface="Arial" panose="020B0604020202020204" pitchFamily="34" charset="0"/>
             </a:endParaRPr>
@@ -4992,7 +8035,7 @@
         </p:nvCxnSpPr>
         <p:spPr>
           <a:xfrm>
-            <a:off x="7045750" y="4552760"/>
+            <a:off x="7045751" y="9952641"/>
             <a:ext cx="2639471" cy="0"/>
           </a:xfrm>
           <a:prstGeom prst="straightConnector1">
@@ -5035,7 +8078,7 @@
         </p:nvCxnSpPr>
         <p:spPr>
           <a:xfrm rot="5400000" flipH="1">
-            <a:off x="4535620" y="-227509"/>
+            <a:off x="4535620" y="5172373"/>
             <a:ext cx="3158860" cy="8193583"/>
           </a:xfrm>
           <a:prstGeom prst="bentConnector3">
@@ -5079,8 +8122,8 @@
         </p:nvSpPr>
         <p:spPr>
           <a:xfrm>
-            <a:off x="7499927" y="5626933"/>
-            <a:ext cx="1564994" cy="369332"/>
+            <a:off x="7277955" y="11026814"/>
+            <a:ext cx="2265510" cy="369332"/>
           </a:xfrm>
           <a:prstGeom prst="rect">
             <a:avLst/>
@@ -5094,13 +8137,13 @@
           <a:lstStyle/>
           <a:p>
             <a:r>
-              <a:rPr lang="en-US" altLang="ja-JP" dirty="0">
+              <a:rPr lang="en-US" altLang="ja-JP">
                 <a:latin typeface="Arial" panose="020B0604020202020204" pitchFamily="34" charset="0"/>
                 <a:cs typeface="Arial" panose="020B0604020202020204" pitchFamily="34" charset="0"/>
               </a:rPr>
-              <a:t>Response</a:t>
-            </a:r>
-            <a:endParaRPr kumimoji="1" lang="ja-JP" altLang="en-US" dirty="0">
+              <a:t>Generate Response</a:t>
+            </a:r>
+            <a:endParaRPr lang="ja-JP" altLang="en-US" dirty="0">
               <a:latin typeface="Arial" panose="020B0604020202020204" pitchFamily="34" charset="0"/>
               <a:cs typeface="Arial" panose="020B0604020202020204" pitchFamily="34" charset="0"/>
             </a:endParaRPr>
@@ -5123,7 +8166,7 @@
 <file path=ppt/theme/theme1.xml><?xml version="1.0" encoding="utf-8"?>
 <a:theme xmlns:a="http://schemas.openxmlformats.org/drawingml/2006/main" name="Office テーマ">
   <a:themeElements>
-    <a:clrScheme name="Office">
+    <a:clrScheme name="Office テーマ">
       <a:dk1>
         <a:sysClr val="windowText" lastClr="000000"/>
       </a:dk1>
@@ -5161,9 +8204,9 @@
         <a:srgbClr val="96607D"/>
       </a:folHlink>
     </a:clrScheme>
-    <a:fontScheme name="Office">
+    <a:fontScheme name="Office テーマ">
       <a:majorFont>
-        <a:latin typeface="游ゴシック Light" panose="02110004020202020204"/>
+        <a:latin typeface="Aptos Display" panose="02110004020202020204"/>
         <a:ea typeface=""/>
         <a:cs typeface=""/>
         <a:font script="Jpan" typeface="游ゴシック Light"/>
@@ -5215,7 +8258,7 @@
         <a:font script="Tfng" typeface="Ebrima"/>
       </a:majorFont>
       <a:minorFont>
-        <a:latin typeface="游ゴシック" panose="02110004020202020204"/>
+        <a:latin typeface="Aptos" panose="02110004020202020204"/>
         <a:ea typeface=""/>
         <a:cs typeface=""/>
         <a:font script="Jpan" typeface="游ゴシック"/>
@@ -5267,7 +8310,7 @@
         <a:font script="Tfng" typeface="Ebrima"/>
       </a:minorFont>
     </a:fontScheme>
-    <a:fmtScheme name="Office">
+    <a:fmtScheme name="Office テーマ">
       <a:fillStyleLst>
         <a:solidFill>
           <a:schemeClr val="phClr"/>

--- a/assets/bedrock-knowledge-base.pptx
+++ b/assets/bedrock-knowledge-base.pptx
@@ -6,8 +6,8 @@
   </p:sldMasterIdLst>
   <p:sldIdLst>
     <p:sldId id="258" r:id="rId2"/>
-    <p:sldId id="256" r:id="rId3"/>
-    <p:sldId id="257" r:id="rId4"/>
+    <p:sldId id="257" r:id="rId3"/>
+    <p:sldId id="256" r:id="rId4"/>
   </p:sldIdLst>
   <p:sldSz cx="12192000" cy="17657763"/>
   <p:notesSz cx="6858000" cy="9144000"/>
@@ -128,7 +128,7 @@
 <file path=ppt/revisionInfo.xml><?xml version="1.0" encoding="utf-8"?>
 <p1510:revInfo xmlns:a="http://schemas.openxmlformats.org/drawingml/2006/main" xmlns:r="http://schemas.openxmlformats.org/officeDocument/2006/relationships" xmlns:p1510="http://schemas.microsoft.com/office/powerpoint/2015/10/main">
   <p1510:revLst>
-    <p1510:client id="{7D6C2B64-90D2-4F61-BAA4-280D5F25E8B9}" v="93" dt="2024-05-06T08:45:25.483"/>
+    <p1510:client id="{7D6C2B64-90D2-4F61-BAA4-280D5F25E8B9}" v="99" dt="2024-05-07T05:10:30.236"/>
   </p1510:revLst>
 </p1510:revInfo>
 </file>
@@ -138,18 +138,41 @@
   <pc:docChgLst>
     <pc:chgData name="Renya Kujirada" userId="e48068c41cbe41b3" providerId="LiveId" clId="{7D6C2B64-90D2-4F61-BAA4-280D5F25E8B9}"/>
     <pc:docChg chg="undo custSel addSld modSld sldOrd">
-      <pc:chgData name="Renya Kujirada" userId="e48068c41cbe41b3" providerId="LiveId" clId="{7D6C2B64-90D2-4F61-BAA4-280D5F25E8B9}" dt="2024-05-06T08:46:36.907" v="573" actId="14100"/>
+      <pc:chgData name="Renya Kujirada" userId="e48068c41cbe41b3" providerId="LiveId" clId="{7D6C2B64-90D2-4F61-BAA4-280D5F25E8B9}" dt="2024-05-07T05:12:22.299" v="634"/>
       <pc:docMkLst>
         <pc:docMk/>
       </pc:docMkLst>
+      <pc:sldChg chg="ord">
+        <pc:chgData name="Renya Kujirada" userId="e48068c41cbe41b3" providerId="LiveId" clId="{7D6C2B64-90D2-4F61-BAA4-280D5F25E8B9}" dt="2024-05-07T05:12:22.299" v="634"/>
+        <pc:sldMkLst>
+          <pc:docMk/>
+          <pc:sldMk cId="3041682073" sldId="256"/>
+        </pc:sldMkLst>
+      </pc:sldChg>
       <pc:sldChg chg="modSp mod">
-        <pc:chgData name="Renya Kujirada" userId="e48068c41cbe41b3" providerId="LiveId" clId="{7D6C2B64-90D2-4F61-BAA4-280D5F25E8B9}" dt="2024-05-06T08:13:37.569" v="20" actId="1076"/>
+        <pc:chgData name="Renya Kujirada" userId="e48068c41cbe41b3" providerId="LiveId" clId="{7D6C2B64-90D2-4F61-BAA4-280D5F25E8B9}" dt="2024-05-07T05:12:06.809" v="630" actId="20577"/>
         <pc:sldMkLst>
           <pc:docMk/>
           <pc:sldMk cId="1063121498" sldId="257"/>
         </pc:sldMkLst>
         <pc:spChg chg="mod">
-          <ac:chgData name="Renya Kujirada" userId="e48068c41cbe41b3" providerId="LiveId" clId="{7D6C2B64-90D2-4F61-BAA4-280D5F25E8B9}" dt="2024-05-06T08:13:37.569" v="20" actId="1076"/>
+          <ac:chgData name="Renya Kujirada" userId="e48068c41cbe41b3" providerId="LiveId" clId="{7D6C2B64-90D2-4F61-BAA4-280D5F25E8B9}" dt="2024-05-07T05:11:45.613" v="626" actId="20577"/>
+          <ac:spMkLst>
+            <pc:docMk/>
+            <pc:sldMk cId="1063121498" sldId="257"/>
+            <ac:spMk id="12" creationId="{DD5A4C32-7E04-D791-3775-C39224C05577}"/>
+          </ac:spMkLst>
+        </pc:spChg>
+        <pc:spChg chg="mod">
+          <ac:chgData name="Renya Kujirada" userId="e48068c41cbe41b3" providerId="LiveId" clId="{7D6C2B64-90D2-4F61-BAA4-280D5F25E8B9}" dt="2024-05-07T05:11:47.744" v="628" actId="20577"/>
+          <ac:spMkLst>
+            <pc:docMk/>
+            <pc:sldMk cId="1063121498" sldId="257"/>
+            <ac:spMk id="21" creationId="{A7D07F43-234D-10FA-868A-CBDEFDBC41B0}"/>
+          </ac:spMkLst>
+        </pc:spChg>
+        <pc:spChg chg="mod">
+          <ac:chgData name="Renya Kujirada" userId="e48068c41cbe41b3" providerId="LiveId" clId="{7D6C2B64-90D2-4F61-BAA4-280D5F25E8B9}" dt="2024-05-07T05:12:06.809" v="630" actId="20577"/>
           <ac:spMkLst>
             <pc:docMk/>
             <pc:sldMk cId="1063121498" sldId="257"/>
@@ -158,13 +181,13 @@
         </pc:spChg>
       </pc:sldChg>
       <pc:sldChg chg="addSp delSp modSp add mod ord">
-        <pc:chgData name="Renya Kujirada" userId="e48068c41cbe41b3" providerId="LiveId" clId="{7D6C2B64-90D2-4F61-BAA4-280D5F25E8B9}" dt="2024-05-06T08:46:36.907" v="573" actId="14100"/>
+        <pc:chgData name="Renya Kujirada" userId="e48068c41cbe41b3" providerId="LiveId" clId="{7D6C2B64-90D2-4F61-BAA4-280D5F25E8B9}" dt="2024-05-07T05:12:12.839" v="632" actId="20577"/>
         <pc:sldMkLst>
           <pc:docMk/>
           <pc:sldMk cId="2762003500" sldId="258"/>
         </pc:sldMkLst>
         <pc:spChg chg="mod">
-          <ac:chgData name="Renya Kujirada" userId="e48068c41cbe41b3" providerId="LiveId" clId="{7D6C2B64-90D2-4F61-BAA4-280D5F25E8B9}" dt="2024-05-06T08:22:55.183" v="150" actId="404"/>
+          <ac:chgData name="Renya Kujirada" userId="e48068c41cbe41b3" providerId="LiveId" clId="{7D6C2B64-90D2-4F61-BAA4-280D5F25E8B9}" dt="2024-05-07T05:10:10.418" v="607" actId="404"/>
           <ac:spMkLst>
             <pc:docMk/>
             <pc:sldMk cId="2762003500" sldId="258"/>
@@ -172,7 +195,7 @@
           </ac:spMkLst>
         </pc:spChg>
         <pc:spChg chg="mod">
-          <ac:chgData name="Renya Kujirada" userId="e48068c41cbe41b3" providerId="LiveId" clId="{7D6C2B64-90D2-4F61-BAA4-280D5F25E8B9}" dt="2024-05-06T08:38:29.513" v="484" actId="1076"/>
+          <ac:chgData name="Renya Kujirada" userId="e48068c41cbe41b3" providerId="LiveId" clId="{7D6C2B64-90D2-4F61-BAA4-280D5F25E8B9}" dt="2024-05-07T05:11:20.924" v="614" actId="1038"/>
           <ac:spMkLst>
             <pc:docMk/>
             <pc:sldMk cId="2762003500" sldId="258"/>
@@ -188,7 +211,7 @@
           </ac:spMkLst>
         </pc:spChg>
         <pc:spChg chg="mod">
-          <ac:chgData name="Renya Kujirada" userId="e48068c41cbe41b3" providerId="LiveId" clId="{7D6C2B64-90D2-4F61-BAA4-280D5F25E8B9}" dt="2024-05-06T08:38:29.513" v="484" actId="1076"/>
+          <ac:chgData name="Renya Kujirada" userId="e48068c41cbe41b3" providerId="LiveId" clId="{7D6C2B64-90D2-4F61-BAA4-280D5F25E8B9}" dt="2024-05-07T05:09:21.341" v="600" actId="20577"/>
           <ac:spMkLst>
             <pc:docMk/>
             <pc:sldMk cId="2762003500" sldId="258"/>
@@ -220,7 +243,7 @@
           </ac:spMkLst>
         </pc:spChg>
         <pc:spChg chg="mod">
-          <ac:chgData name="Renya Kujirada" userId="e48068c41cbe41b3" providerId="LiveId" clId="{7D6C2B64-90D2-4F61-BAA4-280D5F25E8B9}" dt="2024-05-06T08:28:48.383" v="276" actId="14100"/>
+          <ac:chgData name="Renya Kujirada" userId="e48068c41cbe41b3" providerId="LiveId" clId="{7D6C2B64-90D2-4F61-BAA4-280D5F25E8B9}" dt="2024-05-07T05:09:27.027" v="604" actId="20577"/>
           <ac:spMkLst>
             <pc:docMk/>
             <pc:sldMk cId="2762003500" sldId="258"/>
@@ -244,7 +267,7 @@
           </ac:spMkLst>
         </pc:spChg>
         <pc:spChg chg="add mod">
-          <ac:chgData name="Renya Kujirada" userId="e48068c41cbe41b3" providerId="LiveId" clId="{7D6C2B64-90D2-4F61-BAA4-280D5F25E8B9}" dt="2024-05-06T08:28:07.598" v="269" actId="14100"/>
+          <ac:chgData name="Renya Kujirada" userId="e48068c41cbe41b3" providerId="LiveId" clId="{7D6C2B64-90D2-4F61-BAA4-280D5F25E8B9}" dt="2024-05-07T05:09:24.445" v="602" actId="20577"/>
           <ac:spMkLst>
             <pc:docMk/>
             <pc:sldMk cId="2762003500" sldId="258"/>
@@ -332,7 +355,7 @@
           </ac:spMkLst>
         </pc:spChg>
         <pc:spChg chg="add mod">
-          <ac:chgData name="Renya Kujirada" userId="e48068c41cbe41b3" providerId="LiveId" clId="{7D6C2B64-90D2-4F61-BAA4-280D5F25E8B9}" dt="2024-05-06T08:34:34.737" v="372" actId="571"/>
+          <ac:chgData name="Renya Kujirada" userId="e48068c41cbe41b3" providerId="LiveId" clId="{7D6C2B64-90D2-4F61-BAA4-280D5F25E8B9}" dt="2024-05-07T05:09:30.416" v="606" actId="20577"/>
           <ac:spMkLst>
             <pc:docMk/>
             <pc:sldMk cId="2762003500" sldId="258"/>
@@ -348,7 +371,7 @@
           </ac:spMkLst>
         </pc:spChg>
         <pc:spChg chg="add mod">
-          <ac:chgData name="Renya Kujirada" userId="e48068c41cbe41b3" providerId="LiveId" clId="{7D6C2B64-90D2-4F61-BAA4-280D5F25E8B9}" dt="2024-05-06T08:34:34.737" v="372" actId="571"/>
+          <ac:chgData name="Renya Kujirada" userId="e48068c41cbe41b3" providerId="LiveId" clId="{7D6C2B64-90D2-4F61-BAA4-280D5F25E8B9}" dt="2024-05-07T05:05:36.901" v="591" actId="1076"/>
           <ac:spMkLst>
             <pc:docMk/>
             <pc:sldMk cId="2762003500" sldId="258"/>
@@ -356,7 +379,7 @@
           </ac:spMkLst>
         </pc:spChg>
         <pc:spChg chg="mod">
-          <ac:chgData name="Renya Kujirada" userId="e48068c41cbe41b3" providerId="LiveId" clId="{7D6C2B64-90D2-4F61-BAA4-280D5F25E8B9}" dt="2024-05-06T08:45:11.508" v="571" actId="20577"/>
+          <ac:chgData name="Renya Kujirada" userId="e48068c41cbe41b3" providerId="LiveId" clId="{7D6C2B64-90D2-4F61-BAA4-280D5F25E8B9}" dt="2024-05-07T05:12:12.839" v="632" actId="20577"/>
           <ac:spMkLst>
             <pc:docMk/>
             <pc:sldMk cId="2762003500" sldId="258"/>
@@ -388,19 +411,35 @@
           </ac:spMkLst>
         </pc:spChg>
         <pc:spChg chg="add mod">
-          <ac:chgData name="Renya Kujirada" userId="e48068c41cbe41b3" providerId="LiveId" clId="{7D6C2B64-90D2-4F61-BAA4-280D5F25E8B9}" dt="2024-05-06T08:46:31.391" v="572" actId="14100"/>
+          <ac:chgData name="Renya Kujirada" userId="e48068c41cbe41b3" providerId="LiveId" clId="{7D6C2B64-90D2-4F61-BAA4-280D5F25E8B9}" dt="2024-05-07T05:07:03.733" v="596" actId="14100"/>
           <ac:spMkLst>
             <pc:docMk/>
             <pc:sldMk cId="2762003500" sldId="258"/>
             <ac:spMk id="1065" creationId="{73ECED0B-30BD-27CC-BCBC-67C28562696C}"/>
           </ac:spMkLst>
         </pc:spChg>
+        <pc:picChg chg="add mod">
+          <ac:chgData name="Renya Kujirada" userId="e48068c41cbe41b3" providerId="LiveId" clId="{7D6C2B64-90D2-4F61-BAA4-280D5F25E8B9}" dt="2024-05-07T05:04:09.948" v="577" actId="1076"/>
+          <ac:picMkLst>
+            <pc:docMk/>
+            <pc:sldMk cId="2762003500" sldId="258"/>
+            <ac:picMk id="2" creationId="{C56F103B-6951-DB77-86C7-82A03574C3BA}"/>
+          </ac:picMkLst>
+        </pc:picChg>
         <pc:picChg chg="mod">
           <ac:chgData name="Renya Kujirada" userId="e48068c41cbe41b3" providerId="LiveId" clId="{7D6C2B64-90D2-4F61-BAA4-280D5F25E8B9}" dt="2024-05-06T08:22:52.428" v="149" actId="404"/>
           <ac:picMkLst>
             <pc:docMk/>
             <pc:sldMk cId="2762003500" sldId="258"/>
             <ac:picMk id="3" creationId="{42BC77E2-5B37-B1E0-E201-09CAA1558575}"/>
+          </ac:picMkLst>
+        </pc:picChg>
+        <pc:picChg chg="add mod">
+          <ac:chgData name="Renya Kujirada" userId="e48068c41cbe41b3" providerId="LiveId" clId="{7D6C2B64-90D2-4F61-BAA4-280D5F25E8B9}" dt="2024-05-07T05:04:09.948" v="577" actId="1076"/>
+          <ac:picMkLst>
+            <pc:docMk/>
+            <pc:sldMk cId="2762003500" sldId="258"/>
+            <ac:picMk id="4" creationId="{35DDC3F5-41AD-8024-3B69-3E59BB4245FE}"/>
           </ac:picMkLst>
         </pc:picChg>
         <pc:picChg chg="mod">
@@ -436,7 +475,7 @@
           </ac:picMkLst>
         </pc:picChg>
         <pc:picChg chg="mod">
-          <ac:chgData name="Renya Kujirada" userId="e48068c41cbe41b3" providerId="LiveId" clId="{7D6C2B64-90D2-4F61-BAA4-280D5F25E8B9}" dt="2024-05-06T08:25:24.755" v="179" actId="1076"/>
+          <ac:chgData name="Renya Kujirada" userId="e48068c41cbe41b3" providerId="LiveId" clId="{7D6C2B64-90D2-4F61-BAA4-280D5F25E8B9}" dt="2024-05-07T05:03:56.661" v="574" actId="554"/>
           <ac:picMkLst>
             <pc:docMk/>
             <pc:sldMk cId="2762003500" sldId="258"/>
@@ -451,8 +490,8 @@
             <ac:picMk id="45" creationId="{6D15213F-C00B-80DC-3A4F-A3EBE877FD50}"/>
           </ac:picMkLst>
         </pc:picChg>
-        <pc:picChg chg="add mod ord">
-          <ac:chgData name="Renya Kujirada" userId="e48068c41cbe41b3" providerId="LiveId" clId="{7D6C2B64-90D2-4F61-BAA4-280D5F25E8B9}" dt="2024-05-06T08:28:42.405" v="274" actId="1076"/>
+        <pc:picChg chg="add del mod ord">
+          <ac:chgData name="Renya Kujirada" userId="e48068c41cbe41b3" providerId="LiveId" clId="{7D6C2B64-90D2-4F61-BAA4-280D5F25E8B9}" dt="2024-05-07T05:04:02.916" v="575" actId="478"/>
           <ac:picMkLst>
             <pc:docMk/>
             <pc:sldMk cId="2762003500" sldId="258"/>
@@ -460,15 +499,15 @@
           </ac:picMkLst>
         </pc:picChg>
         <pc:picChg chg="add mod">
-          <ac:chgData name="Renya Kujirada" userId="e48068c41cbe41b3" providerId="LiveId" clId="{7D6C2B64-90D2-4F61-BAA4-280D5F25E8B9}" dt="2024-05-06T08:25:44.566" v="186" actId="1076"/>
+          <ac:chgData name="Renya Kujirada" userId="e48068c41cbe41b3" providerId="LiveId" clId="{7D6C2B64-90D2-4F61-BAA4-280D5F25E8B9}" dt="2024-05-07T05:03:56.661" v="574" actId="554"/>
           <ac:picMkLst>
             <pc:docMk/>
             <pc:sldMk cId="2762003500" sldId="258"/>
             <ac:picMk id="49" creationId="{1637F34C-D69B-CF1B-7EE9-DD1851AA0C6C}"/>
           </ac:picMkLst>
         </pc:picChg>
-        <pc:picChg chg="add mod">
-          <ac:chgData name="Renya Kujirada" userId="e48068c41cbe41b3" providerId="LiveId" clId="{7D6C2B64-90D2-4F61-BAA4-280D5F25E8B9}" dt="2024-05-06T08:28:37.758" v="273" actId="1076"/>
+        <pc:picChg chg="add del mod">
+          <ac:chgData name="Renya Kujirada" userId="e48068c41cbe41b3" providerId="LiveId" clId="{7D6C2B64-90D2-4F61-BAA4-280D5F25E8B9}" dt="2024-05-07T05:04:02.916" v="575" actId="478"/>
           <ac:picMkLst>
             <pc:docMk/>
             <pc:sldMk cId="2762003500" sldId="258"/>
@@ -484,7 +523,7 @@
           </ac:picMkLst>
         </pc:picChg>
         <pc:picChg chg="add mod">
-          <ac:chgData name="Renya Kujirada" userId="e48068c41cbe41b3" providerId="LiveId" clId="{7D6C2B64-90D2-4F61-BAA4-280D5F25E8B9}" dt="2024-05-06T08:32:34.329" v="337" actId="1076"/>
+          <ac:chgData name="Renya Kujirada" userId="e48068c41cbe41b3" providerId="LiveId" clId="{7D6C2B64-90D2-4F61-BAA4-280D5F25E8B9}" dt="2024-05-07T05:05:36.901" v="591" actId="1076"/>
           <ac:picMkLst>
             <pc:docMk/>
             <pc:sldMk cId="2762003500" sldId="258"/>
@@ -523,8 +562,8 @@
             <ac:picMk id="1041" creationId="{255F9432-3218-1C9F-6A3B-F357C688C669}"/>
           </ac:picMkLst>
         </pc:picChg>
-        <pc:picChg chg="add mod">
-          <ac:chgData name="Renya Kujirada" userId="e48068c41cbe41b3" providerId="LiveId" clId="{7D6C2B64-90D2-4F61-BAA4-280D5F25E8B9}" dt="2024-05-06T08:34:34.737" v="372" actId="571"/>
+        <pc:picChg chg="add del mod">
+          <ac:chgData name="Renya Kujirada" userId="e48068c41cbe41b3" providerId="LiveId" clId="{7D6C2B64-90D2-4F61-BAA4-280D5F25E8B9}" dt="2024-05-07T05:04:25.496" v="578" actId="478"/>
           <ac:picMkLst>
             <pc:docMk/>
             <pc:sldMk cId="2762003500" sldId="258"/>
@@ -580,7 +619,7 @@
           </ac:cxnSpMkLst>
         </pc:cxnChg>
         <pc:cxnChg chg="add mod">
-          <ac:chgData name="Renya Kujirada" userId="e48068c41cbe41b3" providerId="LiveId" clId="{7D6C2B64-90D2-4F61-BAA4-280D5F25E8B9}" dt="2024-05-06T08:46:36.907" v="573" actId="14100"/>
+          <ac:chgData name="Renya Kujirada" userId="e48068c41cbe41b3" providerId="LiveId" clId="{7D6C2B64-90D2-4F61-BAA4-280D5F25E8B9}" dt="2024-05-07T05:07:12.590" v="597" actId="14100"/>
           <ac:cxnSpMkLst>
             <pc:docMk/>
             <pc:sldMk cId="2762003500" sldId="258"/>
@@ -588,7 +627,7 @@
           </ac:cxnSpMkLst>
         </pc:cxnChg>
         <pc:cxnChg chg="mod">
-          <ac:chgData name="Renya Kujirada" userId="e48068c41cbe41b3" providerId="LiveId" clId="{7D6C2B64-90D2-4F61-BAA4-280D5F25E8B9}" dt="2024-05-06T08:29:32.296" v="282" actId="14100"/>
+          <ac:chgData name="Renya Kujirada" userId="e48068c41cbe41b3" providerId="LiveId" clId="{7D6C2B64-90D2-4F61-BAA4-280D5F25E8B9}" dt="2024-05-07T05:04:02.916" v="575" actId="478"/>
           <ac:cxnSpMkLst>
             <pc:docMk/>
             <pc:sldMk cId="2762003500" sldId="258"/>
@@ -612,7 +651,7 @@
           </ac:cxnSpMkLst>
         </pc:cxnChg>
         <pc:cxnChg chg="mod">
-          <ac:chgData name="Renya Kujirada" userId="e48068c41cbe41b3" providerId="LiveId" clId="{7D6C2B64-90D2-4F61-BAA4-280D5F25E8B9}" dt="2024-05-06T08:36:16.725" v="461" actId="14100"/>
+          <ac:chgData name="Renya Kujirada" userId="e48068c41cbe41b3" providerId="LiveId" clId="{7D6C2B64-90D2-4F61-BAA4-280D5F25E8B9}" dt="2024-05-07T05:11:06.952" v="610" actId="14100"/>
           <ac:cxnSpMkLst>
             <pc:docMk/>
             <pc:sldMk cId="2762003500" sldId="258"/>
@@ -636,7 +675,7 @@
           </ac:cxnSpMkLst>
         </pc:cxnChg>
         <pc:cxnChg chg="add mod">
-          <ac:chgData name="Renya Kujirada" userId="e48068c41cbe41b3" providerId="LiveId" clId="{7D6C2B64-90D2-4F61-BAA4-280D5F25E8B9}" dt="2024-05-06T08:34:34.737" v="372" actId="571"/>
+          <ac:chgData name="Renya Kujirada" userId="e48068c41cbe41b3" providerId="LiveId" clId="{7D6C2B64-90D2-4F61-BAA4-280D5F25E8B9}" dt="2024-05-07T05:05:42.811" v="592" actId="14100"/>
           <ac:cxnSpMkLst>
             <pc:docMk/>
             <pc:sldMk cId="2762003500" sldId="258"/>
@@ -644,7 +683,7 @@
           </ac:cxnSpMkLst>
         </pc:cxnChg>
         <pc:cxnChg chg="add mod">
-          <ac:chgData name="Renya Kujirada" userId="e48068c41cbe41b3" providerId="LiveId" clId="{7D6C2B64-90D2-4F61-BAA4-280D5F25E8B9}" dt="2024-05-06T08:46:31.391" v="572" actId="14100"/>
+          <ac:chgData name="Renya Kujirada" userId="e48068c41cbe41b3" providerId="LiveId" clId="{7D6C2B64-90D2-4F61-BAA4-280D5F25E8B9}" dt="2024-05-07T05:07:03.733" v="596" actId="14100"/>
           <ac:cxnSpMkLst>
             <pc:docMk/>
             <pc:sldMk cId="2762003500" sldId="258"/>
@@ -788,7 +827,7 @@
           <a:p>
             <a:fld id="{1C4B3AB8-4358-41C7-958F-814E3D70D72F}" type="datetimeFigureOut">
               <a:rPr kumimoji="1" lang="ja-JP" altLang="en-US" smtClean="0"/>
-              <a:t>2024/5/6</a:t>
+              <a:t>2024/5/7</a:t>
             </a:fld>
             <a:endParaRPr kumimoji="1" lang="ja-JP" altLang="en-US"/>
           </a:p>
@@ -990,7 +1029,7 @@
           <a:p>
             <a:fld id="{1C4B3AB8-4358-41C7-958F-814E3D70D72F}" type="datetimeFigureOut">
               <a:rPr kumimoji="1" lang="ja-JP" altLang="en-US" smtClean="0"/>
-              <a:t>2024/5/6</a:t>
+              <a:t>2024/5/7</a:t>
             </a:fld>
             <a:endParaRPr kumimoji="1" lang="ja-JP" altLang="en-US"/>
           </a:p>
@@ -1202,7 +1241,7 @@
           <a:p>
             <a:fld id="{1C4B3AB8-4358-41C7-958F-814E3D70D72F}" type="datetimeFigureOut">
               <a:rPr kumimoji="1" lang="ja-JP" altLang="en-US" smtClean="0"/>
-              <a:t>2024/5/6</a:t>
+              <a:t>2024/5/7</a:t>
             </a:fld>
             <a:endParaRPr kumimoji="1" lang="ja-JP" altLang="en-US"/>
           </a:p>
@@ -1404,7 +1443,7 @@
           <a:p>
             <a:fld id="{1C4B3AB8-4358-41C7-958F-814E3D70D72F}" type="datetimeFigureOut">
               <a:rPr kumimoji="1" lang="ja-JP" altLang="en-US" smtClean="0"/>
-              <a:t>2024/5/6</a:t>
+              <a:t>2024/5/7</a:t>
             </a:fld>
             <a:endParaRPr kumimoji="1" lang="ja-JP" altLang="en-US"/>
           </a:p>
@@ -1650,7 +1689,7 @@
           <a:p>
             <a:fld id="{1C4B3AB8-4358-41C7-958F-814E3D70D72F}" type="datetimeFigureOut">
               <a:rPr kumimoji="1" lang="ja-JP" altLang="en-US" smtClean="0"/>
-              <a:t>2024/5/6</a:t>
+              <a:t>2024/5/7</a:t>
             </a:fld>
             <a:endParaRPr kumimoji="1" lang="ja-JP" altLang="en-US"/>
           </a:p>
@@ -1946,7 +1985,7 @@
           <a:p>
             <a:fld id="{1C4B3AB8-4358-41C7-958F-814E3D70D72F}" type="datetimeFigureOut">
               <a:rPr kumimoji="1" lang="ja-JP" altLang="en-US" smtClean="0"/>
-              <a:t>2024/5/6</a:t>
+              <a:t>2024/5/7</a:t>
             </a:fld>
             <a:endParaRPr kumimoji="1" lang="ja-JP" altLang="en-US"/>
           </a:p>
@@ -2377,7 +2416,7 @@
           <a:p>
             <a:fld id="{1C4B3AB8-4358-41C7-958F-814E3D70D72F}" type="datetimeFigureOut">
               <a:rPr kumimoji="1" lang="ja-JP" altLang="en-US" smtClean="0"/>
-              <a:t>2024/5/6</a:t>
+              <a:t>2024/5/7</a:t>
             </a:fld>
             <a:endParaRPr kumimoji="1" lang="ja-JP" altLang="en-US"/>
           </a:p>
@@ -2495,7 +2534,7 @@
           <a:p>
             <a:fld id="{1C4B3AB8-4358-41C7-958F-814E3D70D72F}" type="datetimeFigureOut">
               <a:rPr kumimoji="1" lang="ja-JP" altLang="en-US" smtClean="0"/>
-              <a:t>2024/5/6</a:t>
+              <a:t>2024/5/7</a:t>
             </a:fld>
             <a:endParaRPr kumimoji="1" lang="ja-JP" altLang="en-US"/>
           </a:p>
@@ -2590,7 +2629,7 @@
           <a:p>
             <a:fld id="{1C4B3AB8-4358-41C7-958F-814E3D70D72F}" type="datetimeFigureOut">
               <a:rPr kumimoji="1" lang="ja-JP" altLang="en-US" smtClean="0"/>
-              <a:t>2024/5/6</a:t>
+              <a:t>2024/5/7</a:t>
             </a:fld>
             <a:endParaRPr kumimoji="1" lang="ja-JP" altLang="en-US"/>
           </a:p>
@@ -2899,7 +2938,7 @@
           <a:p>
             <a:fld id="{1C4B3AB8-4358-41C7-958F-814E3D70D72F}" type="datetimeFigureOut">
               <a:rPr kumimoji="1" lang="ja-JP" altLang="en-US" smtClean="0"/>
-              <a:t>2024/5/6</a:t>
+              <a:t>2024/5/7</a:t>
             </a:fld>
             <a:endParaRPr kumimoji="1" lang="ja-JP" altLang="en-US"/>
           </a:p>
@@ -3156,7 +3195,7 @@
           <a:p>
             <a:fld id="{1C4B3AB8-4358-41C7-958F-814E3D70D72F}" type="datetimeFigureOut">
               <a:rPr kumimoji="1" lang="ja-JP" altLang="en-US" smtClean="0"/>
-              <a:t>2024/5/6</a:t>
+              <a:t>2024/5/7</a:t>
             </a:fld>
             <a:endParaRPr kumimoji="1" lang="ja-JP" altLang="en-US"/>
           </a:p>
@@ -3401,7 +3440,7 @@
           <a:p>
             <a:fld id="{1C4B3AB8-4358-41C7-958F-814E3D70D72F}" type="datetimeFigureOut">
               <a:rPr kumimoji="1" lang="ja-JP" altLang="en-US" smtClean="0"/>
-              <a:t>2024/5/6</a:t>
+              <a:t>2024/5/7</a:t>
             </a:fld>
             <a:endParaRPr kumimoji="1" lang="ja-JP" altLang="en-US"/>
           </a:p>
@@ -3899,7 +3938,7 @@
         <p:spPr>
           <a:xfrm>
             <a:off x="1617566" y="7320401"/>
-            <a:ext cx="801384" cy="338554"/>
+            <a:ext cx="801384" cy="307777"/>
           </a:xfrm>
           <a:prstGeom prst="rect">
             <a:avLst/>
@@ -3913,14 +3952,14 @@
           <a:lstStyle/>
           <a:p>
             <a:r>
-              <a:rPr lang="en-US" altLang="ja-JP" sz="1600" dirty="0">
+              <a:rPr lang="en-US" altLang="ja-JP" sz="1400" dirty="0">
                 <a:latin typeface="メイリオ" panose="020B0604030504040204" pitchFamily="50" charset="-128"/>
                 <a:ea typeface="メイリオ" panose="020B0604030504040204" pitchFamily="50" charset="-128"/>
                 <a:cs typeface="Arial" panose="020B0604020202020204" pitchFamily="34" charset="0"/>
               </a:rPr>
               <a:t>User</a:t>
             </a:r>
-            <a:endParaRPr lang="ja-JP" altLang="en-US" sz="1600" dirty="0">
+            <a:endParaRPr lang="ja-JP" altLang="en-US" sz="1400" dirty="0">
               <a:latin typeface="メイリオ" panose="020B0604030504040204" pitchFamily="50" charset="-128"/>
               <a:ea typeface="メイリオ" panose="020B0604030504040204" pitchFamily="50" charset="-128"/>
               <a:cs typeface="Arial" panose="020B0604020202020204" pitchFamily="34" charset="0"/>
@@ -3942,7 +3981,7 @@
         </p:nvSpPr>
         <p:spPr>
           <a:xfrm>
-            <a:off x="3904427" y="4619860"/>
+            <a:off x="3604669" y="4619860"/>
             <a:ext cx="1465780" cy="307777"/>
           </a:xfrm>
           <a:prstGeom prst="rect">
@@ -4020,7 +4059,7 @@
                 <a:ea typeface="メイリオ" panose="020B0604030504040204" pitchFamily="50" charset="-128"/>
                 <a:cs typeface="Arial" panose="020B0604020202020204" pitchFamily="34" charset="0"/>
               </a:rPr>
-              <a:t>Invoke_model API</a:t>
+              <a:t>invoke_model API</a:t>
             </a:r>
             <a:endParaRPr lang="ja-JP" altLang="en-US" sz="1400" dirty="0">
               <a:latin typeface="メイリオ" panose="020B0604030504040204" pitchFamily="50" charset="-128"/>
@@ -4078,7 +4117,7 @@
                 <a:ea typeface="メイリオ" panose="020B0604030504040204" pitchFamily="50" charset="-128"/>
                 <a:cs typeface="Arial" panose="020B0604020202020204" pitchFamily="34" charset="0"/>
               </a:rPr>
-              <a:t>Invoke_model API</a:t>
+              <a:t>invoke_model API</a:t>
             </a:r>
             <a:endParaRPr lang="ja-JP" altLang="en-US" sz="1400" dirty="0">
               <a:latin typeface="メイリオ" panose="020B0604030504040204" pitchFamily="50" charset="-128"/>
@@ -4414,7 +4453,6 @@
           </p:cNvPr>
           <p:cNvCxnSpPr>
             <a:cxnSpLocks/>
-            <a:stCxn id="48" idx="1"/>
             <a:endCxn id="21" idx="1"/>
           </p:cNvCxnSpPr>
           <p:nvPr/>
@@ -4558,12 +4596,12 @@
         </p:nvCxnSpPr>
         <p:spPr>
           <a:xfrm rot="5400000" flipH="1">
-            <a:off x="3284681" y="6392532"/>
-            <a:ext cx="5518535" cy="8051382"/>
+            <a:off x="3250255" y="6396181"/>
+            <a:ext cx="5587388" cy="8051382"/>
           </a:xfrm>
           <a:prstGeom prst="bentConnector3">
             <a:avLst>
-              <a:gd name="adj1" fmla="val -4142"/>
+              <a:gd name="adj1" fmla="val -8410"/>
             </a:avLst>
           </a:prstGeom>
           <a:ln>
@@ -4602,8 +4640,8 @@
         </p:nvSpPr>
         <p:spPr>
           <a:xfrm>
-            <a:off x="2122360" y="13061186"/>
-            <a:ext cx="2265510" cy="338554"/>
+            <a:off x="2097449" y="13367874"/>
+            <a:ext cx="2265510" cy="307777"/>
           </a:xfrm>
           <a:prstGeom prst="rect">
             <a:avLst/>
@@ -4617,14 +4655,14 @@
           <a:lstStyle/>
           <a:p>
             <a:r>
-              <a:rPr lang="en-US" altLang="ja-JP" sz="1600" dirty="0">
+              <a:rPr lang="en-US" altLang="ja-JP" sz="1400" dirty="0">
                 <a:latin typeface="メイリオ" panose="020B0604030504040204" pitchFamily="50" charset="-128"/>
                 <a:ea typeface="メイリオ" panose="020B0604030504040204" pitchFamily="50" charset="-128"/>
                 <a:cs typeface="Arial" panose="020B0604020202020204" pitchFamily="34" charset="0"/>
               </a:rPr>
-              <a:t>Generate Response</a:t>
-            </a:r>
-            <a:endParaRPr lang="ja-JP" altLang="en-US" sz="1600" dirty="0">
+              <a:t>Generate response</a:t>
+            </a:r>
+            <a:endParaRPr lang="ja-JP" altLang="en-US" sz="1400" dirty="0">
               <a:latin typeface="メイリオ" panose="020B0604030504040204" pitchFamily="50" charset="-128"/>
               <a:ea typeface="メイリオ" panose="020B0604030504040204" pitchFamily="50" charset="-128"/>
               <a:cs typeface="Arial" panose="020B0604020202020204" pitchFamily="34" charset="0"/>
@@ -5037,13 +5075,13 @@
           <a:p>
             <a:pPr algn="ctr"/>
             <a:r>
-              <a:rPr lang="en-US" altLang="ja-JP" sz="1600" dirty="0">
+              <a:rPr lang="en-US" altLang="ja-JP" sz="1400" dirty="0">
                 <a:latin typeface="Arial" panose="020B0604020202020204" pitchFamily="34" charset="0"/>
                 <a:cs typeface="Arial" panose="020B0604020202020204" pitchFamily="34" charset="0"/>
               </a:rPr>
-              <a:t>Retrieve API</a:t>
-            </a:r>
-            <a:endParaRPr lang="ja-JP" altLang="en-US" sz="1600" dirty="0">
+              <a:t>retrieve API</a:t>
+            </a:r>
+            <a:endParaRPr lang="ja-JP" altLang="en-US" sz="1400" dirty="0">
               <a:latin typeface="Arial" panose="020B0604020202020204" pitchFamily="34" charset="0"/>
               <a:cs typeface="Arial" panose="020B0604020202020204" pitchFamily="34" charset="0"/>
             </a:endParaRPr>
@@ -5081,46 +5119,7 @@
         </p:blipFill>
         <p:spPr>
           <a:xfrm>
-            <a:off x="6059195" y="8021928"/>
-            <a:ext cx="713591" cy="713591"/>
-          </a:xfrm>
-          <a:prstGeom prst="rect">
-            <a:avLst/>
-          </a:prstGeom>
-        </p:spPr>
-      </p:pic>
-      <p:pic>
-        <p:nvPicPr>
-          <p:cNvPr id="48" name="グラフィックス 47" descr="ドキュメント 枠線">
-            <a:extLst>
-              <a:ext uri="{FF2B5EF4-FFF2-40B4-BE49-F238E27FC236}">
-                <a16:creationId xmlns:a16="http://schemas.microsoft.com/office/drawing/2014/main" id="{921BAF22-E81A-ED1D-9FB4-AD3076380781}"/>
-              </a:ext>
-            </a:extLst>
-          </p:cNvPr>
-          <p:cNvPicPr>
-            <a:picLocks noChangeAspect="1"/>
-          </p:cNvPicPr>
-          <p:nvPr/>
-        </p:nvPicPr>
-        <p:blipFill>
-          <a:blip r:embed="rId6">
-            <a:extLst>
-              <a:ext uri="{28A0092B-C50C-407E-A947-70E740481C1C}">
-                <a14:useLocalDpi xmlns:a14="http://schemas.microsoft.com/office/drawing/2010/main" val="0"/>
-              </a:ext>
-              <a:ext uri="{96DAC541-7B7A-43D3-8B79-37D633B846F1}">
-                <asvg:svgBlip xmlns:asvg="http://schemas.microsoft.com/office/drawing/2016/SVG/main" r:embed="rId7"/>
-              </a:ext>
-            </a:extLst>
-          </a:blip>
-          <a:stretch>
-            <a:fillRect/>
-          </a:stretch>
-        </p:blipFill>
-        <p:spPr>
-          <a:xfrm>
-            <a:off x="5645422" y="8372437"/>
+            <a:off x="6059195" y="7979586"/>
             <a:ext cx="713591" cy="713591"/>
           </a:xfrm>
           <a:prstGeom prst="rect">
@@ -5151,7 +5150,7 @@
           </a:xfrm>
           <a:prstGeom prst="bentConnector3">
             <a:avLst>
-              <a:gd name="adj1" fmla="val 574628"/>
+              <a:gd name="adj1" fmla="val 575698"/>
             </a:avLst>
           </a:prstGeom>
           <a:ln>
@@ -5459,45 +5458,6 @@
       </p:sp>
       <p:pic>
         <p:nvPicPr>
-          <p:cNvPr id="62" name="グラフィックス 61" descr="ドキュメント 枠線">
-            <a:extLst>
-              <a:ext uri="{FF2B5EF4-FFF2-40B4-BE49-F238E27FC236}">
-                <a16:creationId xmlns:a16="http://schemas.microsoft.com/office/drawing/2014/main" id="{144AA3EF-F345-963D-1E8D-98A05BE0EC93}"/>
-              </a:ext>
-            </a:extLst>
-          </p:cNvPr>
-          <p:cNvPicPr>
-            <a:picLocks noChangeAspect="1"/>
-          </p:cNvPicPr>
-          <p:nvPr/>
-        </p:nvPicPr>
-        <p:blipFill>
-          <a:blip r:embed="rId6">
-            <a:extLst>
-              <a:ext uri="{28A0092B-C50C-407E-A947-70E740481C1C}">
-                <a14:useLocalDpi xmlns:a14="http://schemas.microsoft.com/office/drawing/2010/main" val="0"/>
-              </a:ext>
-              <a:ext uri="{96DAC541-7B7A-43D3-8B79-37D633B846F1}">
-                <asvg:svgBlip xmlns:asvg="http://schemas.microsoft.com/office/drawing/2016/SVG/main" r:embed="rId7"/>
-              </a:ext>
-            </a:extLst>
-          </a:blip>
-          <a:stretch>
-            <a:fillRect/>
-          </a:stretch>
-        </p:blipFill>
-        <p:spPr>
-          <a:xfrm>
-            <a:off x="6176557" y="8382067"/>
-            <a:ext cx="713591" cy="713591"/>
-          </a:xfrm>
-          <a:prstGeom prst="rect">
-            <a:avLst/>
-          </a:prstGeom>
-        </p:spPr>
-      </p:pic>
-      <p:pic>
-        <p:nvPicPr>
           <p:cNvPr id="1033" name="Graphic 6" descr="Amazon Bedrock service icon.">
             <a:extLst>
               <a:ext uri="{FF2B5EF4-FFF2-40B4-BE49-F238E27FC236}">
@@ -5523,7 +5483,7 @@
         </p:blipFill>
         <p:spPr>
           <a:xfrm>
-            <a:off x="9685221" y="11948731"/>
+            <a:off x="9685221" y="12093892"/>
             <a:ext cx="768838" cy="768838"/>
           </a:xfrm>
           <a:prstGeom prst="rect">
@@ -6169,7 +6129,7 @@
                 <a:ea typeface="メイリオ" panose="020B0604030504040204" pitchFamily="50" charset="-128"/>
                 <a:cs typeface="Arial" panose="020B0604020202020204" pitchFamily="34" charset="0"/>
               </a:rPr>
-              <a:t>Invoke_model API</a:t>
+              <a:t>invoke_model API</a:t>
             </a:r>
             <a:endParaRPr lang="ja-JP" altLang="en-US" sz="1400" dirty="0">
               <a:latin typeface="メイリオ" panose="020B0604030504040204" pitchFamily="50" charset="-128"/>
@@ -6238,13 +6198,14 @@
           <p:cNvCxnSpPr>
             <a:cxnSpLocks/>
             <a:stCxn id="1045" idx="3"/>
+            <a:endCxn id="1033" idx="1"/>
           </p:cNvCxnSpPr>
           <p:nvPr/>
         </p:nvCxnSpPr>
         <p:spPr>
           <a:xfrm flipV="1">
-            <a:off x="7045751" y="12483240"/>
-            <a:ext cx="2639471" cy="1"/>
+            <a:off x="7045751" y="12478311"/>
+            <a:ext cx="2639470" cy="4930"/>
           </a:xfrm>
           <a:prstGeom prst="straightConnector1">
             <a:avLst/>
@@ -6331,7 +6292,7 @@
         </p:nvSpPr>
         <p:spPr bwMode="auto">
           <a:xfrm>
-            <a:off x="9369588" y="12869713"/>
+            <a:off x="9369588" y="12907789"/>
             <a:ext cx="1400104" cy="307777"/>
           </a:xfrm>
           <a:prstGeom prst="rect">
@@ -6503,41 +6464,6 @@
           </a:p>
         </p:txBody>
       </p:sp>
-      <p:pic>
-        <p:nvPicPr>
-          <p:cNvPr id="1050" name="Graphic 6" descr="Amazon Bedrock service icon.">
-            <a:extLst>
-              <a:ext uri="{FF2B5EF4-FFF2-40B4-BE49-F238E27FC236}">
-                <a16:creationId xmlns:a16="http://schemas.microsoft.com/office/drawing/2014/main" id="{3DD19409-801A-ED97-0203-6C3A540E552B}"/>
-              </a:ext>
-            </a:extLst>
-          </p:cNvPr>
-          <p:cNvPicPr>
-            <a:picLocks noChangeAspect="1"/>
-          </p:cNvPicPr>
-          <p:nvPr/>
-        </p:nvPicPr>
-        <p:blipFill>
-          <a:blip r:embed="rId8">
-            <a:extLst>
-              <a:ext uri="{96DAC541-7B7A-43D3-8B79-37D633B846F1}">
-                <asvg:svgBlip xmlns:asvg="http://schemas.microsoft.com/office/drawing/2016/SVG/main" r:embed="rId9"/>
-              </a:ext>
-            </a:extLst>
-          </a:blip>
-          <a:srcRect/>
-          <a:stretch/>
-        </p:blipFill>
-        <p:spPr>
-          <a:xfrm>
-            <a:off x="9685221" y="12091179"/>
-            <a:ext cx="768838" cy="768838"/>
-          </a:xfrm>
-          <a:prstGeom prst="rect">
-            <a:avLst/>
-          </a:prstGeom>
-        </p:spPr>
-      </p:pic>
       <p:cxnSp>
         <p:nvCxnSpPr>
           <p:cNvPr id="1064" name="コネクタ: カギ線 1063">
@@ -6646,6 +6572,84 @@
           </a:p>
         </p:txBody>
       </p:sp>
+      <p:pic>
+        <p:nvPicPr>
+          <p:cNvPr id="2" name="グラフィックス 1" descr="ドキュメント 枠線">
+            <a:extLst>
+              <a:ext uri="{FF2B5EF4-FFF2-40B4-BE49-F238E27FC236}">
+                <a16:creationId xmlns:a16="http://schemas.microsoft.com/office/drawing/2014/main" id="{C56F103B-6951-DB77-86C7-82A03574C3BA}"/>
+              </a:ext>
+            </a:extLst>
+          </p:cNvPr>
+          <p:cNvPicPr>
+            <a:picLocks noChangeAspect="1"/>
+          </p:cNvPicPr>
+          <p:nvPr/>
+        </p:nvPicPr>
+        <p:blipFill>
+          <a:blip r:embed="rId6">
+            <a:extLst>
+              <a:ext uri="{28A0092B-C50C-407E-A947-70E740481C1C}">
+                <a14:useLocalDpi xmlns:a14="http://schemas.microsoft.com/office/drawing/2010/main" val="0"/>
+              </a:ext>
+              <a:ext uri="{96DAC541-7B7A-43D3-8B79-37D633B846F1}">
+                <asvg:svgBlip xmlns:asvg="http://schemas.microsoft.com/office/drawing/2016/SVG/main" r:embed="rId7"/>
+              </a:ext>
+            </a:extLst>
+          </a:blip>
+          <a:stretch>
+            <a:fillRect/>
+          </a:stretch>
+        </p:blipFill>
+        <p:spPr>
+          <a:xfrm>
+            <a:off x="5678416" y="8389382"/>
+            <a:ext cx="713591" cy="713591"/>
+          </a:xfrm>
+          <a:prstGeom prst="rect">
+            <a:avLst/>
+          </a:prstGeom>
+        </p:spPr>
+      </p:pic>
+      <p:pic>
+        <p:nvPicPr>
+          <p:cNvPr id="4" name="グラフィックス 3" descr="ドキュメント 枠線">
+            <a:extLst>
+              <a:ext uri="{FF2B5EF4-FFF2-40B4-BE49-F238E27FC236}">
+                <a16:creationId xmlns:a16="http://schemas.microsoft.com/office/drawing/2014/main" id="{35DDC3F5-41AD-8024-3B69-3E59BB4245FE}"/>
+              </a:ext>
+            </a:extLst>
+          </p:cNvPr>
+          <p:cNvPicPr>
+            <a:picLocks noChangeAspect="1"/>
+          </p:cNvPicPr>
+          <p:nvPr/>
+        </p:nvPicPr>
+        <p:blipFill>
+          <a:blip r:embed="rId6">
+            <a:extLst>
+              <a:ext uri="{28A0092B-C50C-407E-A947-70E740481C1C}">
+                <a14:useLocalDpi xmlns:a14="http://schemas.microsoft.com/office/drawing/2010/main" val="0"/>
+              </a:ext>
+              <a:ext uri="{96DAC541-7B7A-43D3-8B79-37D633B846F1}">
+                <asvg:svgBlip xmlns:asvg="http://schemas.microsoft.com/office/drawing/2016/SVG/main" r:embed="rId7"/>
+              </a:ext>
+            </a:extLst>
+          </a:blip>
+          <a:stretch>
+            <a:fillRect/>
+          </a:stretch>
+        </p:blipFill>
+        <p:spPr>
+          <a:xfrm>
+            <a:off x="6209106" y="8389382"/>
+            <a:ext cx="713591" cy="713591"/>
+          </a:xfrm>
+          <a:prstGeom prst="rect">
+            <a:avLst/>
+          </a:prstGeom>
+        </p:spPr>
+      </p:pic>
     </p:spTree>
     <p:extLst>
       <p:ext uri="{BB962C8B-B14F-4D97-AF65-F5344CB8AC3E}">
@@ -6676,62 +6680,12 @@
           <a:chExt cx="0" cy="0"/>
         </a:xfrm>
       </p:grpSpPr>
-      <p:sp>
-        <p:nvSpPr>
-          <p:cNvPr id="2" name="タイトル 1">
+      <p:pic>
+        <p:nvPicPr>
+          <p:cNvPr id="3" name="グラフィックス 2" descr="ユーザー 枠線">
             <a:extLst>
               <a:ext uri="{FF2B5EF4-FFF2-40B4-BE49-F238E27FC236}">
-                <a16:creationId xmlns:a16="http://schemas.microsoft.com/office/drawing/2014/main" id="{0731FFBA-C0E1-119B-C426-A7D6DC9D2F61}"/>
-              </a:ext>
-            </a:extLst>
-          </p:cNvPr>
-          <p:cNvSpPr>
-            <a:spLocks noGrp="1"/>
-          </p:cNvSpPr>
-          <p:nvPr>
-            <p:ph type="ctrTitle"/>
-          </p:nvPr>
-        </p:nvSpPr>
-        <p:spPr/>
-        <p:txBody>
-          <a:bodyPr/>
-          <a:lstStyle/>
-          <a:p>
-            <a:endParaRPr kumimoji="1" lang="ja-JP" altLang="en-US"/>
-          </a:p>
-        </p:txBody>
-      </p:sp>
-      <p:sp>
-        <p:nvSpPr>
-          <p:cNvPr id="3" name="字幕 2">
-            <a:extLst>
-              <a:ext uri="{FF2B5EF4-FFF2-40B4-BE49-F238E27FC236}">
-                <a16:creationId xmlns:a16="http://schemas.microsoft.com/office/drawing/2014/main" id="{49EA05AA-253B-F19B-8F7F-840B7300CE7F}"/>
-              </a:ext>
-            </a:extLst>
-          </p:cNvPr>
-          <p:cNvSpPr>
-            <a:spLocks noGrp="1"/>
-          </p:cNvSpPr>
-          <p:nvPr>
-            <p:ph type="subTitle" idx="1"/>
-          </p:nvPr>
-        </p:nvSpPr>
-        <p:spPr/>
-        <p:txBody>
-          <a:bodyPr/>
-          <a:lstStyle/>
-          <a:p>
-            <a:endParaRPr kumimoji="1" lang="ja-JP" altLang="en-US"/>
-          </a:p>
-        </p:txBody>
-      </p:sp>
-      <p:pic>
-        <p:nvPicPr>
-          <p:cNvPr id="4" name="図 3" descr="ダイアグラム&#10;&#10;自動的に生成された説明">
-            <a:extLst>
-              <a:ext uri="{FF2B5EF4-FFF2-40B4-BE49-F238E27FC236}">
-                <a16:creationId xmlns:a16="http://schemas.microsoft.com/office/drawing/2014/main" id="{308679F0-D7CC-D17D-376E-9D885E821072}"/>
+                <a16:creationId xmlns:a16="http://schemas.microsoft.com/office/drawing/2014/main" id="{42BC77E2-5B37-B1E0-E201-09CAA1558575}"/>
               </a:ext>
             </a:extLst>
           </p:cNvPr>
@@ -6746,6 +6700,9 @@
               <a:ext uri="{28A0092B-C50C-407E-A947-70E740481C1C}">
                 <a14:useLocalDpi xmlns:a14="http://schemas.microsoft.com/office/drawing/2010/main" val="0"/>
               </a:ext>
+              <a:ext uri="{96DAC541-7B7A-43D3-8B79-37D633B846F1}">
+                <asvg:svgBlip xmlns:asvg="http://schemas.microsoft.com/office/drawing/2016/SVG/main" r:embed="rId3"/>
+              </a:ext>
             </a:extLst>
           </a:blip>
           <a:stretch>
@@ -6754,18 +6711,1330 @@
         </p:blipFill>
         <p:spPr>
           <a:xfrm>
-            <a:off x="113993" y="6288751"/>
-            <a:ext cx="11964015" cy="5080261"/>
+            <a:off x="888101" y="6229840"/>
+            <a:ext cx="914400" cy="914400"/>
           </a:xfrm>
           <a:prstGeom prst="rect">
             <a:avLst/>
           </a:prstGeom>
         </p:spPr>
       </p:pic>
+      <p:pic>
+        <p:nvPicPr>
+          <p:cNvPr id="5" name="グラフィックス 4" descr="ノート PC 枠線">
+            <a:extLst>
+              <a:ext uri="{FF2B5EF4-FFF2-40B4-BE49-F238E27FC236}">
+                <a16:creationId xmlns:a16="http://schemas.microsoft.com/office/drawing/2014/main" id="{9E5637BB-460C-DDFB-14B1-7F4B7792D0C3}"/>
+              </a:ext>
+            </a:extLst>
+          </p:cNvPr>
+          <p:cNvPicPr>
+            <a:picLocks noChangeAspect="1"/>
+          </p:cNvPicPr>
+          <p:nvPr/>
+        </p:nvPicPr>
+        <p:blipFill>
+          <a:blip r:embed="rId4">
+            <a:extLst>
+              <a:ext uri="{28A0092B-C50C-407E-A947-70E740481C1C}">
+                <a14:useLocalDpi xmlns:a14="http://schemas.microsoft.com/office/drawing/2010/main" val="0"/>
+              </a:ext>
+              <a:ext uri="{96DAC541-7B7A-43D3-8B79-37D633B846F1}">
+                <asvg:svgBlip xmlns:asvg="http://schemas.microsoft.com/office/drawing/2016/SVG/main" r:embed="rId5"/>
+              </a:ext>
+            </a:extLst>
+          </a:blip>
+          <a:stretch>
+            <a:fillRect/>
+          </a:stretch>
+        </p:blipFill>
+        <p:spPr>
+          <a:xfrm>
+            <a:off x="1561058" y="6531323"/>
+            <a:ext cx="914400" cy="914400"/>
+          </a:xfrm>
+          <a:prstGeom prst="rect">
+            <a:avLst/>
+          </a:prstGeom>
+        </p:spPr>
+      </p:pic>
+      <p:sp>
+        <p:nvSpPr>
+          <p:cNvPr id="8" name="テキスト ボックス 7">
+            <a:extLst>
+              <a:ext uri="{FF2B5EF4-FFF2-40B4-BE49-F238E27FC236}">
+                <a16:creationId xmlns:a16="http://schemas.microsoft.com/office/drawing/2014/main" id="{6BBE705A-1D02-715B-47B9-C4782D573369}"/>
+              </a:ext>
+            </a:extLst>
+          </p:cNvPr>
+          <p:cNvSpPr txBox="1"/>
+          <p:nvPr/>
+        </p:nvSpPr>
+        <p:spPr>
+          <a:xfrm>
+            <a:off x="1617566" y="7320401"/>
+            <a:ext cx="801384" cy="369332"/>
+          </a:xfrm>
+          <a:prstGeom prst="rect">
+            <a:avLst/>
+          </a:prstGeom>
+          <a:noFill/>
+        </p:spPr>
+        <p:txBody>
+          <a:bodyPr wrap="square" rtlCol="0">
+            <a:spAutoFit/>
+          </a:bodyPr>
+          <a:lstStyle/>
+          <a:p>
+            <a:r>
+              <a:rPr lang="en-US" altLang="ja-JP" dirty="0">
+                <a:latin typeface="Arial" panose="020B0604020202020204" pitchFamily="34" charset="0"/>
+                <a:cs typeface="Arial" panose="020B0604020202020204" pitchFamily="34" charset="0"/>
+              </a:rPr>
+              <a:t>User</a:t>
+            </a:r>
+            <a:endParaRPr lang="ja-JP" altLang="en-US" dirty="0">
+              <a:latin typeface="Arial" panose="020B0604020202020204" pitchFamily="34" charset="0"/>
+              <a:cs typeface="Arial" panose="020B0604020202020204" pitchFamily="34" charset="0"/>
+            </a:endParaRPr>
+          </a:p>
+        </p:txBody>
+      </p:sp>
+      <p:sp>
+        <p:nvSpPr>
+          <p:cNvPr id="9" name="テキスト ボックス 8">
+            <a:extLst>
+              <a:ext uri="{FF2B5EF4-FFF2-40B4-BE49-F238E27FC236}">
+                <a16:creationId xmlns:a16="http://schemas.microsoft.com/office/drawing/2014/main" id="{9EAFBEEC-C987-CF14-B216-21BB3D97AD8A}"/>
+              </a:ext>
+            </a:extLst>
+          </p:cNvPr>
+          <p:cNvSpPr txBox="1"/>
+          <p:nvPr/>
+        </p:nvSpPr>
+        <p:spPr>
+          <a:xfrm>
+            <a:off x="3103468" y="6461867"/>
+            <a:ext cx="1465780" cy="369332"/>
+          </a:xfrm>
+          <a:prstGeom prst="rect">
+            <a:avLst/>
+          </a:prstGeom>
+          <a:noFill/>
+        </p:spPr>
+        <p:txBody>
+          <a:bodyPr wrap="square" rtlCol="0">
+            <a:spAutoFit/>
+          </a:bodyPr>
+          <a:lstStyle/>
+          <a:p>
+            <a:r>
+              <a:rPr lang="en-US" altLang="ja-JP" dirty="0">
+                <a:latin typeface="Arial" panose="020B0604020202020204" pitchFamily="34" charset="0"/>
+                <a:cs typeface="Arial" panose="020B0604020202020204" pitchFamily="34" charset="0"/>
+              </a:rPr>
+              <a:t>User query</a:t>
+            </a:r>
+            <a:endParaRPr lang="ja-JP" altLang="en-US" dirty="0">
+              <a:latin typeface="Arial" panose="020B0604020202020204" pitchFamily="34" charset="0"/>
+              <a:cs typeface="Arial" panose="020B0604020202020204" pitchFamily="34" charset="0"/>
+            </a:endParaRPr>
+          </a:p>
+        </p:txBody>
+      </p:sp>
+      <p:sp>
+        <p:nvSpPr>
+          <p:cNvPr id="12" name="正方形/長方形 11">
+            <a:extLst>
+              <a:ext uri="{FF2B5EF4-FFF2-40B4-BE49-F238E27FC236}">
+                <a16:creationId xmlns:a16="http://schemas.microsoft.com/office/drawing/2014/main" id="{DD5A4C32-7E04-D791-3775-C39224C05577}"/>
+              </a:ext>
+            </a:extLst>
+          </p:cNvPr>
+          <p:cNvSpPr/>
+          <p:nvPr/>
+        </p:nvSpPr>
+        <p:spPr>
+          <a:xfrm>
+            <a:off x="5160442" y="6533119"/>
+            <a:ext cx="1885309" cy="749792"/>
+          </a:xfrm>
+          <a:prstGeom prst="rect">
+            <a:avLst/>
+          </a:prstGeom>
+        </p:spPr>
+        <p:style>
+          <a:lnRef idx="2">
+            <a:schemeClr val="accent1">
+              <a:shade val="15000"/>
+            </a:schemeClr>
+          </a:lnRef>
+          <a:fillRef idx="1">
+            <a:schemeClr val="accent1"/>
+          </a:fillRef>
+          <a:effectRef idx="0">
+            <a:schemeClr val="accent1"/>
+          </a:effectRef>
+          <a:fontRef idx="minor">
+            <a:schemeClr val="lt1"/>
+          </a:fontRef>
+        </p:style>
+        <p:txBody>
+          <a:bodyPr rtlCol="0" anchor="ctr"/>
+          <a:lstStyle/>
+          <a:p>
+            <a:pPr algn="ctr"/>
+            <a:r>
+              <a:rPr lang="en-US" altLang="ja-JP" sz="1600" dirty="0">
+                <a:latin typeface="Arial" panose="020B0604020202020204" pitchFamily="34" charset="0"/>
+                <a:cs typeface="Arial" panose="020B0604020202020204" pitchFamily="34" charset="0"/>
+              </a:rPr>
+              <a:t>retrieve API</a:t>
+            </a:r>
+            <a:endParaRPr lang="ja-JP" altLang="en-US" sz="1600" dirty="0">
+              <a:latin typeface="Arial" panose="020B0604020202020204" pitchFamily="34" charset="0"/>
+              <a:cs typeface="Arial" panose="020B0604020202020204" pitchFamily="34" charset="0"/>
+            </a:endParaRPr>
+          </a:p>
+        </p:txBody>
+      </p:sp>
+      <p:pic>
+        <p:nvPicPr>
+          <p:cNvPr id="14" name="Graphic 6" descr="Amazon Bedrock service icon.">
+            <a:extLst>
+              <a:ext uri="{FF2B5EF4-FFF2-40B4-BE49-F238E27FC236}">
+                <a16:creationId xmlns:a16="http://schemas.microsoft.com/office/drawing/2014/main" id="{4C0A08BC-11C8-B713-FE48-853A93E03F69}"/>
+              </a:ext>
+            </a:extLst>
+          </p:cNvPr>
+          <p:cNvPicPr>
+            <a:picLocks noChangeAspect="1"/>
+          </p:cNvPicPr>
+          <p:nvPr/>
+        </p:nvPicPr>
+        <p:blipFill>
+          <a:blip r:embed="rId6">
+            <a:extLst>
+              <a:ext uri="{96DAC541-7B7A-43D3-8B79-37D633B846F1}">
+                <asvg:svgBlip xmlns:asvg="http://schemas.microsoft.com/office/drawing/2016/SVG/main" r:embed="rId7"/>
+              </a:ext>
+            </a:extLst>
+          </a:blip>
+          <a:srcRect/>
+          <a:stretch/>
+        </p:blipFill>
+        <p:spPr>
+          <a:xfrm>
+            <a:off x="9685221" y="9426021"/>
+            <a:ext cx="1053240" cy="1053240"/>
+          </a:xfrm>
+          <a:prstGeom prst="rect">
+            <a:avLst/>
+          </a:prstGeom>
+        </p:spPr>
+      </p:pic>
+      <p:sp>
+        <p:nvSpPr>
+          <p:cNvPr id="15" name="TextBox 12">
+            <a:extLst>
+              <a:ext uri="{FF2B5EF4-FFF2-40B4-BE49-F238E27FC236}">
+                <a16:creationId xmlns:a16="http://schemas.microsoft.com/office/drawing/2014/main" id="{0347884A-04A2-A40F-4EA8-E1054961E099}"/>
+              </a:ext>
+            </a:extLst>
+          </p:cNvPr>
+          <p:cNvSpPr txBox="1">
+            <a:spLocks noChangeArrowheads="1"/>
+          </p:cNvSpPr>
+          <p:nvPr/>
+        </p:nvSpPr>
+        <p:spPr bwMode="auto">
+          <a:xfrm>
+            <a:off x="9511789" y="10479261"/>
+            <a:ext cx="1400104" cy="369332"/>
+          </a:xfrm>
+          <a:prstGeom prst="rect">
+            <a:avLst/>
+          </a:prstGeom>
+          <a:noFill/>
+          <a:ln>
+            <a:noFill/>
+          </a:ln>
+          <a:extLst>
+            <a:ext uri="{909E8E84-426E-40DD-AFC4-6F175D3DCCD1}">
+              <a14:hiddenFill xmlns:a14="http://schemas.microsoft.com/office/drawing/2010/main">
+                <a:solidFill>
+                  <a:srgbClr val="FFFFFF"/>
+                </a:solidFill>
+              </a14:hiddenFill>
+            </a:ext>
+            <a:ext uri="{91240B29-F687-4F45-9708-019B960494DF}">
+              <a14:hiddenLine xmlns:a14="http://schemas.microsoft.com/office/drawing/2010/main" w="9525">
+                <a:solidFill>
+                  <a:srgbClr val="000000"/>
+                </a:solidFill>
+                <a:miter lim="800000"/>
+                <a:headEnd/>
+                <a:tailEnd/>
+              </a14:hiddenLine>
+            </a:ext>
+          </a:extLst>
+        </p:spPr>
+        <p:txBody>
+          <a:bodyPr wrap="square">
+            <a:spAutoFit/>
+          </a:bodyPr>
+          <a:lstStyle>
+            <a:defPPr>
+              <a:defRPr lang="en-US"/>
+            </a:defPPr>
+            <a:lvl1pPr algn="l" rtl="0" eaLnBrk="0" fontAlgn="base" hangingPunct="0">
+              <a:spcBef>
+                <a:spcPct val="0"/>
+              </a:spcBef>
+              <a:spcAft>
+                <a:spcPct val="0"/>
+              </a:spcAft>
+              <a:defRPr kern="1200">
+                <a:solidFill>
+                  <a:schemeClr val="tx1"/>
+                </a:solidFill>
+                <a:latin typeface="Calibri" panose="020F0502020204030204" pitchFamily="34" charset="0"/>
+                <a:ea typeface="+mn-ea"/>
+                <a:cs typeface="+mn-cs"/>
+              </a:defRPr>
+            </a:lvl1pPr>
+            <a:lvl2pPr marL="457200" algn="l" rtl="0" eaLnBrk="0" fontAlgn="base" hangingPunct="0">
+              <a:spcBef>
+                <a:spcPct val="0"/>
+              </a:spcBef>
+              <a:spcAft>
+                <a:spcPct val="0"/>
+              </a:spcAft>
+              <a:defRPr kern="1200">
+                <a:solidFill>
+                  <a:schemeClr val="tx1"/>
+                </a:solidFill>
+                <a:latin typeface="Calibri" panose="020F0502020204030204" pitchFamily="34" charset="0"/>
+                <a:ea typeface="+mn-ea"/>
+                <a:cs typeface="+mn-cs"/>
+              </a:defRPr>
+            </a:lvl2pPr>
+            <a:lvl3pPr marL="914400" algn="l" rtl="0" eaLnBrk="0" fontAlgn="base" hangingPunct="0">
+              <a:spcBef>
+                <a:spcPct val="0"/>
+              </a:spcBef>
+              <a:spcAft>
+                <a:spcPct val="0"/>
+              </a:spcAft>
+              <a:defRPr kern="1200">
+                <a:solidFill>
+                  <a:schemeClr val="tx1"/>
+                </a:solidFill>
+                <a:latin typeface="Calibri" panose="020F0502020204030204" pitchFamily="34" charset="0"/>
+                <a:ea typeface="+mn-ea"/>
+                <a:cs typeface="+mn-cs"/>
+              </a:defRPr>
+            </a:lvl3pPr>
+            <a:lvl4pPr marL="1371600" algn="l" rtl="0" eaLnBrk="0" fontAlgn="base" hangingPunct="0">
+              <a:spcBef>
+                <a:spcPct val="0"/>
+              </a:spcBef>
+              <a:spcAft>
+                <a:spcPct val="0"/>
+              </a:spcAft>
+              <a:defRPr kern="1200">
+                <a:solidFill>
+                  <a:schemeClr val="tx1"/>
+                </a:solidFill>
+                <a:latin typeface="Calibri" panose="020F0502020204030204" pitchFamily="34" charset="0"/>
+                <a:ea typeface="+mn-ea"/>
+                <a:cs typeface="+mn-cs"/>
+              </a:defRPr>
+            </a:lvl4pPr>
+            <a:lvl5pPr marL="1828800" algn="l" rtl="0" eaLnBrk="0" fontAlgn="base" hangingPunct="0">
+              <a:spcBef>
+                <a:spcPct val="0"/>
+              </a:spcBef>
+              <a:spcAft>
+                <a:spcPct val="0"/>
+              </a:spcAft>
+              <a:defRPr kern="1200">
+                <a:solidFill>
+                  <a:schemeClr val="tx1"/>
+                </a:solidFill>
+                <a:latin typeface="Calibri" panose="020F0502020204030204" pitchFamily="34" charset="0"/>
+                <a:ea typeface="+mn-ea"/>
+                <a:cs typeface="+mn-cs"/>
+              </a:defRPr>
+            </a:lvl5pPr>
+            <a:lvl6pPr marL="2286000" algn="l" defTabSz="914400" rtl="0" eaLnBrk="1" latinLnBrk="0" hangingPunct="1">
+              <a:defRPr kern="1200">
+                <a:solidFill>
+                  <a:schemeClr val="tx1"/>
+                </a:solidFill>
+                <a:latin typeface="Calibri" panose="020F0502020204030204" pitchFamily="34" charset="0"/>
+                <a:ea typeface="+mn-ea"/>
+                <a:cs typeface="+mn-cs"/>
+              </a:defRPr>
+            </a:lvl6pPr>
+            <a:lvl7pPr marL="2743200" algn="l" defTabSz="914400" rtl="0" eaLnBrk="1" latinLnBrk="0" hangingPunct="1">
+              <a:defRPr kern="1200">
+                <a:solidFill>
+                  <a:schemeClr val="tx1"/>
+                </a:solidFill>
+                <a:latin typeface="Calibri" panose="020F0502020204030204" pitchFamily="34" charset="0"/>
+                <a:ea typeface="+mn-ea"/>
+                <a:cs typeface="+mn-cs"/>
+              </a:defRPr>
+            </a:lvl7pPr>
+            <a:lvl8pPr marL="3200400" algn="l" defTabSz="914400" rtl="0" eaLnBrk="1" latinLnBrk="0" hangingPunct="1">
+              <a:defRPr kern="1200">
+                <a:solidFill>
+                  <a:schemeClr val="tx1"/>
+                </a:solidFill>
+                <a:latin typeface="Calibri" panose="020F0502020204030204" pitchFamily="34" charset="0"/>
+                <a:ea typeface="+mn-ea"/>
+                <a:cs typeface="+mn-cs"/>
+              </a:defRPr>
+            </a:lvl8pPr>
+            <a:lvl9pPr marL="3657600" algn="l" defTabSz="914400" rtl="0" eaLnBrk="1" latinLnBrk="0" hangingPunct="1">
+              <a:defRPr kern="1200">
+                <a:solidFill>
+                  <a:schemeClr val="tx1"/>
+                </a:solidFill>
+                <a:latin typeface="Calibri" panose="020F0502020204030204" pitchFamily="34" charset="0"/>
+                <a:ea typeface="+mn-ea"/>
+                <a:cs typeface="+mn-cs"/>
+              </a:defRPr>
+            </a:lvl9pPr>
+          </a:lstStyle>
+          <a:p>
+            <a:pPr algn="ctr" eaLnBrk="1" hangingPunct="1"/>
+            <a:r>
+              <a:rPr lang="en-US" altLang="en-US" dirty="0">
+                <a:latin typeface="Arial" panose="020B0604020202020204" pitchFamily="34" charset="0"/>
+                <a:ea typeface="Amazon Ember" panose="020B0603020204020204" pitchFamily="34" charset="0"/>
+                <a:cs typeface="Arial" panose="020B0604020202020204" pitchFamily="34" charset="0"/>
+              </a:rPr>
+              <a:t>Bedrock</a:t>
+            </a:r>
+          </a:p>
+        </p:txBody>
+      </p:sp>
+      <p:sp>
+        <p:nvSpPr>
+          <p:cNvPr id="21" name="正方形/長方形 20">
+            <a:extLst>
+              <a:ext uri="{FF2B5EF4-FFF2-40B4-BE49-F238E27FC236}">
+                <a16:creationId xmlns:a16="http://schemas.microsoft.com/office/drawing/2014/main" id="{A7D07F43-234D-10FA-868A-CBDEFDBC41B0}"/>
+              </a:ext>
+            </a:extLst>
+          </p:cNvPr>
+          <p:cNvSpPr/>
+          <p:nvPr/>
+        </p:nvSpPr>
+        <p:spPr>
+          <a:xfrm>
+            <a:off x="5160442" y="9577745"/>
+            <a:ext cx="1885309" cy="749792"/>
+          </a:xfrm>
+          <a:prstGeom prst="rect">
+            <a:avLst/>
+          </a:prstGeom>
+        </p:spPr>
+        <p:style>
+          <a:lnRef idx="2">
+            <a:schemeClr val="accent1">
+              <a:shade val="15000"/>
+            </a:schemeClr>
+          </a:lnRef>
+          <a:fillRef idx="1">
+            <a:schemeClr val="accent1"/>
+          </a:fillRef>
+          <a:effectRef idx="0">
+            <a:schemeClr val="accent1"/>
+          </a:effectRef>
+          <a:fontRef idx="minor">
+            <a:schemeClr val="lt1"/>
+          </a:fontRef>
+        </p:style>
+        <p:txBody>
+          <a:bodyPr rtlCol="0" anchor="ctr"/>
+          <a:lstStyle/>
+          <a:p>
+            <a:pPr algn="ctr"/>
+            <a:r>
+              <a:rPr lang="en-US" altLang="ja-JP" sz="1600" dirty="0">
+                <a:latin typeface="Arial" panose="020B0604020202020204" pitchFamily="34" charset="0"/>
+                <a:cs typeface="Arial" panose="020B0604020202020204" pitchFamily="34" charset="0"/>
+              </a:rPr>
+              <a:t>invoke_model API</a:t>
+            </a:r>
+            <a:endParaRPr lang="ja-JP" altLang="en-US" sz="1600" dirty="0">
+              <a:latin typeface="Arial" panose="020B0604020202020204" pitchFamily="34" charset="0"/>
+              <a:cs typeface="Arial" panose="020B0604020202020204" pitchFamily="34" charset="0"/>
+            </a:endParaRPr>
+          </a:p>
+        </p:txBody>
+      </p:sp>
+      <p:pic>
+        <p:nvPicPr>
+          <p:cNvPr id="1026" name="Picture 2" descr="ナレッジベースは、Amazon Bedrock でフルマネージド型の RAG エクスペリエンスを提供するようになりました | Amazon Web  Services ブログ">
+            <a:extLst>
+              <a:ext uri="{FF2B5EF4-FFF2-40B4-BE49-F238E27FC236}">
+                <a16:creationId xmlns:a16="http://schemas.microsoft.com/office/drawing/2014/main" id="{29BD7976-2EE8-430E-3FA4-761DE0C40633}"/>
+              </a:ext>
+            </a:extLst>
+          </p:cNvPr>
+          <p:cNvPicPr>
+            <a:picLocks noChangeAspect="1" noChangeArrowheads="1"/>
+          </p:cNvPicPr>
+          <p:nvPr/>
+        </p:nvPicPr>
+        <p:blipFill rotWithShape="1">
+          <a:blip r:embed="rId8">
+            <a:extLst>
+              <a:ext uri="{28A0092B-C50C-407E-A947-70E740481C1C}">
+                <a14:useLocalDpi xmlns:a14="http://schemas.microsoft.com/office/drawing/2010/main" val="0"/>
+              </a:ext>
+            </a:extLst>
+          </a:blip>
+          <a:srcRect l="57371" t="13407" r="14584" b="26868"/>
+          <a:stretch/>
+        </p:blipFill>
+        <p:spPr bwMode="auto">
+          <a:xfrm>
+            <a:off x="9685221" y="6381395"/>
+            <a:ext cx="989138" cy="1053240"/>
+          </a:xfrm>
+          <a:prstGeom prst="rect">
+            <a:avLst/>
+          </a:prstGeom>
+          <a:noFill/>
+          <a:extLst>
+            <a:ext uri="{909E8E84-426E-40DD-AFC4-6F175D3DCCD1}">
+              <a14:hiddenFill xmlns:a14="http://schemas.microsoft.com/office/drawing/2010/main">
+                <a:solidFill>
+                  <a:srgbClr val="FFFFFF"/>
+                </a:solidFill>
+              </a14:hiddenFill>
+            </a:ext>
+          </a:extLst>
+        </p:spPr>
+      </p:pic>
+      <p:sp>
+        <p:nvSpPr>
+          <p:cNvPr id="24" name="TextBox 12">
+            <a:extLst>
+              <a:ext uri="{FF2B5EF4-FFF2-40B4-BE49-F238E27FC236}">
+                <a16:creationId xmlns:a16="http://schemas.microsoft.com/office/drawing/2014/main" id="{5F829B28-B81E-C200-FDA7-00CEAF0C3FA3}"/>
+              </a:ext>
+            </a:extLst>
+          </p:cNvPr>
+          <p:cNvSpPr txBox="1">
+            <a:spLocks noChangeArrowheads="1"/>
+          </p:cNvSpPr>
+          <p:nvPr/>
+        </p:nvSpPr>
+        <p:spPr bwMode="auto">
+          <a:xfrm>
+            <a:off x="9064921" y="7434635"/>
+            <a:ext cx="2229738" cy="369332"/>
+          </a:xfrm>
+          <a:prstGeom prst="rect">
+            <a:avLst/>
+          </a:prstGeom>
+          <a:noFill/>
+          <a:ln>
+            <a:noFill/>
+          </a:ln>
+          <a:extLst>
+            <a:ext uri="{909E8E84-426E-40DD-AFC4-6F175D3DCCD1}">
+              <a14:hiddenFill xmlns:a14="http://schemas.microsoft.com/office/drawing/2010/main">
+                <a:solidFill>
+                  <a:srgbClr val="FFFFFF"/>
+                </a:solidFill>
+              </a14:hiddenFill>
+            </a:ext>
+            <a:ext uri="{91240B29-F687-4F45-9708-019B960494DF}">
+              <a14:hiddenLine xmlns:a14="http://schemas.microsoft.com/office/drawing/2010/main" w="9525">
+                <a:solidFill>
+                  <a:srgbClr val="000000"/>
+                </a:solidFill>
+                <a:miter lim="800000"/>
+                <a:headEnd/>
+                <a:tailEnd/>
+              </a14:hiddenLine>
+            </a:ext>
+          </a:extLst>
+        </p:spPr>
+        <p:txBody>
+          <a:bodyPr wrap="square">
+            <a:spAutoFit/>
+          </a:bodyPr>
+          <a:lstStyle>
+            <a:defPPr>
+              <a:defRPr lang="en-US"/>
+            </a:defPPr>
+            <a:lvl1pPr algn="l" rtl="0" eaLnBrk="0" fontAlgn="base" hangingPunct="0">
+              <a:spcBef>
+                <a:spcPct val="0"/>
+              </a:spcBef>
+              <a:spcAft>
+                <a:spcPct val="0"/>
+              </a:spcAft>
+              <a:defRPr kern="1200">
+                <a:solidFill>
+                  <a:schemeClr val="tx1"/>
+                </a:solidFill>
+                <a:latin typeface="Calibri" panose="020F0502020204030204" pitchFamily="34" charset="0"/>
+                <a:ea typeface="+mn-ea"/>
+                <a:cs typeface="+mn-cs"/>
+              </a:defRPr>
+            </a:lvl1pPr>
+            <a:lvl2pPr marL="457200" algn="l" rtl="0" eaLnBrk="0" fontAlgn="base" hangingPunct="0">
+              <a:spcBef>
+                <a:spcPct val="0"/>
+              </a:spcBef>
+              <a:spcAft>
+                <a:spcPct val="0"/>
+              </a:spcAft>
+              <a:defRPr kern="1200">
+                <a:solidFill>
+                  <a:schemeClr val="tx1"/>
+                </a:solidFill>
+                <a:latin typeface="Calibri" panose="020F0502020204030204" pitchFamily="34" charset="0"/>
+                <a:ea typeface="+mn-ea"/>
+                <a:cs typeface="+mn-cs"/>
+              </a:defRPr>
+            </a:lvl2pPr>
+            <a:lvl3pPr marL="914400" algn="l" rtl="0" eaLnBrk="0" fontAlgn="base" hangingPunct="0">
+              <a:spcBef>
+                <a:spcPct val="0"/>
+              </a:spcBef>
+              <a:spcAft>
+                <a:spcPct val="0"/>
+              </a:spcAft>
+              <a:defRPr kern="1200">
+                <a:solidFill>
+                  <a:schemeClr val="tx1"/>
+                </a:solidFill>
+                <a:latin typeface="Calibri" panose="020F0502020204030204" pitchFamily="34" charset="0"/>
+                <a:ea typeface="+mn-ea"/>
+                <a:cs typeface="+mn-cs"/>
+              </a:defRPr>
+            </a:lvl3pPr>
+            <a:lvl4pPr marL="1371600" algn="l" rtl="0" eaLnBrk="0" fontAlgn="base" hangingPunct="0">
+              <a:spcBef>
+                <a:spcPct val="0"/>
+              </a:spcBef>
+              <a:spcAft>
+                <a:spcPct val="0"/>
+              </a:spcAft>
+              <a:defRPr kern="1200">
+                <a:solidFill>
+                  <a:schemeClr val="tx1"/>
+                </a:solidFill>
+                <a:latin typeface="Calibri" panose="020F0502020204030204" pitchFamily="34" charset="0"/>
+                <a:ea typeface="+mn-ea"/>
+                <a:cs typeface="+mn-cs"/>
+              </a:defRPr>
+            </a:lvl4pPr>
+            <a:lvl5pPr marL="1828800" algn="l" rtl="0" eaLnBrk="0" fontAlgn="base" hangingPunct="0">
+              <a:spcBef>
+                <a:spcPct val="0"/>
+              </a:spcBef>
+              <a:spcAft>
+                <a:spcPct val="0"/>
+              </a:spcAft>
+              <a:defRPr kern="1200">
+                <a:solidFill>
+                  <a:schemeClr val="tx1"/>
+                </a:solidFill>
+                <a:latin typeface="Calibri" panose="020F0502020204030204" pitchFamily="34" charset="0"/>
+                <a:ea typeface="+mn-ea"/>
+                <a:cs typeface="+mn-cs"/>
+              </a:defRPr>
+            </a:lvl5pPr>
+            <a:lvl6pPr marL="2286000" algn="l" defTabSz="914400" rtl="0" eaLnBrk="1" latinLnBrk="0" hangingPunct="1">
+              <a:defRPr kern="1200">
+                <a:solidFill>
+                  <a:schemeClr val="tx1"/>
+                </a:solidFill>
+                <a:latin typeface="Calibri" panose="020F0502020204030204" pitchFamily="34" charset="0"/>
+                <a:ea typeface="+mn-ea"/>
+                <a:cs typeface="+mn-cs"/>
+              </a:defRPr>
+            </a:lvl6pPr>
+            <a:lvl7pPr marL="2743200" algn="l" defTabSz="914400" rtl="0" eaLnBrk="1" latinLnBrk="0" hangingPunct="1">
+              <a:defRPr kern="1200">
+                <a:solidFill>
+                  <a:schemeClr val="tx1"/>
+                </a:solidFill>
+                <a:latin typeface="Calibri" panose="020F0502020204030204" pitchFamily="34" charset="0"/>
+                <a:ea typeface="+mn-ea"/>
+                <a:cs typeface="+mn-cs"/>
+              </a:defRPr>
+            </a:lvl7pPr>
+            <a:lvl8pPr marL="3200400" algn="l" defTabSz="914400" rtl="0" eaLnBrk="1" latinLnBrk="0" hangingPunct="1">
+              <a:defRPr kern="1200">
+                <a:solidFill>
+                  <a:schemeClr val="tx1"/>
+                </a:solidFill>
+                <a:latin typeface="Calibri" panose="020F0502020204030204" pitchFamily="34" charset="0"/>
+                <a:ea typeface="+mn-ea"/>
+                <a:cs typeface="+mn-cs"/>
+              </a:defRPr>
+            </a:lvl8pPr>
+            <a:lvl9pPr marL="3657600" algn="l" defTabSz="914400" rtl="0" eaLnBrk="1" latinLnBrk="0" hangingPunct="1">
+              <a:defRPr kern="1200">
+                <a:solidFill>
+                  <a:schemeClr val="tx1"/>
+                </a:solidFill>
+                <a:latin typeface="Calibri" panose="020F0502020204030204" pitchFamily="34" charset="0"/>
+                <a:ea typeface="+mn-ea"/>
+                <a:cs typeface="+mn-cs"/>
+              </a:defRPr>
+            </a:lvl9pPr>
+          </a:lstStyle>
+          <a:p>
+            <a:pPr algn="ctr" eaLnBrk="1" hangingPunct="1"/>
+            <a:r>
+              <a:rPr lang="en-US" altLang="en-US" dirty="0">
+                <a:latin typeface="Arial" panose="020B0604020202020204" pitchFamily="34" charset="0"/>
+                <a:ea typeface="Amazon Ember" panose="020B0603020204020204" pitchFamily="34" charset="0"/>
+                <a:cs typeface="Arial" panose="020B0604020202020204" pitchFamily="34" charset="0"/>
+              </a:rPr>
+              <a:t>Knowledge Base</a:t>
+            </a:r>
+          </a:p>
+        </p:txBody>
+      </p:sp>
+      <p:cxnSp>
+        <p:nvCxnSpPr>
+          <p:cNvPr id="26" name="直線矢印コネクタ 25">
+            <a:extLst>
+              <a:ext uri="{FF2B5EF4-FFF2-40B4-BE49-F238E27FC236}">
+                <a16:creationId xmlns:a16="http://schemas.microsoft.com/office/drawing/2014/main" id="{9935ADF5-4B99-8B53-B822-B64E37153DED}"/>
+              </a:ext>
+            </a:extLst>
+          </p:cNvPr>
+          <p:cNvCxnSpPr>
+            <a:cxnSpLocks/>
+            <a:endCxn id="12" idx="1"/>
+          </p:cNvCxnSpPr>
+          <p:nvPr/>
+        </p:nvCxnSpPr>
+        <p:spPr>
+          <a:xfrm>
+            <a:off x="2512275" y="6908015"/>
+            <a:ext cx="2648167" cy="0"/>
+          </a:xfrm>
+          <a:prstGeom prst="straightConnector1">
+            <a:avLst/>
+          </a:prstGeom>
+          <a:ln>
+            <a:tailEnd type="triangle"/>
+          </a:ln>
+        </p:spPr>
+        <p:style>
+          <a:lnRef idx="2">
+            <a:schemeClr val="dk1"/>
+          </a:lnRef>
+          <a:fillRef idx="0">
+            <a:schemeClr val="dk1"/>
+          </a:fillRef>
+          <a:effectRef idx="1">
+            <a:schemeClr val="dk1"/>
+          </a:effectRef>
+          <a:fontRef idx="minor">
+            <a:schemeClr val="tx1"/>
+          </a:fontRef>
+        </p:style>
+      </p:cxnSp>
+      <p:cxnSp>
+        <p:nvCxnSpPr>
+          <p:cNvPr id="29" name="直線矢印コネクタ 28">
+            <a:extLst>
+              <a:ext uri="{FF2B5EF4-FFF2-40B4-BE49-F238E27FC236}">
+                <a16:creationId xmlns:a16="http://schemas.microsoft.com/office/drawing/2014/main" id="{B57E80D7-FDAC-73AB-B63A-6D3E54428937}"/>
+              </a:ext>
+            </a:extLst>
+          </p:cNvPr>
+          <p:cNvCxnSpPr>
+            <a:cxnSpLocks/>
+            <a:stCxn id="12" idx="3"/>
+          </p:cNvCxnSpPr>
+          <p:nvPr/>
+        </p:nvCxnSpPr>
+        <p:spPr>
+          <a:xfrm>
+            <a:off x="7045751" y="6908015"/>
+            <a:ext cx="2639471" cy="0"/>
+          </a:xfrm>
+          <a:prstGeom prst="straightConnector1">
+            <a:avLst/>
+          </a:prstGeom>
+          <a:ln>
+            <a:tailEnd type="triangle"/>
+          </a:ln>
+        </p:spPr>
+        <p:style>
+          <a:lnRef idx="2">
+            <a:schemeClr val="dk1"/>
+          </a:lnRef>
+          <a:fillRef idx="0">
+            <a:schemeClr val="dk1"/>
+          </a:fillRef>
+          <a:effectRef idx="1">
+            <a:schemeClr val="dk1"/>
+          </a:effectRef>
+          <a:fontRef idx="minor">
+            <a:schemeClr val="tx1"/>
+          </a:fontRef>
+        </p:style>
+      </p:cxnSp>
+      <p:cxnSp>
+        <p:nvCxnSpPr>
+          <p:cNvPr id="33" name="コネクタ: カギ線 32">
+            <a:extLst>
+              <a:ext uri="{FF2B5EF4-FFF2-40B4-BE49-F238E27FC236}">
+                <a16:creationId xmlns:a16="http://schemas.microsoft.com/office/drawing/2014/main" id="{2715210A-0DD8-AA65-DF18-3DC84C2F7179}"/>
+              </a:ext>
+            </a:extLst>
+          </p:cNvPr>
+          <p:cNvCxnSpPr>
+            <a:cxnSpLocks/>
+            <a:stCxn id="24" idx="2"/>
+          </p:cNvCxnSpPr>
+          <p:nvPr/>
+        </p:nvCxnSpPr>
+        <p:spPr>
+          <a:xfrm rot="5400000">
+            <a:off x="8085999" y="6359600"/>
+            <a:ext cx="649425" cy="3538161"/>
+          </a:xfrm>
+          <a:prstGeom prst="bentConnector2">
+            <a:avLst/>
+          </a:prstGeom>
+          <a:ln>
+            <a:solidFill>
+              <a:schemeClr val="tx1"/>
+            </a:solidFill>
+            <a:tailEnd type="triangle"/>
+          </a:ln>
+        </p:spPr>
+        <p:style>
+          <a:lnRef idx="2">
+            <a:schemeClr val="accent1"/>
+          </a:lnRef>
+          <a:fillRef idx="0">
+            <a:schemeClr val="accent1"/>
+          </a:fillRef>
+          <a:effectRef idx="1">
+            <a:schemeClr val="accent1"/>
+          </a:effectRef>
+          <a:fontRef idx="minor">
+            <a:schemeClr val="tx1"/>
+          </a:fontRef>
+        </p:style>
+      </p:cxnSp>
+      <p:pic>
+        <p:nvPicPr>
+          <p:cNvPr id="44" name="グラフィックス 43" descr="ドキュメント 枠線">
+            <a:extLst>
+              <a:ext uri="{FF2B5EF4-FFF2-40B4-BE49-F238E27FC236}">
+                <a16:creationId xmlns:a16="http://schemas.microsoft.com/office/drawing/2014/main" id="{5B45E4FC-AC82-9D61-D9FA-7C9446A3EC01}"/>
+              </a:ext>
+            </a:extLst>
+          </p:cNvPr>
+          <p:cNvPicPr>
+            <a:picLocks noChangeAspect="1"/>
+          </p:cNvPicPr>
+          <p:nvPr/>
+        </p:nvPicPr>
+        <p:blipFill>
+          <a:blip r:embed="rId9">
+            <a:extLst>
+              <a:ext uri="{28A0092B-C50C-407E-A947-70E740481C1C}">
+                <a14:useLocalDpi xmlns:a14="http://schemas.microsoft.com/office/drawing/2010/main" val="0"/>
+              </a:ext>
+              <a:ext uri="{96DAC541-7B7A-43D3-8B79-37D633B846F1}">
+                <asvg:svgBlip xmlns:asvg="http://schemas.microsoft.com/office/drawing/2016/SVG/main" r:embed="rId10"/>
+              </a:ext>
+            </a:extLst>
+          </a:blip>
+          <a:stretch>
+            <a:fillRect/>
+          </a:stretch>
+        </p:blipFill>
+        <p:spPr>
+          <a:xfrm>
+            <a:off x="5707452" y="7873386"/>
+            <a:ext cx="914400" cy="914400"/>
+          </a:xfrm>
+          <a:prstGeom prst="rect">
+            <a:avLst/>
+          </a:prstGeom>
+        </p:spPr>
+      </p:pic>
+      <p:sp>
+        <p:nvSpPr>
+          <p:cNvPr id="47" name="TextBox 12">
+            <a:extLst>
+              <a:ext uri="{FF2B5EF4-FFF2-40B4-BE49-F238E27FC236}">
+                <a16:creationId xmlns:a16="http://schemas.microsoft.com/office/drawing/2014/main" id="{D2EF52F6-1F79-CEE1-0E90-45AD1D416223}"/>
+              </a:ext>
+            </a:extLst>
+          </p:cNvPr>
+          <p:cNvSpPr txBox="1">
+            <a:spLocks noChangeArrowheads="1"/>
+          </p:cNvSpPr>
+          <p:nvPr/>
+        </p:nvSpPr>
+        <p:spPr bwMode="auto">
+          <a:xfrm>
+            <a:off x="5464600" y="8787786"/>
+            <a:ext cx="1400104" cy="369332"/>
+          </a:xfrm>
+          <a:prstGeom prst="rect">
+            <a:avLst/>
+          </a:prstGeom>
+          <a:noFill/>
+          <a:ln>
+            <a:noFill/>
+          </a:ln>
+          <a:extLst>
+            <a:ext uri="{909E8E84-426E-40DD-AFC4-6F175D3DCCD1}">
+              <a14:hiddenFill xmlns:a14="http://schemas.microsoft.com/office/drawing/2010/main">
+                <a:solidFill>
+                  <a:srgbClr val="FFFFFF"/>
+                </a:solidFill>
+              </a14:hiddenFill>
+            </a:ext>
+            <a:ext uri="{91240B29-F687-4F45-9708-019B960494DF}">
+              <a14:hiddenLine xmlns:a14="http://schemas.microsoft.com/office/drawing/2010/main" w="9525">
+                <a:solidFill>
+                  <a:srgbClr val="000000"/>
+                </a:solidFill>
+                <a:miter lim="800000"/>
+                <a:headEnd/>
+                <a:tailEnd/>
+              </a14:hiddenLine>
+            </a:ext>
+          </a:extLst>
+        </p:spPr>
+        <p:txBody>
+          <a:bodyPr wrap="square">
+            <a:spAutoFit/>
+          </a:bodyPr>
+          <a:lstStyle>
+            <a:defPPr>
+              <a:defRPr lang="en-US"/>
+            </a:defPPr>
+            <a:lvl1pPr algn="l" rtl="0" eaLnBrk="0" fontAlgn="base" hangingPunct="0">
+              <a:spcBef>
+                <a:spcPct val="0"/>
+              </a:spcBef>
+              <a:spcAft>
+                <a:spcPct val="0"/>
+              </a:spcAft>
+              <a:defRPr kern="1200">
+                <a:solidFill>
+                  <a:schemeClr val="tx1"/>
+                </a:solidFill>
+                <a:latin typeface="Calibri" panose="020F0502020204030204" pitchFamily="34" charset="0"/>
+                <a:ea typeface="+mn-ea"/>
+                <a:cs typeface="+mn-cs"/>
+              </a:defRPr>
+            </a:lvl1pPr>
+            <a:lvl2pPr marL="457200" algn="l" rtl="0" eaLnBrk="0" fontAlgn="base" hangingPunct="0">
+              <a:spcBef>
+                <a:spcPct val="0"/>
+              </a:spcBef>
+              <a:spcAft>
+                <a:spcPct val="0"/>
+              </a:spcAft>
+              <a:defRPr kern="1200">
+                <a:solidFill>
+                  <a:schemeClr val="tx1"/>
+                </a:solidFill>
+                <a:latin typeface="Calibri" panose="020F0502020204030204" pitchFamily="34" charset="0"/>
+                <a:ea typeface="+mn-ea"/>
+                <a:cs typeface="+mn-cs"/>
+              </a:defRPr>
+            </a:lvl2pPr>
+            <a:lvl3pPr marL="914400" algn="l" rtl="0" eaLnBrk="0" fontAlgn="base" hangingPunct="0">
+              <a:spcBef>
+                <a:spcPct val="0"/>
+              </a:spcBef>
+              <a:spcAft>
+                <a:spcPct val="0"/>
+              </a:spcAft>
+              <a:defRPr kern="1200">
+                <a:solidFill>
+                  <a:schemeClr val="tx1"/>
+                </a:solidFill>
+                <a:latin typeface="Calibri" panose="020F0502020204030204" pitchFamily="34" charset="0"/>
+                <a:ea typeface="+mn-ea"/>
+                <a:cs typeface="+mn-cs"/>
+              </a:defRPr>
+            </a:lvl3pPr>
+            <a:lvl4pPr marL="1371600" algn="l" rtl="0" eaLnBrk="0" fontAlgn="base" hangingPunct="0">
+              <a:spcBef>
+                <a:spcPct val="0"/>
+              </a:spcBef>
+              <a:spcAft>
+                <a:spcPct val="0"/>
+              </a:spcAft>
+              <a:defRPr kern="1200">
+                <a:solidFill>
+                  <a:schemeClr val="tx1"/>
+                </a:solidFill>
+                <a:latin typeface="Calibri" panose="020F0502020204030204" pitchFamily="34" charset="0"/>
+                <a:ea typeface="+mn-ea"/>
+                <a:cs typeface="+mn-cs"/>
+              </a:defRPr>
+            </a:lvl4pPr>
+            <a:lvl5pPr marL="1828800" algn="l" rtl="0" eaLnBrk="0" fontAlgn="base" hangingPunct="0">
+              <a:spcBef>
+                <a:spcPct val="0"/>
+              </a:spcBef>
+              <a:spcAft>
+                <a:spcPct val="0"/>
+              </a:spcAft>
+              <a:defRPr kern="1200">
+                <a:solidFill>
+                  <a:schemeClr val="tx1"/>
+                </a:solidFill>
+                <a:latin typeface="Calibri" panose="020F0502020204030204" pitchFamily="34" charset="0"/>
+                <a:ea typeface="+mn-ea"/>
+                <a:cs typeface="+mn-cs"/>
+              </a:defRPr>
+            </a:lvl5pPr>
+            <a:lvl6pPr marL="2286000" algn="l" defTabSz="914400" rtl="0" eaLnBrk="1" latinLnBrk="0" hangingPunct="1">
+              <a:defRPr kern="1200">
+                <a:solidFill>
+                  <a:schemeClr val="tx1"/>
+                </a:solidFill>
+                <a:latin typeface="Calibri" panose="020F0502020204030204" pitchFamily="34" charset="0"/>
+                <a:ea typeface="+mn-ea"/>
+                <a:cs typeface="+mn-cs"/>
+              </a:defRPr>
+            </a:lvl6pPr>
+            <a:lvl7pPr marL="2743200" algn="l" defTabSz="914400" rtl="0" eaLnBrk="1" latinLnBrk="0" hangingPunct="1">
+              <a:defRPr kern="1200">
+                <a:solidFill>
+                  <a:schemeClr val="tx1"/>
+                </a:solidFill>
+                <a:latin typeface="Calibri" panose="020F0502020204030204" pitchFamily="34" charset="0"/>
+                <a:ea typeface="+mn-ea"/>
+                <a:cs typeface="+mn-cs"/>
+              </a:defRPr>
+            </a:lvl7pPr>
+            <a:lvl8pPr marL="3200400" algn="l" defTabSz="914400" rtl="0" eaLnBrk="1" latinLnBrk="0" hangingPunct="1">
+              <a:defRPr kern="1200">
+                <a:solidFill>
+                  <a:schemeClr val="tx1"/>
+                </a:solidFill>
+                <a:latin typeface="Calibri" panose="020F0502020204030204" pitchFamily="34" charset="0"/>
+                <a:ea typeface="+mn-ea"/>
+                <a:cs typeface="+mn-cs"/>
+              </a:defRPr>
+            </a:lvl8pPr>
+            <a:lvl9pPr marL="3657600" algn="l" defTabSz="914400" rtl="0" eaLnBrk="1" latinLnBrk="0" hangingPunct="1">
+              <a:defRPr kern="1200">
+                <a:solidFill>
+                  <a:schemeClr val="tx1"/>
+                </a:solidFill>
+                <a:latin typeface="Calibri" panose="020F0502020204030204" pitchFamily="34" charset="0"/>
+                <a:ea typeface="+mn-ea"/>
+                <a:cs typeface="+mn-cs"/>
+              </a:defRPr>
+            </a:lvl9pPr>
+          </a:lstStyle>
+          <a:p>
+            <a:pPr algn="ctr" eaLnBrk="1" hangingPunct="1"/>
+            <a:r>
+              <a:rPr lang="en-US" altLang="en-US" dirty="0">
+                <a:latin typeface="Arial" panose="020B0604020202020204" pitchFamily="34" charset="0"/>
+                <a:ea typeface="Amazon Ember" panose="020B0603020204020204" pitchFamily="34" charset="0"/>
+                <a:cs typeface="Arial" panose="020B0604020202020204" pitchFamily="34" charset="0"/>
+              </a:rPr>
+              <a:t>Contexts</a:t>
+            </a:r>
+          </a:p>
+        </p:txBody>
+      </p:sp>
+      <p:sp>
+        <p:nvSpPr>
+          <p:cNvPr id="51" name="テキスト ボックス 50">
+            <a:extLst>
+              <a:ext uri="{FF2B5EF4-FFF2-40B4-BE49-F238E27FC236}">
+                <a16:creationId xmlns:a16="http://schemas.microsoft.com/office/drawing/2014/main" id="{037D6BB2-A43A-197A-A3D3-C28915F0631A}"/>
+              </a:ext>
+            </a:extLst>
+          </p:cNvPr>
+          <p:cNvSpPr txBox="1"/>
+          <p:nvPr/>
+        </p:nvSpPr>
+        <p:spPr>
+          <a:xfrm>
+            <a:off x="7499927" y="8066591"/>
+            <a:ext cx="1053240" cy="369332"/>
+          </a:xfrm>
+          <a:prstGeom prst="rect">
+            <a:avLst/>
+          </a:prstGeom>
+          <a:noFill/>
+        </p:spPr>
+        <p:txBody>
+          <a:bodyPr wrap="square" rtlCol="0">
+            <a:spAutoFit/>
+          </a:bodyPr>
+          <a:lstStyle/>
+          <a:p>
+            <a:r>
+              <a:rPr lang="en-US" altLang="ja-JP" dirty="0">
+                <a:latin typeface="Arial" panose="020B0604020202020204" pitchFamily="34" charset="0"/>
+                <a:cs typeface="Arial" panose="020B0604020202020204" pitchFamily="34" charset="0"/>
+              </a:rPr>
+              <a:t>Retrieve</a:t>
+            </a:r>
+            <a:endParaRPr lang="ja-JP" altLang="en-US" dirty="0">
+              <a:latin typeface="Arial" panose="020B0604020202020204" pitchFamily="34" charset="0"/>
+              <a:cs typeface="Arial" panose="020B0604020202020204" pitchFamily="34" charset="0"/>
+            </a:endParaRPr>
+          </a:p>
+        </p:txBody>
+      </p:sp>
+      <p:cxnSp>
+        <p:nvCxnSpPr>
+          <p:cNvPr id="54" name="コネクタ: カギ線 53">
+            <a:extLst>
+              <a:ext uri="{FF2B5EF4-FFF2-40B4-BE49-F238E27FC236}">
+                <a16:creationId xmlns:a16="http://schemas.microsoft.com/office/drawing/2014/main" id="{9965ECF0-E10E-08F7-5BAA-658889374259}"/>
+              </a:ext>
+            </a:extLst>
+          </p:cNvPr>
+          <p:cNvCxnSpPr>
+            <a:cxnSpLocks/>
+            <a:endCxn id="21" idx="1"/>
+          </p:cNvCxnSpPr>
+          <p:nvPr/>
+        </p:nvCxnSpPr>
+        <p:spPr>
+          <a:xfrm rot="5400000">
+            <a:off x="4631937" y="8981899"/>
+            <a:ext cx="1499247" cy="442236"/>
+          </a:xfrm>
+          <a:prstGeom prst="bentConnector4">
+            <a:avLst>
+              <a:gd name="adj1" fmla="val 648"/>
+              <a:gd name="adj2" fmla="val 656549"/>
+            </a:avLst>
+          </a:prstGeom>
+          <a:ln>
+            <a:solidFill>
+              <a:schemeClr val="tx1"/>
+            </a:solidFill>
+            <a:tailEnd type="triangle"/>
+          </a:ln>
+        </p:spPr>
+        <p:style>
+          <a:lnRef idx="2">
+            <a:schemeClr val="accent1"/>
+          </a:lnRef>
+          <a:fillRef idx="0">
+            <a:schemeClr val="accent1"/>
+          </a:fillRef>
+          <a:effectRef idx="1">
+            <a:schemeClr val="accent1"/>
+          </a:effectRef>
+          <a:fontRef idx="minor">
+            <a:schemeClr val="tx1"/>
+          </a:fontRef>
+        </p:style>
+      </p:cxnSp>
+      <p:sp>
+        <p:nvSpPr>
+          <p:cNvPr id="1024" name="テキスト ボックス 1023">
+            <a:extLst>
+              <a:ext uri="{FF2B5EF4-FFF2-40B4-BE49-F238E27FC236}">
+                <a16:creationId xmlns:a16="http://schemas.microsoft.com/office/drawing/2014/main" id="{9FC49214-C1C6-7B92-06F5-6CF436F58941}"/>
+              </a:ext>
+            </a:extLst>
+          </p:cNvPr>
+          <p:cNvSpPr txBox="1"/>
+          <p:nvPr/>
+        </p:nvSpPr>
+        <p:spPr>
+          <a:xfrm>
+            <a:off x="2887106" y="8052619"/>
+            <a:ext cx="2648168" cy="369332"/>
+          </a:xfrm>
+          <a:prstGeom prst="rect">
+            <a:avLst/>
+          </a:prstGeom>
+          <a:noFill/>
+        </p:spPr>
+        <p:txBody>
+          <a:bodyPr wrap="square" rtlCol="0">
+            <a:spAutoFit/>
+          </a:bodyPr>
+          <a:lstStyle/>
+          <a:p>
+            <a:r>
+              <a:rPr lang="en-US" altLang="ja-JP" dirty="0">
+                <a:latin typeface="Arial" panose="020B0604020202020204" pitchFamily="34" charset="0"/>
+                <a:cs typeface="Arial" panose="020B0604020202020204" pitchFamily="34" charset="0"/>
+              </a:rPr>
+              <a:t>Prompt Augmentation</a:t>
+            </a:r>
+            <a:endParaRPr lang="ja-JP" altLang="en-US" dirty="0">
+              <a:latin typeface="Arial" panose="020B0604020202020204" pitchFamily="34" charset="0"/>
+              <a:cs typeface="Arial" panose="020B0604020202020204" pitchFamily="34" charset="0"/>
+            </a:endParaRPr>
+          </a:p>
+        </p:txBody>
+      </p:sp>
+      <p:cxnSp>
+        <p:nvCxnSpPr>
+          <p:cNvPr id="1027" name="直線矢印コネクタ 1026">
+            <a:extLst>
+              <a:ext uri="{FF2B5EF4-FFF2-40B4-BE49-F238E27FC236}">
+                <a16:creationId xmlns:a16="http://schemas.microsoft.com/office/drawing/2014/main" id="{588580B4-7C80-8FFA-2BFE-82B56EAACBBD}"/>
+              </a:ext>
+            </a:extLst>
+          </p:cNvPr>
+          <p:cNvCxnSpPr>
+            <a:cxnSpLocks/>
+            <a:stCxn id="21" idx="3"/>
+            <a:endCxn id="14" idx="1"/>
+          </p:cNvCxnSpPr>
+          <p:nvPr/>
+        </p:nvCxnSpPr>
+        <p:spPr>
+          <a:xfrm>
+            <a:off x="7045751" y="9952641"/>
+            <a:ext cx="2639471" cy="0"/>
+          </a:xfrm>
+          <a:prstGeom prst="straightConnector1">
+            <a:avLst/>
+          </a:prstGeom>
+          <a:ln>
+            <a:tailEnd type="triangle"/>
+          </a:ln>
+        </p:spPr>
+        <p:style>
+          <a:lnRef idx="2">
+            <a:schemeClr val="dk1"/>
+          </a:lnRef>
+          <a:fillRef idx="0">
+            <a:schemeClr val="dk1"/>
+          </a:fillRef>
+          <a:effectRef idx="1">
+            <a:schemeClr val="dk1"/>
+          </a:effectRef>
+          <a:fontRef idx="minor">
+            <a:schemeClr val="tx1"/>
+          </a:fontRef>
+        </p:style>
+      </p:cxnSp>
+      <p:cxnSp>
+        <p:nvCxnSpPr>
+          <p:cNvPr id="1031" name="コネクタ: カギ線 1030">
+            <a:extLst>
+              <a:ext uri="{FF2B5EF4-FFF2-40B4-BE49-F238E27FC236}">
+                <a16:creationId xmlns:a16="http://schemas.microsoft.com/office/drawing/2014/main" id="{F7652283-CD3F-3CBC-C872-14FCB6F6E106}"/>
+              </a:ext>
+            </a:extLst>
+          </p:cNvPr>
+          <p:cNvCxnSpPr>
+            <a:cxnSpLocks/>
+            <a:stCxn id="15" idx="2"/>
+            <a:endCxn id="8" idx="2"/>
+          </p:cNvCxnSpPr>
+          <p:nvPr/>
+        </p:nvCxnSpPr>
+        <p:spPr>
+          <a:xfrm rot="5400000" flipH="1">
+            <a:off x="4535620" y="5172373"/>
+            <a:ext cx="3158860" cy="8193583"/>
+          </a:xfrm>
+          <a:prstGeom prst="bentConnector3">
+            <a:avLst>
+              <a:gd name="adj1" fmla="val -18092"/>
+            </a:avLst>
+          </a:prstGeom>
+          <a:ln>
+            <a:solidFill>
+              <a:schemeClr val="tx1"/>
+            </a:solidFill>
+            <a:tailEnd type="triangle"/>
+          </a:ln>
+        </p:spPr>
+        <p:style>
+          <a:lnRef idx="2">
+            <a:schemeClr val="accent1"/>
+          </a:lnRef>
+          <a:fillRef idx="0">
+            <a:schemeClr val="accent1"/>
+          </a:fillRef>
+          <a:effectRef idx="1">
+            <a:schemeClr val="accent1"/>
+          </a:effectRef>
+          <a:fontRef idx="minor">
+            <a:schemeClr val="tx1"/>
+          </a:fontRef>
+        </p:style>
+      </p:cxnSp>
+      <p:sp>
+        <p:nvSpPr>
+          <p:cNvPr id="1055" name="テキスト ボックス 1054">
+            <a:extLst>
+              <a:ext uri="{FF2B5EF4-FFF2-40B4-BE49-F238E27FC236}">
+                <a16:creationId xmlns:a16="http://schemas.microsoft.com/office/drawing/2014/main" id="{7078DCFD-AF49-8CCF-E012-40F97C7B14D6}"/>
+              </a:ext>
+            </a:extLst>
+          </p:cNvPr>
+          <p:cNvSpPr txBox="1"/>
+          <p:nvPr/>
+        </p:nvSpPr>
+        <p:spPr>
+          <a:xfrm>
+            <a:off x="7277955" y="11026814"/>
+            <a:ext cx="2265510" cy="369332"/>
+          </a:xfrm>
+          <a:prstGeom prst="rect">
+            <a:avLst/>
+          </a:prstGeom>
+          <a:noFill/>
+        </p:spPr>
+        <p:txBody>
+          <a:bodyPr wrap="square" rtlCol="0">
+            <a:spAutoFit/>
+          </a:bodyPr>
+          <a:lstStyle/>
+          <a:p>
+            <a:r>
+              <a:rPr lang="en-US" altLang="ja-JP" dirty="0">
+                <a:latin typeface="Arial" panose="020B0604020202020204" pitchFamily="34" charset="0"/>
+                <a:cs typeface="Arial" panose="020B0604020202020204" pitchFamily="34" charset="0"/>
+              </a:rPr>
+              <a:t>Generate response</a:t>
+            </a:r>
+            <a:endParaRPr lang="ja-JP" altLang="en-US" dirty="0">
+              <a:latin typeface="Arial" panose="020B0604020202020204" pitchFamily="34" charset="0"/>
+              <a:cs typeface="Arial" panose="020B0604020202020204" pitchFamily="34" charset="0"/>
+            </a:endParaRPr>
+          </a:p>
+        </p:txBody>
+      </p:sp>
     </p:spTree>
     <p:extLst>
       <p:ext uri="{BB962C8B-B14F-4D97-AF65-F5344CB8AC3E}">
-        <p14:creationId xmlns:p14="http://schemas.microsoft.com/office/powerpoint/2010/main" val="3041682073"/>
+        <p14:creationId xmlns:p14="http://schemas.microsoft.com/office/powerpoint/2010/main" val="1063121498"/>
       </p:ext>
     </p:extLst>
   </p:cSld>
@@ -6792,12 +8061,62 @@
           <a:chExt cx="0" cy="0"/>
         </a:xfrm>
       </p:grpSpPr>
+      <p:sp>
+        <p:nvSpPr>
+          <p:cNvPr id="2" name="タイトル 1">
+            <a:extLst>
+              <a:ext uri="{FF2B5EF4-FFF2-40B4-BE49-F238E27FC236}">
+                <a16:creationId xmlns:a16="http://schemas.microsoft.com/office/drawing/2014/main" id="{0731FFBA-C0E1-119B-C426-A7D6DC9D2F61}"/>
+              </a:ext>
+            </a:extLst>
+          </p:cNvPr>
+          <p:cNvSpPr>
+            <a:spLocks noGrp="1"/>
+          </p:cNvSpPr>
+          <p:nvPr>
+            <p:ph type="ctrTitle"/>
+          </p:nvPr>
+        </p:nvSpPr>
+        <p:spPr/>
+        <p:txBody>
+          <a:bodyPr/>
+          <a:lstStyle/>
+          <a:p>
+            <a:endParaRPr kumimoji="1" lang="ja-JP" altLang="en-US"/>
+          </a:p>
+        </p:txBody>
+      </p:sp>
+      <p:sp>
+        <p:nvSpPr>
+          <p:cNvPr id="3" name="字幕 2">
+            <a:extLst>
+              <a:ext uri="{FF2B5EF4-FFF2-40B4-BE49-F238E27FC236}">
+                <a16:creationId xmlns:a16="http://schemas.microsoft.com/office/drawing/2014/main" id="{49EA05AA-253B-F19B-8F7F-840B7300CE7F}"/>
+              </a:ext>
+            </a:extLst>
+          </p:cNvPr>
+          <p:cNvSpPr>
+            <a:spLocks noGrp="1"/>
+          </p:cNvSpPr>
+          <p:nvPr>
+            <p:ph type="subTitle" idx="1"/>
+          </p:nvPr>
+        </p:nvSpPr>
+        <p:spPr/>
+        <p:txBody>
+          <a:bodyPr/>
+          <a:lstStyle/>
+          <a:p>
+            <a:endParaRPr kumimoji="1" lang="ja-JP" altLang="en-US"/>
+          </a:p>
+        </p:txBody>
+      </p:sp>
       <p:pic>
         <p:nvPicPr>
-          <p:cNvPr id="3" name="グラフィックス 2" descr="ユーザー 枠線">
+          <p:cNvPr id="4" name="図 3" descr="ダイアグラム&#10;&#10;自動的に生成された説明">
             <a:extLst>
               <a:ext uri="{FF2B5EF4-FFF2-40B4-BE49-F238E27FC236}">
-                <a16:creationId xmlns:a16="http://schemas.microsoft.com/office/drawing/2014/main" id="{42BC77E2-5B37-B1E0-E201-09CAA1558575}"/>
+                <a16:creationId xmlns:a16="http://schemas.microsoft.com/office/drawing/2014/main" id="{308679F0-D7CC-D17D-376E-9D885E821072}"/>
               </a:ext>
             </a:extLst>
           </p:cNvPr>
@@ -6812,9 +8131,6 @@
               <a:ext uri="{28A0092B-C50C-407E-A947-70E740481C1C}">
                 <a14:useLocalDpi xmlns:a14="http://schemas.microsoft.com/office/drawing/2010/main" val="0"/>
               </a:ext>
-              <a:ext uri="{96DAC541-7B7A-43D3-8B79-37D633B846F1}">
-                <asvg:svgBlip xmlns:asvg="http://schemas.microsoft.com/office/drawing/2016/SVG/main" r:embed="rId3"/>
-              </a:ext>
             </a:extLst>
           </a:blip>
           <a:stretch>
@@ -6823,1337 +8139,18 @@
         </p:blipFill>
         <p:spPr>
           <a:xfrm>
-            <a:off x="888101" y="6229840"/>
-            <a:ext cx="914400" cy="914400"/>
+            <a:off x="113993" y="6288751"/>
+            <a:ext cx="11964015" cy="5080261"/>
           </a:xfrm>
           <a:prstGeom prst="rect">
             <a:avLst/>
           </a:prstGeom>
         </p:spPr>
       </p:pic>
-      <p:pic>
-        <p:nvPicPr>
-          <p:cNvPr id="5" name="グラフィックス 4" descr="ノート PC 枠線">
-            <a:extLst>
-              <a:ext uri="{FF2B5EF4-FFF2-40B4-BE49-F238E27FC236}">
-                <a16:creationId xmlns:a16="http://schemas.microsoft.com/office/drawing/2014/main" id="{9E5637BB-460C-DDFB-14B1-7F4B7792D0C3}"/>
-              </a:ext>
-            </a:extLst>
-          </p:cNvPr>
-          <p:cNvPicPr>
-            <a:picLocks noChangeAspect="1"/>
-          </p:cNvPicPr>
-          <p:nvPr/>
-        </p:nvPicPr>
-        <p:blipFill>
-          <a:blip r:embed="rId4">
-            <a:extLst>
-              <a:ext uri="{28A0092B-C50C-407E-A947-70E740481C1C}">
-                <a14:useLocalDpi xmlns:a14="http://schemas.microsoft.com/office/drawing/2010/main" val="0"/>
-              </a:ext>
-              <a:ext uri="{96DAC541-7B7A-43D3-8B79-37D633B846F1}">
-                <asvg:svgBlip xmlns:asvg="http://schemas.microsoft.com/office/drawing/2016/SVG/main" r:embed="rId5"/>
-              </a:ext>
-            </a:extLst>
-          </a:blip>
-          <a:stretch>
-            <a:fillRect/>
-          </a:stretch>
-        </p:blipFill>
-        <p:spPr>
-          <a:xfrm>
-            <a:off x="1561058" y="6531323"/>
-            <a:ext cx="914400" cy="914400"/>
-          </a:xfrm>
-          <a:prstGeom prst="rect">
-            <a:avLst/>
-          </a:prstGeom>
-        </p:spPr>
-      </p:pic>
-      <p:sp>
-        <p:nvSpPr>
-          <p:cNvPr id="8" name="テキスト ボックス 7">
-            <a:extLst>
-              <a:ext uri="{FF2B5EF4-FFF2-40B4-BE49-F238E27FC236}">
-                <a16:creationId xmlns:a16="http://schemas.microsoft.com/office/drawing/2014/main" id="{6BBE705A-1D02-715B-47B9-C4782D573369}"/>
-              </a:ext>
-            </a:extLst>
-          </p:cNvPr>
-          <p:cNvSpPr txBox="1"/>
-          <p:nvPr/>
-        </p:nvSpPr>
-        <p:spPr>
-          <a:xfrm>
-            <a:off x="1617566" y="7320401"/>
-            <a:ext cx="801384" cy="369332"/>
-          </a:xfrm>
-          <a:prstGeom prst="rect">
-            <a:avLst/>
-          </a:prstGeom>
-          <a:noFill/>
-        </p:spPr>
-        <p:txBody>
-          <a:bodyPr wrap="square" rtlCol="0">
-            <a:spAutoFit/>
-          </a:bodyPr>
-          <a:lstStyle/>
-          <a:p>
-            <a:r>
-              <a:rPr lang="en-US" altLang="ja-JP" dirty="0">
-                <a:latin typeface="Arial" panose="020B0604020202020204" pitchFamily="34" charset="0"/>
-                <a:cs typeface="Arial" panose="020B0604020202020204" pitchFamily="34" charset="0"/>
-              </a:rPr>
-              <a:t>User</a:t>
-            </a:r>
-            <a:endParaRPr lang="ja-JP" altLang="en-US" dirty="0">
-              <a:latin typeface="Arial" panose="020B0604020202020204" pitchFamily="34" charset="0"/>
-              <a:cs typeface="Arial" panose="020B0604020202020204" pitchFamily="34" charset="0"/>
-            </a:endParaRPr>
-          </a:p>
-        </p:txBody>
-      </p:sp>
-      <p:sp>
-        <p:nvSpPr>
-          <p:cNvPr id="9" name="テキスト ボックス 8">
-            <a:extLst>
-              <a:ext uri="{FF2B5EF4-FFF2-40B4-BE49-F238E27FC236}">
-                <a16:creationId xmlns:a16="http://schemas.microsoft.com/office/drawing/2014/main" id="{9EAFBEEC-C987-CF14-B216-21BB3D97AD8A}"/>
-              </a:ext>
-            </a:extLst>
-          </p:cNvPr>
-          <p:cNvSpPr txBox="1"/>
-          <p:nvPr/>
-        </p:nvSpPr>
-        <p:spPr>
-          <a:xfrm>
-            <a:off x="3103468" y="6461867"/>
-            <a:ext cx="1465780" cy="369332"/>
-          </a:xfrm>
-          <a:prstGeom prst="rect">
-            <a:avLst/>
-          </a:prstGeom>
-          <a:noFill/>
-        </p:spPr>
-        <p:txBody>
-          <a:bodyPr wrap="square" rtlCol="0">
-            <a:spAutoFit/>
-          </a:bodyPr>
-          <a:lstStyle/>
-          <a:p>
-            <a:r>
-              <a:rPr lang="en-US" altLang="ja-JP" dirty="0">
-                <a:latin typeface="Arial" panose="020B0604020202020204" pitchFamily="34" charset="0"/>
-                <a:cs typeface="Arial" panose="020B0604020202020204" pitchFamily="34" charset="0"/>
-              </a:rPr>
-              <a:t>User query</a:t>
-            </a:r>
-            <a:endParaRPr lang="ja-JP" altLang="en-US" dirty="0">
-              <a:latin typeface="Arial" panose="020B0604020202020204" pitchFamily="34" charset="0"/>
-              <a:cs typeface="Arial" panose="020B0604020202020204" pitchFamily="34" charset="0"/>
-            </a:endParaRPr>
-          </a:p>
-        </p:txBody>
-      </p:sp>
-      <p:sp>
-        <p:nvSpPr>
-          <p:cNvPr id="12" name="正方形/長方形 11">
-            <a:extLst>
-              <a:ext uri="{FF2B5EF4-FFF2-40B4-BE49-F238E27FC236}">
-                <a16:creationId xmlns:a16="http://schemas.microsoft.com/office/drawing/2014/main" id="{DD5A4C32-7E04-D791-3775-C39224C05577}"/>
-              </a:ext>
-            </a:extLst>
-          </p:cNvPr>
-          <p:cNvSpPr/>
-          <p:nvPr/>
-        </p:nvSpPr>
-        <p:spPr>
-          <a:xfrm>
-            <a:off x="5160442" y="6533119"/>
-            <a:ext cx="1885309" cy="749792"/>
-          </a:xfrm>
-          <a:prstGeom prst="rect">
-            <a:avLst/>
-          </a:prstGeom>
-        </p:spPr>
-        <p:style>
-          <a:lnRef idx="2">
-            <a:schemeClr val="accent1">
-              <a:shade val="15000"/>
-            </a:schemeClr>
-          </a:lnRef>
-          <a:fillRef idx="1">
-            <a:schemeClr val="accent1"/>
-          </a:fillRef>
-          <a:effectRef idx="0">
-            <a:schemeClr val="accent1"/>
-          </a:effectRef>
-          <a:fontRef idx="minor">
-            <a:schemeClr val="lt1"/>
-          </a:fontRef>
-        </p:style>
-        <p:txBody>
-          <a:bodyPr rtlCol="0" anchor="ctr"/>
-          <a:lstStyle/>
-          <a:p>
-            <a:pPr algn="ctr"/>
-            <a:r>
-              <a:rPr lang="en-US" altLang="ja-JP" sz="1600" dirty="0">
-                <a:latin typeface="Arial" panose="020B0604020202020204" pitchFamily="34" charset="0"/>
-                <a:cs typeface="Arial" panose="020B0604020202020204" pitchFamily="34" charset="0"/>
-              </a:rPr>
-              <a:t>Retrieve API</a:t>
-            </a:r>
-            <a:endParaRPr lang="ja-JP" altLang="en-US" sz="1600" dirty="0">
-              <a:latin typeface="Arial" panose="020B0604020202020204" pitchFamily="34" charset="0"/>
-              <a:cs typeface="Arial" panose="020B0604020202020204" pitchFamily="34" charset="0"/>
-            </a:endParaRPr>
-          </a:p>
-        </p:txBody>
-      </p:sp>
-      <p:pic>
-        <p:nvPicPr>
-          <p:cNvPr id="14" name="Graphic 6" descr="Amazon Bedrock service icon.">
-            <a:extLst>
-              <a:ext uri="{FF2B5EF4-FFF2-40B4-BE49-F238E27FC236}">
-                <a16:creationId xmlns:a16="http://schemas.microsoft.com/office/drawing/2014/main" id="{4C0A08BC-11C8-B713-FE48-853A93E03F69}"/>
-              </a:ext>
-            </a:extLst>
-          </p:cNvPr>
-          <p:cNvPicPr>
-            <a:picLocks noChangeAspect="1"/>
-          </p:cNvPicPr>
-          <p:nvPr/>
-        </p:nvPicPr>
-        <p:blipFill>
-          <a:blip r:embed="rId6">
-            <a:extLst>
-              <a:ext uri="{96DAC541-7B7A-43D3-8B79-37D633B846F1}">
-                <asvg:svgBlip xmlns:asvg="http://schemas.microsoft.com/office/drawing/2016/SVG/main" r:embed="rId7"/>
-              </a:ext>
-            </a:extLst>
-          </a:blip>
-          <a:srcRect/>
-          <a:stretch/>
-        </p:blipFill>
-        <p:spPr>
-          <a:xfrm>
-            <a:off x="9685221" y="9426021"/>
-            <a:ext cx="1053240" cy="1053240"/>
-          </a:xfrm>
-          <a:prstGeom prst="rect">
-            <a:avLst/>
-          </a:prstGeom>
-        </p:spPr>
-      </p:pic>
-      <p:sp>
-        <p:nvSpPr>
-          <p:cNvPr id="15" name="TextBox 12">
-            <a:extLst>
-              <a:ext uri="{FF2B5EF4-FFF2-40B4-BE49-F238E27FC236}">
-                <a16:creationId xmlns:a16="http://schemas.microsoft.com/office/drawing/2014/main" id="{0347884A-04A2-A40F-4EA8-E1054961E099}"/>
-              </a:ext>
-            </a:extLst>
-          </p:cNvPr>
-          <p:cNvSpPr txBox="1">
-            <a:spLocks noChangeArrowheads="1"/>
-          </p:cNvSpPr>
-          <p:nvPr/>
-        </p:nvSpPr>
-        <p:spPr bwMode="auto">
-          <a:xfrm>
-            <a:off x="9511789" y="10479261"/>
-            <a:ext cx="1400104" cy="369332"/>
-          </a:xfrm>
-          <a:prstGeom prst="rect">
-            <a:avLst/>
-          </a:prstGeom>
-          <a:noFill/>
-          <a:ln>
-            <a:noFill/>
-          </a:ln>
-          <a:extLst>
-            <a:ext uri="{909E8E84-426E-40DD-AFC4-6F175D3DCCD1}">
-              <a14:hiddenFill xmlns:a14="http://schemas.microsoft.com/office/drawing/2010/main">
-                <a:solidFill>
-                  <a:srgbClr val="FFFFFF"/>
-                </a:solidFill>
-              </a14:hiddenFill>
-            </a:ext>
-            <a:ext uri="{91240B29-F687-4F45-9708-019B960494DF}">
-              <a14:hiddenLine xmlns:a14="http://schemas.microsoft.com/office/drawing/2010/main" w="9525">
-                <a:solidFill>
-                  <a:srgbClr val="000000"/>
-                </a:solidFill>
-                <a:miter lim="800000"/>
-                <a:headEnd/>
-                <a:tailEnd/>
-              </a14:hiddenLine>
-            </a:ext>
-          </a:extLst>
-        </p:spPr>
-        <p:txBody>
-          <a:bodyPr wrap="square">
-            <a:spAutoFit/>
-          </a:bodyPr>
-          <a:lstStyle>
-            <a:defPPr>
-              <a:defRPr lang="en-US"/>
-            </a:defPPr>
-            <a:lvl1pPr algn="l" rtl="0" eaLnBrk="0" fontAlgn="base" hangingPunct="0">
-              <a:spcBef>
-                <a:spcPct val="0"/>
-              </a:spcBef>
-              <a:spcAft>
-                <a:spcPct val="0"/>
-              </a:spcAft>
-              <a:defRPr kern="1200">
-                <a:solidFill>
-                  <a:schemeClr val="tx1"/>
-                </a:solidFill>
-                <a:latin typeface="Calibri" panose="020F0502020204030204" pitchFamily="34" charset="0"/>
-                <a:ea typeface="+mn-ea"/>
-                <a:cs typeface="+mn-cs"/>
-              </a:defRPr>
-            </a:lvl1pPr>
-            <a:lvl2pPr marL="457200" algn="l" rtl="0" eaLnBrk="0" fontAlgn="base" hangingPunct="0">
-              <a:spcBef>
-                <a:spcPct val="0"/>
-              </a:spcBef>
-              <a:spcAft>
-                <a:spcPct val="0"/>
-              </a:spcAft>
-              <a:defRPr kern="1200">
-                <a:solidFill>
-                  <a:schemeClr val="tx1"/>
-                </a:solidFill>
-                <a:latin typeface="Calibri" panose="020F0502020204030204" pitchFamily="34" charset="0"/>
-                <a:ea typeface="+mn-ea"/>
-                <a:cs typeface="+mn-cs"/>
-              </a:defRPr>
-            </a:lvl2pPr>
-            <a:lvl3pPr marL="914400" algn="l" rtl="0" eaLnBrk="0" fontAlgn="base" hangingPunct="0">
-              <a:spcBef>
-                <a:spcPct val="0"/>
-              </a:spcBef>
-              <a:spcAft>
-                <a:spcPct val="0"/>
-              </a:spcAft>
-              <a:defRPr kern="1200">
-                <a:solidFill>
-                  <a:schemeClr val="tx1"/>
-                </a:solidFill>
-                <a:latin typeface="Calibri" panose="020F0502020204030204" pitchFamily="34" charset="0"/>
-                <a:ea typeface="+mn-ea"/>
-                <a:cs typeface="+mn-cs"/>
-              </a:defRPr>
-            </a:lvl3pPr>
-            <a:lvl4pPr marL="1371600" algn="l" rtl="0" eaLnBrk="0" fontAlgn="base" hangingPunct="0">
-              <a:spcBef>
-                <a:spcPct val="0"/>
-              </a:spcBef>
-              <a:spcAft>
-                <a:spcPct val="0"/>
-              </a:spcAft>
-              <a:defRPr kern="1200">
-                <a:solidFill>
-                  <a:schemeClr val="tx1"/>
-                </a:solidFill>
-                <a:latin typeface="Calibri" panose="020F0502020204030204" pitchFamily="34" charset="0"/>
-                <a:ea typeface="+mn-ea"/>
-                <a:cs typeface="+mn-cs"/>
-              </a:defRPr>
-            </a:lvl4pPr>
-            <a:lvl5pPr marL="1828800" algn="l" rtl="0" eaLnBrk="0" fontAlgn="base" hangingPunct="0">
-              <a:spcBef>
-                <a:spcPct val="0"/>
-              </a:spcBef>
-              <a:spcAft>
-                <a:spcPct val="0"/>
-              </a:spcAft>
-              <a:defRPr kern="1200">
-                <a:solidFill>
-                  <a:schemeClr val="tx1"/>
-                </a:solidFill>
-                <a:latin typeface="Calibri" panose="020F0502020204030204" pitchFamily="34" charset="0"/>
-                <a:ea typeface="+mn-ea"/>
-                <a:cs typeface="+mn-cs"/>
-              </a:defRPr>
-            </a:lvl5pPr>
-            <a:lvl6pPr marL="2286000" algn="l" defTabSz="914400" rtl="0" eaLnBrk="1" latinLnBrk="0" hangingPunct="1">
-              <a:defRPr kern="1200">
-                <a:solidFill>
-                  <a:schemeClr val="tx1"/>
-                </a:solidFill>
-                <a:latin typeface="Calibri" panose="020F0502020204030204" pitchFamily="34" charset="0"/>
-                <a:ea typeface="+mn-ea"/>
-                <a:cs typeface="+mn-cs"/>
-              </a:defRPr>
-            </a:lvl6pPr>
-            <a:lvl7pPr marL="2743200" algn="l" defTabSz="914400" rtl="0" eaLnBrk="1" latinLnBrk="0" hangingPunct="1">
-              <a:defRPr kern="1200">
-                <a:solidFill>
-                  <a:schemeClr val="tx1"/>
-                </a:solidFill>
-                <a:latin typeface="Calibri" panose="020F0502020204030204" pitchFamily="34" charset="0"/>
-                <a:ea typeface="+mn-ea"/>
-                <a:cs typeface="+mn-cs"/>
-              </a:defRPr>
-            </a:lvl7pPr>
-            <a:lvl8pPr marL="3200400" algn="l" defTabSz="914400" rtl="0" eaLnBrk="1" latinLnBrk="0" hangingPunct="1">
-              <a:defRPr kern="1200">
-                <a:solidFill>
-                  <a:schemeClr val="tx1"/>
-                </a:solidFill>
-                <a:latin typeface="Calibri" panose="020F0502020204030204" pitchFamily="34" charset="0"/>
-                <a:ea typeface="+mn-ea"/>
-                <a:cs typeface="+mn-cs"/>
-              </a:defRPr>
-            </a:lvl8pPr>
-            <a:lvl9pPr marL="3657600" algn="l" defTabSz="914400" rtl="0" eaLnBrk="1" latinLnBrk="0" hangingPunct="1">
-              <a:defRPr kern="1200">
-                <a:solidFill>
-                  <a:schemeClr val="tx1"/>
-                </a:solidFill>
-                <a:latin typeface="Calibri" panose="020F0502020204030204" pitchFamily="34" charset="0"/>
-                <a:ea typeface="+mn-ea"/>
-                <a:cs typeface="+mn-cs"/>
-              </a:defRPr>
-            </a:lvl9pPr>
-          </a:lstStyle>
-          <a:p>
-            <a:pPr algn="ctr" eaLnBrk="1" hangingPunct="1"/>
-            <a:r>
-              <a:rPr lang="en-US" altLang="en-US" dirty="0">
-                <a:latin typeface="Arial" panose="020B0604020202020204" pitchFamily="34" charset="0"/>
-                <a:ea typeface="Amazon Ember" panose="020B0603020204020204" pitchFamily="34" charset="0"/>
-                <a:cs typeface="Arial" panose="020B0604020202020204" pitchFamily="34" charset="0"/>
-              </a:rPr>
-              <a:t>Bedrock</a:t>
-            </a:r>
-          </a:p>
-        </p:txBody>
-      </p:sp>
-      <p:sp>
-        <p:nvSpPr>
-          <p:cNvPr id="21" name="正方形/長方形 20">
-            <a:extLst>
-              <a:ext uri="{FF2B5EF4-FFF2-40B4-BE49-F238E27FC236}">
-                <a16:creationId xmlns:a16="http://schemas.microsoft.com/office/drawing/2014/main" id="{A7D07F43-234D-10FA-868A-CBDEFDBC41B0}"/>
-              </a:ext>
-            </a:extLst>
-          </p:cNvPr>
-          <p:cNvSpPr/>
-          <p:nvPr/>
-        </p:nvSpPr>
-        <p:spPr>
-          <a:xfrm>
-            <a:off x="5160442" y="9577745"/>
-            <a:ext cx="1885309" cy="749792"/>
-          </a:xfrm>
-          <a:prstGeom prst="rect">
-            <a:avLst/>
-          </a:prstGeom>
-        </p:spPr>
-        <p:style>
-          <a:lnRef idx="2">
-            <a:schemeClr val="accent1">
-              <a:shade val="15000"/>
-            </a:schemeClr>
-          </a:lnRef>
-          <a:fillRef idx="1">
-            <a:schemeClr val="accent1"/>
-          </a:fillRef>
-          <a:effectRef idx="0">
-            <a:schemeClr val="accent1"/>
-          </a:effectRef>
-          <a:fontRef idx="minor">
-            <a:schemeClr val="lt1"/>
-          </a:fontRef>
-        </p:style>
-        <p:txBody>
-          <a:bodyPr rtlCol="0" anchor="ctr"/>
-          <a:lstStyle/>
-          <a:p>
-            <a:pPr algn="ctr"/>
-            <a:r>
-              <a:rPr lang="en-US" altLang="ja-JP" sz="1600" dirty="0" err="1">
-                <a:latin typeface="Arial" panose="020B0604020202020204" pitchFamily="34" charset="0"/>
-                <a:cs typeface="Arial" panose="020B0604020202020204" pitchFamily="34" charset="0"/>
-              </a:rPr>
-              <a:t>Invoke_model</a:t>
-            </a:r>
-            <a:r>
-              <a:rPr lang="en-US" altLang="ja-JP" sz="1600" dirty="0">
-                <a:latin typeface="Arial" panose="020B0604020202020204" pitchFamily="34" charset="0"/>
-                <a:cs typeface="Arial" panose="020B0604020202020204" pitchFamily="34" charset="0"/>
-              </a:rPr>
-              <a:t> API</a:t>
-            </a:r>
-            <a:endParaRPr lang="ja-JP" altLang="en-US" sz="1600" dirty="0">
-              <a:latin typeface="Arial" panose="020B0604020202020204" pitchFamily="34" charset="0"/>
-              <a:cs typeface="Arial" panose="020B0604020202020204" pitchFamily="34" charset="0"/>
-            </a:endParaRPr>
-          </a:p>
-        </p:txBody>
-      </p:sp>
-      <p:pic>
-        <p:nvPicPr>
-          <p:cNvPr id="1026" name="Picture 2" descr="ナレッジベースは、Amazon Bedrock でフルマネージド型の RAG エクスペリエンスを提供するようになりました | Amazon Web  Services ブログ">
-            <a:extLst>
-              <a:ext uri="{FF2B5EF4-FFF2-40B4-BE49-F238E27FC236}">
-                <a16:creationId xmlns:a16="http://schemas.microsoft.com/office/drawing/2014/main" id="{29BD7976-2EE8-430E-3FA4-761DE0C40633}"/>
-              </a:ext>
-            </a:extLst>
-          </p:cNvPr>
-          <p:cNvPicPr>
-            <a:picLocks noChangeAspect="1" noChangeArrowheads="1"/>
-          </p:cNvPicPr>
-          <p:nvPr/>
-        </p:nvPicPr>
-        <p:blipFill rotWithShape="1">
-          <a:blip r:embed="rId8">
-            <a:extLst>
-              <a:ext uri="{28A0092B-C50C-407E-A947-70E740481C1C}">
-                <a14:useLocalDpi xmlns:a14="http://schemas.microsoft.com/office/drawing/2010/main" val="0"/>
-              </a:ext>
-            </a:extLst>
-          </a:blip>
-          <a:srcRect l="57371" t="13407" r="14584" b="26868"/>
-          <a:stretch/>
-        </p:blipFill>
-        <p:spPr bwMode="auto">
-          <a:xfrm>
-            <a:off x="9685221" y="6381395"/>
-            <a:ext cx="989138" cy="1053240"/>
-          </a:xfrm>
-          <a:prstGeom prst="rect">
-            <a:avLst/>
-          </a:prstGeom>
-          <a:noFill/>
-          <a:extLst>
-            <a:ext uri="{909E8E84-426E-40DD-AFC4-6F175D3DCCD1}">
-              <a14:hiddenFill xmlns:a14="http://schemas.microsoft.com/office/drawing/2010/main">
-                <a:solidFill>
-                  <a:srgbClr val="FFFFFF"/>
-                </a:solidFill>
-              </a14:hiddenFill>
-            </a:ext>
-          </a:extLst>
-        </p:spPr>
-      </p:pic>
-      <p:sp>
-        <p:nvSpPr>
-          <p:cNvPr id="24" name="TextBox 12">
-            <a:extLst>
-              <a:ext uri="{FF2B5EF4-FFF2-40B4-BE49-F238E27FC236}">
-                <a16:creationId xmlns:a16="http://schemas.microsoft.com/office/drawing/2014/main" id="{5F829B28-B81E-C200-FDA7-00CEAF0C3FA3}"/>
-              </a:ext>
-            </a:extLst>
-          </p:cNvPr>
-          <p:cNvSpPr txBox="1">
-            <a:spLocks noChangeArrowheads="1"/>
-          </p:cNvSpPr>
-          <p:nvPr/>
-        </p:nvSpPr>
-        <p:spPr bwMode="auto">
-          <a:xfrm>
-            <a:off x="9064921" y="7434635"/>
-            <a:ext cx="2229738" cy="369332"/>
-          </a:xfrm>
-          <a:prstGeom prst="rect">
-            <a:avLst/>
-          </a:prstGeom>
-          <a:noFill/>
-          <a:ln>
-            <a:noFill/>
-          </a:ln>
-          <a:extLst>
-            <a:ext uri="{909E8E84-426E-40DD-AFC4-6F175D3DCCD1}">
-              <a14:hiddenFill xmlns:a14="http://schemas.microsoft.com/office/drawing/2010/main">
-                <a:solidFill>
-                  <a:srgbClr val="FFFFFF"/>
-                </a:solidFill>
-              </a14:hiddenFill>
-            </a:ext>
-            <a:ext uri="{91240B29-F687-4F45-9708-019B960494DF}">
-              <a14:hiddenLine xmlns:a14="http://schemas.microsoft.com/office/drawing/2010/main" w="9525">
-                <a:solidFill>
-                  <a:srgbClr val="000000"/>
-                </a:solidFill>
-                <a:miter lim="800000"/>
-                <a:headEnd/>
-                <a:tailEnd/>
-              </a14:hiddenLine>
-            </a:ext>
-          </a:extLst>
-        </p:spPr>
-        <p:txBody>
-          <a:bodyPr wrap="square">
-            <a:spAutoFit/>
-          </a:bodyPr>
-          <a:lstStyle>
-            <a:defPPr>
-              <a:defRPr lang="en-US"/>
-            </a:defPPr>
-            <a:lvl1pPr algn="l" rtl="0" eaLnBrk="0" fontAlgn="base" hangingPunct="0">
-              <a:spcBef>
-                <a:spcPct val="0"/>
-              </a:spcBef>
-              <a:spcAft>
-                <a:spcPct val="0"/>
-              </a:spcAft>
-              <a:defRPr kern="1200">
-                <a:solidFill>
-                  <a:schemeClr val="tx1"/>
-                </a:solidFill>
-                <a:latin typeface="Calibri" panose="020F0502020204030204" pitchFamily="34" charset="0"/>
-                <a:ea typeface="+mn-ea"/>
-                <a:cs typeface="+mn-cs"/>
-              </a:defRPr>
-            </a:lvl1pPr>
-            <a:lvl2pPr marL="457200" algn="l" rtl="0" eaLnBrk="0" fontAlgn="base" hangingPunct="0">
-              <a:spcBef>
-                <a:spcPct val="0"/>
-              </a:spcBef>
-              <a:spcAft>
-                <a:spcPct val="0"/>
-              </a:spcAft>
-              <a:defRPr kern="1200">
-                <a:solidFill>
-                  <a:schemeClr val="tx1"/>
-                </a:solidFill>
-                <a:latin typeface="Calibri" panose="020F0502020204030204" pitchFamily="34" charset="0"/>
-                <a:ea typeface="+mn-ea"/>
-                <a:cs typeface="+mn-cs"/>
-              </a:defRPr>
-            </a:lvl2pPr>
-            <a:lvl3pPr marL="914400" algn="l" rtl="0" eaLnBrk="0" fontAlgn="base" hangingPunct="0">
-              <a:spcBef>
-                <a:spcPct val="0"/>
-              </a:spcBef>
-              <a:spcAft>
-                <a:spcPct val="0"/>
-              </a:spcAft>
-              <a:defRPr kern="1200">
-                <a:solidFill>
-                  <a:schemeClr val="tx1"/>
-                </a:solidFill>
-                <a:latin typeface="Calibri" panose="020F0502020204030204" pitchFamily="34" charset="0"/>
-                <a:ea typeface="+mn-ea"/>
-                <a:cs typeface="+mn-cs"/>
-              </a:defRPr>
-            </a:lvl3pPr>
-            <a:lvl4pPr marL="1371600" algn="l" rtl="0" eaLnBrk="0" fontAlgn="base" hangingPunct="0">
-              <a:spcBef>
-                <a:spcPct val="0"/>
-              </a:spcBef>
-              <a:spcAft>
-                <a:spcPct val="0"/>
-              </a:spcAft>
-              <a:defRPr kern="1200">
-                <a:solidFill>
-                  <a:schemeClr val="tx1"/>
-                </a:solidFill>
-                <a:latin typeface="Calibri" panose="020F0502020204030204" pitchFamily="34" charset="0"/>
-                <a:ea typeface="+mn-ea"/>
-                <a:cs typeface="+mn-cs"/>
-              </a:defRPr>
-            </a:lvl4pPr>
-            <a:lvl5pPr marL="1828800" algn="l" rtl="0" eaLnBrk="0" fontAlgn="base" hangingPunct="0">
-              <a:spcBef>
-                <a:spcPct val="0"/>
-              </a:spcBef>
-              <a:spcAft>
-                <a:spcPct val="0"/>
-              </a:spcAft>
-              <a:defRPr kern="1200">
-                <a:solidFill>
-                  <a:schemeClr val="tx1"/>
-                </a:solidFill>
-                <a:latin typeface="Calibri" panose="020F0502020204030204" pitchFamily="34" charset="0"/>
-                <a:ea typeface="+mn-ea"/>
-                <a:cs typeface="+mn-cs"/>
-              </a:defRPr>
-            </a:lvl5pPr>
-            <a:lvl6pPr marL="2286000" algn="l" defTabSz="914400" rtl="0" eaLnBrk="1" latinLnBrk="0" hangingPunct="1">
-              <a:defRPr kern="1200">
-                <a:solidFill>
-                  <a:schemeClr val="tx1"/>
-                </a:solidFill>
-                <a:latin typeface="Calibri" panose="020F0502020204030204" pitchFamily="34" charset="0"/>
-                <a:ea typeface="+mn-ea"/>
-                <a:cs typeface="+mn-cs"/>
-              </a:defRPr>
-            </a:lvl6pPr>
-            <a:lvl7pPr marL="2743200" algn="l" defTabSz="914400" rtl="0" eaLnBrk="1" latinLnBrk="0" hangingPunct="1">
-              <a:defRPr kern="1200">
-                <a:solidFill>
-                  <a:schemeClr val="tx1"/>
-                </a:solidFill>
-                <a:latin typeface="Calibri" panose="020F0502020204030204" pitchFamily="34" charset="0"/>
-                <a:ea typeface="+mn-ea"/>
-                <a:cs typeface="+mn-cs"/>
-              </a:defRPr>
-            </a:lvl7pPr>
-            <a:lvl8pPr marL="3200400" algn="l" defTabSz="914400" rtl="0" eaLnBrk="1" latinLnBrk="0" hangingPunct="1">
-              <a:defRPr kern="1200">
-                <a:solidFill>
-                  <a:schemeClr val="tx1"/>
-                </a:solidFill>
-                <a:latin typeface="Calibri" panose="020F0502020204030204" pitchFamily="34" charset="0"/>
-                <a:ea typeface="+mn-ea"/>
-                <a:cs typeface="+mn-cs"/>
-              </a:defRPr>
-            </a:lvl8pPr>
-            <a:lvl9pPr marL="3657600" algn="l" defTabSz="914400" rtl="0" eaLnBrk="1" latinLnBrk="0" hangingPunct="1">
-              <a:defRPr kern="1200">
-                <a:solidFill>
-                  <a:schemeClr val="tx1"/>
-                </a:solidFill>
-                <a:latin typeface="Calibri" panose="020F0502020204030204" pitchFamily="34" charset="0"/>
-                <a:ea typeface="+mn-ea"/>
-                <a:cs typeface="+mn-cs"/>
-              </a:defRPr>
-            </a:lvl9pPr>
-          </a:lstStyle>
-          <a:p>
-            <a:pPr algn="ctr" eaLnBrk="1" hangingPunct="1"/>
-            <a:r>
-              <a:rPr lang="en-US" altLang="en-US" dirty="0">
-                <a:latin typeface="Arial" panose="020B0604020202020204" pitchFamily="34" charset="0"/>
-                <a:ea typeface="Amazon Ember" panose="020B0603020204020204" pitchFamily="34" charset="0"/>
-                <a:cs typeface="Arial" panose="020B0604020202020204" pitchFamily="34" charset="0"/>
-              </a:rPr>
-              <a:t>Knowledge Base</a:t>
-            </a:r>
-          </a:p>
-        </p:txBody>
-      </p:sp>
-      <p:cxnSp>
-        <p:nvCxnSpPr>
-          <p:cNvPr id="26" name="直線矢印コネクタ 25">
-            <a:extLst>
-              <a:ext uri="{FF2B5EF4-FFF2-40B4-BE49-F238E27FC236}">
-                <a16:creationId xmlns:a16="http://schemas.microsoft.com/office/drawing/2014/main" id="{9935ADF5-4B99-8B53-B822-B64E37153DED}"/>
-              </a:ext>
-            </a:extLst>
-          </p:cNvPr>
-          <p:cNvCxnSpPr>
-            <a:cxnSpLocks/>
-            <a:endCxn id="12" idx="1"/>
-          </p:cNvCxnSpPr>
-          <p:nvPr/>
-        </p:nvCxnSpPr>
-        <p:spPr>
-          <a:xfrm>
-            <a:off x="2512275" y="6908015"/>
-            <a:ext cx="2648167" cy="0"/>
-          </a:xfrm>
-          <a:prstGeom prst="straightConnector1">
-            <a:avLst/>
-          </a:prstGeom>
-          <a:ln>
-            <a:tailEnd type="triangle"/>
-          </a:ln>
-        </p:spPr>
-        <p:style>
-          <a:lnRef idx="2">
-            <a:schemeClr val="dk1"/>
-          </a:lnRef>
-          <a:fillRef idx="0">
-            <a:schemeClr val="dk1"/>
-          </a:fillRef>
-          <a:effectRef idx="1">
-            <a:schemeClr val="dk1"/>
-          </a:effectRef>
-          <a:fontRef idx="minor">
-            <a:schemeClr val="tx1"/>
-          </a:fontRef>
-        </p:style>
-      </p:cxnSp>
-      <p:cxnSp>
-        <p:nvCxnSpPr>
-          <p:cNvPr id="29" name="直線矢印コネクタ 28">
-            <a:extLst>
-              <a:ext uri="{FF2B5EF4-FFF2-40B4-BE49-F238E27FC236}">
-                <a16:creationId xmlns:a16="http://schemas.microsoft.com/office/drawing/2014/main" id="{B57E80D7-FDAC-73AB-B63A-6D3E54428937}"/>
-              </a:ext>
-            </a:extLst>
-          </p:cNvPr>
-          <p:cNvCxnSpPr>
-            <a:cxnSpLocks/>
-            <a:stCxn id="12" idx="3"/>
-          </p:cNvCxnSpPr>
-          <p:nvPr/>
-        </p:nvCxnSpPr>
-        <p:spPr>
-          <a:xfrm>
-            <a:off x="7045751" y="6908015"/>
-            <a:ext cx="2639471" cy="0"/>
-          </a:xfrm>
-          <a:prstGeom prst="straightConnector1">
-            <a:avLst/>
-          </a:prstGeom>
-          <a:ln>
-            <a:tailEnd type="triangle"/>
-          </a:ln>
-        </p:spPr>
-        <p:style>
-          <a:lnRef idx="2">
-            <a:schemeClr val="dk1"/>
-          </a:lnRef>
-          <a:fillRef idx="0">
-            <a:schemeClr val="dk1"/>
-          </a:fillRef>
-          <a:effectRef idx="1">
-            <a:schemeClr val="dk1"/>
-          </a:effectRef>
-          <a:fontRef idx="minor">
-            <a:schemeClr val="tx1"/>
-          </a:fontRef>
-        </p:style>
-      </p:cxnSp>
-      <p:cxnSp>
-        <p:nvCxnSpPr>
-          <p:cNvPr id="33" name="コネクタ: カギ線 32">
-            <a:extLst>
-              <a:ext uri="{FF2B5EF4-FFF2-40B4-BE49-F238E27FC236}">
-                <a16:creationId xmlns:a16="http://schemas.microsoft.com/office/drawing/2014/main" id="{2715210A-0DD8-AA65-DF18-3DC84C2F7179}"/>
-              </a:ext>
-            </a:extLst>
-          </p:cNvPr>
-          <p:cNvCxnSpPr>
-            <a:cxnSpLocks/>
-            <a:stCxn id="24" idx="2"/>
-          </p:cNvCxnSpPr>
-          <p:nvPr/>
-        </p:nvCxnSpPr>
-        <p:spPr>
-          <a:xfrm rot="5400000">
-            <a:off x="8085999" y="6359600"/>
-            <a:ext cx="649425" cy="3538161"/>
-          </a:xfrm>
-          <a:prstGeom prst="bentConnector2">
-            <a:avLst/>
-          </a:prstGeom>
-          <a:ln>
-            <a:solidFill>
-              <a:schemeClr val="tx1"/>
-            </a:solidFill>
-            <a:tailEnd type="triangle"/>
-          </a:ln>
-        </p:spPr>
-        <p:style>
-          <a:lnRef idx="2">
-            <a:schemeClr val="accent1"/>
-          </a:lnRef>
-          <a:fillRef idx="0">
-            <a:schemeClr val="accent1"/>
-          </a:fillRef>
-          <a:effectRef idx="1">
-            <a:schemeClr val="accent1"/>
-          </a:effectRef>
-          <a:fontRef idx="minor">
-            <a:schemeClr val="tx1"/>
-          </a:fontRef>
-        </p:style>
-      </p:cxnSp>
-      <p:pic>
-        <p:nvPicPr>
-          <p:cNvPr id="44" name="グラフィックス 43" descr="ドキュメント 枠線">
-            <a:extLst>
-              <a:ext uri="{FF2B5EF4-FFF2-40B4-BE49-F238E27FC236}">
-                <a16:creationId xmlns:a16="http://schemas.microsoft.com/office/drawing/2014/main" id="{5B45E4FC-AC82-9D61-D9FA-7C9446A3EC01}"/>
-              </a:ext>
-            </a:extLst>
-          </p:cNvPr>
-          <p:cNvPicPr>
-            <a:picLocks noChangeAspect="1"/>
-          </p:cNvPicPr>
-          <p:nvPr/>
-        </p:nvPicPr>
-        <p:blipFill>
-          <a:blip r:embed="rId9">
-            <a:extLst>
-              <a:ext uri="{28A0092B-C50C-407E-A947-70E740481C1C}">
-                <a14:useLocalDpi xmlns:a14="http://schemas.microsoft.com/office/drawing/2010/main" val="0"/>
-              </a:ext>
-              <a:ext uri="{96DAC541-7B7A-43D3-8B79-37D633B846F1}">
-                <asvg:svgBlip xmlns:asvg="http://schemas.microsoft.com/office/drawing/2016/SVG/main" r:embed="rId10"/>
-              </a:ext>
-            </a:extLst>
-          </a:blip>
-          <a:stretch>
-            <a:fillRect/>
-          </a:stretch>
-        </p:blipFill>
-        <p:spPr>
-          <a:xfrm>
-            <a:off x="5707452" y="7873386"/>
-            <a:ext cx="914400" cy="914400"/>
-          </a:xfrm>
-          <a:prstGeom prst="rect">
-            <a:avLst/>
-          </a:prstGeom>
-        </p:spPr>
-      </p:pic>
-      <p:sp>
-        <p:nvSpPr>
-          <p:cNvPr id="47" name="TextBox 12">
-            <a:extLst>
-              <a:ext uri="{FF2B5EF4-FFF2-40B4-BE49-F238E27FC236}">
-                <a16:creationId xmlns:a16="http://schemas.microsoft.com/office/drawing/2014/main" id="{D2EF52F6-1F79-CEE1-0E90-45AD1D416223}"/>
-              </a:ext>
-            </a:extLst>
-          </p:cNvPr>
-          <p:cNvSpPr txBox="1">
-            <a:spLocks noChangeArrowheads="1"/>
-          </p:cNvSpPr>
-          <p:nvPr/>
-        </p:nvSpPr>
-        <p:spPr bwMode="auto">
-          <a:xfrm>
-            <a:off x="5464600" y="8787786"/>
-            <a:ext cx="1400104" cy="369332"/>
-          </a:xfrm>
-          <a:prstGeom prst="rect">
-            <a:avLst/>
-          </a:prstGeom>
-          <a:noFill/>
-          <a:ln>
-            <a:noFill/>
-          </a:ln>
-          <a:extLst>
-            <a:ext uri="{909E8E84-426E-40DD-AFC4-6F175D3DCCD1}">
-              <a14:hiddenFill xmlns:a14="http://schemas.microsoft.com/office/drawing/2010/main">
-                <a:solidFill>
-                  <a:srgbClr val="FFFFFF"/>
-                </a:solidFill>
-              </a14:hiddenFill>
-            </a:ext>
-            <a:ext uri="{91240B29-F687-4F45-9708-019B960494DF}">
-              <a14:hiddenLine xmlns:a14="http://schemas.microsoft.com/office/drawing/2010/main" w="9525">
-                <a:solidFill>
-                  <a:srgbClr val="000000"/>
-                </a:solidFill>
-                <a:miter lim="800000"/>
-                <a:headEnd/>
-                <a:tailEnd/>
-              </a14:hiddenLine>
-            </a:ext>
-          </a:extLst>
-        </p:spPr>
-        <p:txBody>
-          <a:bodyPr wrap="square">
-            <a:spAutoFit/>
-          </a:bodyPr>
-          <a:lstStyle>
-            <a:defPPr>
-              <a:defRPr lang="en-US"/>
-            </a:defPPr>
-            <a:lvl1pPr algn="l" rtl="0" eaLnBrk="0" fontAlgn="base" hangingPunct="0">
-              <a:spcBef>
-                <a:spcPct val="0"/>
-              </a:spcBef>
-              <a:spcAft>
-                <a:spcPct val="0"/>
-              </a:spcAft>
-              <a:defRPr kern="1200">
-                <a:solidFill>
-                  <a:schemeClr val="tx1"/>
-                </a:solidFill>
-                <a:latin typeface="Calibri" panose="020F0502020204030204" pitchFamily="34" charset="0"/>
-                <a:ea typeface="+mn-ea"/>
-                <a:cs typeface="+mn-cs"/>
-              </a:defRPr>
-            </a:lvl1pPr>
-            <a:lvl2pPr marL="457200" algn="l" rtl="0" eaLnBrk="0" fontAlgn="base" hangingPunct="0">
-              <a:spcBef>
-                <a:spcPct val="0"/>
-              </a:spcBef>
-              <a:spcAft>
-                <a:spcPct val="0"/>
-              </a:spcAft>
-              <a:defRPr kern="1200">
-                <a:solidFill>
-                  <a:schemeClr val="tx1"/>
-                </a:solidFill>
-                <a:latin typeface="Calibri" panose="020F0502020204030204" pitchFamily="34" charset="0"/>
-                <a:ea typeface="+mn-ea"/>
-                <a:cs typeface="+mn-cs"/>
-              </a:defRPr>
-            </a:lvl2pPr>
-            <a:lvl3pPr marL="914400" algn="l" rtl="0" eaLnBrk="0" fontAlgn="base" hangingPunct="0">
-              <a:spcBef>
-                <a:spcPct val="0"/>
-              </a:spcBef>
-              <a:spcAft>
-                <a:spcPct val="0"/>
-              </a:spcAft>
-              <a:defRPr kern="1200">
-                <a:solidFill>
-                  <a:schemeClr val="tx1"/>
-                </a:solidFill>
-                <a:latin typeface="Calibri" panose="020F0502020204030204" pitchFamily="34" charset="0"/>
-                <a:ea typeface="+mn-ea"/>
-                <a:cs typeface="+mn-cs"/>
-              </a:defRPr>
-            </a:lvl3pPr>
-            <a:lvl4pPr marL="1371600" algn="l" rtl="0" eaLnBrk="0" fontAlgn="base" hangingPunct="0">
-              <a:spcBef>
-                <a:spcPct val="0"/>
-              </a:spcBef>
-              <a:spcAft>
-                <a:spcPct val="0"/>
-              </a:spcAft>
-              <a:defRPr kern="1200">
-                <a:solidFill>
-                  <a:schemeClr val="tx1"/>
-                </a:solidFill>
-                <a:latin typeface="Calibri" panose="020F0502020204030204" pitchFamily="34" charset="0"/>
-                <a:ea typeface="+mn-ea"/>
-                <a:cs typeface="+mn-cs"/>
-              </a:defRPr>
-            </a:lvl4pPr>
-            <a:lvl5pPr marL="1828800" algn="l" rtl="0" eaLnBrk="0" fontAlgn="base" hangingPunct="0">
-              <a:spcBef>
-                <a:spcPct val="0"/>
-              </a:spcBef>
-              <a:spcAft>
-                <a:spcPct val="0"/>
-              </a:spcAft>
-              <a:defRPr kern="1200">
-                <a:solidFill>
-                  <a:schemeClr val="tx1"/>
-                </a:solidFill>
-                <a:latin typeface="Calibri" panose="020F0502020204030204" pitchFamily="34" charset="0"/>
-                <a:ea typeface="+mn-ea"/>
-                <a:cs typeface="+mn-cs"/>
-              </a:defRPr>
-            </a:lvl5pPr>
-            <a:lvl6pPr marL="2286000" algn="l" defTabSz="914400" rtl="0" eaLnBrk="1" latinLnBrk="0" hangingPunct="1">
-              <a:defRPr kern="1200">
-                <a:solidFill>
-                  <a:schemeClr val="tx1"/>
-                </a:solidFill>
-                <a:latin typeface="Calibri" panose="020F0502020204030204" pitchFamily="34" charset="0"/>
-                <a:ea typeface="+mn-ea"/>
-                <a:cs typeface="+mn-cs"/>
-              </a:defRPr>
-            </a:lvl6pPr>
-            <a:lvl7pPr marL="2743200" algn="l" defTabSz="914400" rtl="0" eaLnBrk="1" latinLnBrk="0" hangingPunct="1">
-              <a:defRPr kern="1200">
-                <a:solidFill>
-                  <a:schemeClr val="tx1"/>
-                </a:solidFill>
-                <a:latin typeface="Calibri" panose="020F0502020204030204" pitchFamily="34" charset="0"/>
-                <a:ea typeface="+mn-ea"/>
-                <a:cs typeface="+mn-cs"/>
-              </a:defRPr>
-            </a:lvl7pPr>
-            <a:lvl8pPr marL="3200400" algn="l" defTabSz="914400" rtl="0" eaLnBrk="1" latinLnBrk="0" hangingPunct="1">
-              <a:defRPr kern="1200">
-                <a:solidFill>
-                  <a:schemeClr val="tx1"/>
-                </a:solidFill>
-                <a:latin typeface="Calibri" panose="020F0502020204030204" pitchFamily="34" charset="0"/>
-                <a:ea typeface="+mn-ea"/>
-                <a:cs typeface="+mn-cs"/>
-              </a:defRPr>
-            </a:lvl8pPr>
-            <a:lvl9pPr marL="3657600" algn="l" defTabSz="914400" rtl="0" eaLnBrk="1" latinLnBrk="0" hangingPunct="1">
-              <a:defRPr kern="1200">
-                <a:solidFill>
-                  <a:schemeClr val="tx1"/>
-                </a:solidFill>
-                <a:latin typeface="Calibri" panose="020F0502020204030204" pitchFamily="34" charset="0"/>
-                <a:ea typeface="+mn-ea"/>
-                <a:cs typeface="+mn-cs"/>
-              </a:defRPr>
-            </a:lvl9pPr>
-          </a:lstStyle>
-          <a:p>
-            <a:pPr algn="ctr" eaLnBrk="1" hangingPunct="1"/>
-            <a:r>
-              <a:rPr lang="en-US" altLang="en-US" dirty="0">
-                <a:latin typeface="Arial" panose="020B0604020202020204" pitchFamily="34" charset="0"/>
-                <a:ea typeface="Amazon Ember" panose="020B0603020204020204" pitchFamily="34" charset="0"/>
-                <a:cs typeface="Arial" panose="020B0604020202020204" pitchFamily="34" charset="0"/>
-              </a:rPr>
-              <a:t>Contexts</a:t>
-            </a:r>
-          </a:p>
-        </p:txBody>
-      </p:sp>
-      <p:sp>
-        <p:nvSpPr>
-          <p:cNvPr id="51" name="テキスト ボックス 50">
-            <a:extLst>
-              <a:ext uri="{FF2B5EF4-FFF2-40B4-BE49-F238E27FC236}">
-                <a16:creationId xmlns:a16="http://schemas.microsoft.com/office/drawing/2014/main" id="{037D6BB2-A43A-197A-A3D3-C28915F0631A}"/>
-              </a:ext>
-            </a:extLst>
-          </p:cNvPr>
-          <p:cNvSpPr txBox="1"/>
-          <p:nvPr/>
-        </p:nvSpPr>
-        <p:spPr>
-          <a:xfrm>
-            <a:off x="7499927" y="8066591"/>
-            <a:ext cx="1053240" cy="369332"/>
-          </a:xfrm>
-          <a:prstGeom prst="rect">
-            <a:avLst/>
-          </a:prstGeom>
-          <a:noFill/>
-        </p:spPr>
-        <p:txBody>
-          <a:bodyPr wrap="square" rtlCol="0">
-            <a:spAutoFit/>
-          </a:bodyPr>
-          <a:lstStyle/>
-          <a:p>
-            <a:r>
-              <a:rPr lang="en-US" altLang="ja-JP" dirty="0">
-                <a:latin typeface="Arial" panose="020B0604020202020204" pitchFamily="34" charset="0"/>
-                <a:cs typeface="Arial" panose="020B0604020202020204" pitchFamily="34" charset="0"/>
-              </a:rPr>
-              <a:t>Retrieve</a:t>
-            </a:r>
-            <a:endParaRPr lang="ja-JP" altLang="en-US" dirty="0">
-              <a:latin typeface="Arial" panose="020B0604020202020204" pitchFamily="34" charset="0"/>
-              <a:cs typeface="Arial" panose="020B0604020202020204" pitchFamily="34" charset="0"/>
-            </a:endParaRPr>
-          </a:p>
-        </p:txBody>
-      </p:sp>
-      <p:cxnSp>
-        <p:nvCxnSpPr>
-          <p:cNvPr id="54" name="コネクタ: カギ線 53">
-            <a:extLst>
-              <a:ext uri="{FF2B5EF4-FFF2-40B4-BE49-F238E27FC236}">
-                <a16:creationId xmlns:a16="http://schemas.microsoft.com/office/drawing/2014/main" id="{9965ECF0-E10E-08F7-5BAA-658889374259}"/>
-              </a:ext>
-            </a:extLst>
-          </p:cNvPr>
-          <p:cNvCxnSpPr>
-            <a:cxnSpLocks/>
-            <a:endCxn id="21" idx="1"/>
-          </p:cNvCxnSpPr>
-          <p:nvPr/>
-        </p:nvCxnSpPr>
-        <p:spPr>
-          <a:xfrm rot="5400000">
-            <a:off x="4631937" y="8981899"/>
-            <a:ext cx="1499247" cy="442236"/>
-          </a:xfrm>
-          <a:prstGeom prst="bentConnector4">
-            <a:avLst>
-              <a:gd name="adj1" fmla="val 648"/>
-              <a:gd name="adj2" fmla="val 656549"/>
-            </a:avLst>
-          </a:prstGeom>
-          <a:ln>
-            <a:solidFill>
-              <a:schemeClr val="tx1"/>
-            </a:solidFill>
-            <a:tailEnd type="triangle"/>
-          </a:ln>
-        </p:spPr>
-        <p:style>
-          <a:lnRef idx="2">
-            <a:schemeClr val="accent1"/>
-          </a:lnRef>
-          <a:fillRef idx="0">
-            <a:schemeClr val="accent1"/>
-          </a:fillRef>
-          <a:effectRef idx="1">
-            <a:schemeClr val="accent1"/>
-          </a:effectRef>
-          <a:fontRef idx="minor">
-            <a:schemeClr val="tx1"/>
-          </a:fontRef>
-        </p:style>
-      </p:cxnSp>
-      <p:sp>
-        <p:nvSpPr>
-          <p:cNvPr id="1024" name="テキスト ボックス 1023">
-            <a:extLst>
-              <a:ext uri="{FF2B5EF4-FFF2-40B4-BE49-F238E27FC236}">
-                <a16:creationId xmlns:a16="http://schemas.microsoft.com/office/drawing/2014/main" id="{9FC49214-C1C6-7B92-06F5-6CF436F58941}"/>
-              </a:ext>
-            </a:extLst>
-          </p:cNvPr>
-          <p:cNvSpPr txBox="1"/>
-          <p:nvPr/>
-        </p:nvSpPr>
-        <p:spPr>
-          <a:xfrm>
-            <a:off x="2887106" y="8052619"/>
-            <a:ext cx="2648168" cy="369332"/>
-          </a:xfrm>
-          <a:prstGeom prst="rect">
-            <a:avLst/>
-          </a:prstGeom>
-          <a:noFill/>
-        </p:spPr>
-        <p:txBody>
-          <a:bodyPr wrap="square" rtlCol="0">
-            <a:spAutoFit/>
-          </a:bodyPr>
-          <a:lstStyle/>
-          <a:p>
-            <a:r>
-              <a:rPr lang="en-US" altLang="ja-JP" dirty="0">
-                <a:latin typeface="Arial" panose="020B0604020202020204" pitchFamily="34" charset="0"/>
-                <a:cs typeface="Arial" panose="020B0604020202020204" pitchFamily="34" charset="0"/>
-              </a:rPr>
-              <a:t>Prompt Augmentation</a:t>
-            </a:r>
-            <a:endParaRPr lang="ja-JP" altLang="en-US" dirty="0">
-              <a:latin typeface="Arial" panose="020B0604020202020204" pitchFamily="34" charset="0"/>
-              <a:cs typeface="Arial" panose="020B0604020202020204" pitchFamily="34" charset="0"/>
-            </a:endParaRPr>
-          </a:p>
-        </p:txBody>
-      </p:sp>
-      <p:cxnSp>
-        <p:nvCxnSpPr>
-          <p:cNvPr id="1027" name="直線矢印コネクタ 1026">
-            <a:extLst>
-              <a:ext uri="{FF2B5EF4-FFF2-40B4-BE49-F238E27FC236}">
-                <a16:creationId xmlns:a16="http://schemas.microsoft.com/office/drawing/2014/main" id="{588580B4-7C80-8FFA-2BFE-82B56EAACBBD}"/>
-              </a:ext>
-            </a:extLst>
-          </p:cNvPr>
-          <p:cNvCxnSpPr>
-            <a:cxnSpLocks/>
-            <a:stCxn id="21" idx="3"/>
-            <a:endCxn id="14" idx="1"/>
-          </p:cNvCxnSpPr>
-          <p:nvPr/>
-        </p:nvCxnSpPr>
-        <p:spPr>
-          <a:xfrm>
-            <a:off x="7045751" y="9952641"/>
-            <a:ext cx="2639471" cy="0"/>
-          </a:xfrm>
-          <a:prstGeom prst="straightConnector1">
-            <a:avLst/>
-          </a:prstGeom>
-          <a:ln>
-            <a:tailEnd type="triangle"/>
-          </a:ln>
-        </p:spPr>
-        <p:style>
-          <a:lnRef idx="2">
-            <a:schemeClr val="dk1"/>
-          </a:lnRef>
-          <a:fillRef idx="0">
-            <a:schemeClr val="dk1"/>
-          </a:fillRef>
-          <a:effectRef idx="1">
-            <a:schemeClr val="dk1"/>
-          </a:effectRef>
-          <a:fontRef idx="minor">
-            <a:schemeClr val="tx1"/>
-          </a:fontRef>
-        </p:style>
-      </p:cxnSp>
-      <p:cxnSp>
-        <p:nvCxnSpPr>
-          <p:cNvPr id="1031" name="コネクタ: カギ線 1030">
-            <a:extLst>
-              <a:ext uri="{FF2B5EF4-FFF2-40B4-BE49-F238E27FC236}">
-                <a16:creationId xmlns:a16="http://schemas.microsoft.com/office/drawing/2014/main" id="{F7652283-CD3F-3CBC-C872-14FCB6F6E106}"/>
-              </a:ext>
-            </a:extLst>
-          </p:cNvPr>
-          <p:cNvCxnSpPr>
-            <a:cxnSpLocks/>
-            <a:stCxn id="15" idx="2"/>
-            <a:endCxn id="8" idx="2"/>
-          </p:cNvCxnSpPr>
-          <p:nvPr/>
-        </p:nvCxnSpPr>
-        <p:spPr>
-          <a:xfrm rot="5400000" flipH="1">
-            <a:off x="4535620" y="5172373"/>
-            <a:ext cx="3158860" cy="8193583"/>
-          </a:xfrm>
-          <a:prstGeom prst="bentConnector3">
-            <a:avLst>
-              <a:gd name="adj1" fmla="val -18092"/>
-            </a:avLst>
-          </a:prstGeom>
-          <a:ln>
-            <a:solidFill>
-              <a:schemeClr val="tx1"/>
-            </a:solidFill>
-            <a:tailEnd type="triangle"/>
-          </a:ln>
-        </p:spPr>
-        <p:style>
-          <a:lnRef idx="2">
-            <a:schemeClr val="accent1"/>
-          </a:lnRef>
-          <a:fillRef idx="0">
-            <a:schemeClr val="accent1"/>
-          </a:fillRef>
-          <a:effectRef idx="1">
-            <a:schemeClr val="accent1"/>
-          </a:effectRef>
-          <a:fontRef idx="minor">
-            <a:schemeClr val="tx1"/>
-          </a:fontRef>
-        </p:style>
-      </p:cxnSp>
-      <p:sp>
-        <p:nvSpPr>
-          <p:cNvPr id="1055" name="テキスト ボックス 1054">
-            <a:extLst>
-              <a:ext uri="{FF2B5EF4-FFF2-40B4-BE49-F238E27FC236}">
-                <a16:creationId xmlns:a16="http://schemas.microsoft.com/office/drawing/2014/main" id="{7078DCFD-AF49-8CCF-E012-40F97C7B14D6}"/>
-              </a:ext>
-            </a:extLst>
-          </p:cNvPr>
-          <p:cNvSpPr txBox="1"/>
-          <p:nvPr/>
-        </p:nvSpPr>
-        <p:spPr>
-          <a:xfrm>
-            <a:off x="7277955" y="11026814"/>
-            <a:ext cx="2265510" cy="369332"/>
-          </a:xfrm>
-          <a:prstGeom prst="rect">
-            <a:avLst/>
-          </a:prstGeom>
-          <a:noFill/>
-        </p:spPr>
-        <p:txBody>
-          <a:bodyPr wrap="square" rtlCol="0">
-            <a:spAutoFit/>
-          </a:bodyPr>
-          <a:lstStyle/>
-          <a:p>
-            <a:r>
-              <a:rPr lang="en-US" altLang="ja-JP">
-                <a:latin typeface="Arial" panose="020B0604020202020204" pitchFamily="34" charset="0"/>
-                <a:cs typeface="Arial" panose="020B0604020202020204" pitchFamily="34" charset="0"/>
-              </a:rPr>
-              <a:t>Generate Response</a:t>
-            </a:r>
-            <a:endParaRPr lang="ja-JP" altLang="en-US" dirty="0">
-              <a:latin typeface="Arial" panose="020B0604020202020204" pitchFamily="34" charset="0"/>
-              <a:cs typeface="Arial" panose="020B0604020202020204" pitchFamily="34" charset="0"/>
-            </a:endParaRPr>
-          </a:p>
-        </p:txBody>
-      </p:sp>
     </p:spTree>
     <p:extLst>
       <p:ext uri="{BB962C8B-B14F-4D97-AF65-F5344CB8AC3E}">
-        <p14:creationId xmlns:p14="http://schemas.microsoft.com/office/powerpoint/2010/main" val="1063121498"/>
+        <p14:creationId xmlns:p14="http://schemas.microsoft.com/office/powerpoint/2010/main" val="3041682073"/>
       </p:ext>
     </p:extLst>
   </p:cSld>
